--- a/Session 1/Softdev Session 1 2016.pptx
+++ b/Session 1/Softdev Session 1 2016.pptx
@@ -6,8 +6,21 @@
   </p:sldMasterIdLst>
   <p:sldIdLst>
     <p:sldId id="256" r:id="rId2"/>
-    <p:sldId id="257" r:id="rId3"/>
-    <p:sldId id="258" r:id="rId4"/>
+    <p:sldId id="258" r:id="rId3"/>
+    <p:sldId id="259" r:id="rId4"/>
+    <p:sldId id="260" r:id="rId5"/>
+    <p:sldId id="261" r:id="rId6"/>
+    <p:sldId id="262" r:id="rId7"/>
+    <p:sldId id="263" r:id="rId8"/>
+    <p:sldId id="264" r:id="rId9"/>
+    <p:sldId id="265" r:id="rId10"/>
+    <p:sldId id="266" r:id="rId11"/>
+    <p:sldId id="267" r:id="rId12"/>
+    <p:sldId id="268" r:id="rId13"/>
+    <p:sldId id="270" r:id="rId14"/>
+    <p:sldId id="271" r:id="rId15"/>
+    <p:sldId id="269" r:id="rId16"/>
+    <p:sldId id="272" r:id="rId17"/>
   </p:sldIdLst>
   <p:sldSz cx="12192000" cy="6858000"/>
   <p:notesSz cx="6858000" cy="9144000"/>
@@ -300,7 +313,7 @@
           <a:p>
             <a:fld id="{FBDF5932-50BA-4683-BD71-901965AADFF2}" type="datetimeFigureOut">
               <a:rPr lang="en-ZA" smtClean="0"/>
-              <a:t>2016/06/29</a:t>
+              <a:t>2016/08/17</a:t>
             </a:fld>
             <a:endParaRPr lang="en-ZA"/>
           </a:p>
@@ -575,7 +588,7 @@
           <a:p>
             <a:fld id="{FBDF5932-50BA-4683-BD71-901965AADFF2}" type="datetimeFigureOut">
               <a:rPr lang="en-ZA" smtClean="0"/>
-              <a:t>2016/06/29</a:t>
+              <a:t>2016/08/17</a:t>
             </a:fld>
             <a:endParaRPr lang="en-ZA"/>
           </a:p>
@@ -769,7 +782,7 @@
           <a:p>
             <a:fld id="{FBDF5932-50BA-4683-BD71-901965AADFF2}" type="datetimeFigureOut">
               <a:rPr lang="en-ZA" smtClean="0"/>
-              <a:t>2016/06/29</a:t>
+              <a:t>2016/08/17</a:t>
             </a:fld>
             <a:endParaRPr lang="en-ZA"/>
           </a:p>
@@ -1040,7 +1053,7 @@
           <a:p>
             <a:fld id="{FBDF5932-50BA-4683-BD71-901965AADFF2}" type="datetimeFigureOut">
               <a:rPr lang="en-ZA" smtClean="0"/>
-              <a:t>2016/06/29</a:t>
+              <a:t>2016/08/17</a:t>
             </a:fld>
             <a:endParaRPr lang="en-ZA"/>
           </a:p>
@@ -1367,7 +1380,7 @@
           <a:p>
             <a:fld id="{FBDF5932-50BA-4683-BD71-901965AADFF2}" type="datetimeFigureOut">
               <a:rPr lang="en-ZA" smtClean="0"/>
-              <a:t>2016/06/29</a:t>
+              <a:t>2016/08/17</a:t>
             </a:fld>
             <a:endParaRPr lang="en-ZA"/>
           </a:p>
@@ -1986,7 +1999,7 @@
           <a:p>
             <a:fld id="{FBDF5932-50BA-4683-BD71-901965AADFF2}" type="datetimeFigureOut">
               <a:rPr lang="en-ZA" smtClean="0"/>
-              <a:t>2016/06/29</a:t>
+              <a:t>2016/08/17</a:t>
             </a:fld>
             <a:endParaRPr lang="en-ZA"/>
           </a:p>
@@ -2833,7 +2846,7 @@
           <a:p>
             <a:fld id="{FBDF5932-50BA-4683-BD71-901965AADFF2}" type="datetimeFigureOut">
               <a:rPr lang="en-ZA" smtClean="0"/>
-              <a:t>2016/06/29</a:t>
+              <a:t>2016/08/17</a:t>
             </a:fld>
             <a:endParaRPr lang="en-ZA"/>
           </a:p>
@@ -3003,7 +3016,7 @@
           <a:p>
             <a:fld id="{FBDF5932-50BA-4683-BD71-901965AADFF2}" type="datetimeFigureOut">
               <a:rPr lang="en-ZA" smtClean="0"/>
-              <a:t>2016/06/29</a:t>
+              <a:t>2016/08/17</a:t>
             </a:fld>
             <a:endParaRPr lang="en-ZA"/>
           </a:p>
@@ -3183,7 +3196,7 @@
           <a:p>
             <a:fld id="{FBDF5932-50BA-4683-BD71-901965AADFF2}" type="datetimeFigureOut">
               <a:rPr lang="en-ZA" smtClean="0"/>
-              <a:t>2016/06/29</a:t>
+              <a:t>2016/08/17</a:t>
             </a:fld>
             <a:endParaRPr lang="en-ZA"/>
           </a:p>
@@ -3353,7 +3366,7 @@
           <a:p>
             <a:fld id="{FBDF5932-50BA-4683-BD71-901965AADFF2}" type="datetimeFigureOut">
               <a:rPr lang="en-ZA" smtClean="0"/>
-              <a:t>2016/06/29</a:t>
+              <a:t>2016/08/17</a:t>
             </a:fld>
             <a:endParaRPr lang="en-ZA"/>
           </a:p>
@@ -3600,7 +3613,7 @@
           <a:p>
             <a:fld id="{FBDF5932-50BA-4683-BD71-901965AADFF2}" type="datetimeFigureOut">
               <a:rPr lang="en-ZA" smtClean="0"/>
-              <a:t>2016/06/29</a:t>
+              <a:t>2016/08/17</a:t>
             </a:fld>
             <a:endParaRPr lang="en-ZA"/>
           </a:p>
@@ -3892,7 +3905,7 @@
           <a:p>
             <a:fld id="{FBDF5932-50BA-4683-BD71-901965AADFF2}" type="datetimeFigureOut">
               <a:rPr lang="en-ZA" smtClean="0"/>
-              <a:t>2016/06/29</a:t>
+              <a:t>2016/08/17</a:t>
             </a:fld>
             <a:endParaRPr lang="en-ZA"/>
           </a:p>
@@ -4336,7 +4349,7 @@
           <a:p>
             <a:fld id="{FBDF5932-50BA-4683-BD71-901965AADFF2}" type="datetimeFigureOut">
               <a:rPr lang="en-ZA" smtClean="0"/>
-              <a:t>2016/06/29</a:t>
+              <a:t>2016/08/17</a:t>
             </a:fld>
             <a:endParaRPr lang="en-ZA"/>
           </a:p>
@@ -4454,7 +4467,7 @@
           <a:p>
             <a:fld id="{FBDF5932-50BA-4683-BD71-901965AADFF2}" type="datetimeFigureOut">
               <a:rPr lang="en-ZA" smtClean="0"/>
-              <a:t>2016/06/29</a:t>
+              <a:t>2016/08/17</a:t>
             </a:fld>
             <a:endParaRPr lang="en-ZA"/>
           </a:p>
@@ -4549,7 +4562,7 @@
           <a:p>
             <a:fld id="{FBDF5932-50BA-4683-BD71-901965AADFF2}" type="datetimeFigureOut">
               <a:rPr lang="en-ZA" smtClean="0"/>
-              <a:t>2016/06/29</a:t>
+              <a:t>2016/08/17</a:t>
             </a:fld>
             <a:endParaRPr lang="en-ZA"/>
           </a:p>
@@ -4828,7 +4841,7 @@
           <a:p>
             <a:fld id="{FBDF5932-50BA-4683-BD71-901965AADFF2}" type="datetimeFigureOut">
               <a:rPr lang="en-ZA" smtClean="0"/>
-              <a:t>2016/06/29</a:t>
+              <a:t>2016/08/17</a:t>
             </a:fld>
             <a:endParaRPr lang="en-ZA"/>
           </a:p>
@@ -5103,7 +5116,7 @@
           <a:p>
             <a:fld id="{FBDF5932-50BA-4683-BD71-901965AADFF2}" type="datetimeFigureOut">
               <a:rPr lang="en-ZA" smtClean="0"/>
-              <a:t>2016/06/29</a:t>
+              <a:t>2016/08/17</a:t>
             </a:fld>
             <a:endParaRPr lang="en-ZA"/>
           </a:p>
@@ -5526,7 +5539,7 @@
           <a:p>
             <a:fld id="{FBDF5932-50BA-4683-BD71-901965AADFF2}" type="datetimeFigureOut">
               <a:rPr lang="en-ZA" smtClean="0"/>
-              <a:t>2016/06/29</a:t>
+              <a:t>2016/08/17</a:t>
             </a:fld>
             <a:endParaRPr lang="en-ZA"/>
           </a:p>
@@ -6119,10 +6132,862 @@
           </a:p>
         </p:txBody>
       </p:sp>
+      <p:pic>
+        <p:nvPicPr>
+          <p:cNvPr id="4" name="Picture 3"/>
+          <p:cNvPicPr>
+            <a:picLocks noChangeAspect="1"/>
+          </p:cNvPicPr>
+          <p:nvPr/>
+        </p:nvPicPr>
+        <p:blipFill>
+          <a:blip r:embed="rId2">
+            <a:extLst>
+              <a:ext uri="{28A0092B-C50C-407E-A947-70E740481C1C}">
+                <a14:useLocalDpi xmlns:a14="http://schemas.microsoft.com/office/drawing/2010/main" val="0"/>
+              </a:ext>
+            </a:extLst>
+          </a:blip>
+          <a:stretch>
+            <a:fillRect/>
+          </a:stretch>
+        </p:blipFill>
+        <p:spPr>
+          <a:xfrm>
+            <a:off x="9392276" y="5853448"/>
+            <a:ext cx="2799724" cy="1004552"/>
+          </a:xfrm>
+          <a:prstGeom prst="rect">
+            <a:avLst/>
+          </a:prstGeom>
+        </p:spPr>
+      </p:pic>
     </p:spTree>
     <p:extLst>
       <p:ext uri="{BB962C8B-B14F-4D97-AF65-F5344CB8AC3E}">
         <p14:creationId xmlns:p14="http://schemas.microsoft.com/office/powerpoint/2010/main" val="817107129"/>
+      </p:ext>
+    </p:extLst>
+  </p:cSld>
+  <p:clrMapOvr>
+    <a:masterClrMapping/>
+  </p:clrMapOvr>
+</p:sld>
+</file>
+
+<file path=ppt/slides/slide10.xml><?xml version="1.0" encoding="utf-8"?>
+<p:sld xmlns:a="http://schemas.openxmlformats.org/drawingml/2006/main" xmlns:r="http://schemas.openxmlformats.org/officeDocument/2006/relationships" xmlns:p="http://schemas.openxmlformats.org/presentationml/2006/main">
+  <p:cSld>
+    <p:spTree>
+      <p:nvGrpSpPr>
+        <p:cNvPr id="1" name=""/>
+        <p:cNvGrpSpPr/>
+        <p:nvPr/>
+      </p:nvGrpSpPr>
+      <p:grpSpPr>
+        <a:xfrm>
+          <a:off x="0" y="0"/>
+          <a:ext cx="0" cy="0"/>
+          <a:chOff x="0" y="0"/>
+          <a:chExt cx="0" cy="0"/>
+        </a:xfrm>
+      </p:grpSpPr>
+      <p:sp>
+        <p:nvSpPr>
+          <p:cNvPr id="2" name="Title 1"/>
+          <p:cNvSpPr>
+            <a:spLocks noGrp="1"/>
+          </p:cNvSpPr>
+          <p:nvPr>
+            <p:ph type="title"/>
+          </p:nvPr>
+        </p:nvSpPr>
+        <p:spPr>
+          <a:xfrm>
+            <a:off x="646111" y="452718"/>
+            <a:ext cx="9404723" cy="1105626"/>
+          </a:xfrm>
+        </p:spPr>
+        <p:txBody>
+          <a:bodyPr/>
+          <a:lstStyle/>
+          <a:p>
+            <a:r>
+              <a:rPr lang="en-ZA" dirty="0" smtClean="0"/>
+              <a:t>Continuous Integration (CI)</a:t>
+            </a:r>
+            <a:endParaRPr lang="en-ZA" dirty="0"/>
+          </a:p>
+        </p:txBody>
+      </p:sp>
+      <p:sp>
+        <p:nvSpPr>
+          <p:cNvPr id="3" name="Content Placeholder 2"/>
+          <p:cNvSpPr>
+            <a:spLocks noGrp="1"/>
+          </p:cNvSpPr>
+          <p:nvPr>
+            <p:ph idx="1"/>
+          </p:nvPr>
+        </p:nvSpPr>
+        <p:spPr>
+          <a:xfrm>
+            <a:off x="1103312" y="1712890"/>
+            <a:ext cx="8946541" cy="4535509"/>
+          </a:xfrm>
+        </p:spPr>
+        <p:txBody>
+          <a:bodyPr/>
+          <a:lstStyle/>
+          <a:p>
+            <a:r>
+              <a:rPr lang="en-ZA" dirty="0"/>
+              <a:t>Similar concept to source control</a:t>
+            </a:r>
+          </a:p>
+          <a:p>
+            <a:r>
+              <a:rPr lang="en-ZA" dirty="0"/>
+              <a:t>Operates along side source control</a:t>
+            </a:r>
+          </a:p>
+          <a:p>
+            <a:r>
+              <a:rPr lang="en-ZA" dirty="0"/>
+              <a:t>It is a shared repository where the code is pushed periodically by the developer and an automated bot attempts to build the code. </a:t>
+            </a:r>
+          </a:p>
+          <a:p>
+            <a:pPr lvl="2"/>
+            <a:r>
+              <a:rPr lang="en-ZA" dirty="0"/>
+              <a:t>The bot may also just use the source control system and check for any new commits</a:t>
+            </a:r>
+          </a:p>
+          <a:p>
+            <a:r>
+              <a:rPr lang="en-ZA" dirty="0"/>
+              <a:t>Usually there will be some kind of interface where the result of the build is displayed</a:t>
+            </a:r>
+          </a:p>
+          <a:p>
+            <a:pPr lvl="2"/>
+            <a:r>
+              <a:rPr lang="en-ZA" dirty="0"/>
+              <a:t>Either pass or fail</a:t>
+            </a:r>
+          </a:p>
+          <a:p>
+            <a:r>
+              <a:rPr lang="en-ZA" dirty="0"/>
+              <a:t>Some CI systems can also automatically deploy the code to its “live” version</a:t>
+            </a:r>
+          </a:p>
+          <a:p>
+            <a:endParaRPr lang="en-ZA" dirty="0"/>
+          </a:p>
+        </p:txBody>
+      </p:sp>
+    </p:spTree>
+    <p:extLst>
+      <p:ext uri="{BB962C8B-B14F-4D97-AF65-F5344CB8AC3E}">
+        <p14:creationId xmlns:p14="http://schemas.microsoft.com/office/powerpoint/2010/main" val="331715293"/>
+      </p:ext>
+    </p:extLst>
+  </p:cSld>
+  <p:clrMapOvr>
+    <a:masterClrMapping/>
+  </p:clrMapOvr>
+</p:sld>
+</file>
+
+<file path=ppt/slides/slide11.xml><?xml version="1.0" encoding="utf-8"?>
+<p:sld xmlns:a="http://schemas.openxmlformats.org/drawingml/2006/main" xmlns:r="http://schemas.openxmlformats.org/officeDocument/2006/relationships" xmlns:p="http://schemas.openxmlformats.org/presentationml/2006/main">
+  <p:cSld>
+    <p:spTree>
+      <p:nvGrpSpPr>
+        <p:cNvPr id="1" name=""/>
+        <p:cNvGrpSpPr/>
+        <p:nvPr/>
+      </p:nvGrpSpPr>
+      <p:grpSpPr>
+        <a:xfrm>
+          <a:off x="0" y="0"/>
+          <a:ext cx="0" cy="0"/>
+          <a:chOff x="0" y="0"/>
+          <a:chExt cx="0" cy="0"/>
+        </a:xfrm>
+      </p:grpSpPr>
+      <p:sp>
+        <p:nvSpPr>
+          <p:cNvPr id="2" name="Title 1"/>
+          <p:cNvSpPr>
+            <a:spLocks noGrp="1"/>
+          </p:cNvSpPr>
+          <p:nvPr>
+            <p:ph type="title"/>
+          </p:nvPr>
+        </p:nvSpPr>
+        <p:spPr/>
+        <p:txBody>
+          <a:bodyPr/>
+          <a:lstStyle/>
+          <a:p>
+            <a:r>
+              <a:rPr lang="en-ZA" dirty="0" smtClean="0"/>
+              <a:t>Why Use A CI</a:t>
+            </a:r>
+            <a:endParaRPr lang="en-ZA" dirty="0"/>
+          </a:p>
+        </p:txBody>
+      </p:sp>
+      <p:sp>
+        <p:nvSpPr>
+          <p:cNvPr id="3" name="Content Placeholder 2"/>
+          <p:cNvSpPr>
+            <a:spLocks noGrp="1"/>
+          </p:cNvSpPr>
+          <p:nvPr>
+            <p:ph idx="1"/>
+          </p:nvPr>
+        </p:nvSpPr>
+        <p:spPr/>
+        <p:txBody>
+          <a:bodyPr/>
+          <a:lstStyle/>
+          <a:p>
+            <a:r>
+              <a:rPr lang="en-ZA" dirty="0"/>
+              <a:t>Makes sure that the recent code changes are working so that if there is already a released version of the software this update does not break the software</a:t>
+            </a:r>
+          </a:p>
+          <a:p>
+            <a:r>
+              <a:rPr lang="en-ZA" dirty="0"/>
+              <a:t>Allows teams to see where some lower level errors may exist</a:t>
+            </a:r>
+          </a:p>
+          <a:p>
+            <a:r>
+              <a:rPr lang="en-ZA" dirty="0"/>
+              <a:t>In team based projects it is important to see where the latest revision of the project is and if it is indeed working</a:t>
+            </a:r>
+          </a:p>
+          <a:p>
+            <a:r>
+              <a:rPr lang="en-ZA" dirty="0"/>
+              <a:t>Test-first development strategies</a:t>
+            </a:r>
+          </a:p>
+          <a:p>
+            <a:r>
+              <a:rPr lang="en-ZA" dirty="0"/>
+              <a:t>Centralised deployment mechanism</a:t>
+            </a:r>
+          </a:p>
+          <a:p>
+            <a:endParaRPr lang="en-ZA" dirty="0"/>
+          </a:p>
+        </p:txBody>
+      </p:sp>
+    </p:spTree>
+    <p:extLst>
+      <p:ext uri="{BB962C8B-B14F-4D97-AF65-F5344CB8AC3E}">
+        <p14:creationId xmlns:p14="http://schemas.microsoft.com/office/powerpoint/2010/main" val="1357863678"/>
+      </p:ext>
+    </p:extLst>
+  </p:cSld>
+  <p:clrMapOvr>
+    <a:masterClrMapping/>
+  </p:clrMapOvr>
+</p:sld>
+</file>
+
+<file path=ppt/slides/slide12.xml><?xml version="1.0" encoding="utf-8"?>
+<p:sld xmlns:a="http://schemas.openxmlformats.org/drawingml/2006/main" xmlns:r="http://schemas.openxmlformats.org/officeDocument/2006/relationships" xmlns:p="http://schemas.openxmlformats.org/presentationml/2006/main">
+  <p:cSld>
+    <p:spTree>
+      <p:nvGrpSpPr>
+        <p:cNvPr id="1" name=""/>
+        <p:cNvGrpSpPr/>
+        <p:nvPr/>
+      </p:nvGrpSpPr>
+      <p:grpSpPr>
+        <a:xfrm>
+          <a:off x="0" y="0"/>
+          <a:ext cx="0" cy="0"/>
+          <a:chOff x="0" y="0"/>
+          <a:chExt cx="0" cy="0"/>
+        </a:xfrm>
+      </p:grpSpPr>
+      <p:sp>
+        <p:nvSpPr>
+          <p:cNvPr id="2" name="Title 1"/>
+          <p:cNvSpPr>
+            <a:spLocks noGrp="1"/>
+          </p:cNvSpPr>
+          <p:nvPr>
+            <p:ph type="title"/>
+          </p:nvPr>
+        </p:nvSpPr>
+        <p:spPr/>
+        <p:txBody>
+          <a:bodyPr/>
+          <a:lstStyle/>
+          <a:p>
+            <a:r>
+              <a:rPr lang="en-ZA" dirty="0" smtClean="0"/>
+              <a:t>Examples of Online CI Services</a:t>
+            </a:r>
+            <a:endParaRPr lang="en-ZA" dirty="0"/>
+          </a:p>
+        </p:txBody>
+      </p:sp>
+      <p:sp>
+        <p:nvSpPr>
+          <p:cNvPr id="3" name="Content Placeholder 2"/>
+          <p:cNvSpPr>
+            <a:spLocks noGrp="1"/>
+          </p:cNvSpPr>
+          <p:nvPr>
+            <p:ph idx="1"/>
+          </p:nvPr>
+        </p:nvSpPr>
+        <p:spPr/>
+        <p:txBody>
+          <a:bodyPr/>
+          <a:lstStyle/>
+          <a:p>
+            <a:r>
+              <a:rPr lang="en-ZA" dirty="0">
+                <a:hlinkClick r:id="rId2"/>
+              </a:rPr>
+              <a:t>https://travis-ci.org</a:t>
+            </a:r>
+            <a:r>
+              <a:rPr lang="en-ZA" dirty="0" smtClean="0">
+                <a:hlinkClick r:id="rId2"/>
+              </a:rPr>
+              <a:t>/</a:t>
+            </a:r>
+            <a:endParaRPr lang="en-ZA" dirty="0" smtClean="0"/>
+          </a:p>
+          <a:p>
+            <a:r>
+              <a:rPr lang="en-ZA" dirty="0">
+                <a:hlinkClick r:id="rId3"/>
+              </a:rPr>
+              <a:t>https://www.appveyor.com</a:t>
+            </a:r>
+            <a:r>
+              <a:rPr lang="en-ZA" dirty="0" smtClean="0">
+                <a:hlinkClick r:id="rId3"/>
+              </a:rPr>
+              <a:t>/</a:t>
+            </a:r>
+            <a:endParaRPr lang="en-ZA" dirty="0" smtClean="0"/>
+          </a:p>
+          <a:p>
+            <a:endParaRPr lang="en-ZA" dirty="0"/>
+          </a:p>
+          <a:p>
+            <a:r>
+              <a:rPr lang="en-ZA" dirty="0" smtClean="0"/>
+              <a:t>We will cover testing later</a:t>
+            </a:r>
+            <a:endParaRPr lang="en-ZA" dirty="0"/>
+          </a:p>
+        </p:txBody>
+      </p:sp>
+    </p:spTree>
+    <p:extLst>
+      <p:ext uri="{BB962C8B-B14F-4D97-AF65-F5344CB8AC3E}">
+        <p14:creationId xmlns:p14="http://schemas.microsoft.com/office/powerpoint/2010/main" val="913708809"/>
+      </p:ext>
+    </p:extLst>
+  </p:cSld>
+  <p:clrMapOvr>
+    <a:masterClrMapping/>
+  </p:clrMapOvr>
+</p:sld>
+</file>
+
+<file path=ppt/slides/slide13.xml><?xml version="1.0" encoding="utf-8"?>
+<p:sld xmlns:a="http://schemas.openxmlformats.org/drawingml/2006/main" xmlns:r="http://schemas.openxmlformats.org/officeDocument/2006/relationships" xmlns:p="http://schemas.openxmlformats.org/presentationml/2006/main">
+  <p:cSld>
+    <p:spTree>
+      <p:nvGrpSpPr>
+        <p:cNvPr id="1" name=""/>
+        <p:cNvGrpSpPr/>
+        <p:nvPr/>
+      </p:nvGrpSpPr>
+      <p:grpSpPr>
+        <a:xfrm>
+          <a:off x="0" y="0"/>
+          <a:ext cx="0" cy="0"/>
+          <a:chOff x="0" y="0"/>
+          <a:chExt cx="0" cy="0"/>
+        </a:xfrm>
+      </p:grpSpPr>
+      <p:sp>
+        <p:nvSpPr>
+          <p:cNvPr id="2" name="Title 1"/>
+          <p:cNvSpPr>
+            <a:spLocks noGrp="1"/>
+          </p:cNvSpPr>
+          <p:nvPr>
+            <p:ph type="title"/>
+          </p:nvPr>
+        </p:nvSpPr>
+        <p:spPr/>
+        <p:txBody>
+          <a:bodyPr/>
+          <a:lstStyle/>
+          <a:p>
+            <a:r>
+              <a:rPr lang="en-ZA" dirty="0" smtClean="0"/>
+              <a:t>Use Cases</a:t>
+            </a:r>
+            <a:endParaRPr lang="en-ZA" dirty="0"/>
+          </a:p>
+        </p:txBody>
+      </p:sp>
+      <p:sp>
+        <p:nvSpPr>
+          <p:cNvPr id="3" name="Content Placeholder 2"/>
+          <p:cNvSpPr>
+            <a:spLocks noGrp="1"/>
+          </p:cNvSpPr>
+          <p:nvPr>
+            <p:ph idx="1"/>
+          </p:nvPr>
+        </p:nvSpPr>
+        <p:spPr/>
+        <p:txBody>
+          <a:bodyPr/>
+          <a:lstStyle/>
+          <a:p>
+            <a:r>
+              <a:rPr lang="en-ZA" dirty="0"/>
+              <a:t>A structured way to show a mapping between one or few actions and 1 or few objects</a:t>
+            </a:r>
+          </a:p>
+          <a:p>
+            <a:r>
+              <a:rPr lang="en-ZA" dirty="0"/>
+              <a:t>Usually dictated as noun </a:t>
+            </a:r>
+            <a:r>
+              <a:rPr lang="en-ZA" dirty="0">
+                <a:sym typeface="Wingdings" panose="05000000000000000000" pitchFamily="2" charset="2"/>
+              </a:rPr>
+              <a:t> verb  noun</a:t>
+            </a:r>
+          </a:p>
+          <a:p>
+            <a:r>
+              <a:rPr lang="en-ZA" dirty="0">
+                <a:sym typeface="Wingdings" panose="05000000000000000000" pitchFamily="2" charset="2"/>
+              </a:rPr>
+              <a:t>E.g. </a:t>
+            </a:r>
+          </a:p>
+          <a:p>
+            <a:pPr lvl="2"/>
+            <a:r>
+              <a:rPr lang="en-ZA" dirty="0">
+                <a:sym typeface="Wingdings" panose="05000000000000000000" pitchFamily="2" charset="2"/>
+              </a:rPr>
+              <a:t>The manager hires new employees</a:t>
+            </a:r>
+          </a:p>
+          <a:p>
+            <a:pPr lvl="2"/>
+            <a:r>
+              <a:rPr lang="en-ZA" dirty="0">
+                <a:sym typeface="Wingdings" panose="05000000000000000000" pitchFamily="2" charset="2"/>
+              </a:rPr>
+              <a:t>The doctor treats patients</a:t>
+            </a:r>
+          </a:p>
+          <a:p>
+            <a:r>
+              <a:rPr lang="en-ZA" dirty="0">
+                <a:sym typeface="Wingdings" panose="05000000000000000000" pitchFamily="2" charset="2"/>
+              </a:rPr>
+              <a:t>Mappings related to how the data is stored and what screens are shown to the user</a:t>
+            </a:r>
+          </a:p>
+          <a:p>
+            <a:r>
+              <a:rPr lang="en-ZA" dirty="0">
+                <a:sym typeface="Wingdings" panose="05000000000000000000" pitchFamily="2" charset="2"/>
+              </a:rPr>
+              <a:t>Important way to constrain the problem in order to make it easier to deal with</a:t>
+            </a:r>
+          </a:p>
+          <a:p>
+            <a:pPr lvl="3"/>
+            <a:endParaRPr lang="en-ZA" dirty="0"/>
+          </a:p>
+          <a:p>
+            <a:endParaRPr lang="en-ZA" dirty="0"/>
+          </a:p>
+        </p:txBody>
+      </p:sp>
+    </p:spTree>
+    <p:extLst>
+      <p:ext uri="{BB962C8B-B14F-4D97-AF65-F5344CB8AC3E}">
+        <p14:creationId xmlns:p14="http://schemas.microsoft.com/office/powerpoint/2010/main" val="3742386237"/>
+      </p:ext>
+    </p:extLst>
+  </p:cSld>
+  <p:clrMapOvr>
+    <a:masterClrMapping/>
+  </p:clrMapOvr>
+</p:sld>
+</file>
+
+<file path=ppt/slides/slide14.xml><?xml version="1.0" encoding="utf-8"?>
+<p:sld xmlns:a="http://schemas.openxmlformats.org/drawingml/2006/main" xmlns:r="http://schemas.openxmlformats.org/officeDocument/2006/relationships" xmlns:p="http://schemas.openxmlformats.org/presentationml/2006/main">
+  <p:cSld>
+    <p:spTree>
+      <p:nvGrpSpPr>
+        <p:cNvPr id="1" name=""/>
+        <p:cNvGrpSpPr/>
+        <p:nvPr/>
+      </p:nvGrpSpPr>
+      <p:grpSpPr>
+        <a:xfrm>
+          <a:off x="0" y="0"/>
+          <a:ext cx="0" cy="0"/>
+          <a:chOff x="0" y="0"/>
+          <a:chExt cx="0" cy="0"/>
+        </a:xfrm>
+      </p:grpSpPr>
+      <p:sp>
+        <p:nvSpPr>
+          <p:cNvPr id="2" name="Title 1"/>
+          <p:cNvSpPr>
+            <a:spLocks noGrp="1"/>
+          </p:cNvSpPr>
+          <p:nvPr>
+            <p:ph type="title"/>
+          </p:nvPr>
+        </p:nvSpPr>
+        <p:spPr/>
+        <p:txBody>
+          <a:bodyPr/>
+          <a:lstStyle/>
+          <a:p>
+            <a:r>
+              <a:rPr lang="en-ZA" dirty="0" smtClean="0"/>
+              <a:t>User Stories</a:t>
+            </a:r>
+            <a:endParaRPr lang="en-ZA" dirty="0"/>
+          </a:p>
+        </p:txBody>
+      </p:sp>
+      <p:sp>
+        <p:nvSpPr>
+          <p:cNvPr id="3" name="Content Placeholder 2"/>
+          <p:cNvSpPr>
+            <a:spLocks noGrp="1"/>
+          </p:cNvSpPr>
+          <p:nvPr>
+            <p:ph idx="1"/>
+          </p:nvPr>
+        </p:nvSpPr>
+        <p:spPr/>
+        <p:txBody>
+          <a:bodyPr/>
+          <a:lstStyle/>
+          <a:p>
+            <a:r>
+              <a:rPr lang="en-ZA" dirty="0" smtClean="0"/>
+              <a:t>Similar to use cases but is in story form</a:t>
+            </a:r>
+          </a:p>
+          <a:p>
+            <a:r>
+              <a:rPr lang="en-ZA" dirty="0" smtClean="0"/>
+              <a:t>The “user” is usually a made up persona which represents the type of person most likely to use the piece of software.</a:t>
+            </a:r>
+          </a:p>
+          <a:p>
+            <a:r>
+              <a:rPr lang="en-ZA" dirty="0" smtClean="0"/>
+              <a:t>An example is shown later</a:t>
+            </a:r>
+          </a:p>
+          <a:p>
+            <a:endParaRPr lang="en-ZA" dirty="0"/>
+          </a:p>
+        </p:txBody>
+      </p:sp>
+    </p:spTree>
+    <p:extLst>
+      <p:ext uri="{BB962C8B-B14F-4D97-AF65-F5344CB8AC3E}">
+        <p14:creationId xmlns:p14="http://schemas.microsoft.com/office/powerpoint/2010/main" val="559374735"/>
+      </p:ext>
+    </p:extLst>
+  </p:cSld>
+  <p:clrMapOvr>
+    <a:masterClrMapping/>
+  </p:clrMapOvr>
+</p:sld>
+</file>
+
+<file path=ppt/slides/slide15.xml><?xml version="1.0" encoding="utf-8"?>
+<p:sld xmlns:a="http://schemas.openxmlformats.org/drawingml/2006/main" xmlns:r="http://schemas.openxmlformats.org/officeDocument/2006/relationships" xmlns:p="http://schemas.openxmlformats.org/presentationml/2006/main">
+  <p:cSld>
+    <p:spTree>
+      <p:nvGrpSpPr>
+        <p:cNvPr id="1" name=""/>
+        <p:cNvGrpSpPr/>
+        <p:nvPr/>
+      </p:nvGrpSpPr>
+      <p:grpSpPr>
+        <a:xfrm>
+          <a:off x="0" y="0"/>
+          <a:ext cx="0" cy="0"/>
+          <a:chOff x="0" y="0"/>
+          <a:chExt cx="0" cy="0"/>
+        </a:xfrm>
+      </p:grpSpPr>
+      <p:sp>
+        <p:nvSpPr>
+          <p:cNvPr id="2" name="Title 1"/>
+          <p:cNvSpPr>
+            <a:spLocks noGrp="1"/>
+          </p:cNvSpPr>
+          <p:nvPr>
+            <p:ph type="title"/>
+          </p:nvPr>
+        </p:nvSpPr>
+        <p:spPr/>
+        <p:txBody>
+          <a:bodyPr/>
+          <a:lstStyle/>
+          <a:p>
+            <a:r>
+              <a:rPr lang="en-ZA" dirty="0" smtClean="0"/>
+              <a:t>Issue / Ticket Tracking</a:t>
+            </a:r>
+            <a:endParaRPr lang="en-ZA" dirty="0"/>
+          </a:p>
+        </p:txBody>
+      </p:sp>
+      <p:sp>
+        <p:nvSpPr>
+          <p:cNvPr id="3" name="Content Placeholder 2"/>
+          <p:cNvSpPr>
+            <a:spLocks noGrp="1"/>
+          </p:cNvSpPr>
+          <p:nvPr>
+            <p:ph idx="1"/>
+          </p:nvPr>
+        </p:nvSpPr>
+        <p:spPr/>
+        <p:txBody>
+          <a:bodyPr/>
+          <a:lstStyle/>
+          <a:p>
+            <a:r>
+              <a:rPr lang="en-ZA" dirty="0" err="1" smtClean="0"/>
+              <a:t>GitHub</a:t>
+            </a:r>
+            <a:r>
+              <a:rPr lang="en-ZA" dirty="0" smtClean="0"/>
+              <a:t> has it built in</a:t>
+            </a:r>
+          </a:p>
+          <a:p>
+            <a:r>
+              <a:rPr lang="en-ZA" dirty="0">
+                <a:hlinkClick r:id="rId2"/>
+              </a:rPr>
+              <a:t>http://waffle.io</a:t>
+            </a:r>
+            <a:r>
+              <a:rPr lang="en-ZA" dirty="0" smtClean="0">
+                <a:hlinkClick r:id="rId2"/>
+              </a:rPr>
+              <a:t>/</a:t>
+            </a:r>
+            <a:endParaRPr lang="en-ZA" dirty="0" smtClean="0"/>
+          </a:p>
+          <a:p>
+            <a:r>
+              <a:rPr lang="en-ZA" dirty="0" smtClean="0"/>
+              <a:t>Similar concept to the tickets a kitchen at a restaurant gets for an order</a:t>
+            </a:r>
+          </a:p>
+          <a:p>
+            <a:r>
+              <a:rPr lang="en-ZA" dirty="0" smtClean="0"/>
+              <a:t>Based on the use cases / user stories</a:t>
+            </a:r>
+          </a:p>
+          <a:p>
+            <a:r>
+              <a:rPr lang="en-ZA" dirty="0" smtClean="0"/>
+              <a:t>Usually subtasks of a much larger objective based on a specific use case</a:t>
+            </a:r>
+            <a:endParaRPr lang="en-ZA" dirty="0"/>
+          </a:p>
+        </p:txBody>
+      </p:sp>
+    </p:spTree>
+    <p:extLst>
+      <p:ext uri="{BB962C8B-B14F-4D97-AF65-F5344CB8AC3E}">
+        <p14:creationId xmlns:p14="http://schemas.microsoft.com/office/powerpoint/2010/main" val="3820039313"/>
+      </p:ext>
+    </p:extLst>
+  </p:cSld>
+  <p:clrMapOvr>
+    <a:masterClrMapping/>
+  </p:clrMapOvr>
+</p:sld>
+</file>
+
+<file path=ppt/slides/slide16.xml><?xml version="1.0" encoding="utf-8"?>
+<p:sld xmlns:a="http://schemas.openxmlformats.org/drawingml/2006/main" xmlns:r="http://schemas.openxmlformats.org/officeDocument/2006/relationships" xmlns:p="http://schemas.openxmlformats.org/presentationml/2006/main">
+  <p:cSld>
+    <p:spTree>
+      <p:nvGrpSpPr>
+        <p:cNvPr id="1" name=""/>
+        <p:cNvGrpSpPr/>
+        <p:nvPr/>
+      </p:nvGrpSpPr>
+      <p:grpSpPr>
+        <a:xfrm>
+          <a:off x="0" y="0"/>
+          <a:ext cx="0" cy="0"/>
+          <a:chOff x="0" y="0"/>
+          <a:chExt cx="0" cy="0"/>
+        </a:xfrm>
+      </p:grpSpPr>
+      <p:sp>
+        <p:nvSpPr>
+          <p:cNvPr id="2" name="Title 1"/>
+          <p:cNvSpPr>
+            <a:spLocks noGrp="1"/>
+          </p:cNvSpPr>
+          <p:nvPr>
+            <p:ph type="title"/>
+          </p:nvPr>
+        </p:nvSpPr>
+        <p:spPr/>
+        <p:txBody>
+          <a:bodyPr/>
+          <a:lstStyle/>
+          <a:p>
+            <a:r>
+              <a:rPr lang="en-ZA" dirty="0" smtClean="0"/>
+              <a:t>An Example Using </a:t>
+            </a:r>
+            <a:r>
+              <a:rPr lang="en-ZA" dirty="0" err="1" smtClean="0"/>
+              <a:t>NodeJS</a:t>
+            </a:r>
+            <a:endParaRPr lang="en-ZA" dirty="0"/>
+          </a:p>
+        </p:txBody>
+      </p:sp>
+      <p:sp>
+        <p:nvSpPr>
+          <p:cNvPr id="3" name="Content Placeholder 2"/>
+          <p:cNvSpPr>
+            <a:spLocks noGrp="1"/>
+          </p:cNvSpPr>
+          <p:nvPr>
+            <p:ph idx="1"/>
+          </p:nvPr>
+        </p:nvSpPr>
+        <p:spPr/>
+        <p:txBody>
+          <a:bodyPr/>
+          <a:lstStyle/>
+          <a:p>
+            <a:r>
+              <a:rPr lang="en-ZA" dirty="0" smtClean="0"/>
+              <a:t>The main code example will be the game </a:t>
+            </a:r>
+            <a:r>
+              <a:rPr lang="en-ZA" dirty="0" err="1" smtClean="0"/>
+              <a:t>TicTacToe</a:t>
+            </a:r>
+            <a:r>
+              <a:rPr lang="en-ZA" dirty="0" smtClean="0"/>
+              <a:t>.</a:t>
+            </a:r>
+          </a:p>
+          <a:p>
+            <a:r>
+              <a:rPr lang="en-ZA" dirty="0" smtClean="0"/>
+              <a:t>A User Story: “Dave loves the game </a:t>
+            </a:r>
+            <a:r>
+              <a:rPr lang="en-ZA" dirty="0" err="1" smtClean="0"/>
+              <a:t>TicTacToe</a:t>
+            </a:r>
+            <a:r>
+              <a:rPr lang="en-ZA" dirty="0" smtClean="0"/>
+              <a:t>. Unfortunately Dave has no one to play the game with. He would like to be able to play the game on his computer. He wants to be able to see a game board and input the move he wants to make when it is his turn.”</a:t>
+            </a:r>
+          </a:p>
+          <a:p>
+            <a:r>
+              <a:rPr lang="en-ZA" dirty="0" smtClean="0"/>
+              <a:t>Use Cases:</a:t>
+            </a:r>
+          </a:p>
+          <a:p>
+            <a:pPr lvl="1"/>
+            <a:r>
+              <a:rPr lang="en-ZA" dirty="0" smtClean="0"/>
+              <a:t>The Computer Starts A New Game</a:t>
+            </a:r>
+          </a:p>
+          <a:p>
+            <a:pPr lvl="1"/>
+            <a:r>
+              <a:rPr lang="en-ZA" dirty="0" smtClean="0"/>
+              <a:t>The Computer Makes the First Move</a:t>
+            </a:r>
+          </a:p>
+          <a:p>
+            <a:pPr lvl="1"/>
+            <a:r>
+              <a:rPr lang="en-ZA" dirty="0" smtClean="0"/>
+              <a:t>The User Can Make Moves</a:t>
+            </a:r>
+          </a:p>
+          <a:p>
+            <a:pPr lvl="1"/>
+            <a:r>
+              <a:rPr lang="en-ZA" dirty="0" smtClean="0"/>
+              <a:t>Player Wins When Three Squares In A Row are Captured</a:t>
+            </a:r>
+          </a:p>
+          <a:p>
+            <a:pPr lvl="1"/>
+            <a:r>
+              <a:rPr lang="en-ZA" dirty="0" smtClean="0"/>
+              <a:t>The Winner </a:t>
+            </a:r>
+            <a:r>
+              <a:rPr lang="en-ZA" smtClean="0"/>
+              <a:t>is Declared</a:t>
+            </a:r>
+          </a:p>
+        </p:txBody>
+      </p:sp>
+    </p:spTree>
+    <p:extLst>
+      <p:ext uri="{BB962C8B-B14F-4D97-AF65-F5344CB8AC3E}">
+        <p14:creationId xmlns:p14="http://schemas.microsoft.com/office/powerpoint/2010/main" val="1747548671"/>
       </p:ext>
     </p:extLst>
   </p:cSld>
@@ -6166,7 +7031,7 @@
           <a:p>
             <a:r>
               <a:rPr lang="en-ZA" dirty="0" smtClean="0"/>
-              <a:t>Agenda and Focus</a:t>
+              <a:t>Introduction</a:t>
             </a:r>
             <a:endParaRPr lang="en-ZA" dirty="0"/>
           </a:p>
@@ -6174,7 +7039,7 @@
       </p:sp>
       <p:sp>
         <p:nvSpPr>
-          <p:cNvPr id="4" name="Content Placeholder 2"/>
+          <p:cNvPr id="3" name="Content Placeholder 2"/>
           <p:cNvSpPr>
             <a:spLocks noGrp="1"/>
           </p:cNvSpPr>
@@ -6189,41 +7054,80 @@
           <a:p>
             <a:r>
               <a:rPr lang="en-ZA" dirty="0" smtClean="0"/>
-              <a:t>There will be 10 sessions in the second semester.</a:t>
+              <a:t>This course is designed to help introduce you to the world of software development.</a:t>
             </a:r>
           </a:p>
           <a:p>
             <a:r>
               <a:rPr lang="en-ZA" dirty="0" smtClean="0"/>
-              <a:t>Today is an introductory lecture</a:t>
+              <a:t>It will provide a taste of what to expect</a:t>
             </a:r>
           </a:p>
           <a:p>
             <a:pPr lvl="1"/>
             <a:r>
               <a:rPr lang="en-ZA" dirty="0" smtClean="0"/>
-              <a:t>Looking at some of the tools we will be using</a:t>
+              <a:t>And some links will be provided.</a:t>
+            </a:r>
+          </a:p>
+          <a:p>
+            <a:r>
+              <a:rPr lang="en-ZA" dirty="0" smtClean="0"/>
+              <a:t>We will be using the MEAN stack.</a:t>
             </a:r>
           </a:p>
           <a:p>
             <a:pPr lvl="1"/>
             <a:r>
               <a:rPr lang="en-ZA" dirty="0" smtClean="0"/>
-              <a:t>Format of future sessions</a:t>
-            </a:r>
-          </a:p>
-          <a:p>
-            <a:pPr lvl="1"/>
+              <a:t>This </a:t>
+            </a:r>
+            <a:r>
+              <a:rPr lang="en-ZA" dirty="0"/>
+              <a:t>contains </a:t>
+            </a:r>
+            <a:r>
+              <a:rPr lang="en-ZA" dirty="0" err="1"/>
+              <a:t>NodeJS</a:t>
+            </a:r>
+            <a:r>
+              <a:rPr lang="en-ZA" dirty="0"/>
+              <a:t>, </a:t>
+            </a:r>
+            <a:r>
+              <a:rPr lang="en-ZA" dirty="0" err="1"/>
+              <a:t>ExpressJS</a:t>
+            </a:r>
+            <a:r>
+              <a:rPr lang="en-ZA" dirty="0"/>
+              <a:t>, </a:t>
+            </a:r>
+            <a:r>
+              <a:rPr lang="en-ZA" dirty="0" err="1"/>
+              <a:t>AngularJS</a:t>
+            </a:r>
+            <a:r>
+              <a:rPr lang="en-ZA" dirty="0"/>
+              <a:t> and </a:t>
+            </a:r>
+            <a:r>
+              <a:rPr lang="en-ZA" dirty="0" err="1" smtClean="0"/>
+              <a:t>MongoDb</a:t>
+            </a:r>
+            <a:endParaRPr lang="en-ZA" dirty="0" smtClean="0"/>
+          </a:p>
+          <a:p>
             <a:r>
               <a:rPr lang="en-ZA" dirty="0" smtClean="0"/>
-              <a:t>Design Concepts</a:t>
-            </a:r>
-          </a:p>
-          <a:p>
-            <a:pPr lvl="1"/>
+              <a:t>This lesson we will be covering </a:t>
+            </a:r>
+            <a:r>
+              <a:rPr lang="en-ZA" dirty="0" err="1" smtClean="0"/>
+              <a:t>NodeJS</a:t>
+            </a:r>
             <a:r>
               <a:rPr lang="en-ZA" dirty="0" smtClean="0"/>
-              <a:t>A small coding session</a:t>
+              <a:t> and some basic concepts.</a:t>
             </a:r>
             <a:endParaRPr lang="en-ZA" dirty="0"/>
           </a:p>
@@ -6232,7 +7136,7 @@
     </p:spTree>
     <p:extLst>
       <p:ext uri="{BB962C8B-B14F-4D97-AF65-F5344CB8AC3E}">
-        <p14:creationId xmlns:p14="http://schemas.microsoft.com/office/powerpoint/2010/main" val="2024638333"/>
+        <p14:creationId xmlns:p14="http://schemas.microsoft.com/office/powerpoint/2010/main" val="3204577302"/>
       </p:ext>
     </p:extLst>
   </p:cSld>
@@ -6274,7 +7178,11 @@
           <a:bodyPr/>
           <a:lstStyle/>
           <a:p>
-            <a:endParaRPr lang="en-ZA"/>
+            <a:r>
+              <a:rPr lang="en-ZA" dirty="0" smtClean="0"/>
+              <a:t>Some Interesting Links</a:t>
+            </a:r>
+            <a:endParaRPr lang="en-ZA" dirty="0"/>
           </a:p>
         </p:txBody>
       </p:sp>
@@ -6293,14 +7201,811 @@
           <a:bodyPr/>
           <a:lstStyle/>
           <a:p>
-            <a:endParaRPr lang="en-ZA"/>
+            <a:r>
+              <a:rPr lang="en-ZA" dirty="0">
+                <a:hlinkClick r:id="rId2"/>
+              </a:rPr>
+              <a:t>http://nodeschool.io</a:t>
+            </a:r>
+            <a:r>
+              <a:rPr lang="en-ZA" dirty="0" smtClean="0">
+                <a:hlinkClick r:id="rId2"/>
+              </a:rPr>
+              <a:t>/</a:t>
+            </a:r>
+            <a:endParaRPr lang="en-ZA" dirty="0" smtClean="0"/>
+          </a:p>
+          <a:p>
+            <a:pPr lvl="1"/>
+            <a:r>
+              <a:rPr lang="en-ZA" dirty="0" smtClean="0"/>
+              <a:t>A collection of interactive tutorials</a:t>
+            </a:r>
+          </a:p>
+          <a:p>
+            <a:pPr lvl="1"/>
+            <a:r>
+              <a:rPr lang="en-ZA" dirty="0" smtClean="0"/>
+              <a:t>A suggestion is to do the ones on </a:t>
+            </a:r>
+            <a:r>
+              <a:rPr lang="en-ZA" dirty="0" err="1" smtClean="0"/>
+              <a:t>Javascript</a:t>
+            </a:r>
+            <a:r>
+              <a:rPr lang="en-ZA" dirty="0" smtClean="0"/>
+              <a:t>, </a:t>
+            </a:r>
+            <a:r>
+              <a:rPr lang="en-ZA" dirty="0" err="1" smtClean="0"/>
+              <a:t>npm</a:t>
+            </a:r>
+            <a:r>
+              <a:rPr lang="en-ZA" dirty="0" smtClean="0"/>
+              <a:t>, node, express and git.</a:t>
+            </a:r>
+          </a:p>
+          <a:p>
+            <a:r>
+              <a:rPr lang="en-ZA" dirty="0">
+                <a:hlinkClick r:id="rId3"/>
+              </a:rPr>
+              <a:t>https://try.github.io</a:t>
+            </a:r>
+            <a:endParaRPr lang="en-ZA" dirty="0"/>
+          </a:p>
+          <a:p>
+            <a:endParaRPr lang="en-ZA" dirty="0"/>
           </a:p>
         </p:txBody>
       </p:sp>
     </p:spTree>
     <p:extLst>
       <p:ext uri="{BB962C8B-B14F-4D97-AF65-F5344CB8AC3E}">
-        <p14:creationId xmlns:p14="http://schemas.microsoft.com/office/powerpoint/2010/main" val="3204577302"/>
+        <p14:creationId xmlns:p14="http://schemas.microsoft.com/office/powerpoint/2010/main" val="3600770304"/>
+      </p:ext>
+    </p:extLst>
+  </p:cSld>
+  <p:clrMapOvr>
+    <a:masterClrMapping/>
+  </p:clrMapOvr>
+</p:sld>
+</file>
+
+<file path=ppt/slides/slide4.xml><?xml version="1.0" encoding="utf-8"?>
+<p:sld xmlns:a="http://schemas.openxmlformats.org/drawingml/2006/main" xmlns:r="http://schemas.openxmlformats.org/officeDocument/2006/relationships" xmlns:p="http://schemas.openxmlformats.org/presentationml/2006/main">
+  <p:cSld>
+    <p:spTree>
+      <p:nvGrpSpPr>
+        <p:cNvPr id="1" name=""/>
+        <p:cNvGrpSpPr/>
+        <p:nvPr/>
+      </p:nvGrpSpPr>
+      <p:grpSpPr>
+        <a:xfrm>
+          <a:off x="0" y="0"/>
+          <a:ext cx="0" cy="0"/>
+          <a:chOff x="0" y="0"/>
+          <a:chExt cx="0" cy="0"/>
+        </a:xfrm>
+      </p:grpSpPr>
+      <p:sp>
+        <p:nvSpPr>
+          <p:cNvPr id="2" name="Title 1"/>
+          <p:cNvSpPr>
+            <a:spLocks noGrp="1"/>
+          </p:cNvSpPr>
+          <p:nvPr>
+            <p:ph type="title"/>
+          </p:nvPr>
+        </p:nvSpPr>
+        <p:spPr/>
+        <p:txBody>
+          <a:bodyPr/>
+          <a:lstStyle/>
+          <a:p>
+            <a:r>
+              <a:rPr lang="en-ZA" dirty="0" smtClean="0"/>
+              <a:t>What is Software Design	</a:t>
+            </a:r>
+            <a:endParaRPr lang="en-ZA" dirty="0"/>
+          </a:p>
+        </p:txBody>
+      </p:sp>
+      <p:sp>
+        <p:nvSpPr>
+          <p:cNvPr id="3" name="Content Placeholder 2"/>
+          <p:cNvSpPr>
+            <a:spLocks noGrp="1"/>
+          </p:cNvSpPr>
+          <p:nvPr>
+            <p:ph idx="1"/>
+          </p:nvPr>
+        </p:nvSpPr>
+        <p:spPr/>
+        <p:txBody>
+          <a:bodyPr/>
+          <a:lstStyle/>
+          <a:p>
+            <a:r>
+              <a:rPr lang="en-ZA" dirty="0" smtClean="0"/>
+              <a:t>It is more than just programming</a:t>
+            </a:r>
+          </a:p>
+          <a:p>
+            <a:r>
+              <a:rPr lang="en-ZA" dirty="0" smtClean="0"/>
+              <a:t>It is the use of techniques such as analysis, design with programming and testing to develop robust software to solve real world problems.</a:t>
+            </a:r>
+            <a:endParaRPr lang="en-ZA" dirty="0"/>
+          </a:p>
+        </p:txBody>
+      </p:sp>
+    </p:spTree>
+    <p:extLst>
+      <p:ext uri="{BB962C8B-B14F-4D97-AF65-F5344CB8AC3E}">
+        <p14:creationId xmlns:p14="http://schemas.microsoft.com/office/powerpoint/2010/main" val="3987157196"/>
+      </p:ext>
+    </p:extLst>
+  </p:cSld>
+  <p:clrMapOvr>
+    <a:masterClrMapping/>
+  </p:clrMapOvr>
+</p:sld>
+</file>
+
+<file path=ppt/slides/slide5.xml><?xml version="1.0" encoding="utf-8"?>
+<p:sld xmlns:a="http://schemas.openxmlformats.org/drawingml/2006/main" xmlns:r="http://schemas.openxmlformats.org/officeDocument/2006/relationships" xmlns:p="http://schemas.openxmlformats.org/presentationml/2006/main">
+  <p:cSld>
+    <p:spTree>
+      <p:nvGrpSpPr>
+        <p:cNvPr id="1" name=""/>
+        <p:cNvGrpSpPr/>
+        <p:nvPr/>
+      </p:nvGrpSpPr>
+      <p:grpSpPr>
+        <a:xfrm>
+          <a:off x="0" y="0"/>
+          <a:ext cx="0" cy="0"/>
+          <a:chOff x="0" y="0"/>
+          <a:chExt cx="0" cy="0"/>
+        </a:xfrm>
+      </p:grpSpPr>
+      <p:sp>
+        <p:nvSpPr>
+          <p:cNvPr id="2" name="Title 1"/>
+          <p:cNvSpPr>
+            <a:spLocks noGrp="1"/>
+          </p:cNvSpPr>
+          <p:nvPr>
+            <p:ph type="title"/>
+          </p:nvPr>
+        </p:nvSpPr>
+        <p:spPr/>
+        <p:txBody>
+          <a:bodyPr/>
+          <a:lstStyle/>
+          <a:p>
+            <a:r>
+              <a:rPr lang="en-ZA" dirty="0" smtClean="0"/>
+              <a:t>1. Version Control</a:t>
+            </a:r>
+            <a:endParaRPr lang="en-ZA" dirty="0"/>
+          </a:p>
+        </p:txBody>
+      </p:sp>
+      <p:sp>
+        <p:nvSpPr>
+          <p:cNvPr id="3" name="Content Placeholder 2"/>
+          <p:cNvSpPr>
+            <a:spLocks noGrp="1"/>
+          </p:cNvSpPr>
+          <p:nvPr>
+            <p:ph idx="1"/>
+          </p:nvPr>
+        </p:nvSpPr>
+        <p:spPr/>
+        <p:txBody>
+          <a:bodyPr>
+            <a:normAutofit/>
+          </a:bodyPr>
+          <a:lstStyle/>
+          <a:p>
+            <a:r>
+              <a:rPr lang="en-ZA" dirty="0"/>
+              <a:t>A system which helps to track the progression of a project</a:t>
+            </a:r>
+          </a:p>
+          <a:p>
+            <a:r>
+              <a:rPr lang="en-ZA" dirty="0"/>
+              <a:t>It manages and track the changes of </a:t>
+            </a:r>
+            <a:r>
+              <a:rPr lang="en-ZA" dirty="0" smtClean="0"/>
+              <a:t>all the files within the repository except those specific not to be tracked.</a:t>
+            </a:r>
+            <a:endParaRPr lang="en-ZA" dirty="0"/>
+          </a:p>
+          <a:p>
+            <a:r>
+              <a:rPr lang="en-ZA" dirty="0"/>
+              <a:t>In a corporate environment it is usually stored on a separate or external server</a:t>
+            </a:r>
+          </a:p>
+          <a:p>
+            <a:r>
+              <a:rPr lang="en-ZA" dirty="0"/>
+              <a:t>Used when teams of developers are working together so that a copy of the project at any point within the version control system can be </a:t>
+            </a:r>
+            <a:r>
+              <a:rPr lang="en-ZA" dirty="0" smtClean="0"/>
+              <a:t>retrieved</a:t>
+            </a:r>
+            <a:endParaRPr lang="en-ZA" dirty="0"/>
+          </a:p>
+          <a:p>
+            <a:r>
+              <a:rPr lang="en-ZA" dirty="0"/>
+              <a:t>Handles conflict </a:t>
+            </a:r>
+            <a:r>
+              <a:rPr lang="en-ZA" dirty="0" smtClean="0"/>
+              <a:t>management between different versions</a:t>
+            </a:r>
+            <a:endParaRPr lang="en-ZA" dirty="0"/>
+          </a:p>
+          <a:p>
+            <a:endParaRPr lang="en-ZA" dirty="0"/>
+          </a:p>
+        </p:txBody>
+      </p:sp>
+    </p:spTree>
+    <p:extLst>
+      <p:ext uri="{BB962C8B-B14F-4D97-AF65-F5344CB8AC3E}">
+        <p14:creationId xmlns:p14="http://schemas.microsoft.com/office/powerpoint/2010/main" val="3429195596"/>
+      </p:ext>
+    </p:extLst>
+  </p:cSld>
+  <p:clrMapOvr>
+    <a:masterClrMapping/>
+  </p:clrMapOvr>
+</p:sld>
+</file>
+
+<file path=ppt/slides/slide6.xml><?xml version="1.0" encoding="utf-8"?>
+<p:sld xmlns:a="http://schemas.openxmlformats.org/drawingml/2006/main" xmlns:r="http://schemas.openxmlformats.org/officeDocument/2006/relationships" xmlns:p="http://schemas.openxmlformats.org/presentationml/2006/main">
+  <p:cSld>
+    <p:spTree>
+      <p:nvGrpSpPr>
+        <p:cNvPr id="1" name=""/>
+        <p:cNvGrpSpPr/>
+        <p:nvPr/>
+      </p:nvGrpSpPr>
+      <p:grpSpPr>
+        <a:xfrm>
+          <a:off x="0" y="0"/>
+          <a:ext cx="0" cy="0"/>
+          <a:chOff x="0" y="0"/>
+          <a:chExt cx="0" cy="0"/>
+        </a:xfrm>
+      </p:grpSpPr>
+      <p:sp>
+        <p:nvSpPr>
+          <p:cNvPr id="2" name="Title 1"/>
+          <p:cNvSpPr>
+            <a:spLocks noGrp="1"/>
+          </p:cNvSpPr>
+          <p:nvPr>
+            <p:ph type="title"/>
+          </p:nvPr>
+        </p:nvSpPr>
+        <p:spPr/>
+        <p:txBody>
+          <a:bodyPr/>
+          <a:lstStyle/>
+          <a:p>
+            <a:r>
+              <a:rPr lang="en-ZA" dirty="0" smtClean="0"/>
+              <a:t>Why Is Version Control Important?</a:t>
+            </a:r>
+            <a:endParaRPr lang="en-ZA" dirty="0"/>
+          </a:p>
+        </p:txBody>
+      </p:sp>
+      <p:sp>
+        <p:nvSpPr>
+          <p:cNvPr id="3" name="Content Placeholder 2"/>
+          <p:cNvSpPr>
+            <a:spLocks noGrp="1"/>
+          </p:cNvSpPr>
+          <p:nvPr>
+            <p:ph idx="1"/>
+          </p:nvPr>
+        </p:nvSpPr>
+        <p:spPr/>
+        <p:txBody>
+          <a:bodyPr/>
+          <a:lstStyle/>
+          <a:p>
+            <a:r>
+              <a:rPr lang="en-ZA" dirty="0"/>
+              <a:t>Tracking changes helps track what code introduces a bug</a:t>
+            </a:r>
+          </a:p>
+          <a:p>
+            <a:r>
+              <a:rPr lang="en-ZA" dirty="0"/>
+              <a:t>You can do “more dangerous” edits to code</a:t>
+            </a:r>
+          </a:p>
+          <a:p>
+            <a:r>
+              <a:rPr lang="en-ZA" dirty="0"/>
+              <a:t>Working as a team can be faster and more efficient</a:t>
+            </a:r>
+          </a:p>
+          <a:p>
+            <a:r>
+              <a:rPr lang="en-ZA" dirty="0"/>
+              <a:t>Keeps a backup of EVERY state of your project</a:t>
+            </a:r>
+          </a:p>
+          <a:p>
+            <a:r>
+              <a:rPr lang="en-ZA" dirty="0" smtClean="0"/>
+              <a:t>Helps distribute the latest code to all team members efficiently and securely</a:t>
+            </a:r>
+            <a:endParaRPr lang="en-ZA" dirty="0"/>
+          </a:p>
+        </p:txBody>
+      </p:sp>
+    </p:spTree>
+    <p:extLst>
+      <p:ext uri="{BB962C8B-B14F-4D97-AF65-F5344CB8AC3E}">
+        <p14:creationId xmlns:p14="http://schemas.microsoft.com/office/powerpoint/2010/main" val="3935804966"/>
+      </p:ext>
+    </p:extLst>
+  </p:cSld>
+  <p:clrMapOvr>
+    <a:masterClrMapping/>
+  </p:clrMapOvr>
+</p:sld>
+</file>
+
+<file path=ppt/slides/slide7.xml><?xml version="1.0" encoding="utf-8"?>
+<p:sld xmlns:a="http://schemas.openxmlformats.org/drawingml/2006/main" xmlns:r="http://schemas.openxmlformats.org/officeDocument/2006/relationships" xmlns:p="http://schemas.openxmlformats.org/presentationml/2006/main">
+  <p:cSld>
+    <p:spTree>
+      <p:nvGrpSpPr>
+        <p:cNvPr id="1" name=""/>
+        <p:cNvGrpSpPr/>
+        <p:nvPr/>
+      </p:nvGrpSpPr>
+      <p:grpSpPr>
+        <a:xfrm>
+          <a:off x="0" y="0"/>
+          <a:ext cx="0" cy="0"/>
+          <a:chOff x="0" y="0"/>
+          <a:chExt cx="0" cy="0"/>
+        </a:xfrm>
+      </p:grpSpPr>
+      <p:sp>
+        <p:nvSpPr>
+          <p:cNvPr id="2" name="Title 1"/>
+          <p:cNvSpPr>
+            <a:spLocks noGrp="1"/>
+          </p:cNvSpPr>
+          <p:nvPr>
+            <p:ph type="title"/>
+          </p:nvPr>
+        </p:nvSpPr>
+        <p:spPr/>
+        <p:txBody>
+          <a:bodyPr/>
+          <a:lstStyle/>
+          <a:p>
+            <a:r>
+              <a:rPr lang="en-ZA" dirty="0" smtClean="0"/>
+              <a:t>There are 2 types of version control</a:t>
+            </a:r>
+            <a:endParaRPr lang="en-ZA" dirty="0"/>
+          </a:p>
+        </p:txBody>
+      </p:sp>
+      <p:sp>
+        <p:nvSpPr>
+          <p:cNvPr id="3" name="Content Placeholder 2"/>
+          <p:cNvSpPr>
+            <a:spLocks noGrp="1"/>
+          </p:cNvSpPr>
+          <p:nvPr>
+            <p:ph idx="1"/>
+          </p:nvPr>
+        </p:nvSpPr>
+        <p:spPr/>
+        <p:txBody>
+          <a:bodyPr/>
+          <a:lstStyle/>
+          <a:p>
+            <a:r>
+              <a:rPr lang="en-ZA" dirty="0"/>
+              <a:t>Centralised</a:t>
+            </a:r>
+          </a:p>
+          <a:p>
+            <a:pPr lvl="2"/>
+            <a:r>
+              <a:rPr lang="en-ZA" dirty="0"/>
+              <a:t>Server based</a:t>
+            </a:r>
+          </a:p>
+          <a:p>
+            <a:pPr lvl="2"/>
+            <a:r>
+              <a:rPr lang="en-ZA" dirty="0"/>
+              <a:t>Requires a connection to the server</a:t>
+            </a:r>
+          </a:p>
+          <a:p>
+            <a:pPr lvl="2"/>
+            <a:r>
+              <a:rPr lang="en-ZA" dirty="0"/>
+              <a:t>E.g. SVN, CVS, Team Foundation Server (The newer versions use a custom version of git in some cases)</a:t>
+            </a:r>
+          </a:p>
+          <a:p>
+            <a:r>
+              <a:rPr lang="en-ZA" dirty="0"/>
+              <a:t>Distributed</a:t>
+            </a:r>
+          </a:p>
+          <a:p>
+            <a:pPr lvl="2"/>
+            <a:r>
+              <a:rPr lang="en-ZA" dirty="0"/>
+              <a:t>Everyone has a copy of the entire code repository</a:t>
+            </a:r>
+          </a:p>
+          <a:p>
+            <a:pPr lvl="2"/>
+            <a:r>
+              <a:rPr lang="en-ZA" dirty="0"/>
+              <a:t>Works offline</a:t>
+            </a:r>
+          </a:p>
+          <a:p>
+            <a:pPr lvl="2"/>
+            <a:r>
+              <a:rPr lang="en-ZA" dirty="0"/>
+              <a:t>E.g. Mercurial, git</a:t>
+            </a:r>
+          </a:p>
+          <a:p>
+            <a:endParaRPr lang="en-ZA" dirty="0"/>
+          </a:p>
+        </p:txBody>
+      </p:sp>
+    </p:spTree>
+    <p:extLst>
+      <p:ext uri="{BB962C8B-B14F-4D97-AF65-F5344CB8AC3E}">
+        <p14:creationId xmlns:p14="http://schemas.microsoft.com/office/powerpoint/2010/main" val="1130894382"/>
+      </p:ext>
+    </p:extLst>
+  </p:cSld>
+  <p:clrMapOvr>
+    <a:masterClrMapping/>
+  </p:clrMapOvr>
+</p:sld>
+</file>
+
+<file path=ppt/slides/slide8.xml><?xml version="1.0" encoding="utf-8"?>
+<p:sld xmlns:a="http://schemas.openxmlformats.org/drawingml/2006/main" xmlns:r="http://schemas.openxmlformats.org/officeDocument/2006/relationships" xmlns:p="http://schemas.openxmlformats.org/presentationml/2006/main">
+  <p:cSld>
+    <p:spTree>
+      <p:nvGrpSpPr>
+        <p:cNvPr id="1" name=""/>
+        <p:cNvGrpSpPr/>
+        <p:nvPr/>
+      </p:nvGrpSpPr>
+      <p:grpSpPr>
+        <a:xfrm>
+          <a:off x="0" y="0"/>
+          <a:ext cx="0" cy="0"/>
+          <a:chOff x="0" y="0"/>
+          <a:chExt cx="0" cy="0"/>
+        </a:xfrm>
+      </p:grpSpPr>
+      <p:sp>
+        <p:nvSpPr>
+          <p:cNvPr id="2" name="Title 1"/>
+          <p:cNvSpPr>
+            <a:spLocks noGrp="1"/>
+          </p:cNvSpPr>
+          <p:nvPr>
+            <p:ph type="title"/>
+          </p:nvPr>
+        </p:nvSpPr>
+        <p:spPr/>
+        <p:txBody>
+          <a:bodyPr/>
+          <a:lstStyle/>
+          <a:p>
+            <a:r>
+              <a:rPr lang="en-ZA" dirty="0" smtClean="0"/>
+              <a:t>We will be focusing only on git</a:t>
+            </a:r>
+            <a:endParaRPr lang="en-ZA" dirty="0"/>
+          </a:p>
+        </p:txBody>
+      </p:sp>
+      <p:sp>
+        <p:nvSpPr>
+          <p:cNvPr id="3" name="Content Placeholder 2"/>
+          <p:cNvSpPr>
+            <a:spLocks noGrp="1"/>
+          </p:cNvSpPr>
+          <p:nvPr>
+            <p:ph idx="1"/>
+          </p:nvPr>
+        </p:nvSpPr>
+        <p:spPr/>
+        <p:txBody>
+          <a:bodyPr>
+            <a:normAutofit fontScale="92500" lnSpcReduction="20000"/>
+          </a:bodyPr>
+          <a:lstStyle/>
+          <a:p>
+            <a:r>
+              <a:rPr lang="en-ZA" dirty="0" smtClean="0"/>
+              <a:t>A good resource is </a:t>
+            </a:r>
+            <a:r>
+              <a:rPr lang="en-ZA" dirty="0" err="1" smtClean="0"/>
+              <a:t>GitHub</a:t>
+            </a:r>
+            <a:r>
+              <a:rPr lang="en-ZA" dirty="0"/>
+              <a:t> </a:t>
+            </a:r>
+            <a:r>
+              <a:rPr lang="en-ZA" dirty="0" smtClean="0"/>
+              <a:t>(</a:t>
+            </a:r>
+            <a:r>
+              <a:rPr lang="en-ZA" dirty="0">
+                <a:hlinkClick r:id="rId2"/>
+              </a:rPr>
+              <a:t>http://</a:t>
+            </a:r>
+            <a:r>
+              <a:rPr lang="en-ZA" dirty="0" smtClean="0">
+                <a:hlinkClick r:id="rId2"/>
+              </a:rPr>
+              <a:t>www.github.com</a:t>
+            </a:r>
+            <a:r>
+              <a:rPr lang="en-ZA" dirty="0" smtClean="0"/>
+              <a:t>)</a:t>
+            </a:r>
+          </a:p>
+          <a:p>
+            <a:pPr lvl="1"/>
+            <a:r>
+              <a:rPr lang="en-ZA" dirty="0">
+                <a:hlinkClick r:id="rId3"/>
+              </a:rPr>
+              <a:t>https://</a:t>
+            </a:r>
+            <a:r>
+              <a:rPr lang="en-ZA" dirty="0" smtClean="0">
+                <a:hlinkClick r:id="rId3"/>
+              </a:rPr>
+              <a:t>try.github.io</a:t>
+            </a:r>
+            <a:endParaRPr lang="en-ZA" dirty="0" smtClean="0"/>
+          </a:p>
+          <a:p>
+            <a:pPr lvl="2"/>
+            <a:r>
+              <a:rPr lang="en-ZA" dirty="0"/>
+              <a:t>Provides free student paid version for two years</a:t>
+            </a:r>
+          </a:p>
+          <a:p>
+            <a:pPr lvl="2"/>
+            <a:r>
+              <a:rPr lang="en-ZA" dirty="0">
+                <a:hlinkClick r:id="rId4"/>
+              </a:rPr>
+              <a:t>https://education.github.com/discount_requests/new</a:t>
+            </a:r>
+            <a:endParaRPr lang="en-ZA" dirty="0"/>
+          </a:p>
+          <a:p>
+            <a:pPr lvl="2"/>
+            <a:r>
+              <a:rPr lang="en-ZA" dirty="0"/>
+              <a:t>You need to have your student email connected to your account</a:t>
+            </a:r>
+          </a:p>
+          <a:p>
+            <a:pPr lvl="2"/>
+            <a:r>
+              <a:rPr lang="en-ZA" dirty="0"/>
+              <a:t>Also provides free web </a:t>
+            </a:r>
+            <a:r>
+              <a:rPr lang="en-ZA" dirty="0" smtClean="0"/>
+              <a:t>hosting</a:t>
+            </a:r>
+            <a:endParaRPr lang="en-ZA" dirty="0"/>
+          </a:p>
+          <a:p>
+            <a:r>
+              <a:rPr lang="en-ZA" dirty="0" smtClean="0"/>
+              <a:t>Node school (mentioned earlier) is also a good resource</a:t>
+            </a:r>
+          </a:p>
+          <a:p>
+            <a:r>
+              <a:rPr lang="en-ZA" dirty="0"/>
+              <a:t>There are a lot of tools which can be used with it</a:t>
+            </a:r>
+          </a:p>
+          <a:p>
+            <a:pPr lvl="1"/>
+            <a:r>
+              <a:rPr lang="en-ZA" dirty="0" err="1" smtClean="0"/>
+              <a:t>GitHub</a:t>
+            </a:r>
+            <a:r>
+              <a:rPr lang="en-ZA" dirty="0" smtClean="0"/>
+              <a:t> </a:t>
+            </a:r>
+            <a:r>
+              <a:rPr lang="en-ZA" dirty="0"/>
+              <a:t>for Windows</a:t>
+            </a:r>
+          </a:p>
+          <a:p>
+            <a:pPr lvl="1"/>
+            <a:r>
+              <a:rPr lang="en-ZA" dirty="0"/>
+              <a:t>Git Extensions – my favourite graphical one</a:t>
+            </a:r>
+          </a:p>
+          <a:p>
+            <a:pPr lvl="1"/>
+            <a:r>
+              <a:rPr lang="en-ZA" dirty="0"/>
+              <a:t>Git bash for Windows</a:t>
+            </a:r>
+          </a:p>
+          <a:p>
+            <a:pPr lvl="1"/>
+            <a:r>
+              <a:rPr lang="en-ZA" dirty="0"/>
+              <a:t>Many others</a:t>
+            </a:r>
+          </a:p>
+          <a:p>
+            <a:endParaRPr lang="en-ZA" dirty="0"/>
+          </a:p>
+        </p:txBody>
+      </p:sp>
+    </p:spTree>
+    <p:extLst>
+      <p:ext uri="{BB962C8B-B14F-4D97-AF65-F5344CB8AC3E}">
+        <p14:creationId xmlns:p14="http://schemas.microsoft.com/office/powerpoint/2010/main" val="2924355964"/>
+      </p:ext>
+    </p:extLst>
+  </p:cSld>
+  <p:clrMapOvr>
+    <a:masterClrMapping/>
+  </p:clrMapOvr>
+</p:sld>
+</file>
+
+<file path=ppt/slides/slide9.xml><?xml version="1.0" encoding="utf-8"?>
+<p:sld xmlns:a="http://schemas.openxmlformats.org/drawingml/2006/main" xmlns:r="http://schemas.openxmlformats.org/officeDocument/2006/relationships" xmlns:p="http://schemas.openxmlformats.org/presentationml/2006/main">
+  <p:cSld>
+    <p:spTree>
+      <p:nvGrpSpPr>
+        <p:cNvPr id="1" name=""/>
+        <p:cNvGrpSpPr/>
+        <p:nvPr/>
+      </p:nvGrpSpPr>
+      <p:grpSpPr>
+        <a:xfrm>
+          <a:off x="0" y="0"/>
+          <a:ext cx="0" cy="0"/>
+          <a:chOff x="0" y="0"/>
+          <a:chExt cx="0" cy="0"/>
+        </a:xfrm>
+      </p:grpSpPr>
+      <p:sp>
+        <p:nvSpPr>
+          <p:cNvPr id="2" name="Title 1"/>
+          <p:cNvSpPr>
+            <a:spLocks noGrp="1"/>
+          </p:cNvSpPr>
+          <p:nvPr>
+            <p:ph type="title"/>
+          </p:nvPr>
+        </p:nvSpPr>
+        <p:spPr/>
+        <p:txBody>
+          <a:bodyPr/>
+          <a:lstStyle/>
+          <a:p>
+            <a:r>
+              <a:rPr lang="en-ZA" dirty="0" smtClean="0"/>
+              <a:t>Git Terminology</a:t>
+            </a:r>
+            <a:endParaRPr lang="en-ZA" dirty="0"/>
+          </a:p>
+        </p:txBody>
+      </p:sp>
+      <p:sp>
+        <p:nvSpPr>
+          <p:cNvPr id="3" name="Content Placeholder 2"/>
+          <p:cNvSpPr>
+            <a:spLocks noGrp="1"/>
+          </p:cNvSpPr>
+          <p:nvPr>
+            <p:ph idx="1"/>
+          </p:nvPr>
+        </p:nvSpPr>
+        <p:spPr/>
+        <p:txBody>
+          <a:bodyPr/>
+          <a:lstStyle/>
+          <a:p>
+            <a:r>
+              <a:rPr lang="en-ZA" dirty="0"/>
+              <a:t>Repository: a stored history of work</a:t>
+            </a:r>
+          </a:p>
+          <a:p>
+            <a:r>
+              <a:rPr lang="en-ZA" dirty="0"/>
+              <a:t>Origin: the main repository</a:t>
+            </a:r>
+          </a:p>
+          <a:p>
+            <a:r>
+              <a:rPr lang="en-ZA" dirty="0"/>
+              <a:t>Commit: state of repository at a given time</a:t>
+            </a:r>
+          </a:p>
+          <a:p>
+            <a:r>
+              <a:rPr lang="en-ZA" dirty="0"/>
+              <a:t>Branch: a series of commits</a:t>
+            </a:r>
+          </a:p>
+          <a:p>
+            <a:r>
+              <a:rPr lang="en-ZA" dirty="0"/>
+              <a:t>Master: the “main” branch</a:t>
+            </a:r>
+          </a:p>
+          <a:p>
+            <a:r>
+              <a:rPr lang="en-ZA" dirty="0"/>
+              <a:t>Working copy: the assets you are working with</a:t>
+            </a:r>
+          </a:p>
+          <a:p>
+            <a:endParaRPr lang="en-ZA" dirty="0"/>
+          </a:p>
+        </p:txBody>
+      </p:sp>
+    </p:spTree>
+    <p:extLst>
+      <p:ext uri="{BB962C8B-B14F-4D97-AF65-F5344CB8AC3E}">
+        <p14:creationId xmlns:p14="http://schemas.microsoft.com/office/powerpoint/2010/main" val="981610377"/>
       </p:ext>
     </p:extLst>
   </p:cSld>

--- a/Session 1/Softdev Session 1 2016.pptx
+++ b/Session 1/Softdev Session 1 2016.pptx
@@ -8,19 +8,22 @@
     <p:sldId id="256" r:id="rId2"/>
     <p:sldId id="258" r:id="rId3"/>
     <p:sldId id="259" r:id="rId4"/>
-    <p:sldId id="260" r:id="rId5"/>
-    <p:sldId id="261" r:id="rId6"/>
-    <p:sldId id="262" r:id="rId7"/>
-    <p:sldId id="263" r:id="rId8"/>
-    <p:sldId id="264" r:id="rId9"/>
-    <p:sldId id="265" r:id="rId10"/>
-    <p:sldId id="266" r:id="rId11"/>
-    <p:sldId id="267" r:id="rId12"/>
-    <p:sldId id="268" r:id="rId13"/>
-    <p:sldId id="270" r:id="rId14"/>
-    <p:sldId id="271" r:id="rId15"/>
-    <p:sldId id="269" r:id="rId16"/>
-    <p:sldId id="272" r:id="rId17"/>
+    <p:sldId id="273" r:id="rId5"/>
+    <p:sldId id="274" r:id="rId6"/>
+    <p:sldId id="275" r:id="rId7"/>
+    <p:sldId id="260" r:id="rId8"/>
+    <p:sldId id="261" r:id="rId9"/>
+    <p:sldId id="262" r:id="rId10"/>
+    <p:sldId id="263" r:id="rId11"/>
+    <p:sldId id="264" r:id="rId12"/>
+    <p:sldId id="265" r:id="rId13"/>
+    <p:sldId id="266" r:id="rId14"/>
+    <p:sldId id="267" r:id="rId15"/>
+    <p:sldId id="268" r:id="rId16"/>
+    <p:sldId id="270" r:id="rId17"/>
+    <p:sldId id="271" r:id="rId18"/>
+    <p:sldId id="269" r:id="rId19"/>
+    <p:sldId id="272" r:id="rId20"/>
   </p:sldIdLst>
   <p:sldSz cx="12192000" cy="6858000"/>
   <p:notesSz cx="6858000" cy="9144000"/>
@@ -121,7 +124,7 @@
   </p:defaultTextStyle>
   <p:extLst>
     <p:ext uri="{EFAFB233-063F-42B5-8137-9DF3F51BA10A}">
-      <p15:sldGuideLst xmlns:p15="http://schemas.microsoft.com/office/powerpoint/2012/main"/>
+      <p15:sldGuideLst xmlns:p15="http://schemas.microsoft.com/office/powerpoint/2012/main" xmlns=""/>
     </p:ext>
   </p:extLst>
 </p:presentation>
@@ -313,7 +316,7 @@
           <a:p>
             <a:fld id="{FBDF5932-50BA-4683-BD71-901965AADFF2}" type="datetimeFigureOut">
               <a:rPr lang="en-ZA" smtClean="0"/>
-              <a:t>2016/08/17</a:t>
+              <a:t>2016-08-17</a:t>
             </a:fld>
             <a:endParaRPr lang="en-ZA"/>
           </a:p>
@@ -588,7 +591,7 @@
           <a:p>
             <a:fld id="{FBDF5932-50BA-4683-BD71-901965AADFF2}" type="datetimeFigureOut">
               <a:rPr lang="en-ZA" smtClean="0"/>
-              <a:t>2016/08/17</a:t>
+              <a:t>2016-08-17</a:t>
             </a:fld>
             <a:endParaRPr lang="en-ZA"/>
           </a:p>
@@ -782,7 +785,7 @@
           <a:p>
             <a:fld id="{FBDF5932-50BA-4683-BD71-901965AADFF2}" type="datetimeFigureOut">
               <a:rPr lang="en-ZA" smtClean="0"/>
-              <a:t>2016/08/17</a:t>
+              <a:t>2016-08-17</a:t>
             </a:fld>
             <a:endParaRPr lang="en-ZA"/>
           </a:p>
@@ -1053,7 +1056,7 @@
           <a:p>
             <a:fld id="{FBDF5932-50BA-4683-BD71-901965AADFF2}" type="datetimeFigureOut">
               <a:rPr lang="en-ZA" smtClean="0"/>
-              <a:t>2016/08/17</a:t>
+              <a:t>2016-08-17</a:t>
             </a:fld>
             <a:endParaRPr lang="en-ZA"/>
           </a:p>
@@ -1380,7 +1383,7 @@
           <a:p>
             <a:fld id="{FBDF5932-50BA-4683-BD71-901965AADFF2}" type="datetimeFigureOut">
               <a:rPr lang="en-ZA" smtClean="0"/>
-              <a:t>2016/08/17</a:t>
+              <a:t>2016-08-17</a:t>
             </a:fld>
             <a:endParaRPr lang="en-ZA"/>
           </a:p>
@@ -1999,7 +2002,7 @@
           <a:p>
             <a:fld id="{FBDF5932-50BA-4683-BD71-901965AADFF2}" type="datetimeFigureOut">
               <a:rPr lang="en-ZA" smtClean="0"/>
-              <a:t>2016/08/17</a:t>
+              <a:t>2016-08-17</a:t>
             </a:fld>
             <a:endParaRPr lang="en-ZA"/>
           </a:p>
@@ -2846,7 +2849,7 @@
           <a:p>
             <a:fld id="{FBDF5932-50BA-4683-BD71-901965AADFF2}" type="datetimeFigureOut">
               <a:rPr lang="en-ZA" smtClean="0"/>
-              <a:t>2016/08/17</a:t>
+              <a:t>2016-08-17</a:t>
             </a:fld>
             <a:endParaRPr lang="en-ZA"/>
           </a:p>
@@ -3016,7 +3019,7 @@
           <a:p>
             <a:fld id="{FBDF5932-50BA-4683-BD71-901965AADFF2}" type="datetimeFigureOut">
               <a:rPr lang="en-ZA" smtClean="0"/>
-              <a:t>2016/08/17</a:t>
+              <a:t>2016-08-17</a:t>
             </a:fld>
             <a:endParaRPr lang="en-ZA"/>
           </a:p>
@@ -3196,7 +3199,7 @@
           <a:p>
             <a:fld id="{FBDF5932-50BA-4683-BD71-901965AADFF2}" type="datetimeFigureOut">
               <a:rPr lang="en-ZA" smtClean="0"/>
-              <a:t>2016/08/17</a:t>
+              <a:t>2016-08-17</a:t>
             </a:fld>
             <a:endParaRPr lang="en-ZA"/>
           </a:p>
@@ -3366,7 +3369,7 @@
           <a:p>
             <a:fld id="{FBDF5932-50BA-4683-BD71-901965AADFF2}" type="datetimeFigureOut">
               <a:rPr lang="en-ZA" smtClean="0"/>
-              <a:t>2016/08/17</a:t>
+              <a:t>2016-08-17</a:t>
             </a:fld>
             <a:endParaRPr lang="en-ZA"/>
           </a:p>
@@ -3613,7 +3616,7 @@
           <a:p>
             <a:fld id="{FBDF5932-50BA-4683-BD71-901965AADFF2}" type="datetimeFigureOut">
               <a:rPr lang="en-ZA" smtClean="0"/>
-              <a:t>2016/08/17</a:t>
+              <a:t>2016-08-17</a:t>
             </a:fld>
             <a:endParaRPr lang="en-ZA"/>
           </a:p>
@@ -3905,7 +3908,7 @@
           <a:p>
             <a:fld id="{FBDF5932-50BA-4683-BD71-901965AADFF2}" type="datetimeFigureOut">
               <a:rPr lang="en-ZA" smtClean="0"/>
-              <a:t>2016/08/17</a:t>
+              <a:t>2016-08-17</a:t>
             </a:fld>
             <a:endParaRPr lang="en-ZA"/>
           </a:p>
@@ -4349,7 +4352,7 @@
           <a:p>
             <a:fld id="{FBDF5932-50BA-4683-BD71-901965AADFF2}" type="datetimeFigureOut">
               <a:rPr lang="en-ZA" smtClean="0"/>
-              <a:t>2016/08/17</a:t>
+              <a:t>2016-08-17</a:t>
             </a:fld>
             <a:endParaRPr lang="en-ZA"/>
           </a:p>
@@ -4467,7 +4470,7 @@
           <a:p>
             <a:fld id="{FBDF5932-50BA-4683-BD71-901965AADFF2}" type="datetimeFigureOut">
               <a:rPr lang="en-ZA" smtClean="0"/>
-              <a:t>2016/08/17</a:t>
+              <a:t>2016-08-17</a:t>
             </a:fld>
             <a:endParaRPr lang="en-ZA"/>
           </a:p>
@@ -4562,7 +4565,7 @@
           <a:p>
             <a:fld id="{FBDF5932-50BA-4683-BD71-901965AADFF2}" type="datetimeFigureOut">
               <a:rPr lang="en-ZA" smtClean="0"/>
-              <a:t>2016/08/17</a:t>
+              <a:t>2016-08-17</a:t>
             </a:fld>
             <a:endParaRPr lang="en-ZA"/>
           </a:p>
@@ -4841,7 +4844,7 @@
           <a:p>
             <a:fld id="{FBDF5932-50BA-4683-BD71-901965AADFF2}" type="datetimeFigureOut">
               <a:rPr lang="en-ZA" smtClean="0"/>
-              <a:t>2016/08/17</a:t>
+              <a:t>2016-08-17</a:t>
             </a:fld>
             <a:endParaRPr lang="en-ZA"/>
           </a:p>
@@ -5116,7 +5119,7 @@
           <a:p>
             <a:fld id="{FBDF5932-50BA-4683-BD71-901965AADFF2}" type="datetimeFigureOut">
               <a:rPr lang="en-ZA" smtClean="0"/>
-              <a:t>2016/08/17</a:t>
+              <a:t>2016-08-17</a:t>
             </a:fld>
             <a:endParaRPr lang="en-ZA"/>
           </a:p>
@@ -5539,7 +5542,7 @@
           <a:p>
             <a:fld id="{FBDF5932-50BA-4683-BD71-901965AADFF2}" type="datetimeFigureOut">
               <a:rPr lang="en-ZA" smtClean="0"/>
-              <a:t>2016/08/17</a:t>
+              <a:t>2016-08-17</a:t>
             </a:fld>
             <a:endParaRPr lang="en-ZA"/>
           </a:p>
@@ -6202,19 +6205,14 @@
             <p:ph type="title"/>
           </p:nvPr>
         </p:nvSpPr>
-        <p:spPr>
-          <a:xfrm>
-            <a:off x="646111" y="452718"/>
-            <a:ext cx="9404723" cy="1105626"/>
-          </a:xfrm>
-        </p:spPr>
+        <p:spPr/>
         <p:txBody>
           <a:bodyPr/>
           <a:lstStyle/>
           <a:p>
             <a:r>
               <a:rPr lang="en-ZA" dirty="0" smtClean="0"/>
-              <a:t>Continuous Integration (CI)</a:t>
+              <a:t>There are 2 types of version control</a:t>
             </a:r>
             <a:endParaRPr lang="en-ZA" dirty="0"/>
           </a:p>
@@ -6230,57 +6228,62 @@
             <p:ph idx="1"/>
           </p:nvPr>
         </p:nvSpPr>
-        <p:spPr>
-          <a:xfrm>
-            <a:off x="1103312" y="1712890"/>
-            <a:ext cx="8946541" cy="4535509"/>
-          </a:xfrm>
-        </p:spPr>
+        <p:spPr/>
         <p:txBody>
           <a:bodyPr/>
           <a:lstStyle/>
           <a:p>
             <a:r>
               <a:rPr lang="en-ZA" dirty="0"/>
-              <a:t>Similar concept to source control</a:t>
-            </a:r>
-          </a:p>
-          <a:p>
+              <a:t>Centralised</a:t>
+            </a:r>
+          </a:p>
+          <a:p>
+            <a:pPr lvl="2"/>
             <a:r>
               <a:rPr lang="en-ZA" dirty="0"/>
-              <a:t>Operates along side source control</a:t>
-            </a:r>
-          </a:p>
-          <a:p>
+              <a:t>Server based</a:t>
+            </a:r>
+          </a:p>
+          <a:p>
+            <a:pPr lvl="2"/>
             <a:r>
               <a:rPr lang="en-ZA" dirty="0"/>
-              <a:t>It is a shared repository where the code is pushed periodically by the developer and an automated bot attempts to build the code. </a:t>
+              <a:t>Requires a connection to the server</a:t>
             </a:r>
           </a:p>
           <a:p>
             <a:pPr lvl="2"/>
             <a:r>
               <a:rPr lang="en-ZA" dirty="0"/>
-              <a:t>The bot may also just use the source control system and check for any new commits</a:t>
+              <a:t>E.g. SVN, CVS, Team Foundation Server (The newer versions use a custom version of git in some cases)</a:t>
             </a:r>
           </a:p>
           <a:p>
             <a:r>
               <a:rPr lang="en-ZA" dirty="0"/>
-              <a:t>Usually there will be some kind of interface where the result of the build is displayed</a:t>
+              <a:t>Distributed</a:t>
             </a:r>
           </a:p>
           <a:p>
             <a:pPr lvl="2"/>
             <a:r>
               <a:rPr lang="en-ZA" dirty="0"/>
-              <a:t>Either pass or fail</a:t>
-            </a:r>
-          </a:p>
-          <a:p>
+              <a:t>Everyone has a copy of the entire code repository</a:t>
+            </a:r>
+          </a:p>
+          <a:p>
+            <a:pPr lvl="2"/>
             <a:r>
               <a:rPr lang="en-ZA" dirty="0"/>
-              <a:t>Some CI systems can also automatically deploy the code to its “live” version</a:t>
+              <a:t>Works offline</a:t>
+            </a:r>
+          </a:p>
+          <a:p>
+            <a:pPr lvl="2"/>
+            <a:r>
+              <a:rPr lang="en-ZA" dirty="0"/>
+              <a:t>E.g. Mercurial, git</a:t>
             </a:r>
           </a:p>
           <a:p>
@@ -6291,7 +6294,7 @@
     </p:spTree>
     <p:extLst>
       <p:ext uri="{BB962C8B-B14F-4D97-AF65-F5344CB8AC3E}">
-        <p14:creationId xmlns:p14="http://schemas.microsoft.com/office/powerpoint/2010/main" val="331715293"/>
+        <p14:creationId xmlns:p14="http://schemas.microsoft.com/office/powerpoint/2010/main" val="1130894382"/>
       </p:ext>
     </p:extLst>
   </p:cSld>
@@ -6335,7 +6338,7 @@
           <a:p>
             <a:r>
               <a:rPr lang="en-ZA" dirty="0" smtClean="0"/>
-              <a:t>Why Use A CI</a:t>
+              <a:t>We will be focusing only on git</a:t>
             </a:r>
             <a:endParaRPr lang="en-ZA" dirty="0"/>
           </a:p>
@@ -6353,36 +6356,142 @@
         </p:nvSpPr>
         <p:spPr/>
         <p:txBody>
-          <a:bodyPr/>
-          <a:lstStyle/>
-          <a:p>
+          <a:bodyPr>
+            <a:normAutofit fontScale="92500" lnSpcReduction="20000"/>
+          </a:bodyPr>
+          <a:lstStyle/>
+          <a:p>
+            <a:r>
+              <a:rPr lang="en-ZA" dirty="0" smtClean="0"/>
+              <a:t>A good resource is </a:t>
+            </a:r>
+            <a:r>
+              <a:rPr lang="en-ZA" dirty="0" err="1" smtClean="0"/>
+              <a:t>GitHub</a:t>
+            </a:r>
             <a:r>
               <a:rPr lang="en-ZA" dirty="0"/>
-              <a:t>Makes sure that the recent code changes are working so that if there is already a released version of the software this update does not break the software</a:t>
-            </a:r>
-          </a:p>
-          <a:p>
+              <a:t> </a:t>
+            </a:r>
+            <a:r>
+              <a:rPr lang="en-ZA" dirty="0" smtClean="0"/>
+              <a:t>(</a:t>
+            </a:r>
+            <a:r>
+              <a:rPr lang="en-ZA" dirty="0">
+                <a:hlinkClick r:id="rId2"/>
+              </a:rPr>
+              <a:t>http://</a:t>
+            </a:r>
+            <a:r>
+              <a:rPr lang="en-ZA" dirty="0" smtClean="0">
+                <a:hlinkClick r:id="rId2"/>
+              </a:rPr>
+              <a:t>www.github.com</a:t>
+            </a:r>
+            <a:r>
+              <a:rPr lang="en-ZA" dirty="0" smtClean="0"/>
+              <a:t>)</a:t>
+            </a:r>
+          </a:p>
+          <a:p>
+            <a:pPr lvl="1"/>
+            <a:r>
+              <a:rPr lang="en-ZA" dirty="0">
+                <a:hlinkClick r:id="rId3"/>
+              </a:rPr>
+              <a:t>https://</a:t>
+            </a:r>
+            <a:r>
+              <a:rPr lang="en-ZA" dirty="0" smtClean="0">
+                <a:hlinkClick r:id="rId3"/>
+              </a:rPr>
+              <a:t>try.github.io</a:t>
+            </a:r>
+            <a:endParaRPr lang="en-ZA" dirty="0" smtClean="0"/>
+          </a:p>
+          <a:p>
+            <a:pPr lvl="2"/>
             <a:r>
               <a:rPr lang="en-ZA" dirty="0"/>
-              <a:t>Allows teams to see where some lower level errors may exist</a:t>
-            </a:r>
-          </a:p>
-          <a:p>
+              <a:t>Provides free student paid version for two years</a:t>
+            </a:r>
+          </a:p>
+          <a:p>
+            <a:pPr lvl="2"/>
+            <a:r>
+              <a:rPr lang="en-ZA" dirty="0">
+                <a:hlinkClick r:id="rId4"/>
+              </a:rPr>
+              <a:t>https://education.github.com/discount_requests/new</a:t>
+            </a:r>
+            <a:endParaRPr lang="en-ZA" dirty="0"/>
+          </a:p>
+          <a:p>
+            <a:pPr lvl="2"/>
             <a:r>
               <a:rPr lang="en-ZA" dirty="0"/>
-              <a:t>In team based projects it is important to see where the latest revision of the project is and if it is indeed working</a:t>
-            </a:r>
-          </a:p>
-          <a:p>
+              <a:t>You need to have your student email connected to your account</a:t>
+            </a:r>
+          </a:p>
+          <a:p>
+            <a:pPr lvl="2"/>
             <a:r>
               <a:rPr lang="en-ZA" dirty="0"/>
-              <a:t>Test-first development strategies</a:t>
+              <a:t>Also provides free web </a:t>
+            </a:r>
+            <a:r>
+              <a:rPr lang="en-ZA" dirty="0" smtClean="0"/>
+              <a:t>hosting</a:t>
+            </a:r>
+            <a:endParaRPr lang="en-ZA" dirty="0"/>
+          </a:p>
+          <a:p>
+            <a:r>
+              <a:rPr lang="en-ZA" dirty="0" smtClean="0"/>
+              <a:t>Node school (mentioned earlier) is also a good resource</a:t>
             </a:r>
           </a:p>
           <a:p>
             <a:r>
               <a:rPr lang="en-ZA" dirty="0"/>
-              <a:t>Centralised deployment mechanism</a:t>
+              <a:t>There are a lot of tools which can be used with it</a:t>
+            </a:r>
+          </a:p>
+          <a:p>
+            <a:pPr lvl="1"/>
+            <a:r>
+              <a:rPr lang="en-ZA" dirty="0" err="1" smtClean="0"/>
+              <a:t>GitHub</a:t>
+            </a:r>
+            <a:r>
+              <a:rPr lang="en-ZA" dirty="0" smtClean="0"/>
+              <a:t> </a:t>
+            </a:r>
+            <a:r>
+              <a:rPr lang="en-ZA" dirty="0"/>
+              <a:t>for Windows</a:t>
+            </a:r>
+          </a:p>
+          <a:p>
+            <a:pPr lvl="1"/>
+            <a:r>
+              <a:rPr lang="en-ZA" dirty="0"/>
+              <a:t>Git Extensions – my favourite graphical one</a:t>
+            </a:r>
+          </a:p>
+          <a:p>
+            <a:pPr lvl="1"/>
+            <a:r>
+              <a:rPr lang="en-ZA" dirty="0"/>
+              <a:t>Git bash for Windows</a:t>
+            </a:r>
+          </a:p>
+          <a:p>
+            <a:pPr lvl="1"/>
+            <a:r>
+              <a:rPr lang="en-ZA" dirty="0"/>
+              <a:t>Many others</a:t>
             </a:r>
           </a:p>
           <a:p>
@@ -6393,7 +6502,7 @@
     </p:spTree>
     <p:extLst>
       <p:ext uri="{BB962C8B-B14F-4D97-AF65-F5344CB8AC3E}">
-        <p14:creationId xmlns:p14="http://schemas.microsoft.com/office/powerpoint/2010/main" val="1357863678"/>
+        <p14:creationId xmlns:p14="http://schemas.microsoft.com/office/powerpoint/2010/main" val="2924355964"/>
       </p:ext>
     </p:extLst>
   </p:cSld>
@@ -6437,7 +6546,7 @@
           <a:p>
             <a:r>
               <a:rPr lang="en-ZA" dirty="0" smtClean="0"/>
-              <a:t>Examples of Online CI Services</a:t>
+              <a:t>Git Terminology</a:t>
             </a:r>
             <a:endParaRPr lang="en-ZA" dirty="0"/>
           </a:p>
@@ -6459,42 +6568,65 @@
           <a:lstStyle/>
           <a:p>
             <a:r>
-              <a:rPr lang="en-ZA" dirty="0">
-                <a:hlinkClick r:id="rId2"/>
-              </a:rPr>
-              <a:t>https://travis-ci.org</a:t>
-            </a:r>
-            <a:r>
-              <a:rPr lang="en-ZA" dirty="0" smtClean="0">
-                <a:hlinkClick r:id="rId2"/>
-              </a:rPr>
-              <a:t>/</a:t>
-            </a:r>
-            <a:endParaRPr lang="en-ZA" dirty="0" smtClean="0"/>
-          </a:p>
-          <a:p>
-            <a:r>
-              <a:rPr lang="en-ZA" dirty="0">
-                <a:hlinkClick r:id="rId3"/>
-              </a:rPr>
-              <a:t>https://www.appveyor.com</a:t>
-            </a:r>
-            <a:r>
-              <a:rPr lang="en-ZA" dirty="0" smtClean="0">
-                <a:hlinkClick r:id="rId3"/>
-              </a:rPr>
-              <a:t>/</a:t>
-            </a:r>
-            <a:endParaRPr lang="en-ZA" dirty="0" smtClean="0"/>
-          </a:p>
-          <a:p>
-            <a:endParaRPr lang="en-ZA" dirty="0"/>
-          </a:p>
-          <a:p>
-            <a:r>
-              <a:rPr lang="en-ZA" dirty="0" smtClean="0"/>
-              <a:t>We will cover testing later</a:t>
-            </a:r>
+              <a:rPr lang="en-ZA" b="1" dirty="0"/>
+              <a:t>Repository</a:t>
+            </a:r>
+            <a:r>
+              <a:rPr lang="en-ZA" dirty="0"/>
+              <a:t>: a stored history of work</a:t>
+            </a:r>
+          </a:p>
+          <a:p>
+            <a:r>
+              <a:rPr lang="en-ZA" b="1" dirty="0"/>
+              <a:t>Origin</a:t>
+            </a:r>
+            <a:r>
+              <a:rPr lang="en-ZA" dirty="0"/>
+              <a:t>: the main repository</a:t>
+            </a:r>
+          </a:p>
+          <a:p>
+            <a:r>
+              <a:rPr lang="en-ZA" b="1" dirty="0"/>
+              <a:t>Commit</a:t>
+            </a:r>
+            <a:r>
+              <a:rPr lang="en-ZA" dirty="0"/>
+              <a:t>: state of repository at a given time</a:t>
+            </a:r>
+          </a:p>
+          <a:p>
+            <a:r>
+              <a:rPr lang="en-ZA" b="1" dirty="0"/>
+              <a:t>Branch</a:t>
+            </a:r>
+            <a:r>
+              <a:rPr lang="en-ZA" dirty="0"/>
+              <a:t>: a series of commits</a:t>
+            </a:r>
+          </a:p>
+          <a:p>
+            <a:r>
+              <a:rPr lang="en-ZA" b="1" dirty="0"/>
+              <a:t>Master</a:t>
+            </a:r>
+            <a:r>
+              <a:rPr lang="en-ZA" dirty="0"/>
+              <a:t>: the “main” branch</a:t>
+            </a:r>
+          </a:p>
+          <a:p>
+            <a:r>
+              <a:rPr lang="en-ZA" b="1" dirty="0"/>
+              <a:t>Working copy</a:t>
+            </a:r>
+            <a:r>
+              <a:rPr lang="en-ZA" dirty="0"/>
+              <a:t>: the assets you are working with</a:t>
+            </a:r>
+          </a:p>
+          <a:p>
             <a:endParaRPr lang="en-ZA" dirty="0"/>
           </a:p>
         </p:txBody>
@@ -6502,7 +6634,7 @@
     </p:spTree>
     <p:extLst>
       <p:ext uri="{BB962C8B-B14F-4D97-AF65-F5344CB8AC3E}">
-        <p14:creationId xmlns:p14="http://schemas.microsoft.com/office/powerpoint/2010/main" val="913708809"/>
+        <p14:creationId xmlns:p14="http://schemas.microsoft.com/office/powerpoint/2010/main" val="981610377"/>
       </p:ext>
     </p:extLst>
   </p:cSld>
@@ -6539,14 +6671,19 @@
             <p:ph type="title"/>
           </p:nvPr>
         </p:nvSpPr>
-        <p:spPr/>
+        <p:spPr>
+          <a:xfrm>
+            <a:off x="646111" y="452718"/>
+            <a:ext cx="9404723" cy="1105626"/>
+          </a:xfrm>
+        </p:spPr>
         <p:txBody>
           <a:bodyPr/>
           <a:lstStyle/>
           <a:p>
             <a:r>
               <a:rPr lang="en-ZA" dirty="0" smtClean="0"/>
-              <a:t>Use Cases</a:t>
+              <a:t>Continuous Integration (CI)</a:t>
             </a:r>
             <a:endParaRPr lang="en-ZA" dirty="0"/>
           </a:p>
@@ -6562,73 +6699,58 @@
             <p:ph idx="1"/>
           </p:nvPr>
         </p:nvSpPr>
-        <p:spPr/>
+        <p:spPr>
+          <a:xfrm>
+            <a:off x="1103312" y="1712890"/>
+            <a:ext cx="8946541" cy="4535509"/>
+          </a:xfrm>
+        </p:spPr>
         <p:txBody>
           <a:bodyPr/>
           <a:lstStyle/>
           <a:p>
             <a:r>
               <a:rPr lang="en-ZA" dirty="0"/>
-              <a:t>A structured way to show a mapping between one or few actions and 1 or few objects</a:t>
+              <a:t>Similar concept to source control</a:t>
             </a:r>
           </a:p>
           <a:p>
             <a:r>
               <a:rPr lang="en-ZA" dirty="0"/>
-              <a:t>Usually dictated as noun </a:t>
-            </a:r>
-            <a:r>
-              <a:rPr lang="en-ZA" dirty="0">
-                <a:sym typeface="Wingdings" panose="05000000000000000000" pitchFamily="2" charset="2"/>
-              </a:rPr>
-              <a:t> verb  noun</a:t>
-            </a:r>
-          </a:p>
-          <a:p>
-            <a:r>
-              <a:rPr lang="en-ZA" dirty="0">
-                <a:sym typeface="Wingdings" panose="05000000000000000000" pitchFamily="2" charset="2"/>
-              </a:rPr>
-              <a:t>E.g. </a:t>
+              <a:t>Operates along side source control</a:t>
+            </a:r>
+          </a:p>
+          <a:p>
+            <a:r>
+              <a:rPr lang="en-ZA" dirty="0"/>
+              <a:t>It is a shared repository where the code is pushed periodically by the developer and an automated bot attempts to build the code. </a:t>
             </a:r>
           </a:p>
           <a:p>
             <a:pPr lvl="2"/>
             <a:r>
-              <a:rPr lang="en-ZA" dirty="0">
-                <a:sym typeface="Wingdings" panose="05000000000000000000" pitchFamily="2" charset="2"/>
-              </a:rPr>
-              <a:t>The manager hires new employees</a:t>
+              <a:rPr lang="en-ZA" dirty="0"/>
+              <a:t>The bot may also just use the source control system and check for any new commits</a:t>
+            </a:r>
+          </a:p>
+          <a:p>
+            <a:r>
+              <a:rPr lang="en-ZA" dirty="0"/>
+              <a:t>Usually there will be some kind of interface where the result of the build is displayed</a:t>
             </a:r>
           </a:p>
           <a:p>
             <a:pPr lvl="2"/>
             <a:r>
-              <a:rPr lang="en-ZA" dirty="0">
-                <a:sym typeface="Wingdings" panose="05000000000000000000" pitchFamily="2" charset="2"/>
-              </a:rPr>
-              <a:t>The doctor treats patients</a:t>
-            </a:r>
-          </a:p>
-          <a:p>
-            <a:r>
-              <a:rPr lang="en-ZA" dirty="0">
-                <a:sym typeface="Wingdings" panose="05000000000000000000" pitchFamily="2" charset="2"/>
-              </a:rPr>
-              <a:t>Mappings related to how the data is stored and what screens are shown to the user</a:t>
-            </a:r>
-          </a:p>
-          <a:p>
-            <a:r>
-              <a:rPr lang="en-ZA" dirty="0">
-                <a:sym typeface="Wingdings" panose="05000000000000000000" pitchFamily="2" charset="2"/>
-              </a:rPr>
-              <a:t>Important way to constrain the problem in order to make it easier to deal with</a:t>
-            </a:r>
-          </a:p>
-          <a:p>
-            <a:pPr lvl="3"/>
-            <a:endParaRPr lang="en-ZA" dirty="0"/>
+              <a:rPr lang="en-ZA" dirty="0"/>
+              <a:t>Either pass or fail</a:t>
+            </a:r>
+          </a:p>
+          <a:p>
+            <a:r>
+              <a:rPr lang="en-ZA" dirty="0"/>
+              <a:t>Some CI systems can also automatically deploy the code to its “live” version</a:t>
+            </a:r>
           </a:p>
           <a:p>
             <a:endParaRPr lang="en-ZA" dirty="0"/>
@@ -6638,7 +6760,7 @@
     </p:spTree>
     <p:extLst>
       <p:ext uri="{BB962C8B-B14F-4D97-AF65-F5344CB8AC3E}">
-        <p14:creationId xmlns:p14="http://schemas.microsoft.com/office/powerpoint/2010/main" val="3742386237"/>
+        <p14:creationId xmlns:p14="http://schemas.microsoft.com/office/powerpoint/2010/main" val="331715293"/>
       </p:ext>
     </p:extLst>
   </p:cSld>
@@ -6682,7 +6804,7 @@
           <a:p>
             <a:r>
               <a:rPr lang="en-ZA" dirty="0" smtClean="0"/>
-              <a:t>User Stories</a:t>
+              <a:t>Why Use A CI</a:t>
             </a:r>
             <a:endParaRPr lang="en-ZA" dirty="0"/>
           </a:p>
@@ -6704,20 +6826,32 @@
           <a:lstStyle/>
           <a:p>
             <a:r>
-              <a:rPr lang="en-ZA" dirty="0" smtClean="0"/>
-              <a:t>Similar to use cases but is in story form</a:t>
-            </a:r>
-          </a:p>
-          <a:p>
-            <a:r>
-              <a:rPr lang="en-ZA" dirty="0" smtClean="0"/>
-              <a:t>The “user” is usually a made up persona which represents the type of person most likely to use the piece of software.</a:t>
-            </a:r>
-          </a:p>
-          <a:p>
-            <a:r>
-              <a:rPr lang="en-ZA" dirty="0" smtClean="0"/>
-              <a:t>An example is shown later</a:t>
+              <a:rPr lang="en-ZA" dirty="0"/>
+              <a:t>Makes sure that the recent code changes are working so that if there is already a released version of the software this update does not break the software</a:t>
+            </a:r>
+          </a:p>
+          <a:p>
+            <a:r>
+              <a:rPr lang="en-ZA" dirty="0"/>
+              <a:t>Allows teams to see where some lower level errors may exist</a:t>
+            </a:r>
+          </a:p>
+          <a:p>
+            <a:r>
+              <a:rPr lang="en-ZA" dirty="0"/>
+              <a:t>In team based projects it is important to see where the latest revision of the project is and if it is indeed working</a:t>
+            </a:r>
+          </a:p>
+          <a:p>
+            <a:r>
+              <a:rPr lang="en-ZA" dirty="0"/>
+              <a:t>Test-first development strategies</a:t>
+            </a:r>
+          </a:p>
+          <a:p>
+            <a:r>
+              <a:rPr lang="en-ZA" dirty="0"/>
+              <a:t>Centralised deployment mechanism</a:t>
             </a:r>
           </a:p>
           <a:p>
@@ -6728,7 +6862,7 @@
     </p:spTree>
     <p:extLst>
       <p:ext uri="{BB962C8B-B14F-4D97-AF65-F5344CB8AC3E}">
-        <p14:creationId xmlns:p14="http://schemas.microsoft.com/office/powerpoint/2010/main" val="559374735"/>
+        <p14:creationId xmlns:p14="http://schemas.microsoft.com/office/powerpoint/2010/main" val="1357863678"/>
       </p:ext>
     </p:extLst>
   </p:cSld>
@@ -6772,6 +6906,341 @@
           <a:p>
             <a:r>
               <a:rPr lang="en-ZA" dirty="0" smtClean="0"/>
+              <a:t>Examples of Online CI Services</a:t>
+            </a:r>
+            <a:endParaRPr lang="en-ZA" dirty="0"/>
+          </a:p>
+        </p:txBody>
+      </p:sp>
+      <p:sp>
+        <p:nvSpPr>
+          <p:cNvPr id="3" name="Content Placeholder 2"/>
+          <p:cNvSpPr>
+            <a:spLocks noGrp="1"/>
+          </p:cNvSpPr>
+          <p:nvPr>
+            <p:ph idx="1"/>
+          </p:nvPr>
+        </p:nvSpPr>
+        <p:spPr/>
+        <p:txBody>
+          <a:bodyPr/>
+          <a:lstStyle/>
+          <a:p>
+            <a:r>
+              <a:rPr lang="en-ZA" dirty="0">
+                <a:hlinkClick r:id="rId2"/>
+              </a:rPr>
+              <a:t>https://travis-ci.org</a:t>
+            </a:r>
+            <a:r>
+              <a:rPr lang="en-ZA" dirty="0" smtClean="0">
+                <a:hlinkClick r:id="rId2"/>
+              </a:rPr>
+              <a:t>/</a:t>
+            </a:r>
+            <a:endParaRPr lang="en-ZA" dirty="0" smtClean="0"/>
+          </a:p>
+          <a:p>
+            <a:r>
+              <a:rPr lang="en-ZA" dirty="0">
+                <a:hlinkClick r:id="rId3"/>
+              </a:rPr>
+              <a:t>https://www.appveyor.com</a:t>
+            </a:r>
+            <a:r>
+              <a:rPr lang="en-ZA" dirty="0" smtClean="0">
+                <a:hlinkClick r:id="rId3"/>
+              </a:rPr>
+              <a:t>/</a:t>
+            </a:r>
+            <a:endParaRPr lang="en-ZA" dirty="0" smtClean="0"/>
+          </a:p>
+          <a:p>
+            <a:endParaRPr lang="en-ZA" dirty="0"/>
+          </a:p>
+          <a:p>
+            <a:r>
+              <a:rPr lang="en-ZA" dirty="0" smtClean="0"/>
+              <a:t>We will cover testing later</a:t>
+            </a:r>
+            <a:endParaRPr lang="en-ZA" dirty="0"/>
+          </a:p>
+        </p:txBody>
+      </p:sp>
+    </p:spTree>
+    <p:extLst>
+      <p:ext uri="{BB962C8B-B14F-4D97-AF65-F5344CB8AC3E}">
+        <p14:creationId xmlns:p14="http://schemas.microsoft.com/office/powerpoint/2010/main" val="913708809"/>
+      </p:ext>
+    </p:extLst>
+  </p:cSld>
+  <p:clrMapOvr>
+    <a:masterClrMapping/>
+  </p:clrMapOvr>
+</p:sld>
+</file>
+
+<file path=ppt/slides/slide16.xml><?xml version="1.0" encoding="utf-8"?>
+<p:sld xmlns:a="http://schemas.openxmlformats.org/drawingml/2006/main" xmlns:r="http://schemas.openxmlformats.org/officeDocument/2006/relationships" xmlns:p="http://schemas.openxmlformats.org/presentationml/2006/main">
+  <p:cSld>
+    <p:spTree>
+      <p:nvGrpSpPr>
+        <p:cNvPr id="1" name=""/>
+        <p:cNvGrpSpPr/>
+        <p:nvPr/>
+      </p:nvGrpSpPr>
+      <p:grpSpPr>
+        <a:xfrm>
+          <a:off x="0" y="0"/>
+          <a:ext cx="0" cy="0"/>
+          <a:chOff x="0" y="0"/>
+          <a:chExt cx="0" cy="0"/>
+        </a:xfrm>
+      </p:grpSpPr>
+      <p:sp>
+        <p:nvSpPr>
+          <p:cNvPr id="2" name="Title 1"/>
+          <p:cNvSpPr>
+            <a:spLocks noGrp="1"/>
+          </p:cNvSpPr>
+          <p:nvPr>
+            <p:ph type="title"/>
+          </p:nvPr>
+        </p:nvSpPr>
+        <p:spPr/>
+        <p:txBody>
+          <a:bodyPr/>
+          <a:lstStyle/>
+          <a:p>
+            <a:r>
+              <a:rPr lang="en-ZA" dirty="0" smtClean="0"/>
+              <a:t>Use Cases</a:t>
+            </a:r>
+            <a:endParaRPr lang="en-ZA" dirty="0"/>
+          </a:p>
+        </p:txBody>
+      </p:sp>
+      <p:sp>
+        <p:nvSpPr>
+          <p:cNvPr id="3" name="Content Placeholder 2"/>
+          <p:cNvSpPr>
+            <a:spLocks noGrp="1"/>
+          </p:cNvSpPr>
+          <p:nvPr>
+            <p:ph idx="1"/>
+          </p:nvPr>
+        </p:nvSpPr>
+        <p:spPr/>
+        <p:txBody>
+          <a:bodyPr/>
+          <a:lstStyle/>
+          <a:p>
+            <a:r>
+              <a:rPr lang="en-ZA" dirty="0"/>
+              <a:t>A structured way to show a mapping between one or few actions and 1 or few objects</a:t>
+            </a:r>
+          </a:p>
+          <a:p>
+            <a:r>
+              <a:rPr lang="en-ZA" dirty="0"/>
+              <a:t>Usually dictated as noun </a:t>
+            </a:r>
+            <a:r>
+              <a:rPr lang="en-ZA" dirty="0">
+                <a:sym typeface="Wingdings" panose="05000000000000000000" pitchFamily="2" charset="2"/>
+              </a:rPr>
+              <a:t> verb  noun</a:t>
+            </a:r>
+          </a:p>
+          <a:p>
+            <a:r>
+              <a:rPr lang="en-ZA" dirty="0">
+                <a:sym typeface="Wingdings" panose="05000000000000000000" pitchFamily="2" charset="2"/>
+              </a:rPr>
+              <a:t>E.g. </a:t>
+            </a:r>
+          </a:p>
+          <a:p>
+            <a:pPr lvl="2"/>
+            <a:r>
+              <a:rPr lang="en-ZA" dirty="0">
+                <a:sym typeface="Wingdings" panose="05000000000000000000" pitchFamily="2" charset="2"/>
+              </a:rPr>
+              <a:t>The manager hires new employees</a:t>
+            </a:r>
+          </a:p>
+          <a:p>
+            <a:pPr lvl="2"/>
+            <a:r>
+              <a:rPr lang="en-ZA" dirty="0">
+                <a:sym typeface="Wingdings" panose="05000000000000000000" pitchFamily="2" charset="2"/>
+              </a:rPr>
+              <a:t>The doctor treats patients</a:t>
+            </a:r>
+          </a:p>
+          <a:p>
+            <a:r>
+              <a:rPr lang="en-ZA" dirty="0">
+                <a:sym typeface="Wingdings" panose="05000000000000000000" pitchFamily="2" charset="2"/>
+              </a:rPr>
+              <a:t>Mappings related to how the data is stored and what screens are shown to the user</a:t>
+            </a:r>
+          </a:p>
+          <a:p>
+            <a:r>
+              <a:rPr lang="en-ZA" dirty="0">
+                <a:sym typeface="Wingdings" panose="05000000000000000000" pitchFamily="2" charset="2"/>
+              </a:rPr>
+              <a:t>Important way to constrain the problem in order to make it easier to deal with</a:t>
+            </a:r>
+          </a:p>
+          <a:p>
+            <a:pPr lvl="3"/>
+            <a:endParaRPr lang="en-ZA" dirty="0"/>
+          </a:p>
+          <a:p>
+            <a:endParaRPr lang="en-ZA" dirty="0"/>
+          </a:p>
+        </p:txBody>
+      </p:sp>
+    </p:spTree>
+    <p:extLst>
+      <p:ext uri="{BB962C8B-B14F-4D97-AF65-F5344CB8AC3E}">
+        <p14:creationId xmlns:p14="http://schemas.microsoft.com/office/powerpoint/2010/main" val="3742386237"/>
+      </p:ext>
+    </p:extLst>
+  </p:cSld>
+  <p:clrMapOvr>
+    <a:masterClrMapping/>
+  </p:clrMapOvr>
+</p:sld>
+</file>
+
+<file path=ppt/slides/slide17.xml><?xml version="1.0" encoding="utf-8"?>
+<p:sld xmlns:a="http://schemas.openxmlformats.org/drawingml/2006/main" xmlns:r="http://schemas.openxmlformats.org/officeDocument/2006/relationships" xmlns:p="http://schemas.openxmlformats.org/presentationml/2006/main">
+  <p:cSld>
+    <p:spTree>
+      <p:nvGrpSpPr>
+        <p:cNvPr id="1" name=""/>
+        <p:cNvGrpSpPr/>
+        <p:nvPr/>
+      </p:nvGrpSpPr>
+      <p:grpSpPr>
+        <a:xfrm>
+          <a:off x="0" y="0"/>
+          <a:ext cx="0" cy="0"/>
+          <a:chOff x="0" y="0"/>
+          <a:chExt cx="0" cy="0"/>
+        </a:xfrm>
+      </p:grpSpPr>
+      <p:sp>
+        <p:nvSpPr>
+          <p:cNvPr id="2" name="Title 1"/>
+          <p:cNvSpPr>
+            <a:spLocks noGrp="1"/>
+          </p:cNvSpPr>
+          <p:nvPr>
+            <p:ph type="title"/>
+          </p:nvPr>
+        </p:nvSpPr>
+        <p:spPr/>
+        <p:txBody>
+          <a:bodyPr/>
+          <a:lstStyle/>
+          <a:p>
+            <a:r>
+              <a:rPr lang="en-ZA" dirty="0" smtClean="0"/>
+              <a:t>User Stories</a:t>
+            </a:r>
+            <a:endParaRPr lang="en-ZA" dirty="0"/>
+          </a:p>
+        </p:txBody>
+      </p:sp>
+      <p:sp>
+        <p:nvSpPr>
+          <p:cNvPr id="3" name="Content Placeholder 2"/>
+          <p:cNvSpPr>
+            <a:spLocks noGrp="1"/>
+          </p:cNvSpPr>
+          <p:nvPr>
+            <p:ph idx="1"/>
+          </p:nvPr>
+        </p:nvSpPr>
+        <p:spPr/>
+        <p:txBody>
+          <a:bodyPr/>
+          <a:lstStyle/>
+          <a:p>
+            <a:r>
+              <a:rPr lang="en-ZA" dirty="0" smtClean="0"/>
+              <a:t>Similar to use cases but is in story form</a:t>
+            </a:r>
+          </a:p>
+          <a:p>
+            <a:r>
+              <a:rPr lang="en-ZA" dirty="0" smtClean="0"/>
+              <a:t>The “user” is usually a made up persona which represents the type of person most likely to use the piece of software.</a:t>
+            </a:r>
+          </a:p>
+          <a:p>
+            <a:r>
+              <a:rPr lang="en-ZA" dirty="0" smtClean="0"/>
+              <a:t>An example is shown later</a:t>
+            </a:r>
+          </a:p>
+          <a:p>
+            <a:endParaRPr lang="en-ZA" dirty="0"/>
+          </a:p>
+        </p:txBody>
+      </p:sp>
+    </p:spTree>
+    <p:extLst>
+      <p:ext uri="{BB962C8B-B14F-4D97-AF65-F5344CB8AC3E}">
+        <p14:creationId xmlns:p14="http://schemas.microsoft.com/office/powerpoint/2010/main" val="559374735"/>
+      </p:ext>
+    </p:extLst>
+  </p:cSld>
+  <p:clrMapOvr>
+    <a:masterClrMapping/>
+  </p:clrMapOvr>
+</p:sld>
+</file>
+
+<file path=ppt/slides/slide18.xml><?xml version="1.0" encoding="utf-8"?>
+<p:sld xmlns:a="http://schemas.openxmlformats.org/drawingml/2006/main" xmlns:r="http://schemas.openxmlformats.org/officeDocument/2006/relationships" xmlns:p="http://schemas.openxmlformats.org/presentationml/2006/main">
+  <p:cSld>
+    <p:spTree>
+      <p:nvGrpSpPr>
+        <p:cNvPr id="1" name=""/>
+        <p:cNvGrpSpPr/>
+        <p:nvPr/>
+      </p:nvGrpSpPr>
+      <p:grpSpPr>
+        <a:xfrm>
+          <a:off x="0" y="0"/>
+          <a:ext cx="0" cy="0"/>
+          <a:chOff x="0" y="0"/>
+          <a:chExt cx="0" cy="0"/>
+        </a:xfrm>
+      </p:grpSpPr>
+      <p:sp>
+        <p:nvSpPr>
+          <p:cNvPr id="2" name="Title 1"/>
+          <p:cNvSpPr>
+            <a:spLocks noGrp="1"/>
+          </p:cNvSpPr>
+          <p:nvPr>
+            <p:ph type="title"/>
+          </p:nvPr>
+        </p:nvSpPr>
+        <p:spPr/>
+        <p:txBody>
+          <a:bodyPr/>
+          <a:lstStyle/>
+          <a:p>
+            <a:r>
+              <a:rPr lang="en-ZA" dirty="0" smtClean="0"/>
               <a:t>Issue / Ticket Tracking</a:t>
             </a:r>
             <a:endParaRPr lang="en-ZA" dirty="0"/>
@@ -6851,7 +7320,7 @@
 </p:sld>
 </file>
 
-<file path=ppt/slides/slide16.xml><?xml version="1.0" encoding="utf-8"?>
+<file path=ppt/slides/slide19.xml><?xml version="1.0" encoding="utf-8"?>
 <p:sld xmlns:a="http://schemas.openxmlformats.org/drawingml/2006/main" xmlns:r="http://schemas.openxmlformats.org/officeDocument/2006/relationships" xmlns:p="http://schemas.openxmlformats.org/presentationml/2006/main">
   <p:cSld>
     <p:spTree>
@@ -7226,15 +7695,11 @@
             <a:pPr lvl="1"/>
             <a:r>
               <a:rPr lang="en-ZA" dirty="0" smtClean="0"/>
-              <a:t>A suggestion is to do the ones on </a:t>
-            </a:r>
-            <a:r>
-              <a:rPr lang="en-ZA" dirty="0" err="1" smtClean="0"/>
-              <a:t>Javascript</a:t>
-            </a:r>
-            <a:r>
-              <a:rPr lang="en-ZA" dirty="0" smtClean="0"/>
-              <a:t>, </a:t>
+              <a:t>A suggestion is to do the ones </a:t>
+            </a:r>
+            <a:r>
+              <a:rPr lang="en-ZA" smtClean="0"/>
+              <a:t>on JavaScript, </a:t>
             </a:r>
             <a:r>
               <a:rPr lang="en-ZA" dirty="0" err="1" smtClean="0"/>
@@ -7250,7 +7715,29 @@
               <a:rPr lang="en-ZA" dirty="0">
                 <a:hlinkClick r:id="rId3"/>
               </a:rPr>
-              <a:t>https://try.github.io</a:t>
+              <a:t>https://</a:t>
+            </a:r>
+            <a:r>
+              <a:rPr lang="en-ZA" dirty="0" smtClean="0">
+                <a:hlinkClick r:id="rId3"/>
+              </a:rPr>
+              <a:t>try.github.io</a:t>
+            </a:r>
+            <a:endParaRPr lang="en-ZA" dirty="0" smtClean="0"/>
+          </a:p>
+          <a:p>
+            <a:pPr lvl="1"/>
+            <a:r>
+              <a:rPr lang="en-US" dirty="0" smtClean="0"/>
+              <a:t>Interactive </a:t>
+            </a:r>
+            <a:r>
+              <a:rPr lang="en-US" dirty="0" err="1" smtClean="0"/>
+              <a:t>git</a:t>
+            </a:r>
+            <a:r>
+              <a:rPr lang="en-US" dirty="0" smtClean="0"/>
+              <a:t> tutorial from a web browser</a:t>
             </a:r>
             <a:endParaRPr lang="en-ZA" dirty="0"/>
           </a:p>
@@ -7305,8 +7792,8 @@
           <a:lstStyle/>
           <a:p>
             <a:r>
-              <a:rPr lang="en-ZA" dirty="0" smtClean="0"/>
-              <a:t>What is Software Design	</a:t>
+              <a:rPr lang="en-US" dirty="0" smtClean="0"/>
+              <a:t>Tools You Will Need</a:t>
             </a:r>
             <a:endParaRPr lang="en-ZA" dirty="0"/>
           </a:p>
@@ -7324,27 +7811,145 @@
         </p:nvSpPr>
         <p:spPr/>
         <p:txBody>
-          <a:bodyPr/>
-          <a:lstStyle/>
-          <a:p>
-            <a:r>
-              <a:rPr lang="en-ZA" dirty="0" smtClean="0"/>
-              <a:t>It is more than just programming</a:t>
-            </a:r>
-          </a:p>
-          <a:p>
-            <a:r>
-              <a:rPr lang="en-ZA" dirty="0" smtClean="0"/>
-              <a:t>It is the use of techniques such as analysis, design with programming and testing to develop robust software to solve real world problems.</a:t>
-            </a:r>
-            <a:endParaRPr lang="en-ZA" dirty="0"/>
+          <a:bodyPr>
+            <a:normAutofit fontScale="92500" lnSpcReduction="20000"/>
+          </a:bodyPr>
+          <a:lstStyle/>
+          <a:p>
+            <a:r>
+              <a:rPr lang="en-US" dirty="0" err="1" smtClean="0"/>
+              <a:t>Git</a:t>
+            </a:r>
+            <a:r>
+              <a:rPr lang="en-US" dirty="0" smtClean="0"/>
+              <a:t> For Windows</a:t>
+            </a:r>
+          </a:p>
+          <a:p>
+            <a:pPr lvl="1"/>
+            <a:r>
+              <a:rPr lang="en-US" dirty="0" smtClean="0"/>
+              <a:t>Includes </a:t>
+            </a:r>
+            <a:r>
+              <a:rPr lang="en-US" dirty="0" err="1" smtClean="0"/>
+              <a:t>Git</a:t>
+            </a:r>
+            <a:r>
+              <a:rPr lang="en-US" dirty="0" smtClean="0"/>
+              <a:t> Bash</a:t>
+            </a:r>
+          </a:p>
+          <a:p>
+            <a:r>
+              <a:rPr lang="en-US" dirty="0" err="1" smtClean="0"/>
+              <a:t>NodeJS</a:t>
+            </a:r>
+            <a:endParaRPr lang="en-US" dirty="0" smtClean="0"/>
+          </a:p>
+          <a:p>
+            <a:pPr lvl="1"/>
+            <a:r>
+              <a:rPr lang="en-US" dirty="0" smtClean="0"/>
+              <a:t>Includes </a:t>
+            </a:r>
+            <a:r>
+              <a:rPr lang="en-US" dirty="0" err="1" smtClean="0"/>
+              <a:t>npm</a:t>
+            </a:r>
+            <a:endParaRPr lang="en-US" dirty="0" smtClean="0"/>
+          </a:p>
+          <a:p>
+            <a:pPr lvl="1"/>
+            <a:r>
+              <a:rPr lang="en-US" dirty="0">
+                <a:hlinkClick r:id="rId2"/>
+              </a:rPr>
+              <a:t>https://nodejs.org/en/download</a:t>
+            </a:r>
+            <a:r>
+              <a:rPr lang="en-US" dirty="0" smtClean="0">
+                <a:hlinkClick r:id="rId2"/>
+              </a:rPr>
+              <a:t>/</a:t>
+            </a:r>
+            <a:endParaRPr lang="en-US" dirty="0" smtClean="0"/>
+          </a:p>
+          <a:p>
+            <a:r>
+              <a:rPr lang="en-US" dirty="0" err="1" smtClean="0"/>
+              <a:t>MongoDb</a:t>
+            </a:r>
+            <a:endParaRPr lang="en-US" dirty="0" smtClean="0"/>
+          </a:p>
+          <a:p>
+            <a:pPr lvl="1"/>
+            <a:r>
+              <a:rPr lang="en-US" dirty="0" smtClean="0"/>
+              <a:t>Used later</a:t>
+            </a:r>
+          </a:p>
+          <a:p>
+            <a:pPr lvl="1"/>
+            <a:r>
+              <a:rPr lang="en-US" dirty="0">
+                <a:hlinkClick r:id="rId3"/>
+              </a:rPr>
+              <a:t>https://</a:t>
+            </a:r>
+            <a:r>
+              <a:rPr lang="en-US" dirty="0" smtClean="0">
+                <a:hlinkClick r:id="rId3"/>
+              </a:rPr>
+              <a:t>www.mongodb.com/download-center</a:t>
+            </a:r>
+            <a:endParaRPr lang="en-US" dirty="0" smtClean="0"/>
+          </a:p>
+          <a:p>
+            <a:r>
+              <a:rPr lang="en-US" dirty="0" err="1" smtClean="0"/>
+              <a:t>RoboMongo</a:t>
+            </a:r>
+            <a:endParaRPr lang="en-US" dirty="0" smtClean="0"/>
+          </a:p>
+          <a:p>
+            <a:pPr lvl="1"/>
+            <a:r>
+              <a:rPr lang="en-US" dirty="0">
+                <a:hlinkClick r:id="rId4"/>
+              </a:rPr>
+              <a:t>https://</a:t>
+            </a:r>
+            <a:r>
+              <a:rPr lang="en-US" dirty="0" smtClean="0">
+                <a:hlinkClick r:id="rId4"/>
+              </a:rPr>
+              <a:t>robomongo.org/download</a:t>
+            </a:r>
+            <a:endParaRPr lang="en-US" dirty="0" smtClean="0"/>
+          </a:p>
+          <a:p>
+            <a:r>
+              <a:rPr lang="en-US" dirty="0" smtClean="0"/>
+              <a:t>A code Editor – any will do</a:t>
+            </a:r>
+          </a:p>
+          <a:p>
+            <a:r>
+              <a:rPr lang="en-US" dirty="0" err="1" smtClean="0"/>
+              <a:t>Npm</a:t>
+            </a:r>
+            <a:r>
+              <a:rPr lang="en-US" dirty="0" smtClean="0"/>
+              <a:t> programs</a:t>
+            </a:r>
           </a:p>
         </p:txBody>
       </p:sp>
     </p:spTree>
     <p:extLst>
       <p:ext uri="{BB962C8B-B14F-4D97-AF65-F5344CB8AC3E}">
-        <p14:creationId xmlns:p14="http://schemas.microsoft.com/office/powerpoint/2010/main" val="3987157196"/>
+        <p14:creationId xmlns:p14="http://schemas.microsoft.com/office/powerpoint/2010/main" val="329169768"/>
       </p:ext>
     </p:extLst>
   </p:cSld>
@@ -7387,8 +7992,8 @@
           <a:lstStyle/>
           <a:p>
             <a:r>
-              <a:rPr lang="en-ZA" dirty="0" smtClean="0"/>
-              <a:t>1. Version Control</a:t>
+              <a:rPr lang="en-US" dirty="0" smtClean="0"/>
+              <a:t>NPM</a:t>
             </a:r>
             <a:endParaRPr lang="en-ZA" dirty="0"/>
           </a:p>
@@ -7406,64 +8011,175 @@
         </p:nvSpPr>
         <p:spPr/>
         <p:txBody>
-          <a:bodyPr>
-            <a:normAutofit/>
-          </a:bodyPr>
-          <a:lstStyle/>
-          <a:p>
-            <a:r>
-              <a:rPr lang="en-ZA" dirty="0"/>
-              <a:t>A system which helps to track the progression of a project</a:t>
-            </a:r>
-          </a:p>
-          <a:p>
-            <a:r>
-              <a:rPr lang="en-ZA" dirty="0"/>
-              <a:t>It manages and track the changes of </a:t>
-            </a:r>
-            <a:r>
-              <a:rPr lang="en-ZA" dirty="0" smtClean="0"/>
-              <a:t>all the files within the repository except those specific not to be tracked.</a:t>
-            </a:r>
+          <a:bodyPr/>
+          <a:lstStyle/>
+          <a:p>
+            <a:r>
+              <a:rPr lang="en-US" dirty="0" smtClean="0"/>
+              <a:t>Once </a:t>
+            </a:r>
+            <a:r>
+              <a:rPr lang="en-US" dirty="0" err="1" smtClean="0"/>
+              <a:t>NodeJS</a:t>
+            </a:r>
+            <a:r>
+              <a:rPr lang="en-US" dirty="0" smtClean="0"/>
+              <a:t> is installed, on Windows you may need to add </a:t>
+            </a:r>
+            <a:r>
+              <a:rPr lang="en-US" dirty="0" err="1" smtClean="0"/>
+              <a:t>NodeJS</a:t>
+            </a:r>
+            <a:r>
+              <a:rPr lang="en-US" dirty="0" smtClean="0"/>
+              <a:t> to the main path</a:t>
+            </a:r>
+          </a:p>
+          <a:p>
+            <a:pPr lvl="1"/>
+            <a:r>
+              <a:rPr lang="en-US" dirty="0"/>
+              <a:t>This link will help: </a:t>
+            </a:r>
+            <a:r>
+              <a:rPr lang="en-US" dirty="0">
+                <a:hlinkClick r:id="rId2"/>
+              </a:rPr>
+              <a:t>http://</a:t>
+            </a:r>
+            <a:r>
+              <a:rPr lang="en-US" dirty="0" smtClean="0">
+                <a:hlinkClick r:id="rId2"/>
+              </a:rPr>
+              <a:t>blog.gvm-it.eu/post/20404719601/getting-started-with-nodejs-on-windows</a:t>
+            </a:r>
+            <a:endParaRPr lang="en-US" dirty="0" smtClean="0"/>
+          </a:p>
+          <a:p>
+            <a:r>
+              <a:rPr lang="en-US" dirty="0" smtClean="0"/>
+              <a:t>I use </a:t>
+            </a:r>
+            <a:r>
+              <a:rPr lang="en-US" dirty="0" err="1" smtClean="0"/>
+              <a:t>git</a:t>
+            </a:r>
+            <a:r>
+              <a:rPr lang="en-US" dirty="0" smtClean="0"/>
+              <a:t> bash for all my examples</a:t>
+            </a:r>
+          </a:p>
+          <a:p>
+            <a:r>
+              <a:rPr lang="en-US" dirty="0" smtClean="0"/>
+              <a:t>Install these programs with </a:t>
+            </a:r>
+            <a:r>
+              <a:rPr lang="en-US" dirty="0" err="1" smtClean="0"/>
+              <a:t>npm</a:t>
+            </a:r>
+            <a:r>
+              <a:rPr lang="en-US" dirty="0" smtClean="0"/>
+              <a:t>:</a:t>
+            </a:r>
+          </a:p>
+          <a:p>
+            <a:pPr lvl="1"/>
+            <a:r>
+              <a:rPr lang="en-US" dirty="0" smtClean="0"/>
+              <a:t>They will be used in later sessions</a:t>
+            </a:r>
+          </a:p>
+          <a:p>
+            <a:pPr lvl="1"/>
+            <a:r>
+              <a:rPr lang="en-US" dirty="0" smtClean="0"/>
+              <a:t>This will also work with the </a:t>
+            </a:r>
+          </a:p>
+          <a:p>
+            <a:pPr marL="457200" lvl="1" indent="0">
+              <a:buNone/>
+            </a:pPr>
+            <a:r>
+              <a:rPr lang="en-US" dirty="0"/>
+              <a:t>	</a:t>
+            </a:r>
+            <a:r>
+              <a:rPr lang="en-US" dirty="0" smtClean="0"/>
+              <a:t>standard Windows CMD</a:t>
+            </a:r>
+          </a:p>
+          <a:p>
+            <a:pPr marL="0" indent="0">
+              <a:buNone/>
+            </a:pPr>
+            <a:endParaRPr lang="en-US" dirty="0" smtClean="0"/>
+          </a:p>
+          <a:p>
+            <a:pPr lvl="1"/>
             <a:endParaRPr lang="en-ZA" dirty="0"/>
           </a:p>
-          <a:p>
-            <a:r>
-              <a:rPr lang="en-ZA" dirty="0"/>
-              <a:t>In a corporate environment it is usually stored on a separate or external server</a:t>
-            </a:r>
-          </a:p>
-          <a:p>
-            <a:r>
-              <a:rPr lang="en-ZA" dirty="0"/>
-              <a:t>Used when teams of developers are working together so that a copy of the project at any point within the version control system can be </a:t>
-            </a:r>
-            <a:r>
-              <a:rPr lang="en-ZA" dirty="0" smtClean="0"/>
-              <a:t>retrieved</a:t>
-            </a:r>
-            <a:endParaRPr lang="en-ZA" dirty="0"/>
-          </a:p>
-          <a:p>
-            <a:r>
-              <a:rPr lang="en-ZA" dirty="0"/>
-              <a:t>Handles conflict </a:t>
-            </a:r>
-            <a:r>
-              <a:rPr lang="en-ZA" dirty="0" smtClean="0"/>
-              <a:t>management between different versions</a:t>
-            </a:r>
-            <a:endParaRPr lang="en-ZA" dirty="0"/>
-          </a:p>
-          <a:p>
-            <a:endParaRPr lang="en-ZA" dirty="0"/>
-          </a:p>
-        </p:txBody>
-      </p:sp>
+        </p:txBody>
+      </p:sp>
+      <p:pic>
+        <p:nvPicPr>
+          <p:cNvPr id="1026" name="Picture 2"/>
+          <p:cNvPicPr>
+            <a:picLocks noChangeAspect="1" noChangeArrowheads="1"/>
+          </p:cNvPicPr>
+          <p:nvPr/>
+        </p:nvPicPr>
+        <p:blipFill>
+          <a:blip r:embed="rId3">
+            <a:extLst>
+              <a:ext uri="{28A0092B-C50C-407E-A947-70E740481C1C}">
+                <a14:useLocalDpi xmlns:a14="http://schemas.microsoft.com/office/drawing/2010/main" val="0"/>
+              </a:ext>
+            </a:extLst>
+          </a:blip>
+          <a:srcRect/>
+          <a:stretch>
+            <a:fillRect/>
+          </a:stretch>
+        </p:blipFill>
+        <p:spPr bwMode="auto">
+          <a:xfrm>
+            <a:off x="5730587" y="3722112"/>
+            <a:ext cx="5734562" cy="2858798"/>
+          </a:xfrm>
+          <a:prstGeom prst="rect">
+            <a:avLst/>
+          </a:prstGeom>
+          <a:noFill/>
+          <a:ln>
+            <a:noFill/>
+          </a:ln>
+          <a:extLst>
+            <a:ext uri="{909E8E84-426E-40DD-AFC4-6F175D3DCCD1}">
+              <a14:hiddenFill xmlns:a14="http://schemas.microsoft.com/office/drawing/2010/main">
+                <a:solidFill>
+                  <a:schemeClr val="accent1"/>
+                </a:solidFill>
+              </a14:hiddenFill>
+            </a:ext>
+            <a:ext uri="{91240B29-F687-4F45-9708-019B960494DF}">
+              <a14:hiddenLine xmlns:a14="http://schemas.microsoft.com/office/drawing/2010/main" w="9525">
+                <a:solidFill>
+                  <a:schemeClr val="tx1"/>
+                </a:solidFill>
+                <a:miter lim="800000"/>
+                <a:headEnd/>
+                <a:tailEnd/>
+              </a14:hiddenLine>
+            </a:ext>
+          </a:extLst>
+        </p:spPr>
+      </p:pic>
     </p:spTree>
     <p:extLst>
       <p:ext uri="{BB962C8B-B14F-4D97-AF65-F5344CB8AC3E}">
-        <p14:creationId xmlns:p14="http://schemas.microsoft.com/office/powerpoint/2010/main" val="3429195596"/>
+        <p14:creationId xmlns:p14="http://schemas.microsoft.com/office/powerpoint/2010/main" val="4016657289"/>
       </p:ext>
     </p:extLst>
   </p:cSld>
@@ -7506,55 +8222,146 @@
           <a:lstStyle/>
           <a:p>
             <a:r>
-              <a:rPr lang="en-ZA" dirty="0" smtClean="0"/>
-              <a:t>Why Is Version Control Important?</a:t>
+              <a:rPr lang="en-US" dirty="0" smtClean="0"/>
+              <a:t>Make sure to Add to Path</a:t>
             </a:r>
             <a:endParaRPr lang="en-ZA" dirty="0"/>
           </a:p>
         </p:txBody>
       </p:sp>
-      <p:sp>
-        <p:nvSpPr>
-          <p:cNvPr id="3" name="Content Placeholder 2"/>
-          <p:cNvSpPr>
-            <a:spLocks noGrp="1"/>
-          </p:cNvSpPr>
-          <p:nvPr>
-            <p:ph idx="1"/>
-          </p:nvPr>
-        </p:nvSpPr>
-        <p:spPr/>
-        <p:txBody>
-          <a:bodyPr/>
-          <a:lstStyle/>
-          <a:p>
-            <a:r>
-              <a:rPr lang="en-ZA" dirty="0"/>
-              <a:t>Tracking changes helps track what code introduces a bug</a:t>
-            </a:r>
-          </a:p>
-          <a:p>
-            <a:r>
-              <a:rPr lang="en-ZA" dirty="0"/>
-              <a:t>You can do “more dangerous” edits to code</a:t>
-            </a:r>
-          </a:p>
-          <a:p>
-            <a:r>
-              <a:rPr lang="en-ZA" dirty="0"/>
-              <a:t>Working as a team can be faster and more efficient</a:t>
-            </a:r>
-          </a:p>
-          <a:p>
-            <a:r>
-              <a:rPr lang="en-ZA" dirty="0"/>
-              <a:t>Keeps a backup of EVERY state of your project</a:t>
-            </a:r>
-          </a:p>
-          <a:p>
-            <a:r>
-              <a:rPr lang="en-ZA" dirty="0" smtClean="0"/>
-              <a:t>Helps distribute the latest code to all team members efficiently and securely</a:t>
+      <p:pic>
+        <p:nvPicPr>
+          <p:cNvPr id="1026" name="Picture 2"/>
+          <p:cNvPicPr>
+            <a:picLocks noChangeAspect="1" noChangeArrowheads="1"/>
+          </p:cNvPicPr>
+          <p:nvPr/>
+        </p:nvPicPr>
+        <p:blipFill>
+          <a:blip r:embed="rId2">
+            <a:extLst>
+              <a:ext uri="{28A0092B-C50C-407E-A947-70E740481C1C}">
+                <a14:useLocalDpi xmlns:a14="http://schemas.microsoft.com/office/drawing/2010/main" val="0"/>
+              </a:ext>
+            </a:extLst>
+          </a:blip>
+          <a:srcRect/>
+          <a:stretch>
+            <a:fillRect/>
+          </a:stretch>
+        </p:blipFill>
+        <p:spPr bwMode="auto">
+          <a:xfrm>
+            <a:off x="905741" y="1408834"/>
+            <a:ext cx="4838700" cy="3790950"/>
+          </a:xfrm>
+          <a:prstGeom prst="rect">
+            <a:avLst/>
+          </a:prstGeom>
+          <a:noFill/>
+          <a:ln>
+            <a:noFill/>
+          </a:ln>
+          <a:extLst>
+            <a:ext uri="{909E8E84-426E-40DD-AFC4-6F175D3DCCD1}">
+              <a14:hiddenFill xmlns:a14="http://schemas.microsoft.com/office/drawing/2010/main">
+                <a:solidFill>
+                  <a:schemeClr val="accent1"/>
+                </a:solidFill>
+              </a14:hiddenFill>
+            </a:ext>
+            <a:ext uri="{91240B29-F687-4F45-9708-019B960494DF}">
+              <a14:hiddenLine xmlns:a14="http://schemas.microsoft.com/office/drawing/2010/main" w="9525">
+                <a:solidFill>
+                  <a:schemeClr val="tx1"/>
+                </a:solidFill>
+                <a:miter lim="800000"/>
+                <a:headEnd/>
+                <a:tailEnd/>
+              </a14:hiddenLine>
+            </a:ext>
+          </a:extLst>
+        </p:spPr>
+      </p:pic>
+      <p:pic>
+        <p:nvPicPr>
+          <p:cNvPr id="1027" name="Picture 3"/>
+          <p:cNvPicPr>
+            <a:picLocks noChangeAspect="1" noChangeArrowheads="1"/>
+          </p:cNvPicPr>
+          <p:nvPr/>
+        </p:nvPicPr>
+        <p:blipFill>
+          <a:blip r:embed="rId3">
+            <a:extLst>
+              <a:ext uri="{28A0092B-C50C-407E-A947-70E740481C1C}">
+                <a14:useLocalDpi xmlns:a14="http://schemas.microsoft.com/office/drawing/2010/main" val="0"/>
+              </a:ext>
+            </a:extLst>
+          </a:blip>
+          <a:srcRect/>
+          <a:stretch>
+            <a:fillRect/>
+          </a:stretch>
+        </p:blipFill>
+        <p:spPr bwMode="auto">
+          <a:xfrm>
+            <a:off x="7546397" y="1825336"/>
+            <a:ext cx="2419350" cy="990600"/>
+          </a:xfrm>
+          <a:prstGeom prst="rect">
+            <a:avLst/>
+          </a:prstGeom>
+          <a:noFill/>
+          <a:ln>
+            <a:noFill/>
+          </a:ln>
+          <a:extLst>
+            <a:ext uri="{909E8E84-426E-40DD-AFC4-6F175D3DCCD1}">
+              <a14:hiddenFill xmlns:a14="http://schemas.microsoft.com/office/drawing/2010/main">
+                <a:solidFill>
+                  <a:schemeClr val="accent1"/>
+                </a:solidFill>
+              </a14:hiddenFill>
+            </a:ext>
+            <a:ext uri="{91240B29-F687-4F45-9708-019B960494DF}">
+              <a14:hiddenLine xmlns:a14="http://schemas.microsoft.com/office/drawing/2010/main" w="9525">
+                <a:solidFill>
+                  <a:schemeClr val="tx1"/>
+                </a:solidFill>
+                <a:miter lim="800000"/>
+                <a:headEnd/>
+                <a:tailEnd/>
+              </a14:hiddenLine>
+            </a:ext>
+          </a:extLst>
+        </p:spPr>
+      </p:pic>
+      <p:sp>
+        <p:nvSpPr>
+          <p:cNvPr id="4" name="TextBox 3"/>
+          <p:cNvSpPr txBox="1"/>
+          <p:nvPr/>
+        </p:nvSpPr>
+        <p:spPr>
+          <a:xfrm>
+            <a:off x="7546397" y="2904989"/>
+            <a:ext cx="3020291" cy="923330"/>
+          </a:xfrm>
+          <a:prstGeom prst="rect">
+            <a:avLst/>
+          </a:prstGeom>
+          <a:noFill/>
+        </p:spPr>
+        <p:txBody>
+          <a:bodyPr wrap="square" rtlCol="0">
+            <a:spAutoFit/>
+          </a:bodyPr>
+          <a:lstStyle/>
+          <a:p>
+            <a:r>
+              <a:rPr lang="en-US" dirty="0" smtClean="0"/>
+              <a:t>Typing “node --version” into the terminal, should return the node version</a:t>
             </a:r>
             <a:endParaRPr lang="en-ZA" dirty="0"/>
           </a:p>
@@ -7563,7 +8370,7 @@
     </p:spTree>
     <p:extLst>
       <p:ext uri="{BB962C8B-B14F-4D97-AF65-F5344CB8AC3E}">
-        <p14:creationId xmlns:p14="http://schemas.microsoft.com/office/powerpoint/2010/main" val="3935804966"/>
+        <p14:creationId xmlns:p14="http://schemas.microsoft.com/office/powerpoint/2010/main" val="1876136537"/>
       </p:ext>
     </p:extLst>
   </p:cSld>
@@ -7607,7 +8414,7 @@
           <a:p>
             <a:r>
               <a:rPr lang="en-ZA" dirty="0" smtClean="0"/>
-              <a:t>There are 2 types of version control</a:t>
+              <a:t>What is Software Design	</a:t>
             </a:r>
             <a:endParaRPr lang="en-ZA" dirty="0"/>
           </a:p>
@@ -7629,59 +8436,46 @@
           <a:lstStyle/>
           <a:p>
             <a:r>
-              <a:rPr lang="en-ZA" dirty="0"/>
-              <a:t>Centralised</a:t>
-            </a:r>
-          </a:p>
-          <a:p>
-            <a:pPr lvl="2"/>
-            <a:r>
-              <a:rPr lang="en-ZA" dirty="0"/>
-              <a:t>Server based</a:t>
-            </a:r>
-          </a:p>
-          <a:p>
-            <a:pPr lvl="2"/>
-            <a:r>
-              <a:rPr lang="en-ZA" dirty="0"/>
-              <a:t>Requires a connection to the server</a:t>
-            </a:r>
-          </a:p>
-          <a:p>
-            <a:pPr lvl="2"/>
-            <a:r>
-              <a:rPr lang="en-ZA" dirty="0"/>
-              <a:t>E.g. SVN, CVS, Team Foundation Server (The newer versions use a custom version of git in some cases)</a:t>
-            </a:r>
-          </a:p>
-          <a:p>
-            <a:r>
-              <a:rPr lang="en-ZA" dirty="0"/>
-              <a:t>Distributed</a:t>
-            </a:r>
-          </a:p>
-          <a:p>
-            <a:pPr lvl="2"/>
-            <a:r>
-              <a:rPr lang="en-ZA" dirty="0"/>
-              <a:t>Everyone has a copy of the entire code repository</a:t>
-            </a:r>
-          </a:p>
-          <a:p>
-            <a:pPr lvl="2"/>
-            <a:r>
-              <a:rPr lang="en-ZA" dirty="0"/>
-              <a:t>Works offline</a:t>
-            </a:r>
-          </a:p>
-          <a:p>
-            <a:pPr lvl="2"/>
-            <a:r>
-              <a:rPr lang="en-ZA" dirty="0"/>
-              <a:t>E.g. Mercurial, git</a:t>
-            </a:r>
-          </a:p>
-          <a:p>
+              <a:rPr lang="en-ZA" dirty="0" smtClean="0"/>
+              <a:t>It is more than just programming</a:t>
+            </a:r>
+          </a:p>
+          <a:p>
+            <a:r>
+              <a:rPr lang="en-ZA" dirty="0" smtClean="0"/>
+              <a:t>It is the use of techniques such as analysis, design with programming and testing to develop robust software to solve real world problems.</a:t>
+            </a:r>
+          </a:p>
+          <a:p>
+            <a:endParaRPr lang="en-US" dirty="0"/>
+          </a:p>
+          <a:p>
+            <a:r>
+              <a:rPr lang="en-US" dirty="0" smtClean="0"/>
+              <a:t>Trying to solve a problem before you truly understand and know the problem can lead to disastrous problems</a:t>
+            </a:r>
+          </a:p>
+          <a:p>
+            <a:pPr lvl="1"/>
+            <a:r>
+              <a:rPr lang="en-US" dirty="0" smtClean="0"/>
+              <a:t>Feature Creep</a:t>
+            </a:r>
+          </a:p>
+          <a:p>
+            <a:pPr lvl="1"/>
+            <a:r>
+              <a:rPr lang="en-US" smtClean="0"/>
+              <a:t>Bugs</a:t>
+            </a:r>
+            <a:endParaRPr lang="en-US" dirty="0" smtClean="0"/>
+          </a:p>
+          <a:p>
+            <a:pPr lvl="1"/>
+            <a:r>
+              <a:rPr lang="en-US" dirty="0" smtClean="0"/>
+              <a:t>Or even the wrong program being made.</a:t>
+            </a:r>
             <a:endParaRPr lang="en-ZA" dirty="0"/>
           </a:p>
         </p:txBody>
@@ -7689,7 +8483,7 @@
     </p:spTree>
     <p:extLst>
       <p:ext uri="{BB962C8B-B14F-4D97-AF65-F5344CB8AC3E}">
-        <p14:creationId xmlns:p14="http://schemas.microsoft.com/office/powerpoint/2010/main" val="1130894382"/>
+        <p14:creationId xmlns:p14="http://schemas.microsoft.com/office/powerpoint/2010/main" val="3987157196"/>
       </p:ext>
     </p:extLst>
   </p:cSld>
@@ -7733,7 +8527,7 @@
           <a:p>
             <a:r>
               <a:rPr lang="en-ZA" dirty="0" smtClean="0"/>
-              <a:t>We will be focusing only on git</a:t>
+              <a:t>1. Version Control</a:t>
             </a:r>
             <a:endParaRPr lang="en-ZA" dirty="0"/>
           </a:p>
@@ -7752,142 +8546,53 @@
         <p:spPr/>
         <p:txBody>
           <a:bodyPr>
-            <a:normAutofit fontScale="92500" lnSpcReduction="20000"/>
+            <a:normAutofit/>
           </a:bodyPr>
           <a:lstStyle/>
           <a:p>
             <a:r>
+              <a:rPr lang="en-ZA" dirty="0"/>
+              <a:t>A system which helps to track the progression of a project</a:t>
+            </a:r>
+          </a:p>
+          <a:p>
+            <a:r>
+              <a:rPr lang="en-ZA" dirty="0"/>
+              <a:t>It manages and track the changes of </a:t>
+            </a:r>
+            <a:r>
               <a:rPr lang="en-ZA" dirty="0" smtClean="0"/>
-              <a:t>A good resource is </a:t>
-            </a:r>
-            <a:r>
-              <a:rPr lang="en-ZA" dirty="0" err="1" smtClean="0"/>
-              <a:t>GitHub</a:t>
-            </a:r>
+              <a:t>all the files within the repository except those specific not to be tracked.</a:t>
+            </a:r>
+            <a:endParaRPr lang="en-ZA" dirty="0"/>
+          </a:p>
+          <a:p>
             <a:r>
               <a:rPr lang="en-ZA" dirty="0"/>
-              <a:t> </a:t>
+              <a:t>In a corporate environment it is usually stored on a separate or external server</a:t>
+            </a:r>
+          </a:p>
+          <a:p>
+            <a:r>
+              <a:rPr lang="en-ZA" dirty="0"/>
+              <a:t>Used when teams of developers are working together so that a copy of the project at any point within the version control system can be </a:t>
             </a:r>
             <a:r>
               <a:rPr lang="en-ZA" dirty="0" smtClean="0"/>
-              <a:t>(</a:t>
-            </a:r>
-            <a:r>
-              <a:rPr lang="en-ZA" dirty="0">
-                <a:hlinkClick r:id="rId2"/>
-              </a:rPr>
-              <a:t>http://</a:t>
-            </a:r>
-            <a:r>
-              <a:rPr lang="en-ZA" dirty="0" smtClean="0">
-                <a:hlinkClick r:id="rId2"/>
-              </a:rPr>
-              <a:t>www.github.com</a:t>
+              <a:t>retrieved</a:t>
+            </a:r>
+            <a:endParaRPr lang="en-ZA" dirty="0"/>
+          </a:p>
+          <a:p>
+            <a:r>
+              <a:rPr lang="en-ZA" dirty="0"/>
+              <a:t>Handles conflict </a:t>
             </a:r>
             <a:r>
               <a:rPr lang="en-ZA" dirty="0" smtClean="0"/>
-              <a:t>)</a:t>
-            </a:r>
-          </a:p>
-          <a:p>
-            <a:pPr lvl="1"/>
-            <a:r>
-              <a:rPr lang="en-ZA" dirty="0">
-                <a:hlinkClick r:id="rId3"/>
-              </a:rPr>
-              <a:t>https://</a:t>
-            </a:r>
-            <a:r>
-              <a:rPr lang="en-ZA" dirty="0" smtClean="0">
-                <a:hlinkClick r:id="rId3"/>
-              </a:rPr>
-              <a:t>try.github.io</a:t>
-            </a:r>
-            <a:endParaRPr lang="en-ZA" dirty="0" smtClean="0"/>
-          </a:p>
-          <a:p>
-            <a:pPr lvl="2"/>
-            <a:r>
-              <a:rPr lang="en-ZA" dirty="0"/>
-              <a:t>Provides free student paid version for two years</a:t>
-            </a:r>
-          </a:p>
-          <a:p>
-            <a:pPr lvl="2"/>
-            <a:r>
-              <a:rPr lang="en-ZA" dirty="0">
-                <a:hlinkClick r:id="rId4"/>
-              </a:rPr>
-              <a:t>https://education.github.com/discount_requests/new</a:t>
+              <a:t>management between different versions</a:t>
             </a:r>
             <a:endParaRPr lang="en-ZA" dirty="0"/>
-          </a:p>
-          <a:p>
-            <a:pPr lvl="2"/>
-            <a:r>
-              <a:rPr lang="en-ZA" dirty="0"/>
-              <a:t>You need to have your student email connected to your account</a:t>
-            </a:r>
-          </a:p>
-          <a:p>
-            <a:pPr lvl="2"/>
-            <a:r>
-              <a:rPr lang="en-ZA" dirty="0"/>
-              <a:t>Also provides free web </a:t>
-            </a:r>
-            <a:r>
-              <a:rPr lang="en-ZA" dirty="0" smtClean="0"/>
-              <a:t>hosting</a:t>
-            </a:r>
-            <a:endParaRPr lang="en-ZA" dirty="0"/>
-          </a:p>
-          <a:p>
-            <a:r>
-              <a:rPr lang="en-ZA" dirty="0" smtClean="0"/>
-              <a:t>Node school (mentioned earlier) is also a good resource</a:t>
-            </a:r>
-          </a:p>
-          <a:p>
-            <a:r>
-              <a:rPr lang="en-ZA" dirty="0"/>
-              <a:t>There are a lot of tools which can be used with it</a:t>
-            </a:r>
-          </a:p>
-          <a:p>
-            <a:pPr lvl="1"/>
-            <a:r>
-              <a:rPr lang="en-ZA" dirty="0" err="1" smtClean="0"/>
-              <a:t>GitHub</a:t>
-            </a:r>
-            <a:r>
-              <a:rPr lang="en-ZA" dirty="0" smtClean="0"/>
-              <a:t> </a:t>
-            </a:r>
-            <a:r>
-              <a:rPr lang="en-ZA" dirty="0"/>
-              <a:t>for Windows</a:t>
-            </a:r>
-          </a:p>
-          <a:p>
-            <a:pPr lvl="1"/>
-            <a:r>
-              <a:rPr lang="en-ZA" dirty="0"/>
-              <a:t>Git Extensions – my favourite graphical one</a:t>
-            </a:r>
-          </a:p>
-          <a:p>
-            <a:pPr lvl="1"/>
-            <a:r>
-              <a:rPr lang="en-ZA" dirty="0"/>
-              <a:t>Git bash for Windows</a:t>
-            </a:r>
-          </a:p>
-          <a:p>
-            <a:pPr lvl="1"/>
-            <a:r>
-              <a:rPr lang="en-ZA" dirty="0"/>
-              <a:t>Many others</a:t>
-            </a:r>
           </a:p>
           <a:p>
             <a:endParaRPr lang="en-ZA" dirty="0"/>
@@ -7897,7 +8602,7 @@
     </p:spTree>
     <p:extLst>
       <p:ext uri="{BB962C8B-B14F-4D97-AF65-F5344CB8AC3E}">
-        <p14:creationId xmlns:p14="http://schemas.microsoft.com/office/powerpoint/2010/main" val="2924355964"/>
+        <p14:creationId xmlns:p14="http://schemas.microsoft.com/office/powerpoint/2010/main" val="3429195596"/>
       </p:ext>
     </p:extLst>
   </p:cSld>
@@ -7941,7 +8646,7 @@
           <a:p>
             <a:r>
               <a:rPr lang="en-ZA" dirty="0" smtClean="0"/>
-              <a:t>Git Terminology</a:t>
+              <a:t>Why Is Version Control Important?</a:t>
             </a:r>
             <a:endParaRPr lang="en-ZA" dirty="0"/>
           </a:p>
@@ -7964,40 +8669,32 @@
           <a:p>
             <a:r>
               <a:rPr lang="en-ZA" dirty="0"/>
-              <a:t>Repository: a stored history of work</a:t>
+              <a:t>Tracking changes helps track what code introduces a bug</a:t>
             </a:r>
           </a:p>
           <a:p>
             <a:r>
               <a:rPr lang="en-ZA" dirty="0"/>
-              <a:t>Origin: the main repository</a:t>
+              <a:t>You can do “more dangerous” edits to code</a:t>
             </a:r>
           </a:p>
           <a:p>
             <a:r>
               <a:rPr lang="en-ZA" dirty="0"/>
-              <a:t>Commit: state of repository at a given time</a:t>
+              <a:t>Working as a team can be faster and more efficient</a:t>
             </a:r>
           </a:p>
           <a:p>
             <a:r>
               <a:rPr lang="en-ZA" dirty="0"/>
-              <a:t>Branch: a series of commits</a:t>
-            </a:r>
-          </a:p>
-          <a:p>
-            <a:r>
-              <a:rPr lang="en-ZA" dirty="0"/>
-              <a:t>Master: the “main” branch</a:t>
-            </a:r>
-          </a:p>
-          <a:p>
-            <a:r>
-              <a:rPr lang="en-ZA" dirty="0"/>
-              <a:t>Working copy: the assets you are working with</a:t>
-            </a:r>
-          </a:p>
-          <a:p>
+              <a:t>Keeps a backup of EVERY state of your project</a:t>
+            </a:r>
+          </a:p>
+          <a:p>
+            <a:r>
+              <a:rPr lang="en-ZA" dirty="0" smtClean="0"/>
+              <a:t>Helps distribute the latest code to all team members efficiently and securely</a:t>
+            </a:r>
             <a:endParaRPr lang="en-ZA" dirty="0"/>
           </a:p>
         </p:txBody>
@@ -8005,7 +8702,7 @@
     </p:spTree>
     <p:extLst>
       <p:ext uri="{BB962C8B-B14F-4D97-AF65-F5344CB8AC3E}">
-        <p14:creationId xmlns:p14="http://schemas.microsoft.com/office/powerpoint/2010/main" val="981610377"/>
+        <p14:creationId xmlns:p14="http://schemas.microsoft.com/office/powerpoint/2010/main" val="3935804966"/>
       </p:ext>
     </p:extLst>
   </p:cSld>
@@ -8273,7 +8970,7 @@
   <a:extraClrSchemeLst/>
   <a:extLst>
     <a:ext uri="{05A4C25C-085E-4340-85A3-A5531E510DB2}">
-      <thm15:themeFamily xmlns:thm15="http://schemas.microsoft.com/office/thememl/2012/main" name="Ion" id="{B8441ADB-2E43-4AF7-B97A-BD870242C6A8}" vid="{A207AED3-9ABC-4A18-9978-A59B65688B15}"/>
+      <thm15:themeFamily xmlns:thm15="http://schemas.microsoft.com/office/thememl/2012/main" xmlns="" name="Ion" id="{B8441ADB-2E43-4AF7-B97A-BD870242C6A8}" vid="{A207AED3-9ABC-4A18-9978-A59B65688B15}"/>
     </a:ext>
   </a:extLst>
 </a:theme>

--- a/Session 1/Softdev Session 1 2016.pptx
+++ b/Session 1/Softdev Session 1 2016.pptx
@@ -24,6 +24,8 @@
     <p:sldId id="271" r:id="rId18"/>
     <p:sldId id="269" r:id="rId19"/>
     <p:sldId id="272" r:id="rId20"/>
+    <p:sldId id="276" r:id="rId21"/>
+    <p:sldId id="277" r:id="rId22"/>
   </p:sldIdLst>
   <p:sldSz cx="12192000" cy="6858000"/>
   <p:notesSz cx="6858000" cy="9144000"/>
@@ -7615,6 +7617,278 @@
 </p:sld>
 </file>
 
+<file path=ppt/slides/slide20.xml><?xml version="1.0" encoding="utf-8"?>
+<p:sld xmlns:a="http://schemas.openxmlformats.org/drawingml/2006/main" xmlns:r="http://schemas.openxmlformats.org/officeDocument/2006/relationships" xmlns:p="http://schemas.openxmlformats.org/presentationml/2006/main">
+  <p:cSld>
+    <p:spTree>
+      <p:nvGrpSpPr>
+        <p:cNvPr id="1" name=""/>
+        <p:cNvGrpSpPr/>
+        <p:nvPr/>
+      </p:nvGrpSpPr>
+      <p:grpSpPr>
+        <a:xfrm>
+          <a:off x="0" y="0"/>
+          <a:ext cx="0" cy="0"/>
+          <a:chOff x="0" y="0"/>
+          <a:chExt cx="0" cy="0"/>
+        </a:xfrm>
+      </p:grpSpPr>
+      <p:sp>
+        <p:nvSpPr>
+          <p:cNvPr id="2" name="Title 1"/>
+          <p:cNvSpPr>
+            <a:spLocks noGrp="1"/>
+          </p:cNvSpPr>
+          <p:nvPr>
+            <p:ph type="title"/>
+          </p:nvPr>
+        </p:nvSpPr>
+        <p:spPr/>
+        <p:txBody>
+          <a:bodyPr/>
+          <a:lstStyle/>
+          <a:p>
+            <a:r>
+              <a:rPr lang="en-US" dirty="0" smtClean="0"/>
+              <a:t>Running the first example</a:t>
+            </a:r>
+            <a:endParaRPr lang="en-ZA" dirty="0"/>
+          </a:p>
+        </p:txBody>
+      </p:sp>
+      <p:pic>
+        <p:nvPicPr>
+          <p:cNvPr id="2050" name="Picture 2"/>
+          <p:cNvPicPr>
+            <a:picLocks noGrp="1" noChangeAspect="1" noChangeArrowheads="1"/>
+          </p:cNvPicPr>
+          <p:nvPr>
+            <p:ph idx="1"/>
+          </p:nvPr>
+        </p:nvPicPr>
+        <p:blipFill>
+          <a:blip r:embed="rId2">
+            <a:extLst>
+              <a:ext uri="{28A0092B-C50C-407E-A947-70E740481C1C}">
+                <a14:useLocalDpi xmlns:a14="http://schemas.microsoft.com/office/drawing/2010/main" val="0"/>
+              </a:ext>
+            </a:extLst>
+          </a:blip>
+          <a:srcRect/>
+          <a:stretch>
+            <a:fillRect/>
+          </a:stretch>
+        </p:blipFill>
+        <p:spPr bwMode="auto">
+          <a:xfrm>
+            <a:off x="2376488" y="2555081"/>
+            <a:ext cx="6400800" cy="3190875"/>
+          </a:xfrm>
+          <a:prstGeom prst="rect">
+            <a:avLst/>
+          </a:prstGeom>
+          <a:noFill/>
+          <a:ln>
+            <a:noFill/>
+          </a:ln>
+          <a:extLst>
+            <a:ext uri="{909E8E84-426E-40DD-AFC4-6F175D3DCCD1}">
+              <a14:hiddenFill xmlns:a14="http://schemas.microsoft.com/office/drawing/2010/main">
+                <a:solidFill>
+                  <a:schemeClr val="accent1"/>
+                </a:solidFill>
+              </a14:hiddenFill>
+            </a:ext>
+            <a:ext uri="{91240B29-F687-4F45-9708-019B960494DF}">
+              <a14:hiddenLine xmlns:a14="http://schemas.microsoft.com/office/drawing/2010/main" w="9525">
+                <a:solidFill>
+                  <a:schemeClr val="tx1"/>
+                </a:solidFill>
+                <a:miter lim="800000"/>
+                <a:headEnd/>
+                <a:tailEnd/>
+              </a14:hiddenLine>
+            </a:ext>
+          </a:extLst>
+        </p:spPr>
+      </p:pic>
+    </p:spTree>
+    <p:extLst>
+      <p:ext uri="{BB962C8B-B14F-4D97-AF65-F5344CB8AC3E}">
+        <p14:creationId xmlns:p14="http://schemas.microsoft.com/office/powerpoint/2010/main" val="3018812188"/>
+      </p:ext>
+    </p:extLst>
+  </p:cSld>
+  <p:clrMapOvr>
+    <a:masterClrMapping/>
+  </p:clrMapOvr>
+</p:sld>
+</file>
+
+<file path=ppt/slides/slide21.xml><?xml version="1.0" encoding="utf-8"?>
+<p:sld xmlns:a="http://schemas.openxmlformats.org/drawingml/2006/main" xmlns:r="http://schemas.openxmlformats.org/officeDocument/2006/relationships" xmlns:p="http://schemas.openxmlformats.org/presentationml/2006/main">
+  <p:cSld>
+    <p:spTree>
+      <p:nvGrpSpPr>
+        <p:cNvPr id="1" name=""/>
+        <p:cNvGrpSpPr/>
+        <p:nvPr/>
+      </p:nvGrpSpPr>
+      <p:grpSpPr>
+        <a:xfrm>
+          <a:off x="0" y="0"/>
+          <a:ext cx="0" cy="0"/>
+          <a:chOff x="0" y="0"/>
+          <a:chExt cx="0" cy="0"/>
+        </a:xfrm>
+      </p:grpSpPr>
+      <p:sp>
+        <p:nvSpPr>
+          <p:cNvPr id="2" name="Title 1"/>
+          <p:cNvSpPr>
+            <a:spLocks noGrp="1"/>
+          </p:cNvSpPr>
+          <p:nvPr>
+            <p:ph type="title"/>
+          </p:nvPr>
+        </p:nvSpPr>
+        <p:spPr/>
+        <p:txBody>
+          <a:bodyPr/>
+          <a:lstStyle/>
+          <a:p>
+            <a:r>
+              <a:rPr lang="en-US" dirty="0" smtClean="0"/>
+              <a:t>Second Example Installing a Library</a:t>
+            </a:r>
+            <a:endParaRPr lang="en-ZA" dirty="0"/>
+          </a:p>
+        </p:txBody>
+      </p:sp>
+      <p:pic>
+        <p:nvPicPr>
+          <p:cNvPr id="3074" name="Picture 2"/>
+          <p:cNvPicPr>
+            <a:picLocks noGrp="1" noChangeAspect="1" noChangeArrowheads="1"/>
+          </p:cNvPicPr>
+          <p:nvPr>
+            <p:ph idx="1"/>
+          </p:nvPr>
+        </p:nvPicPr>
+        <p:blipFill>
+          <a:blip r:embed="rId2">
+            <a:extLst>
+              <a:ext uri="{28A0092B-C50C-407E-A947-70E740481C1C}">
+                <a14:useLocalDpi xmlns:a14="http://schemas.microsoft.com/office/drawing/2010/main" val="0"/>
+              </a:ext>
+            </a:extLst>
+          </a:blip>
+          <a:srcRect/>
+          <a:stretch>
+            <a:fillRect/>
+          </a:stretch>
+        </p:blipFill>
+        <p:spPr bwMode="auto">
+          <a:xfrm>
+            <a:off x="2704668" y="1497806"/>
+            <a:ext cx="6381750" cy="3171825"/>
+          </a:xfrm>
+          <a:prstGeom prst="rect">
+            <a:avLst/>
+          </a:prstGeom>
+          <a:noFill/>
+          <a:ln>
+            <a:noFill/>
+          </a:ln>
+          <a:extLst>
+            <a:ext uri="{909E8E84-426E-40DD-AFC4-6F175D3DCCD1}">
+              <a14:hiddenFill xmlns:a14="http://schemas.microsoft.com/office/drawing/2010/main">
+                <a:solidFill>
+                  <a:schemeClr val="accent1"/>
+                </a:solidFill>
+              </a14:hiddenFill>
+            </a:ext>
+            <a:ext uri="{91240B29-F687-4F45-9708-019B960494DF}">
+              <a14:hiddenLine xmlns:a14="http://schemas.microsoft.com/office/drawing/2010/main" w="9525">
+                <a:solidFill>
+                  <a:schemeClr val="tx1"/>
+                </a:solidFill>
+                <a:miter lim="800000"/>
+                <a:headEnd/>
+                <a:tailEnd/>
+              </a14:hiddenLine>
+            </a:ext>
+          </a:extLst>
+        </p:spPr>
+      </p:pic>
+      <p:pic>
+        <p:nvPicPr>
+          <p:cNvPr id="3075" name="Picture 3"/>
+          <p:cNvPicPr>
+            <a:picLocks noChangeAspect="1" noChangeArrowheads="1"/>
+          </p:cNvPicPr>
+          <p:nvPr/>
+        </p:nvPicPr>
+        <p:blipFill>
+          <a:blip r:embed="rId3">
+            <a:extLst>
+              <a:ext uri="{28A0092B-C50C-407E-A947-70E740481C1C}">
+                <a14:useLocalDpi xmlns:a14="http://schemas.microsoft.com/office/drawing/2010/main" val="0"/>
+              </a:ext>
+            </a:extLst>
+          </a:blip>
+          <a:srcRect/>
+          <a:stretch>
+            <a:fillRect/>
+          </a:stretch>
+        </p:blipFill>
+        <p:spPr bwMode="auto">
+          <a:xfrm>
+            <a:off x="2830657" y="2396404"/>
+            <a:ext cx="5505450" cy="790575"/>
+          </a:xfrm>
+          <a:prstGeom prst="rect">
+            <a:avLst/>
+          </a:prstGeom>
+          <a:noFill/>
+          <a:ln>
+            <a:noFill/>
+          </a:ln>
+          <a:extLst>
+            <a:ext uri="{909E8E84-426E-40DD-AFC4-6F175D3DCCD1}">
+              <a14:hiddenFill xmlns:a14="http://schemas.microsoft.com/office/drawing/2010/main">
+                <a:solidFill>
+                  <a:schemeClr val="accent1"/>
+                </a:solidFill>
+              </a14:hiddenFill>
+            </a:ext>
+            <a:ext uri="{91240B29-F687-4F45-9708-019B960494DF}">
+              <a14:hiddenLine xmlns:a14="http://schemas.microsoft.com/office/drawing/2010/main" w="9525">
+                <a:solidFill>
+                  <a:schemeClr val="tx1"/>
+                </a:solidFill>
+                <a:miter lim="800000"/>
+                <a:headEnd/>
+                <a:tailEnd/>
+              </a14:hiddenLine>
+            </a:ext>
+          </a:extLst>
+        </p:spPr>
+      </p:pic>
+    </p:spTree>
+    <p:extLst>
+      <p:ext uri="{BB962C8B-B14F-4D97-AF65-F5344CB8AC3E}">
+        <p14:creationId xmlns:p14="http://schemas.microsoft.com/office/powerpoint/2010/main" val="1969830087"/>
+      </p:ext>
+    </p:extLst>
+  </p:cSld>
+  <p:clrMapOvr>
+    <a:masterClrMapping/>
+  </p:clrMapOvr>
+</p:sld>
+</file>
+
 <file path=ppt/slides/slide3.xml><?xml version="1.0" encoding="utf-8"?>
 <p:sld xmlns:a="http://schemas.openxmlformats.org/drawingml/2006/main" xmlns:r="http://schemas.openxmlformats.org/officeDocument/2006/relationships" xmlns:p="http://schemas.openxmlformats.org/presentationml/2006/main">
   <p:cSld>

--- a/Session 1/Softdev Session 1 2016.pptx
+++ b/Session 1/Softdev Session 1 2016.pptx
@@ -12,20 +12,26 @@
     <p:sldId id="274" r:id="rId6"/>
     <p:sldId id="275" r:id="rId7"/>
     <p:sldId id="260" r:id="rId8"/>
-    <p:sldId id="261" r:id="rId9"/>
-    <p:sldId id="262" r:id="rId10"/>
-    <p:sldId id="263" r:id="rId11"/>
-    <p:sldId id="264" r:id="rId12"/>
-    <p:sldId id="265" r:id="rId13"/>
-    <p:sldId id="266" r:id="rId14"/>
-    <p:sldId id="267" r:id="rId15"/>
-    <p:sldId id="268" r:id="rId16"/>
-    <p:sldId id="270" r:id="rId17"/>
-    <p:sldId id="271" r:id="rId18"/>
-    <p:sldId id="269" r:id="rId19"/>
-    <p:sldId id="272" r:id="rId20"/>
-    <p:sldId id="276" r:id="rId21"/>
-    <p:sldId id="277" r:id="rId22"/>
+    <p:sldId id="280" r:id="rId9"/>
+    <p:sldId id="281" r:id="rId10"/>
+    <p:sldId id="282" r:id="rId11"/>
+    <p:sldId id="283" r:id="rId12"/>
+    <p:sldId id="284" r:id="rId13"/>
+    <p:sldId id="261" r:id="rId14"/>
+    <p:sldId id="262" r:id="rId15"/>
+    <p:sldId id="263" r:id="rId16"/>
+    <p:sldId id="264" r:id="rId17"/>
+    <p:sldId id="265" r:id="rId18"/>
+    <p:sldId id="278" r:id="rId19"/>
+    <p:sldId id="266" r:id="rId20"/>
+    <p:sldId id="267" r:id="rId21"/>
+    <p:sldId id="268" r:id="rId22"/>
+    <p:sldId id="270" r:id="rId23"/>
+    <p:sldId id="271" r:id="rId24"/>
+    <p:sldId id="269" r:id="rId25"/>
+    <p:sldId id="272" r:id="rId26"/>
+    <p:sldId id="276" r:id="rId27"/>
+    <p:sldId id="277" r:id="rId28"/>
   </p:sldIdLst>
   <p:sldSz cx="12192000" cy="6858000"/>
   <p:notesSz cx="6858000" cy="9144000"/>
@@ -126,7 +132,7 @@
   </p:defaultTextStyle>
   <p:extLst>
     <p:ext uri="{EFAFB233-063F-42B5-8137-9DF3F51BA10A}">
-      <p15:sldGuideLst xmlns:p15="http://schemas.microsoft.com/office/powerpoint/2012/main" xmlns=""/>
+      <p15:sldGuideLst xmlns="" xmlns:p15="http://schemas.microsoft.com/office/powerpoint/2012/main"/>
     </p:ext>
   </p:extLst>
 </p:presentation>
@@ -318,7 +324,7 @@
           <a:p>
             <a:fld id="{FBDF5932-50BA-4683-BD71-901965AADFF2}" type="datetimeFigureOut">
               <a:rPr lang="en-ZA" smtClean="0"/>
-              <a:t>2016-08-17</a:t>
+              <a:t>2016-09-05</a:t>
             </a:fld>
             <a:endParaRPr lang="en-ZA"/>
           </a:p>
@@ -593,7 +599,7 @@
           <a:p>
             <a:fld id="{FBDF5932-50BA-4683-BD71-901965AADFF2}" type="datetimeFigureOut">
               <a:rPr lang="en-ZA" smtClean="0"/>
-              <a:t>2016-08-17</a:t>
+              <a:t>2016-09-05</a:t>
             </a:fld>
             <a:endParaRPr lang="en-ZA"/>
           </a:p>
@@ -787,7 +793,7 @@
           <a:p>
             <a:fld id="{FBDF5932-50BA-4683-BD71-901965AADFF2}" type="datetimeFigureOut">
               <a:rPr lang="en-ZA" smtClean="0"/>
-              <a:t>2016-08-17</a:t>
+              <a:t>2016-09-05</a:t>
             </a:fld>
             <a:endParaRPr lang="en-ZA"/>
           </a:p>
@@ -1058,7 +1064,7 @@
           <a:p>
             <a:fld id="{FBDF5932-50BA-4683-BD71-901965AADFF2}" type="datetimeFigureOut">
               <a:rPr lang="en-ZA" smtClean="0"/>
-              <a:t>2016-08-17</a:t>
+              <a:t>2016-09-05</a:t>
             </a:fld>
             <a:endParaRPr lang="en-ZA"/>
           </a:p>
@@ -1385,7 +1391,7 @@
           <a:p>
             <a:fld id="{FBDF5932-50BA-4683-BD71-901965AADFF2}" type="datetimeFigureOut">
               <a:rPr lang="en-ZA" smtClean="0"/>
-              <a:t>2016-08-17</a:t>
+              <a:t>2016-09-05</a:t>
             </a:fld>
             <a:endParaRPr lang="en-ZA"/>
           </a:p>
@@ -2004,7 +2010,7 @@
           <a:p>
             <a:fld id="{FBDF5932-50BA-4683-BD71-901965AADFF2}" type="datetimeFigureOut">
               <a:rPr lang="en-ZA" smtClean="0"/>
-              <a:t>2016-08-17</a:t>
+              <a:t>2016-09-05</a:t>
             </a:fld>
             <a:endParaRPr lang="en-ZA"/>
           </a:p>
@@ -2851,7 +2857,7 @@
           <a:p>
             <a:fld id="{FBDF5932-50BA-4683-BD71-901965AADFF2}" type="datetimeFigureOut">
               <a:rPr lang="en-ZA" smtClean="0"/>
-              <a:t>2016-08-17</a:t>
+              <a:t>2016-09-05</a:t>
             </a:fld>
             <a:endParaRPr lang="en-ZA"/>
           </a:p>
@@ -3021,7 +3027,7 @@
           <a:p>
             <a:fld id="{FBDF5932-50BA-4683-BD71-901965AADFF2}" type="datetimeFigureOut">
               <a:rPr lang="en-ZA" smtClean="0"/>
-              <a:t>2016-08-17</a:t>
+              <a:t>2016-09-05</a:t>
             </a:fld>
             <a:endParaRPr lang="en-ZA"/>
           </a:p>
@@ -3201,7 +3207,7 @@
           <a:p>
             <a:fld id="{FBDF5932-50BA-4683-BD71-901965AADFF2}" type="datetimeFigureOut">
               <a:rPr lang="en-ZA" smtClean="0"/>
-              <a:t>2016-08-17</a:t>
+              <a:t>2016-09-05</a:t>
             </a:fld>
             <a:endParaRPr lang="en-ZA"/>
           </a:p>
@@ -3371,7 +3377,7 @@
           <a:p>
             <a:fld id="{FBDF5932-50BA-4683-BD71-901965AADFF2}" type="datetimeFigureOut">
               <a:rPr lang="en-ZA" smtClean="0"/>
-              <a:t>2016-08-17</a:t>
+              <a:t>2016-09-05</a:t>
             </a:fld>
             <a:endParaRPr lang="en-ZA"/>
           </a:p>
@@ -3618,7 +3624,7 @@
           <a:p>
             <a:fld id="{FBDF5932-50BA-4683-BD71-901965AADFF2}" type="datetimeFigureOut">
               <a:rPr lang="en-ZA" smtClean="0"/>
-              <a:t>2016-08-17</a:t>
+              <a:t>2016-09-05</a:t>
             </a:fld>
             <a:endParaRPr lang="en-ZA"/>
           </a:p>
@@ -3910,7 +3916,7 @@
           <a:p>
             <a:fld id="{FBDF5932-50BA-4683-BD71-901965AADFF2}" type="datetimeFigureOut">
               <a:rPr lang="en-ZA" smtClean="0"/>
-              <a:t>2016-08-17</a:t>
+              <a:t>2016-09-05</a:t>
             </a:fld>
             <a:endParaRPr lang="en-ZA"/>
           </a:p>
@@ -4354,7 +4360,7 @@
           <a:p>
             <a:fld id="{FBDF5932-50BA-4683-BD71-901965AADFF2}" type="datetimeFigureOut">
               <a:rPr lang="en-ZA" smtClean="0"/>
-              <a:t>2016-08-17</a:t>
+              <a:t>2016-09-05</a:t>
             </a:fld>
             <a:endParaRPr lang="en-ZA"/>
           </a:p>
@@ -4472,7 +4478,7 @@
           <a:p>
             <a:fld id="{FBDF5932-50BA-4683-BD71-901965AADFF2}" type="datetimeFigureOut">
               <a:rPr lang="en-ZA" smtClean="0"/>
-              <a:t>2016-08-17</a:t>
+              <a:t>2016-09-05</a:t>
             </a:fld>
             <a:endParaRPr lang="en-ZA"/>
           </a:p>
@@ -4567,7 +4573,7 @@
           <a:p>
             <a:fld id="{FBDF5932-50BA-4683-BD71-901965AADFF2}" type="datetimeFigureOut">
               <a:rPr lang="en-ZA" smtClean="0"/>
-              <a:t>2016-08-17</a:t>
+              <a:t>2016-09-05</a:t>
             </a:fld>
             <a:endParaRPr lang="en-ZA"/>
           </a:p>
@@ -4846,7 +4852,7 @@
           <a:p>
             <a:fld id="{FBDF5932-50BA-4683-BD71-901965AADFF2}" type="datetimeFigureOut">
               <a:rPr lang="en-ZA" smtClean="0"/>
-              <a:t>2016-08-17</a:t>
+              <a:t>2016-09-05</a:t>
             </a:fld>
             <a:endParaRPr lang="en-ZA"/>
           </a:p>
@@ -5121,7 +5127,7 @@
           <a:p>
             <a:fld id="{FBDF5932-50BA-4683-BD71-901965AADFF2}" type="datetimeFigureOut">
               <a:rPr lang="en-ZA" smtClean="0"/>
-              <a:t>2016-08-17</a:t>
+              <a:t>2016-09-05</a:t>
             </a:fld>
             <a:endParaRPr lang="en-ZA"/>
           </a:p>
@@ -5544,7 +5550,7 @@
           <a:p>
             <a:fld id="{FBDF5932-50BA-4683-BD71-901965AADFF2}" type="datetimeFigureOut">
               <a:rPr lang="en-ZA" smtClean="0"/>
-              <a:t>2016-08-17</a:t>
+              <a:t>2016-09-05</a:t>
             </a:fld>
             <a:endParaRPr lang="en-ZA"/>
           </a:p>
@@ -6214,7 +6220,7 @@
           <a:p>
             <a:r>
               <a:rPr lang="en-ZA" dirty="0" smtClean="0"/>
-              <a:t>There are 2 types of version control</a:t>
+              <a:t>Software Development Life Cycle (SDLC)</a:t>
             </a:r>
             <a:endParaRPr lang="en-ZA" dirty="0"/>
           </a:p>
@@ -6230,73 +6236,166 @@
             <p:ph idx="1"/>
           </p:nvPr>
         </p:nvSpPr>
-        <p:spPr/>
-        <p:txBody>
-          <a:bodyPr/>
-          <a:lstStyle/>
-          <a:p>
-            <a:r>
-              <a:rPr lang="en-ZA" dirty="0"/>
-              <a:t>Centralised</a:t>
-            </a:r>
-          </a:p>
-          <a:p>
-            <a:pPr lvl="2"/>
-            <a:r>
-              <a:rPr lang="en-ZA" dirty="0"/>
-              <a:t>Server based</a:t>
-            </a:r>
-          </a:p>
-          <a:p>
-            <a:pPr lvl="2"/>
-            <a:r>
-              <a:rPr lang="en-ZA" dirty="0"/>
-              <a:t>Requires a connection to the server</a:t>
-            </a:r>
-          </a:p>
-          <a:p>
-            <a:pPr lvl="2"/>
-            <a:r>
-              <a:rPr lang="en-ZA" dirty="0"/>
-              <a:t>E.g. SVN, CVS, Team Foundation Server (The newer versions use a custom version of git in some cases)</a:t>
-            </a:r>
-          </a:p>
-          <a:p>
-            <a:r>
-              <a:rPr lang="en-ZA" dirty="0"/>
-              <a:t>Distributed</a:t>
-            </a:r>
-          </a:p>
-          <a:p>
-            <a:pPr lvl="2"/>
-            <a:r>
-              <a:rPr lang="en-ZA" dirty="0"/>
-              <a:t>Everyone has a copy of the entire code repository</a:t>
-            </a:r>
-          </a:p>
-          <a:p>
-            <a:pPr lvl="2"/>
-            <a:r>
-              <a:rPr lang="en-ZA" dirty="0"/>
-              <a:t>Works offline</a:t>
-            </a:r>
-          </a:p>
-          <a:p>
-            <a:pPr lvl="2"/>
-            <a:r>
-              <a:rPr lang="en-ZA" dirty="0"/>
-              <a:t>E.g. Mercurial, git</a:t>
-            </a:r>
-          </a:p>
-          <a:p>
+        <p:spPr>
+          <a:xfrm>
+            <a:off x="770936" y="1931046"/>
+            <a:ext cx="4902709" cy="3579849"/>
+          </a:xfrm>
+        </p:spPr>
+        <p:txBody>
+          <a:bodyPr>
+            <a:normAutofit fontScale="92500" lnSpcReduction="20000"/>
+          </a:bodyPr>
+          <a:lstStyle/>
+          <a:p>
+            <a:pPr>
+              <a:buFont typeface="Arial" panose="020B0604020202020204" pitchFamily="34" charset="0"/>
+              <a:buChar char="•"/>
+            </a:pPr>
+            <a:r>
+              <a:rPr lang="en-ZA" dirty="0" smtClean="0"/>
+              <a:t>The process of producing an information system</a:t>
+            </a:r>
+          </a:p>
+          <a:p>
+            <a:pPr>
+              <a:buFont typeface="Arial" panose="020B0604020202020204" pitchFamily="34" charset="0"/>
+              <a:buChar char="•"/>
+            </a:pPr>
+            <a:r>
+              <a:rPr lang="en-ZA" dirty="0" smtClean="0"/>
+              <a:t>Also known as the software development process </a:t>
+            </a:r>
+          </a:p>
+          <a:p>
+            <a:pPr>
+              <a:buFont typeface="Arial" panose="020B0604020202020204" pitchFamily="34" charset="0"/>
+              <a:buChar char="•"/>
+            </a:pPr>
+            <a:r>
+              <a:rPr lang="en-ZA" dirty="0" smtClean="0"/>
+              <a:t>Dividing the process of making software into distinct phases or parts</a:t>
+            </a:r>
+          </a:p>
+          <a:p>
+            <a:pPr>
+              <a:buFont typeface="Arial" panose="020B0604020202020204" pitchFamily="34" charset="0"/>
+              <a:buChar char="•"/>
+            </a:pPr>
+            <a:r>
+              <a:rPr lang="en-ZA" dirty="0" smtClean="0"/>
+              <a:t>Different models or divisions refer to different development methodologies</a:t>
+            </a:r>
+          </a:p>
+          <a:p>
+            <a:pPr>
+              <a:buFont typeface="Arial" panose="020B0604020202020204" pitchFamily="34" charset="0"/>
+              <a:buChar char="•"/>
+            </a:pPr>
+            <a:r>
+              <a:rPr lang="en-ZA" dirty="0" smtClean="0"/>
+              <a:t>The oldest monolithic methodology</a:t>
+            </a:r>
+          </a:p>
+          <a:p>
+            <a:pPr>
+              <a:buFont typeface="Arial" panose="020B0604020202020204" pitchFamily="34" charset="0"/>
+              <a:buChar char="•"/>
+            </a:pPr>
+            <a:r>
+              <a:rPr lang="en-ZA" dirty="0" smtClean="0"/>
+              <a:t>Very Rigid</a:t>
+            </a:r>
             <a:endParaRPr lang="en-ZA" dirty="0"/>
           </a:p>
         </p:txBody>
       </p:sp>
+      <p:pic>
+        <p:nvPicPr>
+          <p:cNvPr id="1026" name="Picture 2" descr="https://upload.wikimedia.org/wikipedia/commons/thumb/1/19/SDLC_-_Software_Development_Life_Cycle.jpg/764px-SDLC_-_Software_Development_Life_Cycle.jpg"/>
+          <p:cNvPicPr>
+            <a:picLocks noChangeAspect="1" noChangeArrowheads="1"/>
+          </p:cNvPicPr>
+          <p:nvPr/>
+        </p:nvPicPr>
+        <p:blipFill>
+          <a:blip r:embed="rId2">
+            <a:extLst>
+              <a:ext uri="{28A0092B-C50C-407E-A947-70E740481C1C}">
+                <a14:useLocalDpi xmlns:a14="http://schemas.microsoft.com/office/drawing/2010/main" val="0"/>
+              </a:ext>
+            </a:extLst>
+          </a:blip>
+          <a:srcRect/>
+          <a:stretch>
+            <a:fillRect/>
+          </a:stretch>
+        </p:blipFill>
+        <p:spPr bwMode="auto">
+          <a:xfrm>
+            <a:off x="6849974" y="1204214"/>
+            <a:ext cx="4622623" cy="4074174"/>
+          </a:xfrm>
+          <a:prstGeom prst="rect">
+            <a:avLst/>
+          </a:prstGeom>
+          <a:noFill/>
+          <a:extLst>
+            <a:ext uri="{909E8E84-426E-40DD-AFC4-6F175D3DCCD1}">
+              <a14:hiddenFill xmlns:a14="http://schemas.microsoft.com/office/drawing/2010/main">
+                <a:solidFill>
+                  <a:srgbClr val="FFFFFF"/>
+                </a:solidFill>
+              </a14:hiddenFill>
+            </a:ext>
+          </a:extLst>
+        </p:spPr>
+      </p:pic>
+      <p:pic>
+        <p:nvPicPr>
+          <p:cNvPr id="1028" name="Picture 4" descr="File:SDLC-Maintenance-Highlighted.png"/>
+          <p:cNvPicPr>
+            <a:picLocks noChangeAspect="1" noChangeArrowheads="1"/>
+          </p:cNvPicPr>
+          <p:nvPr/>
+        </p:nvPicPr>
+        <p:blipFill>
+          <a:blip r:embed="rId3" cstate="print">
+            <a:extLst>
+              <a:ext uri="{28A0092B-C50C-407E-A947-70E740481C1C}">
+                <a14:useLocalDpi xmlns:a14="http://schemas.microsoft.com/office/drawing/2010/main" val="0"/>
+              </a:ext>
+            </a:extLst>
+          </a:blip>
+          <a:srcRect/>
+          <a:stretch>
+            <a:fillRect/>
+          </a:stretch>
+        </p:blipFill>
+        <p:spPr bwMode="auto">
+          <a:xfrm>
+            <a:off x="3082312" y="5056715"/>
+            <a:ext cx="1920213" cy="1440160"/>
+          </a:xfrm>
+          <a:prstGeom prst="rect">
+            <a:avLst/>
+          </a:prstGeom>
+          <a:noFill/>
+          <a:extLst>
+            <a:ext uri="{909E8E84-426E-40DD-AFC4-6F175D3DCCD1}">
+              <a14:hiddenFill xmlns:a14="http://schemas.microsoft.com/office/drawing/2010/main">
+                <a:solidFill>
+                  <a:srgbClr val="FFFFFF"/>
+                </a:solidFill>
+              </a14:hiddenFill>
+            </a:ext>
+          </a:extLst>
+        </p:spPr>
+      </p:pic>
     </p:spTree>
     <p:extLst>
       <p:ext uri="{BB962C8B-B14F-4D97-AF65-F5344CB8AC3E}">
-        <p14:creationId xmlns:p14="http://schemas.microsoft.com/office/powerpoint/2010/main" val="1130894382"/>
+        <p14:creationId xmlns:p14="http://schemas.microsoft.com/office/powerpoint/2010/main" val="2969273565"/>
       </p:ext>
     </p:extLst>
   </p:cSld>
@@ -6340,7 +6439,7 @@
           <a:p>
             <a:r>
               <a:rPr lang="en-ZA" dirty="0" smtClean="0"/>
-              <a:t>We will be focusing only on git</a:t>
+              <a:t>Classical</a:t>
             </a:r>
             <a:endParaRPr lang="en-ZA" dirty="0"/>
           </a:p>
@@ -6356,155 +6455,109 @@
             <p:ph idx="1"/>
           </p:nvPr>
         </p:nvSpPr>
-        <p:spPr/>
-        <p:txBody>
-          <a:bodyPr>
-            <a:normAutofit fontScale="92500" lnSpcReduction="20000"/>
-          </a:bodyPr>
-          <a:lstStyle/>
-          <a:p>
+        <p:spPr>
+          <a:xfrm>
+            <a:off x="715384" y="1193936"/>
+            <a:ext cx="8946541" cy="4195481"/>
+          </a:xfrm>
+        </p:spPr>
+        <p:txBody>
+          <a:bodyPr/>
+          <a:lstStyle/>
+          <a:p>
+            <a:pPr>
+              <a:buFont typeface="Arial" panose="020B0604020202020204" pitchFamily="34" charset="0"/>
+              <a:buChar char="•"/>
+            </a:pPr>
             <a:r>
               <a:rPr lang="en-ZA" dirty="0" smtClean="0"/>
-              <a:t>A good resource is </a:t>
-            </a:r>
-            <a:r>
-              <a:rPr lang="en-ZA" dirty="0" err="1" smtClean="0"/>
-              <a:t>GitHub</a:t>
-            </a:r>
-            <a:r>
-              <a:rPr lang="en-ZA" dirty="0"/>
-              <a:t> </a:t>
-            </a:r>
+              <a:t>There are many different methodologies and variations of methodologies, we will only cover a few</a:t>
+            </a:r>
+          </a:p>
+          <a:p>
+            <a:pPr>
+              <a:buFont typeface="Arial" panose="020B0604020202020204" pitchFamily="34" charset="0"/>
+              <a:buChar char="•"/>
+            </a:pPr>
             <a:r>
               <a:rPr lang="en-ZA" dirty="0" smtClean="0"/>
-              <a:t>(</a:t>
-            </a:r>
-            <a:r>
-              <a:rPr lang="en-ZA" dirty="0">
-                <a:hlinkClick r:id="rId2"/>
-              </a:rPr>
-              <a:t>http://</a:t>
-            </a:r>
-            <a:r>
-              <a:rPr lang="en-ZA" dirty="0" smtClean="0">
-                <a:hlinkClick r:id="rId2"/>
-              </a:rPr>
-              <a:t>www.github.com</a:t>
-            </a:r>
+              <a:t>The “classical” or traditional approaches tend to have more distinct phases</a:t>
+            </a:r>
+          </a:p>
+          <a:p>
+            <a:pPr lvl="1">
+              <a:buFont typeface="Arial" panose="020B0604020202020204" pitchFamily="34" charset="0"/>
+              <a:buChar char="•"/>
+            </a:pPr>
             <a:r>
               <a:rPr lang="en-ZA" dirty="0" smtClean="0"/>
-              <a:t>)</a:t>
-            </a:r>
-          </a:p>
-          <a:p>
-            <a:pPr lvl="1"/>
-            <a:r>
-              <a:rPr lang="en-ZA" dirty="0">
-                <a:hlinkClick r:id="rId3"/>
-              </a:rPr>
-              <a:t>https://</a:t>
-            </a:r>
-            <a:r>
-              <a:rPr lang="en-ZA" dirty="0" smtClean="0">
-                <a:hlinkClick r:id="rId3"/>
-              </a:rPr>
-              <a:t>try.github.io</a:t>
-            </a:r>
-            <a:endParaRPr lang="en-ZA" dirty="0" smtClean="0"/>
-          </a:p>
-          <a:p>
-            <a:pPr lvl="2"/>
-            <a:r>
-              <a:rPr lang="en-ZA" dirty="0"/>
-              <a:t>Provides free student paid version for two years</a:t>
-            </a:r>
-          </a:p>
-          <a:p>
-            <a:pPr lvl="2"/>
-            <a:r>
-              <a:rPr lang="en-ZA" dirty="0">
-                <a:hlinkClick r:id="rId4"/>
-              </a:rPr>
-              <a:t>https://education.github.com/discount_requests/new</a:t>
-            </a:r>
+              <a:t>SDLC directly refers to these approaches, life cycle approaches come later on.</a:t>
+            </a:r>
+          </a:p>
+          <a:p>
+            <a:pPr>
+              <a:buFont typeface="Arial" panose="020B0604020202020204" pitchFamily="34" charset="0"/>
+              <a:buChar char="•"/>
+            </a:pPr>
+            <a:r>
+              <a:rPr lang="en-ZA" dirty="0" smtClean="0"/>
+              <a:t>These distinct phases were considered to occur as their own individual units and also not concurrently.</a:t>
+            </a:r>
+          </a:p>
+          <a:p>
+            <a:pPr>
+              <a:buFont typeface="Arial" panose="020B0604020202020204" pitchFamily="34" charset="0"/>
+              <a:buChar char="•"/>
+            </a:pPr>
             <a:endParaRPr lang="en-ZA" dirty="0"/>
           </a:p>
-          <a:p>
-            <a:pPr lvl="2"/>
-            <a:r>
-              <a:rPr lang="en-ZA" dirty="0"/>
-              <a:t>You need to have your student email connected to your account</a:t>
-            </a:r>
-          </a:p>
-          <a:p>
-            <a:pPr lvl="2"/>
-            <a:r>
-              <a:rPr lang="en-ZA" dirty="0"/>
-              <a:t>Also provides free web </a:t>
-            </a:r>
-            <a:r>
-              <a:rPr lang="en-ZA" dirty="0" smtClean="0"/>
-              <a:t>hosting</a:t>
-            </a:r>
-            <a:endParaRPr lang="en-ZA" dirty="0"/>
-          </a:p>
-          <a:p>
-            <a:r>
-              <a:rPr lang="en-ZA" dirty="0" smtClean="0"/>
-              <a:t>Node school (mentioned earlier) is also a good resource</a:t>
-            </a:r>
-          </a:p>
-          <a:p>
-            <a:r>
-              <a:rPr lang="en-ZA" dirty="0"/>
-              <a:t>There are a lot of tools which can be used with it</a:t>
-            </a:r>
-          </a:p>
-          <a:p>
-            <a:pPr lvl="1"/>
-            <a:r>
-              <a:rPr lang="en-ZA" dirty="0" err="1" smtClean="0"/>
-              <a:t>GitHub</a:t>
-            </a:r>
-            <a:r>
-              <a:rPr lang="en-ZA" dirty="0" smtClean="0"/>
-              <a:t> </a:t>
-            </a:r>
-            <a:r>
-              <a:rPr lang="en-ZA" dirty="0"/>
-              <a:t>for Windows</a:t>
-            </a:r>
-          </a:p>
-          <a:p>
-            <a:pPr lvl="1"/>
-            <a:r>
-              <a:rPr lang="en-ZA" dirty="0"/>
-              <a:t>Git Extensions – my favourite graphical one</a:t>
-            </a:r>
-          </a:p>
-          <a:p>
-            <a:pPr lvl="1"/>
-            <a:r>
-              <a:rPr lang="en-ZA" dirty="0"/>
-              <a:t>Git bash for Windows</a:t>
-            </a:r>
-          </a:p>
-          <a:p>
-            <a:pPr lvl="1"/>
-            <a:r>
-              <a:rPr lang="en-ZA" dirty="0"/>
-              <a:t>Many others</a:t>
-            </a:r>
-          </a:p>
-          <a:p>
-            <a:endParaRPr lang="en-ZA" dirty="0"/>
-          </a:p>
-        </p:txBody>
-      </p:sp>
+        </p:txBody>
+      </p:sp>
+      <p:pic>
+        <p:nvPicPr>
+          <p:cNvPr id="3074" name="Picture 2" descr="File:Three software development patterns mashed together.svg"/>
+          <p:cNvPicPr>
+            <a:picLocks noChangeAspect="1" noChangeArrowheads="1"/>
+          </p:cNvPicPr>
+          <p:nvPr/>
+        </p:nvPicPr>
+        <p:blipFill>
+          <a:blip r:embed="rId2">
+            <a:extLst>
+              <a:ext uri="{28A0092B-C50C-407E-A947-70E740481C1C}">
+                <a14:useLocalDpi xmlns:a14="http://schemas.microsoft.com/office/drawing/2010/main" val="0"/>
+              </a:ext>
+            </a:extLst>
+          </a:blip>
+          <a:srcRect/>
+          <a:stretch>
+            <a:fillRect/>
+          </a:stretch>
+        </p:blipFill>
+        <p:spPr bwMode="auto">
+          <a:xfrm>
+            <a:off x="6606160" y="3657601"/>
+            <a:ext cx="3704453" cy="3020291"/>
+          </a:xfrm>
+          <a:prstGeom prst="rect">
+            <a:avLst/>
+          </a:prstGeom>
+          <a:noFill/>
+          <a:extLst>
+            <a:ext uri="{909E8E84-426E-40DD-AFC4-6F175D3DCCD1}">
+              <a14:hiddenFill xmlns:a14="http://schemas.microsoft.com/office/drawing/2010/main">
+                <a:solidFill>
+                  <a:srgbClr val="FFFFFF"/>
+                </a:solidFill>
+              </a14:hiddenFill>
+            </a:ext>
+          </a:extLst>
+        </p:spPr>
+      </p:pic>
     </p:spTree>
     <p:extLst>
       <p:ext uri="{BB962C8B-B14F-4D97-AF65-F5344CB8AC3E}">
-        <p14:creationId xmlns:p14="http://schemas.microsoft.com/office/powerpoint/2010/main" val="2924355964"/>
+        <p14:creationId xmlns:p14="http://schemas.microsoft.com/office/powerpoint/2010/main" val="1024176612"/>
       </p:ext>
     </p:extLst>
   </p:cSld>
@@ -6547,88 +6600,111 @@
           <a:lstStyle/>
           <a:p>
             <a:r>
+              <a:rPr lang="en-ZA" dirty="0"/>
+              <a:t>Agile Approach</a:t>
+            </a:r>
+          </a:p>
+        </p:txBody>
+      </p:sp>
+      <p:sp>
+        <p:nvSpPr>
+          <p:cNvPr id="3" name="Content Placeholder 2"/>
+          <p:cNvSpPr>
+            <a:spLocks noGrp="1"/>
+          </p:cNvSpPr>
+          <p:nvPr>
+            <p:ph idx="1"/>
+          </p:nvPr>
+        </p:nvSpPr>
+        <p:spPr/>
+        <p:txBody>
+          <a:bodyPr/>
+          <a:lstStyle/>
+          <a:p>
+            <a:pPr>
+              <a:buFont typeface="Arial" panose="020B0604020202020204" pitchFamily="34" charset="0"/>
+              <a:buChar char="•"/>
+            </a:pPr>
+            <a:r>
               <a:rPr lang="en-ZA" dirty="0" smtClean="0"/>
-              <a:t>Git Terminology</a:t>
-            </a:r>
-            <a:endParaRPr lang="en-ZA" dirty="0"/>
-          </a:p>
-        </p:txBody>
-      </p:sp>
-      <p:sp>
-        <p:nvSpPr>
-          <p:cNvPr id="3" name="Content Placeholder 2"/>
-          <p:cNvSpPr>
-            <a:spLocks noGrp="1"/>
-          </p:cNvSpPr>
-          <p:nvPr>
-            <p:ph idx="1"/>
-          </p:nvPr>
-        </p:nvSpPr>
-        <p:spPr/>
-        <p:txBody>
-          <a:bodyPr/>
-          <a:lstStyle/>
-          <a:p>
-            <a:r>
-              <a:rPr lang="en-ZA" b="1" dirty="0"/>
-              <a:t>Repository</a:t>
-            </a:r>
-            <a:r>
-              <a:rPr lang="en-ZA" dirty="0"/>
-              <a:t>: a stored history of work</a:t>
-            </a:r>
-          </a:p>
-          <a:p>
-            <a:r>
-              <a:rPr lang="en-ZA" b="1" dirty="0"/>
-              <a:t>Origin</a:t>
-            </a:r>
-            <a:r>
-              <a:rPr lang="en-ZA" dirty="0"/>
-              <a:t>: the main repository</a:t>
-            </a:r>
-          </a:p>
-          <a:p>
-            <a:r>
-              <a:rPr lang="en-ZA" b="1" dirty="0"/>
-              <a:t>Commit</a:t>
-            </a:r>
-            <a:r>
-              <a:rPr lang="en-ZA" dirty="0"/>
-              <a:t>: state of repository at a given time</a:t>
-            </a:r>
-          </a:p>
-          <a:p>
-            <a:r>
-              <a:rPr lang="en-ZA" b="1" dirty="0"/>
-              <a:t>Branch</a:t>
-            </a:r>
-            <a:r>
-              <a:rPr lang="en-ZA" dirty="0"/>
-              <a:t>: a series of commits</a:t>
-            </a:r>
-          </a:p>
-          <a:p>
-            <a:r>
-              <a:rPr lang="en-ZA" b="1" dirty="0"/>
-              <a:t>Master</a:t>
-            </a:r>
-            <a:r>
-              <a:rPr lang="en-ZA" dirty="0"/>
-              <a:t>: the “main” branch</a:t>
-            </a:r>
-          </a:p>
-          <a:p>
-            <a:r>
-              <a:rPr lang="en-ZA" b="1" dirty="0"/>
-              <a:t>Working copy</a:t>
-            </a:r>
-            <a:r>
-              <a:rPr lang="en-ZA" dirty="0"/>
-              <a:t>: the assets you are working with</a:t>
-            </a:r>
-          </a:p>
-          <a:p>
+              <a:t>Much more modern set of methodologies</a:t>
+            </a:r>
+          </a:p>
+          <a:p>
+            <a:pPr>
+              <a:buFont typeface="Arial" panose="020B0604020202020204" pitchFamily="34" charset="0"/>
+              <a:buChar char="•"/>
+            </a:pPr>
+            <a:r>
+              <a:rPr lang="en-ZA" dirty="0" smtClean="0"/>
+              <a:t>Evolving solutions</a:t>
+            </a:r>
+          </a:p>
+          <a:p>
+            <a:pPr>
+              <a:buFont typeface="Arial" panose="020B0604020202020204" pitchFamily="34" charset="0"/>
+              <a:buChar char="•"/>
+            </a:pPr>
+            <a:r>
+              <a:rPr lang="en-ZA" dirty="0" smtClean="0"/>
+              <a:t>Collaboration of smaller cross-functional teams</a:t>
+            </a:r>
+          </a:p>
+          <a:p>
+            <a:pPr>
+              <a:buFont typeface="Arial" panose="020B0604020202020204" pitchFamily="34" charset="0"/>
+              <a:buChar char="•"/>
+            </a:pPr>
+            <a:r>
+              <a:rPr lang="en-ZA" dirty="0" smtClean="0"/>
+              <a:t>Adaptive planning</a:t>
+            </a:r>
+          </a:p>
+          <a:p>
+            <a:pPr>
+              <a:buFont typeface="Arial" panose="020B0604020202020204" pitchFamily="34" charset="0"/>
+              <a:buChar char="•"/>
+            </a:pPr>
+            <a:r>
+              <a:rPr lang="en-ZA" dirty="0" smtClean="0"/>
+              <a:t>Evolutionary development</a:t>
+            </a:r>
+          </a:p>
+          <a:p>
+            <a:pPr>
+              <a:buFont typeface="Arial" panose="020B0604020202020204" pitchFamily="34" charset="0"/>
+              <a:buChar char="•"/>
+            </a:pPr>
+            <a:r>
+              <a:rPr lang="en-ZA" dirty="0" smtClean="0"/>
+              <a:t>Early delivery</a:t>
+            </a:r>
+          </a:p>
+          <a:p>
+            <a:pPr>
+              <a:buFont typeface="Arial" panose="020B0604020202020204" pitchFamily="34" charset="0"/>
+              <a:buChar char="•"/>
+            </a:pPr>
+            <a:r>
+              <a:rPr lang="en-ZA" dirty="0" smtClean="0"/>
+              <a:t>Flexibility (rapid response to change)</a:t>
+            </a:r>
+          </a:p>
+          <a:p>
+            <a:pPr>
+              <a:buFont typeface="Arial" panose="020B0604020202020204" pitchFamily="34" charset="0"/>
+              <a:buChar char="•"/>
+            </a:pPr>
+            <a:r>
+              <a:rPr lang="en-ZA" dirty="0" smtClean="0"/>
+              <a:t>Continuous improvement</a:t>
+            </a:r>
+          </a:p>
+          <a:p>
+            <a:pPr>
+              <a:buFont typeface="Arial" panose="020B0604020202020204" pitchFamily="34" charset="0"/>
+              <a:buChar char="•"/>
+            </a:pPr>
             <a:endParaRPr lang="en-ZA" dirty="0"/>
           </a:p>
         </p:txBody>
@@ -6636,7 +6712,7 @@
     </p:spTree>
     <p:extLst>
       <p:ext uri="{BB962C8B-B14F-4D97-AF65-F5344CB8AC3E}">
-        <p14:creationId xmlns:p14="http://schemas.microsoft.com/office/powerpoint/2010/main" val="981610377"/>
+        <p14:creationId xmlns:p14="http://schemas.microsoft.com/office/powerpoint/2010/main" val="582644274"/>
       </p:ext>
     </p:extLst>
   </p:cSld>
@@ -6673,19 +6749,14 @@
             <p:ph type="title"/>
           </p:nvPr>
         </p:nvSpPr>
-        <p:spPr>
-          <a:xfrm>
-            <a:off x="646111" y="452718"/>
-            <a:ext cx="9404723" cy="1105626"/>
-          </a:xfrm>
-        </p:spPr>
+        <p:spPr/>
         <p:txBody>
           <a:bodyPr/>
           <a:lstStyle/>
           <a:p>
             <a:r>
               <a:rPr lang="en-ZA" dirty="0" smtClean="0"/>
-              <a:t>Continuous Integration (CI)</a:t>
+              <a:t>1. Version Control</a:t>
             </a:r>
             <a:endParaRPr lang="en-ZA" dirty="0"/>
           </a:p>
@@ -6701,58 +6772,56 @@
             <p:ph idx="1"/>
           </p:nvPr>
         </p:nvSpPr>
-        <p:spPr>
-          <a:xfrm>
-            <a:off x="1103312" y="1712890"/>
-            <a:ext cx="8946541" cy="4535509"/>
-          </a:xfrm>
-        </p:spPr>
-        <p:txBody>
-          <a:bodyPr/>
+        <p:spPr/>
+        <p:txBody>
+          <a:bodyPr>
+            <a:normAutofit/>
+          </a:bodyPr>
           <a:lstStyle/>
           <a:p>
             <a:r>
               <a:rPr lang="en-ZA" dirty="0"/>
-              <a:t>Similar concept to source control</a:t>
+              <a:t>A system which helps to track the progression of a project</a:t>
             </a:r>
           </a:p>
           <a:p>
             <a:r>
               <a:rPr lang="en-ZA" dirty="0"/>
-              <a:t>Operates along side source control</a:t>
-            </a:r>
+              <a:t>It manages and track the changes of </a:t>
+            </a:r>
+            <a:r>
+              <a:rPr lang="en-ZA" dirty="0" smtClean="0"/>
+              <a:t>all the files within the repository except those specific not to be tracked.</a:t>
+            </a:r>
+            <a:endParaRPr lang="en-ZA" dirty="0"/>
           </a:p>
           <a:p>
             <a:r>
               <a:rPr lang="en-ZA" dirty="0"/>
-              <a:t>It is a shared repository where the code is pushed periodically by the developer and an automated bot attempts to build the code. </a:t>
-            </a:r>
-          </a:p>
-          <a:p>
-            <a:pPr lvl="2"/>
+              <a:t>In a corporate environment it is usually stored on a separate or external server</a:t>
+            </a:r>
+          </a:p>
+          <a:p>
             <a:r>
               <a:rPr lang="en-ZA" dirty="0"/>
-              <a:t>The bot may also just use the source control system and check for any new commits</a:t>
-            </a:r>
+              <a:t>Used when teams of developers are working together so that a copy of the project at any point within the version control system can be </a:t>
+            </a:r>
+            <a:r>
+              <a:rPr lang="en-ZA" dirty="0" smtClean="0"/>
+              <a:t>retrieved</a:t>
+            </a:r>
+            <a:endParaRPr lang="en-ZA" dirty="0"/>
           </a:p>
           <a:p>
             <a:r>
               <a:rPr lang="en-ZA" dirty="0"/>
-              <a:t>Usually there will be some kind of interface where the result of the build is displayed</a:t>
-            </a:r>
-          </a:p>
-          <a:p>
-            <a:pPr lvl="2"/>
-            <a:r>
-              <a:rPr lang="en-ZA" dirty="0"/>
-              <a:t>Either pass or fail</a:t>
-            </a:r>
-          </a:p>
-          <a:p>
-            <a:r>
-              <a:rPr lang="en-ZA" dirty="0"/>
-              <a:t>Some CI systems can also automatically deploy the code to its “live” version</a:t>
-            </a:r>
+              <a:t>Handles conflict </a:t>
+            </a:r>
+            <a:r>
+              <a:rPr lang="en-ZA" dirty="0" smtClean="0"/>
+              <a:t>management between different versions</a:t>
+            </a:r>
+            <a:endParaRPr lang="en-ZA" dirty="0"/>
           </a:p>
           <a:p>
             <a:endParaRPr lang="en-ZA" dirty="0"/>
@@ -6762,7 +6831,7 @@
     </p:spTree>
     <p:extLst>
       <p:ext uri="{BB962C8B-B14F-4D97-AF65-F5344CB8AC3E}">
-        <p14:creationId xmlns:p14="http://schemas.microsoft.com/office/powerpoint/2010/main" val="331715293"/>
+        <p14:creationId xmlns:p14="http://schemas.microsoft.com/office/powerpoint/2010/main" val="3429195596"/>
       </p:ext>
     </p:extLst>
   </p:cSld>
@@ -6806,7 +6875,7 @@
           <a:p>
             <a:r>
               <a:rPr lang="en-ZA" dirty="0" smtClean="0"/>
-              <a:t>Why Use A CI</a:t>
+              <a:t>Why Is Version Control Important?</a:t>
             </a:r>
             <a:endParaRPr lang="en-ZA" dirty="0"/>
           </a:p>
@@ -6829,34 +6898,32 @@
           <a:p>
             <a:r>
               <a:rPr lang="en-ZA" dirty="0"/>
-              <a:t>Makes sure that the recent code changes are working so that if there is already a released version of the software this update does not break the software</a:t>
+              <a:t>Tracking changes helps track what code introduces a bug</a:t>
             </a:r>
           </a:p>
           <a:p>
             <a:r>
               <a:rPr lang="en-ZA" dirty="0"/>
-              <a:t>Allows teams to see where some lower level errors may exist</a:t>
+              <a:t>You can do “more dangerous” edits to code</a:t>
             </a:r>
           </a:p>
           <a:p>
             <a:r>
               <a:rPr lang="en-ZA" dirty="0"/>
-              <a:t>In team based projects it is important to see where the latest revision of the project is and if it is indeed working</a:t>
+              <a:t>Working as a team can be faster and more efficient</a:t>
             </a:r>
           </a:p>
           <a:p>
             <a:r>
               <a:rPr lang="en-ZA" dirty="0"/>
-              <a:t>Test-first development strategies</a:t>
-            </a:r>
-          </a:p>
-          <a:p>
-            <a:r>
-              <a:rPr lang="en-ZA" dirty="0"/>
-              <a:t>Centralised deployment mechanism</a:t>
-            </a:r>
-          </a:p>
-          <a:p>
+              <a:t>Keeps a backup of EVERY state of your project</a:t>
+            </a:r>
+          </a:p>
+          <a:p>
+            <a:r>
+              <a:rPr lang="en-ZA" dirty="0" smtClean="0"/>
+              <a:t>Helps distribute the latest code to all team members efficiently and securely</a:t>
+            </a:r>
             <a:endParaRPr lang="en-ZA" dirty="0"/>
           </a:p>
         </p:txBody>
@@ -6864,7 +6931,7 @@
     </p:spTree>
     <p:extLst>
       <p:ext uri="{BB962C8B-B14F-4D97-AF65-F5344CB8AC3E}">
-        <p14:creationId xmlns:p14="http://schemas.microsoft.com/office/powerpoint/2010/main" val="1357863678"/>
+        <p14:creationId xmlns:p14="http://schemas.microsoft.com/office/powerpoint/2010/main" val="3935804966"/>
       </p:ext>
     </p:extLst>
   </p:cSld>
@@ -6908,7 +6975,7 @@
           <a:p>
             <a:r>
               <a:rPr lang="en-ZA" dirty="0" smtClean="0"/>
-              <a:t>Examples of Online CI Services</a:t>
+              <a:t>There are 2 types of version control</a:t>
             </a:r>
             <a:endParaRPr lang="en-ZA" dirty="0"/>
           </a:p>
@@ -6930,42 +6997,59 @@
           <a:lstStyle/>
           <a:p>
             <a:r>
-              <a:rPr lang="en-ZA" dirty="0">
-                <a:hlinkClick r:id="rId2"/>
-              </a:rPr>
-              <a:t>https://travis-ci.org</a:t>
-            </a:r>
-            <a:r>
-              <a:rPr lang="en-ZA" dirty="0" smtClean="0">
-                <a:hlinkClick r:id="rId2"/>
-              </a:rPr>
-              <a:t>/</a:t>
-            </a:r>
-            <a:endParaRPr lang="en-ZA" dirty="0" smtClean="0"/>
-          </a:p>
-          <a:p>
-            <a:r>
-              <a:rPr lang="en-ZA" dirty="0">
-                <a:hlinkClick r:id="rId3"/>
-              </a:rPr>
-              <a:t>https://www.appveyor.com</a:t>
-            </a:r>
-            <a:r>
-              <a:rPr lang="en-ZA" dirty="0" smtClean="0">
-                <a:hlinkClick r:id="rId3"/>
-              </a:rPr>
-              <a:t>/</a:t>
-            </a:r>
-            <a:endParaRPr lang="en-ZA" dirty="0" smtClean="0"/>
-          </a:p>
-          <a:p>
-            <a:endParaRPr lang="en-ZA" dirty="0"/>
-          </a:p>
-          <a:p>
-            <a:r>
-              <a:rPr lang="en-ZA" dirty="0" smtClean="0"/>
-              <a:t>We will cover testing later</a:t>
-            </a:r>
+              <a:rPr lang="en-ZA" dirty="0"/>
+              <a:t>Centralised</a:t>
+            </a:r>
+          </a:p>
+          <a:p>
+            <a:pPr lvl="2"/>
+            <a:r>
+              <a:rPr lang="en-ZA" dirty="0"/>
+              <a:t>Server based</a:t>
+            </a:r>
+          </a:p>
+          <a:p>
+            <a:pPr lvl="2"/>
+            <a:r>
+              <a:rPr lang="en-ZA" dirty="0"/>
+              <a:t>Requires a connection to the server</a:t>
+            </a:r>
+          </a:p>
+          <a:p>
+            <a:pPr lvl="2"/>
+            <a:r>
+              <a:rPr lang="en-ZA" dirty="0"/>
+              <a:t>E.g. SVN, CVS, Team Foundation Server (The newer versions use a custom version of git in some cases)</a:t>
+            </a:r>
+          </a:p>
+          <a:p>
+            <a:r>
+              <a:rPr lang="en-ZA" dirty="0"/>
+              <a:t>Distributed</a:t>
+            </a:r>
+          </a:p>
+          <a:p>
+            <a:pPr lvl="2"/>
+            <a:r>
+              <a:rPr lang="en-ZA" dirty="0"/>
+              <a:t>Everyone has a copy of the entire code repository</a:t>
+            </a:r>
+          </a:p>
+          <a:p>
+            <a:pPr lvl="2"/>
+            <a:r>
+              <a:rPr lang="en-ZA" dirty="0"/>
+              <a:t>Works offline</a:t>
+            </a:r>
+          </a:p>
+          <a:p>
+            <a:pPr lvl="2"/>
+            <a:r>
+              <a:rPr lang="en-ZA" dirty="0"/>
+              <a:t>E.g. Mercurial, git</a:t>
+            </a:r>
+          </a:p>
+          <a:p>
             <a:endParaRPr lang="en-ZA" dirty="0"/>
           </a:p>
         </p:txBody>
@@ -6973,7 +7057,7 @@
     </p:spTree>
     <p:extLst>
       <p:ext uri="{BB962C8B-B14F-4D97-AF65-F5344CB8AC3E}">
-        <p14:creationId xmlns:p14="http://schemas.microsoft.com/office/powerpoint/2010/main" val="913708809"/>
+        <p14:creationId xmlns:p14="http://schemas.microsoft.com/office/powerpoint/2010/main" val="1130894382"/>
       </p:ext>
     </p:extLst>
   </p:cSld>
@@ -7017,7 +7101,7 @@
           <a:p>
             <a:r>
               <a:rPr lang="en-ZA" dirty="0" smtClean="0"/>
-              <a:t>Use Cases</a:t>
+              <a:t>We will be focusing only on git</a:t>
             </a:r>
             <a:endParaRPr lang="en-ZA" dirty="0"/>
           </a:p>
@@ -7035,71 +7119,143 @@
         </p:nvSpPr>
         <p:spPr/>
         <p:txBody>
-          <a:bodyPr/>
-          <a:lstStyle/>
-          <a:p>
+          <a:bodyPr>
+            <a:normAutofit fontScale="92500" lnSpcReduction="20000"/>
+          </a:bodyPr>
+          <a:lstStyle/>
+          <a:p>
+            <a:r>
+              <a:rPr lang="en-ZA" dirty="0" smtClean="0"/>
+              <a:t>A good resource is </a:t>
+            </a:r>
+            <a:r>
+              <a:rPr lang="en-ZA" dirty="0" err="1" smtClean="0"/>
+              <a:t>GitHub</a:t>
+            </a:r>
             <a:r>
               <a:rPr lang="en-ZA" dirty="0"/>
-              <a:t>A structured way to show a mapping between one or few actions and 1 or few objects</a:t>
-            </a:r>
-          </a:p>
-          <a:p>
+              <a:t> </a:t>
+            </a:r>
+            <a:r>
+              <a:rPr lang="en-ZA" dirty="0" smtClean="0"/>
+              <a:t>(</a:t>
+            </a:r>
+            <a:r>
+              <a:rPr lang="en-ZA" dirty="0">
+                <a:hlinkClick r:id="rId2"/>
+              </a:rPr>
+              <a:t>http://</a:t>
+            </a:r>
+            <a:r>
+              <a:rPr lang="en-ZA" dirty="0" smtClean="0">
+                <a:hlinkClick r:id="rId2"/>
+              </a:rPr>
+              <a:t>www.github.com</a:t>
+            </a:r>
+            <a:r>
+              <a:rPr lang="en-ZA" dirty="0" smtClean="0"/>
+              <a:t>)</a:t>
+            </a:r>
+          </a:p>
+          <a:p>
+            <a:pPr lvl="1"/>
+            <a:r>
+              <a:rPr lang="en-ZA" dirty="0">
+                <a:hlinkClick r:id="rId3"/>
+              </a:rPr>
+              <a:t>https://</a:t>
+            </a:r>
+            <a:r>
+              <a:rPr lang="en-ZA" dirty="0" smtClean="0">
+                <a:hlinkClick r:id="rId3"/>
+              </a:rPr>
+              <a:t>try.github.io</a:t>
+            </a:r>
+            <a:endParaRPr lang="en-ZA" dirty="0" smtClean="0"/>
+          </a:p>
+          <a:p>
+            <a:pPr lvl="2"/>
             <a:r>
               <a:rPr lang="en-ZA" dirty="0"/>
-              <a:t>Usually dictated as noun </a:t>
-            </a:r>
+              <a:t>Provides free student paid version for two years</a:t>
+            </a:r>
+          </a:p>
+          <a:p>
+            <a:pPr lvl="2"/>
             <a:r>
               <a:rPr lang="en-ZA" dirty="0">
-                <a:sym typeface="Wingdings" panose="05000000000000000000" pitchFamily="2" charset="2"/>
+                <a:hlinkClick r:id="rId4"/>
               </a:rPr>
-              <a:t> verb  noun</a:t>
-            </a:r>
-          </a:p>
-          <a:p>
-            <a:r>
-              <a:rPr lang="en-ZA" dirty="0">
-                <a:sym typeface="Wingdings" panose="05000000000000000000" pitchFamily="2" charset="2"/>
-              </a:rPr>
-              <a:t>E.g. </a:t>
-            </a:r>
+              <a:t>https://education.github.com/discount_requests/new</a:t>
+            </a:r>
+            <a:endParaRPr lang="en-ZA" dirty="0"/>
           </a:p>
           <a:p>
             <a:pPr lvl="2"/>
             <a:r>
-              <a:rPr lang="en-ZA" dirty="0">
-                <a:sym typeface="Wingdings" panose="05000000000000000000" pitchFamily="2" charset="2"/>
-              </a:rPr>
-              <a:t>The manager hires new employees</a:t>
+              <a:rPr lang="en-ZA" dirty="0"/>
+              <a:t>You need to have your student email connected to your account</a:t>
             </a:r>
           </a:p>
           <a:p>
             <a:pPr lvl="2"/>
             <a:r>
-              <a:rPr lang="en-ZA" dirty="0">
-                <a:sym typeface="Wingdings" panose="05000000000000000000" pitchFamily="2" charset="2"/>
-              </a:rPr>
-              <a:t>The doctor treats patients</a:t>
-            </a:r>
-          </a:p>
-          <a:p>
-            <a:r>
-              <a:rPr lang="en-ZA" dirty="0">
-                <a:sym typeface="Wingdings" panose="05000000000000000000" pitchFamily="2" charset="2"/>
-              </a:rPr>
-              <a:t>Mappings related to how the data is stored and what screens are shown to the user</a:t>
-            </a:r>
-          </a:p>
-          <a:p>
-            <a:r>
-              <a:rPr lang="en-ZA" dirty="0">
-                <a:sym typeface="Wingdings" panose="05000000000000000000" pitchFamily="2" charset="2"/>
-              </a:rPr>
-              <a:t>Important way to constrain the problem in order to make it easier to deal with</a:t>
-            </a:r>
-          </a:p>
-          <a:p>
-            <a:pPr lvl="3"/>
+              <a:rPr lang="en-ZA" dirty="0"/>
+              <a:t>Also provides free web </a:t>
+            </a:r>
+            <a:r>
+              <a:rPr lang="en-ZA" dirty="0" smtClean="0"/>
+              <a:t>hosting</a:t>
+            </a:r>
             <a:endParaRPr lang="en-ZA" dirty="0"/>
+          </a:p>
+          <a:p>
+            <a:r>
+              <a:rPr lang="en-ZA" dirty="0" smtClean="0"/>
+              <a:t>Node school (mentioned earlier) is also a good resource</a:t>
+            </a:r>
+          </a:p>
+          <a:p>
+            <a:r>
+              <a:rPr lang="en-ZA" dirty="0"/>
+              <a:t>There are a lot of tools which can be used with it</a:t>
+            </a:r>
+          </a:p>
+          <a:p>
+            <a:pPr lvl="1"/>
+            <a:r>
+              <a:rPr lang="en-ZA" dirty="0" err="1" smtClean="0"/>
+              <a:t>GitHub</a:t>
+            </a:r>
+            <a:r>
+              <a:rPr lang="en-ZA" dirty="0" smtClean="0"/>
+              <a:t> </a:t>
+            </a:r>
+            <a:r>
+              <a:rPr lang="en-ZA" dirty="0"/>
+              <a:t>for Windows</a:t>
+            </a:r>
+          </a:p>
+          <a:p>
+            <a:pPr lvl="1"/>
+            <a:r>
+              <a:rPr lang="en-ZA" dirty="0"/>
+              <a:t>Git Extensions – my favourite graphical one</a:t>
+            </a:r>
+          </a:p>
+          <a:p>
+            <a:pPr lvl="1"/>
+            <a:r>
+              <a:rPr lang="en-ZA" dirty="0"/>
+              <a:t>Git bash for Windows</a:t>
+            </a:r>
+          </a:p>
+          <a:p>
+            <a:pPr lvl="1"/>
+            <a:r>
+              <a:rPr lang="en-ZA" dirty="0"/>
+              <a:t>Many others</a:t>
+            </a:r>
           </a:p>
           <a:p>
             <a:endParaRPr lang="en-ZA" dirty="0"/>
@@ -7109,7 +7265,7 @@
     </p:spTree>
     <p:extLst>
       <p:ext uri="{BB962C8B-B14F-4D97-AF65-F5344CB8AC3E}">
-        <p14:creationId xmlns:p14="http://schemas.microsoft.com/office/powerpoint/2010/main" val="3742386237"/>
+        <p14:creationId xmlns:p14="http://schemas.microsoft.com/office/powerpoint/2010/main" val="2924355964"/>
       </p:ext>
     </p:extLst>
   </p:cSld>
@@ -7153,7 +7309,7 @@
           <a:p>
             <a:r>
               <a:rPr lang="en-ZA" dirty="0" smtClean="0"/>
-              <a:t>User Stories</a:t>
+              <a:t>Git Terminology</a:t>
             </a:r>
             <a:endParaRPr lang="en-ZA" dirty="0"/>
           </a:p>
@@ -7175,20 +7331,62 @@
           <a:lstStyle/>
           <a:p>
             <a:r>
-              <a:rPr lang="en-ZA" dirty="0" smtClean="0"/>
-              <a:t>Similar to use cases but is in story form</a:t>
-            </a:r>
-          </a:p>
-          <a:p>
-            <a:r>
-              <a:rPr lang="en-ZA" dirty="0" smtClean="0"/>
-              <a:t>The “user” is usually a made up persona which represents the type of person most likely to use the piece of software.</a:t>
-            </a:r>
-          </a:p>
-          <a:p>
-            <a:r>
-              <a:rPr lang="en-ZA" dirty="0" smtClean="0"/>
-              <a:t>An example is shown later</a:t>
+              <a:rPr lang="en-ZA" b="1" dirty="0"/>
+              <a:t>Repository</a:t>
+            </a:r>
+            <a:r>
+              <a:rPr lang="en-ZA" dirty="0"/>
+              <a:t>: a stored history of work</a:t>
+            </a:r>
+          </a:p>
+          <a:p>
+            <a:r>
+              <a:rPr lang="en-ZA" b="1" dirty="0"/>
+              <a:t>Origin</a:t>
+            </a:r>
+            <a:r>
+              <a:rPr lang="en-ZA" dirty="0"/>
+              <a:t>: the main repository</a:t>
+            </a:r>
+          </a:p>
+          <a:p>
+            <a:r>
+              <a:rPr lang="en-ZA" b="1" dirty="0"/>
+              <a:t>Commit</a:t>
+            </a:r>
+            <a:r>
+              <a:rPr lang="en-ZA" dirty="0"/>
+              <a:t>: state of repository at a given time</a:t>
+            </a:r>
+          </a:p>
+          <a:p>
+            <a:r>
+              <a:rPr lang="en-ZA" b="1" dirty="0"/>
+              <a:t>Branch</a:t>
+            </a:r>
+            <a:r>
+              <a:rPr lang="en-ZA" dirty="0"/>
+              <a:t>: a series of commits</a:t>
+            </a:r>
+          </a:p>
+          <a:p>
+            <a:r>
+              <a:rPr lang="en-ZA" b="1" dirty="0"/>
+              <a:t>Master</a:t>
+            </a:r>
+            <a:r>
+              <a:rPr lang="en-ZA" dirty="0"/>
+              <a:t>: the “main” branch</a:t>
+            </a:r>
+          </a:p>
+          <a:p>
+            <a:r>
+              <a:rPr lang="en-ZA" b="1" dirty="0"/>
+              <a:t>Working copy</a:t>
+            </a:r>
+            <a:r>
+              <a:rPr lang="en-ZA" dirty="0"/>
+              <a:t>: the assets you are working with</a:t>
             </a:r>
           </a:p>
           <a:p>
@@ -7199,7 +7397,7 @@
     </p:spTree>
     <p:extLst>
       <p:ext uri="{BB962C8B-B14F-4D97-AF65-F5344CB8AC3E}">
-        <p14:creationId xmlns:p14="http://schemas.microsoft.com/office/powerpoint/2010/main" val="559374735"/>
+        <p14:creationId xmlns:p14="http://schemas.microsoft.com/office/powerpoint/2010/main" val="981610377"/>
       </p:ext>
     </p:extLst>
   </p:cSld>
@@ -7242,8 +7440,16 @@
           <a:lstStyle/>
           <a:p>
             <a:r>
-              <a:rPr lang="en-ZA" dirty="0" smtClean="0"/>
-              <a:t>Issue / Ticket Tracking</a:t>
+              <a:rPr lang="en-US" dirty="0" smtClean="0"/>
+              <a:t>Common </a:t>
+            </a:r>
+            <a:r>
+              <a:rPr lang="en-US" dirty="0" err="1" smtClean="0"/>
+              <a:t>Git</a:t>
+            </a:r>
+            <a:r>
+              <a:rPr lang="en-US" dirty="0" smtClean="0"/>
+              <a:t> Workflow</a:t>
             </a:r>
             <a:endParaRPr lang="en-ZA" dirty="0"/>
           </a:p>
@@ -7265,45 +7471,20 @@
           <a:lstStyle/>
           <a:p>
             <a:r>
-              <a:rPr lang="en-ZA" dirty="0" err="1" smtClean="0"/>
-              <a:t>GitHub</a:t>
-            </a:r>
-            <a:r>
-              <a:rPr lang="en-ZA" dirty="0" smtClean="0"/>
-              <a:t> has it built in</a:t>
-            </a:r>
-          </a:p>
-          <a:p>
-            <a:r>
-              <a:rPr lang="en-ZA" dirty="0">
-                <a:hlinkClick r:id="rId2"/>
-              </a:rPr>
-              <a:t>http://waffle.io</a:t>
-            </a:r>
-            <a:r>
-              <a:rPr lang="en-ZA" dirty="0" smtClean="0">
-                <a:hlinkClick r:id="rId2"/>
-              </a:rPr>
-              <a:t>/</a:t>
-            </a:r>
-            <a:endParaRPr lang="en-ZA" dirty="0" smtClean="0"/>
-          </a:p>
-          <a:p>
-            <a:r>
-              <a:rPr lang="en-ZA" dirty="0" smtClean="0"/>
-              <a:t>Similar concept to the tickets a kitchen at a restaurant gets for an order</a:t>
-            </a:r>
-          </a:p>
-          <a:p>
-            <a:r>
-              <a:rPr lang="en-ZA" dirty="0" smtClean="0"/>
-              <a:t>Based on the use cases / user stories</a:t>
-            </a:r>
-          </a:p>
-          <a:p>
-            <a:r>
-              <a:rPr lang="en-ZA" dirty="0" smtClean="0"/>
-              <a:t>Usually subtasks of a much larger objective based on a specific use case</a:t>
+              <a:rPr lang="en-US" dirty="0" smtClean="0"/>
+              <a:t>Master Branch -&gt; CI -&gt; automated deployment</a:t>
+            </a:r>
+          </a:p>
+          <a:p>
+            <a:r>
+              <a:rPr lang="en-US" dirty="0" smtClean="0"/>
+              <a:t>Develop Branch -&gt; CI -&gt; QA deployment</a:t>
+            </a:r>
+          </a:p>
+          <a:p>
+            <a:r>
+              <a:rPr lang="en-US" dirty="0" smtClean="0"/>
+              <a:t>Sub branches &lt;- hotfixes and feature requests</a:t>
             </a:r>
             <a:endParaRPr lang="en-ZA" dirty="0"/>
           </a:p>
@@ -7312,7 +7493,7 @@
     </p:spTree>
     <p:extLst>
       <p:ext uri="{BB962C8B-B14F-4D97-AF65-F5344CB8AC3E}">
-        <p14:creationId xmlns:p14="http://schemas.microsoft.com/office/powerpoint/2010/main" val="3820039313"/>
+        <p14:creationId xmlns:p14="http://schemas.microsoft.com/office/powerpoint/2010/main" val="2263616210"/>
       </p:ext>
     </p:extLst>
   </p:cSld>
@@ -7349,18 +7530,19 @@
             <p:ph type="title"/>
           </p:nvPr>
         </p:nvSpPr>
-        <p:spPr/>
+        <p:spPr>
+          <a:xfrm>
+            <a:off x="646111" y="452718"/>
+            <a:ext cx="9404723" cy="1105626"/>
+          </a:xfrm>
+        </p:spPr>
         <p:txBody>
           <a:bodyPr/>
           <a:lstStyle/>
           <a:p>
             <a:r>
               <a:rPr lang="en-ZA" dirty="0" smtClean="0"/>
-              <a:t>An Example Using </a:t>
-            </a:r>
-            <a:r>
-              <a:rPr lang="en-ZA" dirty="0" err="1" smtClean="0"/>
-              <a:t>NodeJS</a:t>
+              <a:t>Continuous Integration (CI)</a:t>
             </a:r>
             <a:endParaRPr lang="en-ZA" dirty="0"/>
           </a:p>
@@ -7376,89 +7558,68 @@
             <p:ph idx="1"/>
           </p:nvPr>
         </p:nvSpPr>
-        <p:spPr/>
-        <p:txBody>
-          <a:bodyPr/>
-          <a:lstStyle/>
-          <a:p>
-            <a:r>
-              <a:rPr lang="en-ZA" dirty="0" smtClean="0"/>
-              <a:t>The main code example will be the game </a:t>
-            </a:r>
-            <a:r>
-              <a:rPr lang="en-ZA" dirty="0" err="1" smtClean="0"/>
-              <a:t>TicTacToe</a:t>
-            </a:r>
-            <a:r>
-              <a:rPr lang="en-ZA" dirty="0" smtClean="0"/>
-              <a:t>.</a:t>
-            </a:r>
-          </a:p>
-          <a:p>
-            <a:r>
-              <a:rPr lang="en-ZA" dirty="0" smtClean="0"/>
-              <a:t>A User Story: “Dave loves the game </a:t>
-            </a:r>
-            <a:r>
-              <a:rPr lang="en-ZA" dirty="0" err="1" smtClean="0"/>
-              <a:t>TicTacToe</a:t>
-            </a:r>
-            <a:r>
-              <a:rPr lang="en-ZA" dirty="0" smtClean="0"/>
-              <a:t>. Unfortunately Dave has no one to play the game with. He would like to be able to play the game on his computer. He wants to be able to see a game board and input the move he wants to make when it is his turn.”</a:t>
-            </a:r>
-          </a:p>
-          <a:p>
-            <a:r>
-              <a:rPr lang="en-ZA" dirty="0" smtClean="0"/>
-              <a:t>Use Cases:</a:t>
-            </a:r>
-          </a:p>
-          <a:p>
-            <a:pPr lvl="1"/>
-            <a:r>
-              <a:rPr lang="en-ZA" dirty="0" smtClean="0"/>
-              <a:t>The Computer Starts A New Game</a:t>
-            </a:r>
-          </a:p>
-          <a:p>
-            <a:pPr lvl="1"/>
-            <a:r>
-              <a:rPr lang="en-ZA" dirty="0" smtClean="0"/>
-              <a:t>The Computer Makes the First Move</a:t>
-            </a:r>
-          </a:p>
-          <a:p>
-            <a:pPr lvl="1"/>
-            <a:r>
-              <a:rPr lang="en-ZA" dirty="0" smtClean="0"/>
-              <a:t>The User Can Make Moves</a:t>
-            </a:r>
-          </a:p>
-          <a:p>
-            <a:pPr lvl="1"/>
-            <a:r>
-              <a:rPr lang="en-ZA" dirty="0" smtClean="0"/>
-              <a:t>Player Wins When Three Squares In A Row are Captured</a:t>
-            </a:r>
-          </a:p>
-          <a:p>
-            <a:pPr lvl="1"/>
-            <a:r>
-              <a:rPr lang="en-ZA" dirty="0" smtClean="0"/>
-              <a:t>The Winner </a:t>
-            </a:r>
-            <a:r>
-              <a:rPr lang="en-ZA" smtClean="0"/>
-              <a:t>is Declared</a:t>
-            </a:r>
+        <p:spPr>
+          <a:xfrm>
+            <a:off x="1103312" y="1712890"/>
+            <a:ext cx="8946541" cy="4535509"/>
+          </a:xfrm>
+        </p:spPr>
+        <p:txBody>
+          <a:bodyPr/>
+          <a:lstStyle/>
+          <a:p>
+            <a:r>
+              <a:rPr lang="en-ZA" dirty="0"/>
+              <a:t>Similar concept to source control</a:t>
+            </a:r>
+          </a:p>
+          <a:p>
+            <a:r>
+              <a:rPr lang="en-ZA" dirty="0"/>
+              <a:t>Operates along side source control</a:t>
+            </a:r>
+          </a:p>
+          <a:p>
+            <a:r>
+              <a:rPr lang="en-ZA" dirty="0"/>
+              <a:t>It is a shared repository where the code is pushed periodically by the developer and an automated bot attempts to build the code. </a:t>
+            </a:r>
+          </a:p>
+          <a:p>
+            <a:pPr lvl="2"/>
+            <a:r>
+              <a:rPr lang="en-ZA" dirty="0"/>
+              <a:t>The bot may also just use the source control system and check for any new commits</a:t>
+            </a:r>
+          </a:p>
+          <a:p>
+            <a:r>
+              <a:rPr lang="en-ZA" dirty="0"/>
+              <a:t>Usually there will be some kind of interface where the result of the build is displayed</a:t>
+            </a:r>
+          </a:p>
+          <a:p>
+            <a:pPr lvl="2"/>
+            <a:r>
+              <a:rPr lang="en-ZA" dirty="0"/>
+              <a:t>Either pass or fail</a:t>
+            </a:r>
+          </a:p>
+          <a:p>
+            <a:r>
+              <a:rPr lang="en-ZA" dirty="0"/>
+              <a:t>Some CI systems can also automatically deploy the code to its “live” version</a:t>
+            </a:r>
+          </a:p>
+          <a:p>
+            <a:endParaRPr lang="en-ZA" dirty="0"/>
           </a:p>
         </p:txBody>
       </p:sp>
     </p:spTree>
     <p:extLst>
       <p:ext uri="{BB962C8B-B14F-4D97-AF65-F5344CB8AC3E}">
-        <p14:creationId xmlns:p14="http://schemas.microsoft.com/office/powerpoint/2010/main" val="1747548671"/>
+        <p14:creationId xmlns:p14="http://schemas.microsoft.com/office/powerpoint/2010/main" val="331715293"/>
       </p:ext>
     </p:extLst>
   </p:cSld>
@@ -7618,6 +7779,702 @@
 </file>
 
 <file path=ppt/slides/slide20.xml><?xml version="1.0" encoding="utf-8"?>
+<p:sld xmlns:a="http://schemas.openxmlformats.org/drawingml/2006/main" xmlns:r="http://schemas.openxmlformats.org/officeDocument/2006/relationships" xmlns:p="http://schemas.openxmlformats.org/presentationml/2006/main">
+  <p:cSld>
+    <p:spTree>
+      <p:nvGrpSpPr>
+        <p:cNvPr id="1" name=""/>
+        <p:cNvGrpSpPr/>
+        <p:nvPr/>
+      </p:nvGrpSpPr>
+      <p:grpSpPr>
+        <a:xfrm>
+          <a:off x="0" y="0"/>
+          <a:ext cx="0" cy="0"/>
+          <a:chOff x="0" y="0"/>
+          <a:chExt cx="0" cy="0"/>
+        </a:xfrm>
+      </p:grpSpPr>
+      <p:sp>
+        <p:nvSpPr>
+          <p:cNvPr id="2" name="Title 1"/>
+          <p:cNvSpPr>
+            <a:spLocks noGrp="1"/>
+          </p:cNvSpPr>
+          <p:nvPr>
+            <p:ph type="title"/>
+          </p:nvPr>
+        </p:nvSpPr>
+        <p:spPr/>
+        <p:txBody>
+          <a:bodyPr/>
+          <a:lstStyle/>
+          <a:p>
+            <a:r>
+              <a:rPr lang="en-ZA" dirty="0" smtClean="0"/>
+              <a:t>Why Use A CI</a:t>
+            </a:r>
+            <a:endParaRPr lang="en-ZA" dirty="0"/>
+          </a:p>
+        </p:txBody>
+      </p:sp>
+      <p:sp>
+        <p:nvSpPr>
+          <p:cNvPr id="3" name="Content Placeholder 2"/>
+          <p:cNvSpPr>
+            <a:spLocks noGrp="1"/>
+          </p:cNvSpPr>
+          <p:nvPr>
+            <p:ph idx="1"/>
+          </p:nvPr>
+        </p:nvSpPr>
+        <p:spPr/>
+        <p:txBody>
+          <a:bodyPr/>
+          <a:lstStyle/>
+          <a:p>
+            <a:r>
+              <a:rPr lang="en-ZA" dirty="0"/>
+              <a:t>Makes sure that the recent code changes are working so that if there is already a released version of the software this update does not break the software</a:t>
+            </a:r>
+          </a:p>
+          <a:p>
+            <a:r>
+              <a:rPr lang="en-ZA" dirty="0"/>
+              <a:t>Allows teams to see where some lower level errors may exist</a:t>
+            </a:r>
+          </a:p>
+          <a:p>
+            <a:r>
+              <a:rPr lang="en-ZA" dirty="0"/>
+              <a:t>In team based projects it is important to see where the latest revision of the project is and if it is indeed working</a:t>
+            </a:r>
+          </a:p>
+          <a:p>
+            <a:r>
+              <a:rPr lang="en-ZA" dirty="0"/>
+              <a:t>Test-first development strategies</a:t>
+            </a:r>
+          </a:p>
+          <a:p>
+            <a:r>
+              <a:rPr lang="en-ZA" dirty="0"/>
+              <a:t>Centralised deployment mechanism</a:t>
+            </a:r>
+          </a:p>
+          <a:p>
+            <a:endParaRPr lang="en-ZA" dirty="0"/>
+          </a:p>
+        </p:txBody>
+      </p:sp>
+    </p:spTree>
+    <p:extLst>
+      <p:ext uri="{BB962C8B-B14F-4D97-AF65-F5344CB8AC3E}">
+        <p14:creationId xmlns:p14="http://schemas.microsoft.com/office/powerpoint/2010/main" val="1357863678"/>
+      </p:ext>
+    </p:extLst>
+  </p:cSld>
+  <p:clrMapOvr>
+    <a:masterClrMapping/>
+  </p:clrMapOvr>
+</p:sld>
+</file>
+
+<file path=ppt/slides/slide21.xml><?xml version="1.0" encoding="utf-8"?>
+<p:sld xmlns:a="http://schemas.openxmlformats.org/drawingml/2006/main" xmlns:r="http://schemas.openxmlformats.org/officeDocument/2006/relationships" xmlns:p="http://schemas.openxmlformats.org/presentationml/2006/main">
+  <p:cSld>
+    <p:spTree>
+      <p:nvGrpSpPr>
+        <p:cNvPr id="1" name=""/>
+        <p:cNvGrpSpPr/>
+        <p:nvPr/>
+      </p:nvGrpSpPr>
+      <p:grpSpPr>
+        <a:xfrm>
+          <a:off x="0" y="0"/>
+          <a:ext cx="0" cy="0"/>
+          <a:chOff x="0" y="0"/>
+          <a:chExt cx="0" cy="0"/>
+        </a:xfrm>
+      </p:grpSpPr>
+      <p:sp>
+        <p:nvSpPr>
+          <p:cNvPr id="2" name="Title 1"/>
+          <p:cNvSpPr>
+            <a:spLocks noGrp="1"/>
+          </p:cNvSpPr>
+          <p:nvPr>
+            <p:ph type="title"/>
+          </p:nvPr>
+        </p:nvSpPr>
+        <p:spPr/>
+        <p:txBody>
+          <a:bodyPr/>
+          <a:lstStyle/>
+          <a:p>
+            <a:r>
+              <a:rPr lang="en-ZA" dirty="0" smtClean="0"/>
+              <a:t>Examples of Online CI Services</a:t>
+            </a:r>
+            <a:endParaRPr lang="en-ZA" dirty="0"/>
+          </a:p>
+        </p:txBody>
+      </p:sp>
+      <p:sp>
+        <p:nvSpPr>
+          <p:cNvPr id="3" name="Content Placeholder 2"/>
+          <p:cNvSpPr>
+            <a:spLocks noGrp="1"/>
+          </p:cNvSpPr>
+          <p:nvPr>
+            <p:ph idx="1"/>
+          </p:nvPr>
+        </p:nvSpPr>
+        <p:spPr/>
+        <p:txBody>
+          <a:bodyPr/>
+          <a:lstStyle/>
+          <a:p>
+            <a:r>
+              <a:rPr lang="en-ZA" dirty="0">
+                <a:hlinkClick r:id="rId2"/>
+              </a:rPr>
+              <a:t>https://travis-ci.org</a:t>
+            </a:r>
+            <a:r>
+              <a:rPr lang="en-ZA" dirty="0" smtClean="0">
+                <a:hlinkClick r:id="rId2"/>
+              </a:rPr>
+              <a:t>/</a:t>
+            </a:r>
+            <a:endParaRPr lang="en-ZA" dirty="0" smtClean="0"/>
+          </a:p>
+          <a:p>
+            <a:r>
+              <a:rPr lang="en-ZA" dirty="0">
+                <a:hlinkClick r:id="rId3"/>
+              </a:rPr>
+              <a:t>https://www.appveyor.com</a:t>
+            </a:r>
+            <a:r>
+              <a:rPr lang="en-ZA" dirty="0" smtClean="0">
+                <a:hlinkClick r:id="rId3"/>
+              </a:rPr>
+              <a:t>/</a:t>
+            </a:r>
+            <a:endParaRPr lang="en-ZA" dirty="0" smtClean="0"/>
+          </a:p>
+          <a:p>
+            <a:endParaRPr lang="en-ZA" dirty="0"/>
+          </a:p>
+          <a:p>
+            <a:r>
+              <a:rPr lang="en-ZA" dirty="0" smtClean="0"/>
+              <a:t>We will cover testing later</a:t>
+            </a:r>
+            <a:endParaRPr lang="en-ZA" dirty="0"/>
+          </a:p>
+        </p:txBody>
+      </p:sp>
+    </p:spTree>
+    <p:extLst>
+      <p:ext uri="{BB962C8B-B14F-4D97-AF65-F5344CB8AC3E}">
+        <p14:creationId xmlns:p14="http://schemas.microsoft.com/office/powerpoint/2010/main" val="913708809"/>
+      </p:ext>
+    </p:extLst>
+  </p:cSld>
+  <p:clrMapOvr>
+    <a:masterClrMapping/>
+  </p:clrMapOvr>
+</p:sld>
+</file>
+
+<file path=ppt/slides/slide22.xml><?xml version="1.0" encoding="utf-8"?>
+<p:sld xmlns:a="http://schemas.openxmlformats.org/drawingml/2006/main" xmlns:r="http://schemas.openxmlformats.org/officeDocument/2006/relationships" xmlns:p="http://schemas.openxmlformats.org/presentationml/2006/main">
+  <p:cSld>
+    <p:spTree>
+      <p:nvGrpSpPr>
+        <p:cNvPr id="1" name=""/>
+        <p:cNvGrpSpPr/>
+        <p:nvPr/>
+      </p:nvGrpSpPr>
+      <p:grpSpPr>
+        <a:xfrm>
+          <a:off x="0" y="0"/>
+          <a:ext cx="0" cy="0"/>
+          <a:chOff x="0" y="0"/>
+          <a:chExt cx="0" cy="0"/>
+        </a:xfrm>
+      </p:grpSpPr>
+      <p:sp>
+        <p:nvSpPr>
+          <p:cNvPr id="2" name="Title 1"/>
+          <p:cNvSpPr>
+            <a:spLocks noGrp="1"/>
+          </p:cNvSpPr>
+          <p:nvPr>
+            <p:ph type="title"/>
+          </p:nvPr>
+        </p:nvSpPr>
+        <p:spPr/>
+        <p:txBody>
+          <a:bodyPr/>
+          <a:lstStyle/>
+          <a:p>
+            <a:r>
+              <a:rPr lang="en-ZA" dirty="0" smtClean="0"/>
+              <a:t>Use Cases</a:t>
+            </a:r>
+            <a:endParaRPr lang="en-ZA" dirty="0"/>
+          </a:p>
+        </p:txBody>
+      </p:sp>
+      <p:sp>
+        <p:nvSpPr>
+          <p:cNvPr id="3" name="Content Placeholder 2"/>
+          <p:cNvSpPr>
+            <a:spLocks noGrp="1"/>
+          </p:cNvSpPr>
+          <p:nvPr>
+            <p:ph idx="1"/>
+          </p:nvPr>
+        </p:nvSpPr>
+        <p:spPr/>
+        <p:txBody>
+          <a:bodyPr/>
+          <a:lstStyle/>
+          <a:p>
+            <a:r>
+              <a:rPr lang="en-ZA" dirty="0"/>
+              <a:t>A structured way to show a mapping between one or few actions and 1 or few objects</a:t>
+            </a:r>
+          </a:p>
+          <a:p>
+            <a:r>
+              <a:rPr lang="en-ZA" dirty="0"/>
+              <a:t>Usually dictated as noun </a:t>
+            </a:r>
+            <a:r>
+              <a:rPr lang="en-ZA" dirty="0">
+                <a:sym typeface="Wingdings" panose="05000000000000000000" pitchFamily="2" charset="2"/>
+              </a:rPr>
+              <a:t> verb  noun</a:t>
+            </a:r>
+          </a:p>
+          <a:p>
+            <a:r>
+              <a:rPr lang="en-ZA" dirty="0">
+                <a:sym typeface="Wingdings" panose="05000000000000000000" pitchFamily="2" charset="2"/>
+              </a:rPr>
+              <a:t>E.g. </a:t>
+            </a:r>
+          </a:p>
+          <a:p>
+            <a:pPr lvl="2"/>
+            <a:r>
+              <a:rPr lang="en-ZA" dirty="0">
+                <a:sym typeface="Wingdings" panose="05000000000000000000" pitchFamily="2" charset="2"/>
+              </a:rPr>
+              <a:t>The manager hires new employees</a:t>
+            </a:r>
+          </a:p>
+          <a:p>
+            <a:pPr lvl="2"/>
+            <a:r>
+              <a:rPr lang="en-ZA" dirty="0">
+                <a:sym typeface="Wingdings" panose="05000000000000000000" pitchFamily="2" charset="2"/>
+              </a:rPr>
+              <a:t>The doctor treats patients</a:t>
+            </a:r>
+          </a:p>
+          <a:p>
+            <a:r>
+              <a:rPr lang="en-ZA" dirty="0">
+                <a:sym typeface="Wingdings" panose="05000000000000000000" pitchFamily="2" charset="2"/>
+              </a:rPr>
+              <a:t>Mappings related to how the data is stored and what screens are shown to the user</a:t>
+            </a:r>
+          </a:p>
+          <a:p>
+            <a:r>
+              <a:rPr lang="en-ZA" dirty="0">
+                <a:sym typeface="Wingdings" panose="05000000000000000000" pitchFamily="2" charset="2"/>
+              </a:rPr>
+              <a:t>Important way to constrain the problem in order to make it easier to deal with</a:t>
+            </a:r>
+          </a:p>
+          <a:p>
+            <a:pPr lvl="3"/>
+            <a:endParaRPr lang="en-ZA" dirty="0"/>
+          </a:p>
+          <a:p>
+            <a:endParaRPr lang="en-ZA" dirty="0"/>
+          </a:p>
+        </p:txBody>
+      </p:sp>
+    </p:spTree>
+    <p:extLst>
+      <p:ext uri="{BB962C8B-B14F-4D97-AF65-F5344CB8AC3E}">
+        <p14:creationId xmlns:p14="http://schemas.microsoft.com/office/powerpoint/2010/main" val="3742386237"/>
+      </p:ext>
+    </p:extLst>
+  </p:cSld>
+  <p:clrMapOvr>
+    <a:masterClrMapping/>
+  </p:clrMapOvr>
+</p:sld>
+</file>
+
+<file path=ppt/slides/slide23.xml><?xml version="1.0" encoding="utf-8"?>
+<p:sld xmlns:a="http://schemas.openxmlformats.org/drawingml/2006/main" xmlns:r="http://schemas.openxmlformats.org/officeDocument/2006/relationships" xmlns:p="http://schemas.openxmlformats.org/presentationml/2006/main">
+  <p:cSld>
+    <p:spTree>
+      <p:nvGrpSpPr>
+        <p:cNvPr id="1" name=""/>
+        <p:cNvGrpSpPr/>
+        <p:nvPr/>
+      </p:nvGrpSpPr>
+      <p:grpSpPr>
+        <a:xfrm>
+          <a:off x="0" y="0"/>
+          <a:ext cx="0" cy="0"/>
+          <a:chOff x="0" y="0"/>
+          <a:chExt cx="0" cy="0"/>
+        </a:xfrm>
+      </p:grpSpPr>
+      <p:sp>
+        <p:nvSpPr>
+          <p:cNvPr id="2" name="Title 1"/>
+          <p:cNvSpPr>
+            <a:spLocks noGrp="1"/>
+          </p:cNvSpPr>
+          <p:nvPr>
+            <p:ph type="title"/>
+          </p:nvPr>
+        </p:nvSpPr>
+        <p:spPr/>
+        <p:txBody>
+          <a:bodyPr/>
+          <a:lstStyle/>
+          <a:p>
+            <a:r>
+              <a:rPr lang="en-ZA" dirty="0" smtClean="0"/>
+              <a:t>User Stories</a:t>
+            </a:r>
+            <a:endParaRPr lang="en-ZA" dirty="0"/>
+          </a:p>
+        </p:txBody>
+      </p:sp>
+      <p:sp>
+        <p:nvSpPr>
+          <p:cNvPr id="3" name="Content Placeholder 2"/>
+          <p:cNvSpPr>
+            <a:spLocks noGrp="1"/>
+          </p:cNvSpPr>
+          <p:nvPr>
+            <p:ph idx="1"/>
+          </p:nvPr>
+        </p:nvSpPr>
+        <p:spPr/>
+        <p:txBody>
+          <a:bodyPr/>
+          <a:lstStyle/>
+          <a:p>
+            <a:r>
+              <a:rPr lang="en-ZA" dirty="0" smtClean="0"/>
+              <a:t>Similar to use cases but is in story form</a:t>
+            </a:r>
+          </a:p>
+          <a:p>
+            <a:r>
+              <a:rPr lang="en-ZA" dirty="0" smtClean="0"/>
+              <a:t>The “user” is usually a made up persona which represents the type of person most likely to use the piece of software.</a:t>
+            </a:r>
+          </a:p>
+          <a:p>
+            <a:r>
+              <a:rPr lang="en-ZA" dirty="0" smtClean="0"/>
+              <a:t>An example is shown later</a:t>
+            </a:r>
+          </a:p>
+          <a:p>
+            <a:endParaRPr lang="en-ZA" dirty="0"/>
+          </a:p>
+        </p:txBody>
+      </p:sp>
+    </p:spTree>
+    <p:extLst>
+      <p:ext uri="{BB962C8B-B14F-4D97-AF65-F5344CB8AC3E}">
+        <p14:creationId xmlns:p14="http://schemas.microsoft.com/office/powerpoint/2010/main" val="559374735"/>
+      </p:ext>
+    </p:extLst>
+  </p:cSld>
+  <p:clrMapOvr>
+    <a:masterClrMapping/>
+  </p:clrMapOvr>
+</p:sld>
+</file>
+
+<file path=ppt/slides/slide24.xml><?xml version="1.0" encoding="utf-8"?>
+<p:sld xmlns:a="http://schemas.openxmlformats.org/drawingml/2006/main" xmlns:r="http://schemas.openxmlformats.org/officeDocument/2006/relationships" xmlns:p="http://schemas.openxmlformats.org/presentationml/2006/main">
+  <p:cSld>
+    <p:spTree>
+      <p:nvGrpSpPr>
+        <p:cNvPr id="1" name=""/>
+        <p:cNvGrpSpPr/>
+        <p:nvPr/>
+      </p:nvGrpSpPr>
+      <p:grpSpPr>
+        <a:xfrm>
+          <a:off x="0" y="0"/>
+          <a:ext cx="0" cy="0"/>
+          <a:chOff x="0" y="0"/>
+          <a:chExt cx="0" cy="0"/>
+        </a:xfrm>
+      </p:grpSpPr>
+      <p:sp>
+        <p:nvSpPr>
+          <p:cNvPr id="2" name="Title 1"/>
+          <p:cNvSpPr>
+            <a:spLocks noGrp="1"/>
+          </p:cNvSpPr>
+          <p:nvPr>
+            <p:ph type="title"/>
+          </p:nvPr>
+        </p:nvSpPr>
+        <p:spPr/>
+        <p:txBody>
+          <a:bodyPr/>
+          <a:lstStyle/>
+          <a:p>
+            <a:r>
+              <a:rPr lang="en-ZA" dirty="0" smtClean="0"/>
+              <a:t>Issue / Ticket Tracking</a:t>
+            </a:r>
+            <a:endParaRPr lang="en-ZA" dirty="0"/>
+          </a:p>
+        </p:txBody>
+      </p:sp>
+      <p:sp>
+        <p:nvSpPr>
+          <p:cNvPr id="3" name="Content Placeholder 2"/>
+          <p:cNvSpPr>
+            <a:spLocks noGrp="1"/>
+          </p:cNvSpPr>
+          <p:nvPr>
+            <p:ph idx="1"/>
+          </p:nvPr>
+        </p:nvSpPr>
+        <p:spPr/>
+        <p:txBody>
+          <a:bodyPr/>
+          <a:lstStyle/>
+          <a:p>
+            <a:r>
+              <a:rPr lang="en-ZA" dirty="0" err="1" smtClean="0"/>
+              <a:t>GitHub</a:t>
+            </a:r>
+            <a:r>
+              <a:rPr lang="en-ZA" dirty="0" smtClean="0"/>
+              <a:t> has it built in</a:t>
+            </a:r>
+          </a:p>
+          <a:p>
+            <a:r>
+              <a:rPr lang="en-ZA" dirty="0">
+                <a:hlinkClick r:id="rId2"/>
+              </a:rPr>
+              <a:t>http://waffle.io</a:t>
+            </a:r>
+            <a:r>
+              <a:rPr lang="en-ZA" dirty="0" smtClean="0">
+                <a:hlinkClick r:id="rId2"/>
+              </a:rPr>
+              <a:t>/</a:t>
+            </a:r>
+            <a:endParaRPr lang="en-ZA" dirty="0" smtClean="0"/>
+          </a:p>
+          <a:p>
+            <a:r>
+              <a:rPr lang="en-ZA" dirty="0" smtClean="0"/>
+              <a:t>Similar concept to the tickets a kitchen at a restaurant gets for an order</a:t>
+            </a:r>
+          </a:p>
+          <a:p>
+            <a:r>
+              <a:rPr lang="en-ZA" dirty="0" smtClean="0"/>
+              <a:t>Based on the use cases / user stories</a:t>
+            </a:r>
+          </a:p>
+          <a:p>
+            <a:r>
+              <a:rPr lang="en-ZA" dirty="0" smtClean="0"/>
+              <a:t>Usually subtasks of a much larger objective based on a specific use case</a:t>
+            </a:r>
+            <a:endParaRPr lang="en-ZA" dirty="0"/>
+          </a:p>
+        </p:txBody>
+      </p:sp>
+    </p:spTree>
+    <p:extLst>
+      <p:ext uri="{BB962C8B-B14F-4D97-AF65-F5344CB8AC3E}">
+        <p14:creationId xmlns:p14="http://schemas.microsoft.com/office/powerpoint/2010/main" val="3820039313"/>
+      </p:ext>
+    </p:extLst>
+  </p:cSld>
+  <p:clrMapOvr>
+    <a:masterClrMapping/>
+  </p:clrMapOvr>
+</p:sld>
+</file>
+
+<file path=ppt/slides/slide25.xml><?xml version="1.0" encoding="utf-8"?>
+<p:sld xmlns:a="http://schemas.openxmlformats.org/drawingml/2006/main" xmlns:r="http://schemas.openxmlformats.org/officeDocument/2006/relationships" xmlns:p="http://schemas.openxmlformats.org/presentationml/2006/main">
+  <p:cSld>
+    <p:spTree>
+      <p:nvGrpSpPr>
+        <p:cNvPr id="1" name=""/>
+        <p:cNvGrpSpPr/>
+        <p:nvPr/>
+      </p:nvGrpSpPr>
+      <p:grpSpPr>
+        <a:xfrm>
+          <a:off x="0" y="0"/>
+          <a:ext cx="0" cy="0"/>
+          <a:chOff x="0" y="0"/>
+          <a:chExt cx="0" cy="0"/>
+        </a:xfrm>
+      </p:grpSpPr>
+      <p:sp>
+        <p:nvSpPr>
+          <p:cNvPr id="2" name="Title 1"/>
+          <p:cNvSpPr>
+            <a:spLocks noGrp="1"/>
+          </p:cNvSpPr>
+          <p:nvPr>
+            <p:ph type="title"/>
+          </p:nvPr>
+        </p:nvSpPr>
+        <p:spPr/>
+        <p:txBody>
+          <a:bodyPr/>
+          <a:lstStyle/>
+          <a:p>
+            <a:r>
+              <a:rPr lang="en-ZA" dirty="0" smtClean="0"/>
+              <a:t>An Example Using </a:t>
+            </a:r>
+            <a:r>
+              <a:rPr lang="en-ZA" dirty="0" err="1" smtClean="0"/>
+              <a:t>NodeJS</a:t>
+            </a:r>
+            <a:endParaRPr lang="en-ZA" dirty="0"/>
+          </a:p>
+        </p:txBody>
+      </p:sp>
+      <p:sp>
+        <p:nvSpPr>
+          <p:cNvPr id="3" name="Content Placeholder 2"/>
+          <p:cNvSpPr>
+            <a:spLocks noGrp="1"/>
+          </p:cNvSpPr>
+          <p:nvPr>
+            <p:ph idx="1"/>
+          </p:nvPr>
+        </p:nvSpPr>
+        <p:spPr/>
+        <p:txBody>
+          <a:bodyPr/>
+          <a:lstStyle/>
+          <a:p>
+            <a:r>
+              <a:rPr lang="en-ZA" dirty="0" smtClean="0"/>
+              <a:t>The main code example will be the game </a:t>
+            </a:r>
+            <a:r>
+              <a:rPr lang="en-ZA" dirty="0" err="1" smtClean="0"/>
+              <a:t>TicTacToe</a:t>
+            </a:r>
+            <a:r>
+              <a:rPr lang="en-ZA" dirty="0" smtClean="0"/>
+              <a:t>.</a:t>
+            </a:r>
+          </a:p>
+          <a:p>
+            <a:r>
+              <a:rPr lang="en-ZA" dirty="0" smtClean="0"/>
+              <a:t>A User Story: “Dave loves the game </a:t>
+            </a:r>
+            <a:r>
+              <a:rPr lang="en-ZA" dirty="0" err="1" smtClean="0"/>
+              <a:t>TicTacToe</a:t>
+            </a:r>
+            <a:r>
+              <a:rPr lang="en-ZA" dirty="0" smtClean="0"/>
+              <a:t>. Unfortunately Dave has no one to play the game with. He would like to be able to play the game on his computer. He wants to be able to see a game board and input the move he wants to make when it is his turn.”</a:t>
+            </a:r>
+          </a:p>
+          <a:p>
+            <a:r>
+              <a:rPr lang="en-ZA" dirty="0" smtClean="0"/>
+              <a:t>Use Cases:</a:t>
+            </a:r>
+          </a:p>
+          <a:p>
+            <a:pPr lvl="1"/>
+            <a:r>
+              <a:rPr lang="en-ZA" dirty="0" smtClean="0"/>
+              <a:t>The Computer Starts A New Game</a:t>
+            </a:r>
+          </a:p>
+          <a:p>
+            <a:pPr lvl="1"/>
+            <a:r>
+              <a:rPr lang="en-ZA" dirty="0" smtClean="0"/>
+              <a:t>The Computer Makes the First Move</a:t>
+            </a:r>
+          </a:p>
+          <a:p>
+            <a:pPr lvl="1"/>
+            <a:r>
+              <a:rPr lang="en-ZA" dirty="0" smtClean="0"/>
+              <a:t>The User Can Make Moves</a:t>
+            </a:r>
+          </a:p>
+          <a:p>
+            <a:pPr lvl="1"/>
+            <a:r>
+              <a:rPr lang="en-ZA" dirty="0" smtClean="0"/>
+              <a:t>Player Wins When Three Squares In A Row are Captured</a:t>
+            </a:r>
+          </a:p>
+          <a:p>
+            <a:pPr lvl="1"/>
+            <a:r>
+              <a:rPr lang="en-ZA" dirty="0" smtClean="0"/>
+              <a:t>The Winner </a:t>
+            </a:r>
+            <a:r>
+              <a:rPr lang="en-ZA" smtClean="0"/>
+              <a:t>is Declared</a:t>
+            </a:r>
+          </a:p>
+        </p:txBody>
+      </p:sp>
+    </p:spTree>
+    <p:extLst>
+      <p:ext uri="{BB962C8B-B14F-4D97-AF65-F5344CB8AC3E}">
+        <p14:creationId xmlns:p14="http://schemas.microsoft.com/office/powerpoint/2010/main" val="1747548671"/>
+      </p:ext>
+    </p:extLst>
+  </p:cSld>
+  <p:clrMapOvr>
+    <a:masterClrMapping/>
+  </p:clrMapOvr>
+</p:sld>
+</file>
+
+<file path=ppt/slides/slide26.xml><?xml version="1.0" encoding="utf-8"?>
 <p:sld xmlns:a="http://schemas.openxmlformats.org/drawingml/2006/main" xmlns:r="http://schemas.openxmlformats.org/officeDocument/2006/relationships" xmlns:p="http://schemas.openxmlformats.org/presentationml/2006/main">
   <p:cSld>
     <p:spTree>
@@ -7726,7 +8583,7 @@
 </p:sld>
 </file>
 
-<file path=ppt/slides/slide21.xml><?xml version="1.0" encoding="utf-8"?>
+<file path=ppt/slides/slide27.xml><?xml version="1.0" encoding="utf-8"?>
 <p:sld xmlns:a="http://schemas.openxmlformats.org/drawingml/2006/main" xmlns:r="http://schemas.openxmlformats.org/officeDocument/2006/relationships" xmlns:p="http://schemas.openxmlformats.org/presentationml/2006/main">
   <p:cSld>
     <p:spTree>
@@ -8801,7 +9658,7 @@
           <a:p>
             <a:r>
               <a:rPr lang="en-ZA" dirty="0" smtClean="0"/>
-              <a:t>1. Version Control</a:t>
+              <a:t>Working As A team</a:t>
             </a:r>
             <a:endParaRPr lang="en-ZA" dirty="0"/>
           </a:p>
@@ -8819,56 +9676,57 @@
         </p:nvSpPr>
         <p:spPr/>
         <p:txBody>
-          <a:bodyPr>
-            <a:normAutofit/>
-          </a:bodyPr>
-          <a:lstStyle/>
-          <a:p>
-            <a:r>
-              <a:rPr lang="en-ZA" dirty="0"/>
-              <a:t>A system which helps to track the progression of a project</a:t>
-            </a:r>
-          </a:p>
-          <a:p>
-            <a:r>
-              <a:rPr lang="en-ZA" dirty="0"/>
-              <a:t>It manages and track the changes of </a:t>
-            </a:r>
+          <a:bodyPr/>
+          <a:lstStyle/>
+          <a:p>
+            <a:pPr>
+              <a:buFont typeface="Arial" panose="020B0604020202020204" pitchFamily="34" charset="0"/>
+              <a:buChar char="•"/>
+            </a:pPr>
             <a:r>
               <a:rPr lang="en-ZA" dirty="0" smtClean="0"/>
-              <a:t>all the files within the repository except those specific not to be tracked.</a:t>
-            </a:r>
-            <a:endParaRPr lang="en-ZA" dirty="0"/>
-          </a:p>
-          <a:p>
-            <a:r>
-              <a:rPr lang="en-ZA" dirty="0"/>
-              <a:t>In a corporate environment it is usually stored on a separate or external server</a:t>
-            </a:r>
-          </a:p>
-          <a:p>
-            <a:r>
-              <a:rPr lang="en-ZA" dirty="0"/>
-              <a:t>Used when teams of developers are working together so that a copy of the project at any point within the version control system can be </a:t>
-            </a:r>
+              <a:t>Important for output quality</a:t>
+            </a:r>
+          </a:p>
+          <a:p>
+            <a:pPr>
+              <a:buFont typeface="Arial" panose="020B0604020202020204" pitchFamily="34" charset="0"/>
+              <a:buChar char="•"/>
+            </a:pPr>
             <a:r>
               <a:rPr lang="en-ZA" dirty="0" smtClean="0"/>
-              <a:t>retrieved</a:t>
-            </a:r>
-            <a:endParaRPr lang="en-ZA" dirty="0"/>
-          </a:p>
-          <a:p>
-            <a:r>
-              <a:rPr lang="en-ZA" dirty="0"/>
-              <a:t>Handles conflict </a:t>
-            </a:r>
+              <a:t>Constructing large systems effectively and quickly</a:t>
+            </a:r>
+          </a:p>
+          <a:p>
+            <a:pPr>
+              <a:buFont typeface="Arial" panose="020B0604020202020204" pitchFamily="34" charset="0"/>
+              <a:buChar char="•"/>
+            </a:pPr>
             <a:r>
               <a:rPr lang="en-ZA" dirty="0" smtClean="0"/>
-              <a:t>management between different versions</a:t>
-            </a:r>
-            <a:endParaRPr lang="en-ZA" dirty="0"/>
-          </a:p>
-          <a:p>
+              <a:t>Efficiency</a:t>
+            </a:r>
+          </a:p>
+          <a:p>
+            <a:pPr>
+              <a:buFont typeface="Arial" panose="020B0604020202020204" pitchFamily="34" charset="0"/>
+              <a:buChar char="•"/>
+            </a:pPr>
+            <a:r>
+              <a:rPr lang="en-ZA" dirty="0" smtClean="0"/>
+              <a:t>Division of work</a:t>
+            </a:r>
+          </a:p>
+          <a:p>
+            <a:pPr>
+              <a:buFont typeface="Arial" panose="020B0604020202020204" pitchFamily="34" charset="0"/>
+              <a:buChar char="•"/>
+            </a:pPr>
+            <a:r>
+              <a:rPr lang="en-ZA" dirty="0" smtClean="0"/>
+              <a:t>Morale</a:t>
+            </a:r>
             <a:endParaRPr lang="en-ZA" dirty="0"/>
           </a:p>
         </p:txBody>
@@ -8876,7 +9734,7 @@
     </p:spTree>
     <p:extLst>
       <p:ext uri="{BB962C8B-B14F-4D97-AF65-F5344CB8AC3E}">
-        <p14:creationId xmlns:p14="http://schemas.microsoft.com/office/powerpoint/2010/main" val="3429195596"/>
+        <p14:creationId xmlns:p14="http://schemas.microsoft.com/office/powerpoint/2010/main" val="3491184496"/>
       </p:ext>
     </p:extLst>
   </p:cSld>
@@ -8920,7 +9778,7 @@
           <a:p>
             <a:r>
               <a:rPr lang="en-ZA" dirty="0" smtClean="0"/>
-              <a:t>Why Is Version Control Important?</a:t>
+              <a:t>Development Strategies</a:t>
             </a:r>
             <a:endParaRPr lang="en-ZA" dirty="0"/>
           </a:p>
@@ -8938,36 +9796,95 @@
         </p:nvSpPr>
         <p:spPr/>
         <p:txBody>
-          <a:bodyPr/>
-          <a:lstStyle/>
-          <a:p>
-            <a:r>
-              <a:rPr lang="en-ZA" dirty="0"/>
-              <a:t>Tracking changes helps track what code introduces a bug</a:t>
-            </a:r>
-          </a:p>
-          <a:p>
-            <a:r>
-              <a:rPr lang="en-ZA" dirty="0"/>
-              <a:t>You can do “more dangerous” edits to code</a:t>
-            </a:r>
-          </a:p>
-          <a:p>
-            <a:r>
-              <a:rPr lang="en-ZA" dirty="0"/>
-              <a:t>Working as a team can be faster and more efficient</a:t>
-            </a:r>
-          </a:p>
-          <a:p>
-            <a:r>
-              <a:rPr lang="en-ZA" dirty="0"/>
-              <a:t>Keeps a backup of EVERY state of your project</a:t>
-            </a:r>
-          </a:p>
-          <a:p>
+          <a:bodyPr>
+            <a:normAutofit lnSpcReduction="10000"/>
+          </a:bodyPr>
+          <a:lstStyle/>
+          <a:p>
+            <a:pPr>
+              <a:buFont typeface="Arial" panose="020B0604020202020204" pitchFamily="34" charset="0"/>
+              <a:buChar char="•"/>
+            </a:pPr>
             <a:r>
               <a:rPr lang="en-ZA" dirty="0" smtClean="0"/>
-              <a:t>Helps distribute the latest code to all team members efficiently and securely</a:t>
+              <a:t>There are general strategies which have defined academic definitions</a:t>
+            </a:r>
+          </a:p>
+          <a:p>
+            <a:pPr>
+              <a:buFont typeface="Arial" panose="020B0604020202020204" pitchFamily="34" charset="0"/>
+              <a:buChar char="•"/>
+            </a:pPr>
+            <a:r>
+              <a:rPr lang="en-ZA" dirty="0" smtClean="0"/>
+              <a:t>These are used as a guideline for how a project should be structured</a:t>
+            </a:r>
+          </a:p>
+          <a:p>
+            <a:pPr lvl="1">
+              <a:buFont typeface="Arial" panose="020B0604020202020204" pitchFamily="34" charset="0"/>
+              <a:buChar char="•"/>
+            </a:pPr>
+            <a:r>
+              <a:rPr lang="en-ZA" dirty="0" smtClean="0"/>
+              <a:t>Command structure</a:t>
+            </a:r>
+          </a:p>
+          <a:p>
+            <a:pPr lvl="1">
+              <a:buFont typeface="Arial" panose="020B0604020202020204" pitchFamily="34" charset="0"/>
+              <a:buChar char="•"/>
+            </a:pPr>
+            <a:r>
+              <a:rPr lang="en-ZA" dirty="0" smtClean="0"/>
+              <a:t>Work structure</a:t>
+            </a:r>
+          </a:p>
+          <a:p>
+            <a:pPr lvl="1">
+              <a:buFont typeface="Arial" panose="020B0604020202020204" pitchFamily="34" charset="0"/>
+              <a:buChar char="•"/>
+            </a:pPr>
+            <a:r>
+              <a:rPr lang="en-ZA" dirty="0" smtClean="0"/>
+              <a:t>Documentation</a:t>
+            </a:r>
+          </a:p>
+          <a:p>
+            <a:pPr lvl="1">
+              <a:buFont typeface="Arial" panose="020B0604020202020204" pitchFamily="34" charset="0"/>
+              <a:buChar char="•"/>
+            </a:pPr>
+            <a:r>
+              <a:rPr lang="en-ZA" dirty="0" smtClean="0"/>
+              <a:t>Testing</a:t>
+            </a:r>
+          </a:p>
+          <a:p>
+            <a:pPr lvl="1">
+              <a:buFont typeface="Arial" panose="020B0604020202020204" pitchFamily="34" charset="0"/>
+              <a:buChar char="•"/>
+            </a:pPr>
+            <a:r>
+              <a:rPr lang="en-ZA" dirty="0" smtClean="0"/>
+              <a:t>Implementation</a:t>
+            </a:r>
+          </a:p>
+          <a:p>
+            <a:pPr lvl="1">
+              <a:buFont typeface="Arial" panose="020B0604020202020204" pitchFamily="34" charset="0"/>
+              <a:buChar char="•"/>
+            </a:pPr>
+            <a:endParaRPr lang="en-ZA" dirty="0"/>
+          </a:p>
+          <a:p>
+            <a:pPr>
+              <a:buFont typeface="Arial" panose="020B0604020202020204" pitchFamily="34" charset="0"/>
+              <a:buChar char="•"/>
+            </a:pPr>
+            <a:r>
+              <a:rPr lang="en-ZA" dirty="0" smtClean="0"/>
+              <a:t>There is also the high level development strategy set out to achieve the objectives of the project</a:t>
             </a:r>
             <a:endParaRPr lang="en-ZA" dirty="0"/>
           </a:p>
@@ -8976,7 +9893,7 @@
     </p:spTree>
     <p:extLst>
       <p:ext uri="{BB962C8B-B14F-4D97-AF65-F5344CB8AC3E}">
-        <p14:creationId xmlns:p14="http://schemas.microsoft.com/office/powerpoint/2010/main" val="3935804966"/>
+        <p14:creationId xmlns:p14="http://schemas.microsoft.com/office/powerpoint/2010/main" val="3953962375"/>
       </p:ext>
     </p:extLst>
   </p:cSld>
@@ -9244,7 +10161,7 @@
   <a:extraClrSchemeLst/>
   <a:extLst>
     <a:ext uri="{05A4C25C-085E-4340-85A3-A5531E510DB2}">
-      <thm15:themeFamily xmlns:thm15="http://schemas.microsoft.com/office/thememl/2012/main" xmlns="" name="Ion" id="{B8441ADB-2E43-4AF7-B97A-BD870242C6A8}" vid="{A207AED3-9ABC-4A18-9978-A59B65688B15}"/>
+      <thm15:themeFamily xmlns="" xmlns:thm15="http://schemas.microsoft.com/office/thememl/2012/main" name="Ion" id="{B8441ADB-2E43-4AF7-B97A-BD870242C6A8}" vid="{A207AED3-9ABC-4A18-9978-A59B65688B15}"/>
     </a:ext>
   </a:extLst>
 </a:theme>

--- a/Session 1/Softdev Session 1 2016.pptx
+++ b/Session 1/Softdev Session 1 2016.pptx
@@ -13,25 +13,24 @@
     <p:sldId id="275" r:id="rId7"/>
     <p:sldId id="260" r:id="rId8"/>
     <p:sldId id="280" r:id="rId9"/>
-    <p:sldId id="281" r:id="rId10"/>
-    <p:sldId id="282" r:id="rId11"/>
-    <p:sldId id="283" r:id="rId12"/>
-    <p:sldId id="284" r:id="rId13"/>
-    <p:sldId id="261" r:id="rId14"/>
-    <p:sldId id="262" r:id="rId15"/>
-    <p:sldId id="263" r:id="rId16"/>
-    <p:sldId id="264" r:id="rId17"/>
-    <p:sldId id="265" r:id="rId18"/>
-    <p:sldId id="278" r:id="rId19"/>
-    <p:sldId id="266" r:id="rId20"/>
-    <p:sldId id="267" r:id="rId21"/>
-    <p:sldId id="268" r:id="rId22"/>
-    <p:sldId id="270" r:id="rId23"/>
-    <p:sldId id="271" r:id="rId24"/>
-    <p:sldId id="269" r:id="rId25"/>
-    <p:sldId id="272" r:id="rId26"/>
-    <p:sldId id="276" r:id="rId27"/>
-    <p:sldId id="277" r:id="rId28"/>
+    <p:sldId id="286" r:id="rId10"/>
+    <p:sldId id="281" r:id="rId11"/>
+    <p:sldId id="261" r:id="rId12"/>
+    <p:sldId id="262" r:id="rId13"/>
+    <p:sldId id="263" r:id="rId14"/>
+    <p:sldId id="264" r:id="rId15"/>
+    <p:sldId id="265" r:id="rId16"/>
+    <p:sldId id="278" r:id="rId17"/>
+    <p:sldId id="266" r:id="rId18"/>
+    <p:sldId id="267" r:id="rId19"/>
+    <p:sldId id="268" r:id="rId20"/>
+    <p:sldId id="270" r:id="rId21"/>
+    <p:sldId id="271" r:id="rId22"/>
+    <p:sldId id="269" r:id="rId23"/>
+    <p:sldId id="272" r:id="rId24"/>
+    <p:sldId id="276" r:id="rId25"/>
+    <p:sldId id="277" r:id="rId26"/>
+    <p:sldId id="285" r:id="rId27"/>
   </p:sldIdLst>
   <p:sldSz cx="12192000" cy="6858000"/>
   <p:notesSz cx="6858000" cy="9144000"/>
@@ -324,7 +323,7 @@
           <a:p>
             <a:fld id="{FBDF5932-50BA-4683-BD71-901965AADFF2}" type="datetimeFigureOut">
               <a:rPr lang="en-ZA" smtClean="0"/>
-              <a:t>2016-09-05</a:t>
+              <a:t>2016-09-10</a:t>
             </a:fld>
             <a:endParaRPr lang="en-ZA"/>
           </a:p>
@@ -599,7 +598,7 @@
           <a:p>
             <a:fld id="{FBDF5932-50BA-4683-BD71-901965AADFF2}" type="datetimeFigureOut">
               <a:rPr lang="en-ZA" smtClean="0"/>
-              <a:t>2016-09-05</a:t>
+              <a:t>2016-09-10</a:t>
             </a:fld>
             <a:endParaRPr lang="en-ZA"/>
           </a:p>
@@ -793,7 +792,7 @@
           <a:p>
             <a:fld id="{FBDF5932-50BA-4683-BD71-901965AADFF2}" type="datetimeFigureOut">
               <a:rPr lang="en-ZA" smtClean="0"/>
-              <a:t>2016-09-05</a:t>
+              <a:t>2016-09-10</a:t>
             </a:fld>
             <a:endParaRPr lang="en-ZA"/>
           </a:p>
@@ -1064,7 +1063,7 @@
           <a:p>
             <a:fld id="{FBDF5932-50BA-4683-BD71-901965AADFF2}" type="datetimeFigureOut">
               <a:rPr lang="en-ZA" smtClean="0"/>
-              <a:t>2016-09-05</a:t>
+              <a:t>2016-09-10</a:t>
             </a:fld>
             <a:endParaRPr lang="en-ZA"/>
           </a:p>
@@ -1391,7 +1390,7 @@
           <a:p>
             <a:fld id="{FBDF5932-50BA-4683-BD71-901965AADFF2}" type="datetimeFigureOut">
               <a:rPr lang="en-ZA" smtClean="0"/>
-              <a:t>2016-09-05</a:t>
+              <a:t>2016-09-10</a:t>
             </a:fld>
             <a:endParaRPr lang="en-ZA"/>
           </a:p>
@@ -2010,7 +2009,7 @@
           <a:p>
             <a:fld id="{FBDF5932-50BA-4683-BD71-901965AADFF2}" type="datetimeFigureOut">
               <a:rPr lang="en-ZA" smtClean="0"/>
-              <a:t>2016-09-05</a:t>
+              <a:t>2016-09-10</a:t>
             </a:fld>
             <a:endParaRPr lang="en-ZA"/>
           </a:p>
@@ -2857,7 +2856,7 @@
           <a:p>
             <a:fld id="{FBDF5932-50BA-4683-BD71-901965AADFF2}" type="datetimeFigureOut">
               <a:rPr lang="en-ZA" smtClean="0"/>
-              <a:t>2016-09-05</a:t>
+              <a:t>2016-09-10</a:t>
             </a:fld>
             <a:endParaRPr lang="en-ZA"/>
           </a:p>
@@ -3027,7 +3026,7 @@
           <a:p>
             <a:fld id="{FBDF5932-50BA-4683-BD71-901965AADFF2}" type="datetimeFigureOut">
               <a:rPr lang="en-ZA" smtClean="0"/>
-              <a:t>2016-09-05</a:t>
+              <a:t>2016-09-10</a:t>
             </a:fld>
             <a:endParaRPr lang="en-ZA"/>
           </a:p>
@@ -3207,7 +3206,7 @@
           <a:p>
             <a:fld id="{FBDF5932-50BA-4683-BD71-901965AADFF2}" type="datetimeFigureOut">
               <a:rPr lang="en-ZA" smtClean="0"/>
-              <a:t>2016-09-05</a:t>
+              <a:t>2016-09-10</a:t>
             </a:fld>
             <a:endParaRPr lang="en-ZA"/>
           </a:p>
@@ -3377,7 +3376,7 @@
           <a:p>
             <a:fld id="{FBDF5932-50BA-4683-BD71-901965AADFF2}" type="datetimeFigureOut">
               <a:rPr lang="en-ZA" smtClean="0"/>
-              <a:t>2016-09-05</a:t>
+              <a:t>2016-09-10</a:t>
             </a:fld>
             <a:endParaRPr lang="en-ZA"/>
           </a:p>
@@ -3624,7 +3623,7 @@
           <a:p>
             <a:fld id="{FBDF5932-50BA-4683-BD71-901965AADFF2}" type="datetimeFigureOut">
               <a:rPr lang="en-ZA" smtClean="0"/>
-              <a:t>2016-09-05</a:t>
+              <a:t>2016-09-10</a:t>
             </a:fld>
             <a:endParaRPr lang="en-ZA"/>
           </a:p>
@@ -3916,7 +3915,7 @@
           <a:p>
             <a:fld id="{FBDF5932-50BA-4683-BD71-901965AADFF2}" type="datetimeFigureOut">
               <a:rPr lang="en-ZA" smtClean="0"/>
-              <a:t>2016-09-05</a:t>
+              <a:t>2016-09-10</a:t>
             </a:fld>
             <a:endParaRPr lang="en-ZA"/>
           </a:p>
@@ -4360,7 +4359,7 @@
           <a:p>
             <a:fld id="{FBDF5932-50BA-4683-BD71-901965AADFF2}" type="datetimeFigureOut">
               <a:rPr lang="en-ZA" smtClean="0"/>
-              <a:t>2016-09-05</a:t>
+              <a:t>2016-09-10</a:t>
             </a:fld>
             <a:endParaRPr lang="en-ZA"/>
           </a:p>
@@ -4478,7 +4477,7 @@
           <a:p>
             <a:fld id="{FBDF5932-50BA-4683-BD71-901965AADFF2}" type="datetimeFigureOut">
               <a:rPr lang="en-ZA" smtClean="0"/>
-              <a:t>2016-09-05</a:t>
+              <a:t>2016-09-10</a:t>
             </a:fld>
             <a:endParaRPr lang="en-ZA"/>
           </a:p>
@@ -4573,7 +4572,7 @@
           <a:p>
             <a:fld id="{FBDF5932-50BA-4683-BD71-901965AADFF2}" type="datetimeFigureOut">
               <a:rPr lang="en-ZA" smtClean="0"/>
-              <a:t>2016-09-05</a:t>
+              <a:t>2016-09-10</a:t>
             </a:fld>
             <a:endParaRPr lang="en-ZA"/>
           </a:p>
@@ -4852,7 +4851,7 @@
           <a:p>
             <a:fld id="{FBDF5932-50BA-4683-BD71-901965AADFF2}" type="datetimeFigureOut">
               <a:rPr lang="en-ZA" smtClean="0"/>
-              <a:t>2016-09-05</a:t>
+              <a:t>2016-09-10</a:t>
             </a:fld>
             <a:endParaRPr lang="en-ZA"/>
           </a:p>
@@ -5127,7 +5126,7 @@
           <a:p>
             <a:fld id="{FBDF5932-50BA-4683-BD71-901965AADFF2}" type="datetimeFigureOut">
               <a:rPr lang="en-ZA" smtClean="0"/>
-              <a:t>2016-09-05</a:t>
+              <a:t>2016-09-10</a:t>
             </a:fld>
             <a:endParaRPr lang="en-ZA"/>
           </a:p>
@@ -5550,7 +5549,7 @@
           <a:p>
             <a:fld id="{FBDF5932-50BA-4683-BD71-901965AADFF2}" type="datetimeFigureOut">
               <a:rPr lang="en-ZA" smtClean="0"/>
-              <a:t>2016-09-05</a:t>
+              <a:t>2016-09-10</a:t>
             </a:fld>
             <a:endParaRPr lang="en-ZA"/>
           </a:p>
@@ -6095,15 +6094,18 @@
           <a:p>
             <a:r>
               <a:rPr lang="en-ZA" dirty="0" smtClean="0"/>
-              <a:t>Wits </a:t>
-            </a:r>
-            <a:r>
-              <a:rPr lang="en-ZA" dirty="0" err="1" smtClean="0"/>
-              <a:t>Softdev</a:t>
-            </a:r>
-            <a:r>
+              <a:t>Wits Software Development  2016</a:t>
+            </a:r>
+            <a:br>
               <a:rPr lang="en-ZA" dirty="0" smtClean="0"/>
-              <a:t> 2016</a:t>
+            </a:br>
+            <a:r>
+              <a:rPr lang="en-ZA" sz="2400" dirty="0" smtClean="0"/>
+              <a:t>Mathematical Sciences Support Group</a:t>
+            </a:r>
+            <a:r>
+              <a:rPr lang="en-ZA" dirty="0" smtClean="0"/>
+              <a:t/>
             </a:r>
             <a:br>
               <a:rPr lang="en-ZA" dirty="0" smtClean="0"/>
@@ -6183,6 +6185,13 @@
   <p:clrMapOvr>
     <a:masterClrMapping/>
   </p:clrMapOvr>
+  <p:timing>
+    <p:tnLst>
+      <p:par>
+        <p:cTn id="1" dur="indefinite" restart="never" nodeType="tmRoot"/>
+      </p:par>
+    </p:tnLst>
+  </p:timing>
 </p:sld>
 </file>
 
@@ -6220,7 +6229,7 @@
           <a:p>
             <a:r>
               <a:rPr lang="en-ZA" dirty="0" smtClean="0"/>
-              <a:t>Software Development Life Cycle (SDLC)</a:t>
+              <a:t>Development Strategies</a:t>
             </a:r>
             <a:endParaRPr lang="en-ZA" dirty="0"/>
           </a:p>
@@ -6236,15 +6245,10 @@
             <p:ph idx="1"/>
           </p:nvPr>
         </p:nvSpPr>
-        <p:spPr>
-          <a:xfrm>
-            <a:off x="770936" y="1931046"/>
-            <a:ext cx="4902709" cy="3579849"/>
-          </a:xfrm>
-        </p:spPr>
+        <p:spPr/>
         <p:txBody>
           <a:bodyPr>
-            <a:normAutofit fontScale="92500" lnSpcReduction="20000"/>
+            <a:normAutofit lnSpcReduction="10000"/>
           </a:bodyPr>
           <a:lstStyle/>
           <a:p>
@@ -6254,7 +6258,7 @@
             </a:pPr>
             <a:r>
               <a:rPr lang="en-ZA" dirty="0" smtClean="0"/>
-              <a:t>The process of producing an information system</a:t>
+              <a:t>There are general strategies which have defined academic definitions</a:t>
             </a:r>
           </a:p>
           <a:p>
@@ -6264,8 +6268,65 @@
             </a:pPr>
             <a:r>
               <a:rPr lang="en-ZA" dirty="0" smtClean="0"/>
-              <a:t>Also known as the software development process </a:t>
-            </a:r>
+              <a:t>These are used as a guideline for how a project should be structured</a:t>
+            </a:r>
+          </a:p>
+          <a:p>
+            <a:pPr lvl="1">
+              <a:buFont typeface="Arial" panose="020B0604020202020204" pitchFamily="34" charset="0"/>
+              <a:buChar char="•"/>
+            </a:pPr>
+            <a:r>
+              <a:rPr lang="en-ZA" dirty="0" smtClean="0"/>
+              <a:t>Command structure</a:t>
+            </a:r>
+          </a:p>
+          <a:p>
+            <a:pPr lvl="1">
+              <a:buFont typeface="Arial" panose="020B0604020202020204" pitchFamily="34" charset="0"/>
+              <a:buChar char="•"/>
+            </a:pPr>
+            <a:r>
+              <a:rPr lang="en-ZA" dirty="0" smtClean="0"/>
+              <a:t>Work structure</a:t>
+            </a:r>
+          </a:p>
+          <a:p>
+            <a:pPr lvl="1">
+              <a:buFont typeface="Arial" panose="020B0604020202020204" pitchFamily="34" charset="0"/>
+              <a:buChar char="•"/>
+            </a:pPr>
+            <a:r>
+              <a:rPr lang="en-ZA" dirty="0" smtClean="0"/>
+              <a:t>Documentation</a:t>
+            </a:r>
+          </a:p>
+          <a:p>
+            <a:pPr lvl="1">
+              <a:buFont typeface="Arial" panose="020B0604020202020204" pitchFamily="34" charset="0"/>
+              <a:buChar char="•"/>
+            </a:pPr>
+            <a:r>
+              <a:rPr lang="en-ZA" dirty="0" smtClean="0"/>
+              <a:t>Testing</a:t>
+            </a:r>
+          </a:p>
+          <a:p>
+            <a:pPr lvl="1">
+              <a:buFont typeface="Arial" panose="020B0604020202020204" pitchFamily="34" charset="0"/>
+              <a:buChar char="•"/>
+            </a:pPr>
+            <a:r>
+              <a:rPr lang="en-ZA" dirty="0" smtClean="0"/>
+              <a:t>Implementation</a:t>
+            </a:r>
+          </a:p>
+          <a:p>
+            <a:pPr lvl="1">
+              <a:buFont typeface="Arial" panose="020B0604020202020204" pitchFamily="34" charset="0"/>
+              <a:buChar char="•"/>
+            </a:pPr>
+            <a:endParaRPr lang="en-ZA" dirty="0"/>
           </a:p>
           <a:p>
             <a:pPr>
@@ -6274,134 +6335,29 @@
             </a:pPr>
             <a:r>
               <a:rPr lang="en-ZA" dirty="0" smtClean="0"/>
-              <a:t>Dividing the process of making software into distinct phases or parts</a:t>
-            </a:r>
-          </a:p>
-          <a:p>
-            <a:pPr>
-              <a:buFont typeface="Arial" panose="020B0604020202020204" pitchFamily="34" charset="0"/>
-              <a:buChar char="•"/>
-            </a:pPr>
-            <a:r>
-              <a:rPr lang="en-ZA" dirty="0" smtClean="0"/>
-              <a:t>Different models or divisions refer to different development methodologies</a:t>
-            </a:r>
-          </a:p>
-          <a:p>
-            <a:pPr>
-              <a:buFont typeface="Arial" panose="020B0604020202020204" pitchFamily="34" charset="0"/>
-              <a:buChar char="•"/>
-            </a:pPr>
-            <a:r>
-              <a:rPr lang="en-ZA" dirty="0" smtClean="0"/>
-              <a:t>The oldest monolithic methodology</a:t>
-            </a:r>
-          </a:p>
-          <a:p>
-            <a:pPr>
-              <a:buFont typeface="Arial" panose="020B0604020202020204" pitchFamily="34" charset="0"/>
-              <a:buChar char="•"/>
-            </a:pPr>
-            <a:r>
-              <a:rPr lang="en-ZA" dirty="0" smtClean="0"/>
-              <a:t>Very Rigid</a:t>
+              <a:t>There is also the high level development strategy set out to achieve the objectives of the project</a:t>
             </a:r>
             <a:endParaRPr lang="en-ZA" dirty="0"/>
           </a:p>
         </p:txBody>
       </p:sp>
-      <p:pic>
-        <p:nvPicPr>
-          <p:cNvPr id="1026" name="Picture 2" descr="https://upload.wikimedia.org/wikipedia/commons/thumb/1/19/SDLC_-_Software_Development_Life_Cycle.jpg/764px-SDLC_-_Software_Development_Life_Cycle.jpg"/>
-          <p:cNvPicPr>
-            <a:picLocks noChangeAspect="1" noChangeArrowheads="1"/>
-          </p:cNvPicPr>
-          <p:nvPr/>
-        </p:nvPicPr>
-        <p:blipFill>
-          <a:blip r:embed="rId2">
-            <a:extLst>
-              <a:ext uri="{28A0092B-C50C-407E-A947-70E740481C1C}">
-                <a14:useLocalDpi xmlns:a14="http://schemas.microsoft.com/office/drawing/2010/main" val="0"/>
-              </a:ext>
-            </a:extLst>
-          </a:blip>
-          <a:srcRect/>
-          <a:stretch>
-            <a:fillRect/>
-          </a:stretch>
-        </p:blipFill>
-        <p:spPr bwMode="auto">
-          <a:xfrm>
-            <a:off x="6849974" y="1204214"/>
-            <a:ext cx="4622623" cy="4074174"/>
-          </a:xfrm>
-          <a:prstGeom prst="rect">
-            <a:avLst/>
-          </a:prstGeom>
-          <a:noFill/>
-          <a:extLst>
-            <a:ext uri="{909E8E84-426E-40DD-AFC4-6F175D3DCCD1}">
-              <a14:hiddenFill xmlns:a14="http://schemas.microsoft.com/office/drawing/2010/main">
-                <a:solidFill>
-                  <a:srgbClr val="FFFFFF"/>
-                </a:solidFill>
-              </a14:hiddenFill>
-            </a:ext>
-          </a:extLst>
-        </p:spPr>
-      </p:pic>
-      <p:pic>
-        <p:nvPicPr>
-          <p:cNvPr id="1028" name="Picture 4" descr="File:SDLC-Maintenance-Highlighted.png"/>
-          <p:cNvPicPr>
-            <a:picLocks noChangeAspect="1" noChangeArrowheads="1"/>
-          </p:cNvPicPr>
-          <p:nvPr/>
-        </p:nvPicPr>
-        <p:blipFill>
-          <a:blip r:embed="rId3" cstate="print">
-            <a:extLst>
-              <a:ext uri="{28A0092B-C50C-407E-A947-70E740481C1C}">
-                <a14:useLocalDpi xmlns:a14="http://schemas.microsoft.com/office/drawing/2010/main" val="0"/>
-              </a:ext>
-            </a:extLst>
-          </a:blip>
-          <a:srcRect/>
-          <a:stretch>
-            <a:fillRect/>
-          </a:stretch>
-        </p:blipFill>
-        <p:spPr bwMode="auto">
-          <a:xfrm>
-            <a:off x="3082312" y="5056715"/>
-            <a:ext cx="1920213" cy="1440160"/>
-          </a:xfrm>
-          <a:prstGeom prst="rect">
-            <a:avLst/>
-          </a:prstGeom>
-          <a:noFill/>
-          <a:extLst>
-            <a:ext uri="{909E8E84-426E-40DD-AFC4-6F175D3DCCD1}">
-              <a14:hiddenFill xmlns:a14="http://schemas.microsoft.com/office/drawing/2010/main">
-                <a:solidFill>
-                  <a:srgbClr val="FFFFFF"/>
-                </a:solidFill>
-              </a14:hiddenFill>
-            </a:ext>
-          </a:extLst>
-        </p:spPr>
-      </p:pic>
     </p:spTree>
     <p:extLst>
       <p:ext uri="{BB962C8B-B14F-4D97-AF65-F5344CB8AC3E}">
-        <p14:creationId xmlns:p14="http://schemas.microsoft.com/office/powerpoint/2010/main" val="2969273565"/>
+        <p14:creationId xmlns:p14="http://schemas.microsoft.com/office/powerpoint/2010/main" val="3953962375"/>
       </p:ext>
     </p:extLst>
   </p:cSld>
   <p:clrMapOvr>
     <a:masterClrMapping/>
   </p:clrMapOvr>
+  <p:timing>
+    <p:tnLst>
+      <p:par>
+        <p:cTn id="1" dur="indefinite" restart="never" nodeType="tmRoot"/>
+      </p:par>
+    </p:tnLst>
+  </p:timing>
 </p:sld>
 </file>
 
@@ -6439,7 +6395,11 @@
           <a:p>
             <a:r>
               <a:rPr lang="en-ZA" dirty="0" smtClean="0"/>
-              <a:t>Classical</a:t>
+              <a:t>Version </a:t>
+            </a:r>
+            <a:r>
+              <a:rPr lang="en-ZA" dirty="0" smtClean="0"/>
+              <a:t>Control</a:t>
             </a:r>
             <a:endParaRPr lang="en-ZA" dirty="0"/>
           </a:p>
@@ -6455,115 +6415,79 @@
             <p:ph idx="1"/>
           </p:nvPr>
         </p:nvSpPr>
-        <p:spPr>
-          <a:xfrm>
-            <a:off x="715384" y="1193936"/>
-            <a:ext cx="8946541" cy="4195481"/>
-          </a:xfrm>
-        </p:spPr>
-        <p:txBody>
-          <a:bodyPr/>
-          <a:lstStyle/>
-          <a:p>
-            <a:pPr>
-              <a:buFont typeface="Arial" panose="020B0604020202020204" pitchFamily="34" charset="0"/>
-              <a:buChar char="•"/>
-            </a:pPr>
+        <p:spPr/>
+        <p:txBody>
+          <a:bodyPr>
+            <a:normAutofit/>
+          </a:bodyPr>
+          <a:lstStyle/>
+          <a:p>
+            <a:r>
+              <a:rPr lang="en-ZA" dirty="0"/>
+              <a:t>A system which helps to track the progression of a project</a:t>
+            </a:r>
+          </a:p>
+          <a:p>
+            <a:r>
+              <a:rPr lang="en-ZA" dirty="0"/>
+              <a:t>It manages and track the changes of </a:t>
+            </a:r>
             <a:r>
               <a:rPr lang="en-ZA" dirty="0" smtClean="0"/>
-              <a:t>There are many different methodologies and variations of methodologies, we will only cover a few</a:t>
-            </a:r>
-          </a:p>
-          <a:p>
-            <a:pPr>
-              <a:buFont typeface="Arial" panose="020B0604020202020204" pitchFamily="34" charset="0"/>
-              <a:buChar char="•"/>
-            </a:pPr>
+              <a:t>all the files within the repository except those specific not to be tracked.</a:t>
+            </a:r>
+            <a:endParaRPr lang="en-ZA" dirty="0"/>
+          </a:p>
+          <a:p>
+            <a:r>
+              <a:rPr lang="en-ZA" dirty="0"/>
+              <a:t>In a corporate environment it is usually stored on a separate or external server</a:t>
+            </a:r>
+          </a:p>
+          <a:p>
+            <a:r>
+              <a:rPr lang="en-ZA" dirty="0"/>
+              <a:t>Used when teams of developers are working together so that a copy of the project at any point within the version control system can be </a:t>
+            </a:r>
             <a:r>
               <a:rPr lang="en-ZA" dirty="0" smtClean="0"/>
-              <a:t>The “classical” or traditional approaches tend to have more distinct phases</a:t>
-            </a:r>
-          </a:p>
-          <a:p>
-            <a:pPr lvl="1">
-              <a:buFont typeface="Arial" panose="020B0604020202020204" pitchFamily="34" charset="0"/>
-              <a:buChar char="•"/>
-            </a:pPr>
+              <a:t>retrieved</a:t>
+            </a:r>
+            <a:endParaRPr lang="en-ZA" dirty="0"/>
+          </a:p>
+          <a:p>
+            <a:r>
+              <a:rPr lang="en-ZA" dirty="0"/>
+              <a:t>Handles conflict </a:t>
+            </a:r>
             <a:r>
               <a:rPr lang="en-ZA" dirty="0" smtClean="0"/>
-              <a:t>SDLC directly refers to these approaches, life cycle approaches come later on.</a:t>
-            </a:r>
-          </a:p>
-          <a:p>
-            <a:pPr>
-              <a:buFont typeface="Arial" panose="020B0604020202020204" pitchFamily="34" charset="0"/>
-              <a:buChar char="•"/>
-            </a:pPr>
-            <a:r>
-              <a:rPr lang="en-ZA" dirty="0" smtClean="0"/>
-              <a:t>These distinct phases were considered to occur as their own individual units and also not concurrently.</a:t>
-            </a:r>
-          </a:p>
-          <a:p>
-            <a:pPr>
-              <a:buFont typeface="Arial" panose="020B0604020202020204" pitchFamily="34" charset="0"/>
-              <a:buChar char="•"/>
-            </a:pPr>
+              <a:t>management between different versions</a:t>
+            </a:r>
             <a:endParaRPr lang="en-ZA" dirty="0"/>
           </a:p>
-        </p:txBody>
-      </p:sp>
-      <p:pic>
-        <p:nvPicPr>
-          <p:cNvPr id="3074" name="Picture 2" descr="File:Three software development patterns mashed together.svg"/>
-          <p:cNvPicPr>
-            <a:picLocks noChangeAspect="1" noChangeArrowheads="1"/>
-          </p:cNvPicPr>
-          <p:nvPr/>
-        </p:nvPicPr>
-        <p:blipFill>
-          <a:blip r:embed="rId2">
-            <a:extLst>
-              <a:ext uri="{28A0092B-C50C-407E-A947-70E740481C1C}">
-                <a14:useLocalDpi xmlns:a14="http://schemas.microsoft.com/office/drawing/2010/main" val="0"/>
-              </a:ext>
-            </a:extLst>
-          </a:blip>
-          <a:srcRect/>
-          <a:stretch>
-            <a:fillRect/>
-          </a:stretch>
-        </p:blipFill>
-        <p:spPr bwMode="auto">
-          <a:xfrm>
-            <a:off x="6606160" y="3657601"/>
-            <a:ext cx="3704453" cy="3020291"/>
-          </a:xfrm>
-          <a:prstGeom prst="rect">
-            <a:avLst/>
-          </a:prstGeom>
-          <a:noFill/>
-          <a:extLst>
-            <a:ext uri="{909E8E84-426E-40DD-AFC4-6F175D3DCCD1}">
-              <a14:hiddenFill xmlns:a14="http://schemas.microsoft.com/office/drawing/2010/main">
-                <a:solidFill>
-                  <a:srgbClr val="FFFFFF"/>
-                </a:solidFill>
-              </a14:hiddenFill>
-            </a:ext>
-          </a:extLst>
-        </p:spPr>
-      </p:pic>
+          <a:p>
+            <a:endParaRPr lang="en-ZA" dirty="0"/>
+          </a:p>
+        </p:txBody>
+      </p:sp>
     </p:spTree>
     <p:extLst>
       <p:ext uri="{BB962C8B-B14F-4D97-AF65-F5344CB8AC3E}">
-        <p14:creationId xmlns:p14="http://schemas.microsoft.com/office/powerpoint/2010/main" val="1024176612"/>
+        <p14:creationId xmlns:p14="http://schemas.microsoft.com/office/powerpoint/2010/main" val="3429195596"/>
       </p:ext>
     </p:extLst>
   </p:cSld>
   <p:clrMapOvr>
     <a:masterClrMapping/>
   </p:clrMapOvr>
+  <p:timing>
+    <p:tnLst>
+      <p:par>
+        <p:cTn id="1" dur="indefinite" restart="never" nodeType="tmRoot"/>
+      </p:par>
+    </p:tnLst>
+  </p:timing>
 </p:sld>
 </file>
 
@@ -6600,111 +6524,56 @@
           <a:lstStyle/>
           <a:p>
             <a:r>
+              <a:rPr lang="en-ZA" dirty="0" smtClean="0"/>
+              <a:t>Why Is Version Control Important?</a:t>
+            </a:r>
+            <a:endParaRPr lang="en-ZA" dirty="0"/>
+          </a:p>
+        </p:txBody>
+      </p:sp>
+      <p:sp>
+        <p:nvSpPr>
+          <p:cNvPr id="3" name="Content Placeholder 2"/>
+          <p:cNvSpPr>
+            <a:spLocks noGrp="1"/>
+          </p:cNvSpPr>
+          <p:nvPr>
+            <p:ph idx="1"/>
+          </p:nvPr>
+        </p:nvSpPr>
+        <p:spPr/>
+        <p:txBody>
+          <a:bodyPr/>
+          <a:lstStyle/>
+          <a:p>
+            <a:r>
               <a:rPr lang="en-ZA" dirty="0"/>
-              <a:t>Agile Approach</a:t>
-            </a:r>
-          </a:p>
-        </p:txBody>
-      </p:sp>
-      <p:sp>
-        <p:nvSpPr>
-          <p:cNvPr id="3" name="Content Placeholder 2"/>
-          <p:cNvSpPr>
-            <a:spLocks noGrp="1"/>
-          </p:cNvSpPr>
-          <p:nvPr>
-            <p:ph idx="1"/>
-          </p:nvPr>
-        </p:nvSpPr>
-        <p:spPr/>
-        <p:txBody>
-          <a:bodyPr/>
-          <a:lstStyle/>
-          <a:p>
-            <a:pPr>
-              <a:buFont typeface="Arial" panose="020B0604020202020204" pitchFamily="34" charset="0"/>
-              <a:buChar char="•"/>
-            </a:pPr>
+              <a:t>Tracking changes helps track what code introduces a bug</a:t>
+            </a:r>
+          </a:p>
+          <a:p>
+            <a:r>
+              <a:rPr lang="en-ZA" dirty="0"/>
+              <a:t>You can do “more dangerous” edits to code</a:t>
+            </a:r>
+          </a:p>
+          <a:p>
+            <a:r>
+              <a:rPr lang="en-ZA" dirty="0"/>
+              <a:t>Working as a team can be faster and more efficient</a:t>
+            </a:r>
+          </a:p>
+          <a:p>
+            <a:r>
+              <a:rPr lang="en-ZA" dirty="0"/>
+              <a:t>Keeps a backup of EVERY state of your project</a:t>
+            </a:r>
+          </a:p>
+          <a:p>
             <a:r>
               <a:rPr lang="en-ZA" dirty="0" smtClean="0"/>
-              <a:t>Much more modern set of methodologies</a:t>
-            </a:r>
-          </a:p>
-          <a:p>
-            <a:pPr>
-              <a:buFont typeface="Arial" panose="020B0604020202020204" pitchFamily="34" charset="0"/>
-              <a:buChar char="•"/>
-            </a:pPr>
-            <a:r>
-              <a:rPr lang="en-ZA" dirty="0" smtClean="0"/>
-              <a:t>Evolving solutions</a:t>
-            </a:r>
-          </a:p>
-          <a:p>
-            <a:pPr>
-              <a:buFont typeface="Arial" panose="020B0604020202020204" pitchFamily="34" charset="0"/>
-              <a:buChar char="•"/>
-            </a:pPr>
-            <a:r>
-              <a:rPr lang="en-ZA" dirty="0" smtClean="0"/>
-              <a:t>Collaboration of smaller cross-functional teams</a:t>
-            </a:r>
-          </a:p>
-          <a:p>
-            <a:pPr>
-              <a:buFont typeface="Arial" panose="020B0604020202020204" pitchFamily="34" charset="0"/>
-              <a:buChar char="•"/>
-            </a:pPr>
-            <a:r>
-              <a:rPr lang="en-ZA" dirty="0" smtClean="0"/>
-              <a:t>Adaptive planning</a:t>
-            </a:r>
-          </a:p>
-          <a:p>
-            <a:pPr>
-              <a:buFont typeface="Arial" panose="020B0604020202020204" pitchFamily="34" charset="0"/>
-              <a:buChar char="•"/>
-            </a:pPr>
-            <a:r>
-              <a:rPr lang="en-ZA" dirty="0" smtClean="0"/>
-              <a:t>Evolutionary development</a:t>
-            </a:r>
-          </a:p>
-          <a:p>
-            <a:pPr>
-              <a:buFont typeface="Arial" panose="020B0604020202020204" pitchFamily="34" charset="0"/>
-              <a:buChar char="•"/>
-            </a:pPr>
-            <a:r>
-              <a:rPr lang="en-ZA" dirty="0" smtClean="0"/>
-              <a:t>Early delivery</a:t>
-            </a:r>
-          </a:p>
-          <a:p>
-            <a:pPr>
-              <a:buFont typeface="Arial" panose="020B0604020202020204" pitchFamily="34" charset="0"/>
-              <a:buChar char="•"/>
-            </a:pPr>
-            <a:r>
-              <a:rPr lang="en-ZA" dirty="0" smtClean="0"/>
-              <a:t>Flexibility (rapid response to change)</a:t>
-            </a:r>
-          </a:p>
-          <a:p>
-            <a:pPr>
-              <a:buFont typeface="Arial" panose="020B0604020202020204" pitchFamily="34" charset="0"/>
-              <a:buChar char="•"/>
-            </a:pPr>
-            <a:r>
-              <a:rPr lang="en-ZA" dirty="0" smtClean="0"/>
-              <a:t>Continuous improvement</a:t>
-            </a:r>
-          </a:p>
-          <a:p>
-            <a:pPr>
-              <a:buFont typeface="Arial" panose="020B0604020202020204" pitchFamily="34" charset="0"/>
-              <a:buChar char="•"/>
-            </a:pPr>
+              <a:t>Helps distribute the latest code to all team members efficiently and securely</a:t>
+            </a:r>
             <a:endParaRPr lang="en-ZA" dirty="0"/>
           </a:p>
         </p:txBody>
@@ -6712,13 +6581,20 @@
     </p:spTree>
     <p:extLst>
       <p:ext uri="{BB962C8B-B14F-4D97-AF65-F5344CB8AC3E}">
-        <p14:creationId xmlns:p14="http://schemas.microsoft.com/office/powerpoint/2010/main" val="582644274"/>
+        <p14:creationId xmlns:p14="http://schemas.microsoft.com/office/powerpoint/2010/main" val="3935804966"/>
       </p:ext>
     </p:extLst>
   </p:cSld>
   <p:clrMapOvr>
     <a:masterClrMapping/>
   </p:clrMapOvr>
+  <p:timing>
+    <p:tnLst>
+      <p:par>
+        <p:cTn id="1" dur="indefinite" restart="never" nodeType="tmRoot"/>
+      </p:par>
+    </p:tnLst>
+  </p:timing>
 </p:sld>
 </file>
 
@@ -6756,7 +6632,7 @@
           <a:p>
             <a:r>
               <a:rPr lang="en-ZA" dirty="0" smtClean="0"/>
-              <a:t>1. Version Control</a:t>
+              <a:t>There are 2 types of version control</a:t>
             </a:r>
             <a:endParaRPr lang="en-ZA" dirty="0"/>
           </a:p>
@@ -6774,54 +6650,61 @@
         </p:nvSpPr>
         <p:spPr/>
         <p:txBody>
-          <a:bodyPr>
-            <a:normAutofit/>
-          </a:bodyPr>
+          <a:bodyPr/>
           <a:lstStyle/>
           <a:p>
             <a:r>
               <a:rPr lang="en-ZA" dirty="0"/>
-              <a:t>A system which helps to track the progression of a project</a:t>
-            </a:r>
-          </a:p>
-          <a:p>
+              <a:t>Centralised</a:t>
+            </a:r>
+          </a:p>
+          <a:p>
+            <a:pPr lvl="2"/>
             <a:r>
               <a:rPr lang="en-ZA" dirty="0"/>
-              <a:t>It manages and track the changes of </a:t>
-            </a:r>
-            <a:r>
-              <a:rPr lang="en-ZA" dirty="0" smtClean="0"/>
-              <a:t>all the files within the repository except those specific not to be tracked.</a:t>
-            </a:r>
-            <a:endParaRPr lang="en-ZA" dirty="0"/>
-          </a:p>
-          <a:p>
+              <a:t>Server based</a:t>
+            </a:r>
+          </a:p>
+          <a:p>
+            <a:pPr lvl="2"/>
             <a:r>
               <a:rPr lang="en-ZA" dirty="0"/>
-              <a:t>In a corporate environment it is usually stored on a separate or external server</a:t>
-            </a:r>
-          </a:p>
-          <a:p>
+              <a:t>Requires a connection to the server</a:t>
+            </a:r>
+          </a:p>
+          <a:p>
+            <a:pPr lvl="2"/>
             <a:r>
               <a:rPr lang="en-ZA" dirty="0"/>
-              <a:t>Used when teams of developers are working together so that a copy of the project at any point within the version control system can be </a:t>
-            </a:r>
-            <a:r>
-              <a:rPr lang="en-ZA" dirty="0" smtClean="0"/>
-              <a:t>retrieved</a:t>
-            </a:r>
-            <a:endParaRPr lang="en-ZA" dirty="0"/>
+              <a:t>E.g. SVN, CVS, Team Foundation Server (The newer versions use a custom version of git in some cases)</a:t>
+            </a:r>
           </a:p>
           <a:p>
             <a:r>
               <a:rPr lang="en-ZA" dirty="0"/>
-              <a:t>Handles conflict </a:t>
-            </a:r>
-            <a:r>
-              <a:rPr lang="en-ZA" dirty="0" smtClean="0"/>
-              <a:t>management between different versions</a:t>
-            </a:r>
-            <a:endParaRPr lang="en-ZA" dirty="0"/>
+              <a:t>Distributed</a:t>
+            </a:r>
+          </a:p>
+          <a:p>
+            <a:pPr lvl="2"/>
+            <a:r>
+              <a:rPr lang="en-ZA" dirty="0"/>
+              <a:t>Everyone has a copy of the entire code repository</a:t>
+            </a:r>
+          </a:p>
+          <a:p>
+            <a:pPr lvl="2"/>
+            <a:r>
+              <a:rPr lang="en-ZA" dirty="0"/>
+              <a:t>Works offline</a:t>
+            </a:r>
+          </a:p>
+          <a:p>
+            <a:pPr lvl="2"/>
+            <a:r>
+              <a:rPr lang="en-ZA" dirty="0"/>
+              <a:t>E.g. Mercurial, git</a:t>
+            </a:r>
           </a:p>
           <a:p>
             <a:endParaRPr lang="en-ZA" dirty="0"/>
@@ -6831,13 +6714,20 @@
     </p:spTree>
     <p:extLst>
       <p:ext uri="{BB962C8B-B14F-4D97-AF65-F5344CB8AC3E}">
-        <p14:creationId xmlns:p14="http://schemas.microsoft.com/office/powerpoint/2010/main" val="3429195596"/>
+        <p14:creationId xmlns:p14="http://schemas.microsoft.com/office/powerpoint/2010/main" val="1130894382"/>
       </p:ext>
     </p:extLst>
   </p:cSld>
   <p:clrMapOvr>
     <a:masterClrMapping/>
   </p:clrMapOvr>
+  <p:timing>
+    <p:tnLst>
+      <p:par>
+        <p:cTn id="1" dur="indefinite" restart="never" nodeType="tmRoot"/>
+      </p:par>
+    </p:tnLst>
+  </p:timing>
 </p:sld>
 </file>
 
@@ -6875,7 +6765,7 @@
           <a:p>
             <a:r>
               <a:rPr lang="en-ZA" dirty="0" smtClean="0"/>
-              <a:t>Why Is Version Control Important?</a:t>
+              <a:t>We will be focusing only on git</a:t>
             </a:r>
             <a:endParaRPr lang="en-ZA" dirty="0"/>
           </a:p>
@@ -6893,37 +6783,145 @@
         </p:nvSpPr>
         <p:spPr/>
         <p:txBody>
-          <a:bodyPr/>
-          <a:lstStyle/>
-          <a:p>
+          <a:bodyPr>
+            <a:normAutofit fontScale="92500" lnSpcReduction="20000"/>
+          </a:bodyPr>
+          <a:lstStyle/>
+          <a:p>
+            <a:r>
+              <a:rPr lang="en-ZA" dirty="0" smtClean="0"/>
+              <a:t>A good resource is </a:t>
+            </a:r>
+            <a:r>
+              <a:rPr lang="en-ZA" dirty="0" err="1" smtClean="0"/>
+              <a:t>GitHub</a:t>
+            </a:r>
             <a:r>
               <a:rPr lang="en-ZA" dirty="0"/>
-              <a:t>Tracking changes helps track what code introduces a bug</a:t>
-            </a:r>
-          </a:p>
-          <a:p>
+              <a:t> </a:t>
+            </a:r>
+            <a:r>
+              <a:rPr lang="en-ZA" dirty="0" smtClean="0"/>
+              <a:t>(</a:t>
+            </a:r>
+            <a:r>
+              <a:rPr lang="en-ZA" dirty="0">
+                <a:hlinkClick r:id="rId2"/>
+              </a:rPr>
+              <a:t>http://</a:t>
+            </a:r>
+            <a:r>
+              <a:rPr lang="en-ZA" dirty="0" smtClean="0">
+                <a:hlinkClick r:id="rId2"/>
+              </a:rPr>
+              <a:t>www.github.com</a:t>
+            </a:r>
+            <a:r>
+              <a:rPr lang="en-ZA" dirty="0" smtClean="0"/>
+              <a:t>)</a:t>
+            </a:r>
+          </a:p>
+          <a:p>
+            <a:pPr lvl="1"/>
+            <a:r>
+              <a:rPr lang="en-ZA" dirty="0">
+                <a:hlinkClick r:id="rId3"/>
+              </a:rPr>
+              <a:t>https://</a:t>
+            </a:r>
+            <a:r>
+              <a:rPr lang="en-ZA" dirty="0" smtClean="0">
+                <a:hlinkClick r:id="rId3"/>
+              </a:rPr>
+              <a:t>try.github.io</a:t>
+            </a:r>
+            <a:endParaRPr lang="en-ZA" dirty="0" smtClean="0"/>
+          </a:p>
+          <a:p>
+            <a:pPr lvl="2"/>
             <a:r>
               <a:rPr lang="en-ZA" dirty="0"/>
-              <a:t>You can do “more dangerous” edits to code</a:t>
-            </a:r>
-          </a:p>
-          <a:p>
+              <a:t>Provides free student paid version for two years</a:t>
+            </a:r>
+          </a:p>
+          <a:p>
+            <a:pPr lvl="2"/>
+            <a:r>
+              <a:rPr lang="en-ZA" dirty="0">
+                <a:hlinkClick r:id="rId4"/>
+              </a:rPr>
+              <a:t>https://education.github.com/discount_requests/new</a:t>
+            </a:r>
+            <a:endParaRPr lang="en-ZA" dirty="0"/>
+          </a:p>
+          <a:p>
+            <a:pPr lvl="2"/>
             <a:r>
               <a:rPr lang="en-ZA" dirty="0"/>
-              <a:t>Working as a team can be faster and more efficient</a:t>
-            </a:r>
-          </a:p>
-          <a:p>
+              <a:t>You need to have your student email connected to your account</a:t>
+            </a:r>
+          </a:p>
+          <a:p>
+            <a:pPr lvl="2"/>
             <a:r>
               <a:rPr lang="en-ZA" dirty="0"/>
-              <a:t>Keeps a backup of EVERY state of your project</a:t>
-            </a:r>
-          </a:p>
-          <a:p>
+              <a:t>Also provides free web </a:t>
+            </a:r>
             <a:r>
               <a:rPr lang="en-ZA" dirty="0" smtClean="0"/>
-              <a:t>Helps distribute the latest code to all team members efficiently and securely</a:t>
-            </a:r>
+              <a:t>hosting</a:t>
+            </a:r>
+            <a:endParaRPr lang="en-ZA" dirty="0"/>
+          </a:p>
+          <a:p>
+            <a:r>
+              <a:rPr lang="en-ZA" dirty="0" smtClean="0"/>
+              <a:t>Node school (mentioned earlier) is also a good resource</a:t>
+            </a:r>
+          </a:p>
+          <a:p>
+            <a:r>
+              <a:rPr lang="en-ZA" dirty="0"/>
+              <a:t>There are a lot of tools which can be used with it</a:t>
+            </a:r>
+          </a:p>
+          <a:p>
+            <a:pPr lvl="1"/>
+            <a:r>
+              <a:rPr lang="en-ZA" dirty="0" err="1" smtClean="0"/>
+              <a:t>GitHub</a:t>
+            </a:r>
+            <a:r>
+              <a:rPr lang="en-ZA" dirty="0" smtClean="0"/>
+              <a:t> </a:t>
+            </a:r>
+            <a:r>
+              <a:rPr lang="en-ZA" dirty="0"/>
+              <a:t>for Windows</a:t>
+            </a:r>
+          </a:p>
+          <a:p>
+            <a:pPr lvl="1"/>
+            <a:r>
+              <a:rPr lang="en-ZA" dirty="0"/>
+              <a:t>Git Extensions – my favourite graphical one</a:t>
+            </a:r>
+          </a:p>
+          <a:p>
+            <a:pPr lvl="1"/>
+            <a:r>
+              <a:rPr lang="en-ZA" dirty="0"/>
+              <a:t>Git bash for Windows</a:t>
+            </a:r>
+          </a:p>
+          <a:p>
+            <a:pPr lvl="1"/>
+            <a:r>
+              <a:rPr lang="en-ZA" dirty="0"/>
+              <a:t>Many others</a:t>
+            </a:r>
+          </a:p>
+          <a:p>
             <a:endParaRPr lang="en-ZA" dirty="0"/>
           </a:p>
         </p:txBody>
@@ -6931,13 +6929,20 @@
     </p:spTree>
     <p:extLst>
       <p:ext uri="{BB962C8B-B14F-4D97-AF65-F5344CB8AC3E}">
-        <p14:creationId xmlns:p14="http://schemas.microsoft.com/office/powerpoint/2010/main" val="3935804966"/>
+        <p14:creationId xmlns:p14="http://schemas.microsoft.com/office/powerpoint/2010/main" val="2924355964"/>
       </p:ext>
     </p:extLst>
   </p:cSld>
   <p:clrMapOvr>
     <a:masterClrMapping/>
   </p:clrMapOvr>
+  <p:timing>
+    <p:tnLst>
+      <p:par>
+        <p:cTn id="1" dur="indefinite" restart="never" nodeType="tmRoot"/>
+      </p:par>
+    </p:tnLst>
+  </p:timing>
 </p:sld>
 </file>
 
@@ -6975,7 +6980,7 @@
           <a:p>
             <a:r>
               <a:rPr lang="en-ZA" dirty="0" smtClean="0"/>
-              <a:t>There are 2 types of version control</a:t>
+              <a:t>Git Terminology</a:t>
             </a:r>
             <a:endParaRPr lang="en-ZA" dirty="0"/>
           </a:p>
@@ -6997,56 +7002,62 @@
           <a:lstStyle/>
           <a:p>
             <a:r>
+              <a:rPr lang="en-ZA" b="1" dirty="0"/>
+              <a:t>Repository</a:t>
+            </a:r>
+            <a:r>
               <a:rPr lang="en-ZA" dirty="0"/>
-              <a:t>Centralised</a:t>
-            </a:r>
-          </a:p>
-          <a:p>
-            <a:pPr lvl="2"/>
+              <a:t>: a stored history of work</a:t>
+            </a:r>
+          </a:p>
+          <a:p>
+            <a:r>
+              <a:rPr lang="en-ZA" b="1" dirty="0"/>
+              <a:t>Origin</a:t>
+            </a:r>
             <a:r>
               <a:rPr lang="en-ZA" dirty="0"/>
-              <a:t>Server based</a:t>
-            </a:r>
-          </a:p>
-          <a:p>
-            <a:pPr lvl="2"/>
+              <a:t>: the main repository</a:t>
+            </a:r>
+          </a:p>
+          <a:p>
+            <a:r>
+              <a:rPr lang="en-ZA" b="1" dirty="0"/>
+              <a:t>Commit</a:t>
+            </a:r>
             <a:r>
               <a:rPr lang="en-ZA" dirty="0"/>
-              <a:t>Requires a connection to the server</a:t>
-            </a:r>
-          </a:p>
-          <a:p>
-            <a:pPr lvl="2"/>
+              <a:t>: state of repository at a given time</a:t>
+            </a:r>
+          </a:p>
+          <a:p>
+            <a:r>
+              <a:rPr lang="en-ZA" b="1" dirty="0"/>
+              <a:t>Branch</a:t>
+            </a:r>
             <a:r>
               <a:rPr lang="en-ZA" dirty="0"/>
-              <a:t>E.g. SVN, CVS, Team Foundation Server (The newer versions use a custom version of git in some cases)</a:t>
-            </a:r>
-          </a:p>
-          <a:p>
+              <a:t>: a series of commits</a:t>
+            </a:r>
+          </a:p>
+          <a:p>
+            <a:r>
+              <a:rPr lang="en-ZA" b="1" dirty="0"/>
+              <a:t>Master</a:t>
+            </a:r>
             <a:r>
               <a:rPr lang="en-ZA" dirty="0"/>
-              <a:t>Distributed</a:t>
-            </a:r>
-          </a:p>
-          <a:p>
-            <a:pPr lvl="2"/>
+              <a:t>: the “main” branch</a:t>
+            </a:r>
+          </a:p>
+          <a:p>
+            <a:r>
+              <a:rPr lang="en-ZA" b="1" dirty="0"/>
+              <a:t>Working copy</a:t>
+            </a:r>
             <a:r>
               <a:rPr lang="en-ZA" dirty="0"/>
-              <a:t>Everyone has a copy of the entire code repository</a:t>
-            </a:r>
-          </a:p>
-          <a:p>
-            <a:pPr lvl="2"/>
-            <a:r>
-              <a:rPr lang="en-ZA" dirty="0"/>
-              <a:t>Works offline</a:t>
-            </a:r>
-          </a:p>
-          <a:p>
-            <a:pPr lvl="2"/>
-            <a:r>
-              <a:rPr lang="en-ZA" dirty="0"/>
-              <a:t>E.g. Mercurial, git</a:t>
+              <a:t>: the assets you are working with</a:t>
             </a:r>
           </a:p>
           <a:p>
@@ -7054,16 +7065,161 @@
           </a:p>
         </p:txBody>
       </p:sp>
+      <p:sp>
+        <p:nvSpPr>
+          <p:cNvPr id="4" name="Rectangle 3"/>
+          <p:cNvSpPr/>
+          <p:nvPr/>
+        </p:nvSpPr>
+        <p:spPr>
+          <a:xfrm>
+            <a:off x="6096000" y="6112225"/>
+            <a:ext cx="6040436" cy="923330"/>
+          </a:xfrm>
+          <a:prstGeom prst="rect">
+            <a:avLst/>
+          </a:prstGeom>
+        </p:spPr>
+        <p:txBody>
+          <a:bodyPr wrap="none">
+            <a:spAutoFit/>
+          </a:bodyPr>
+          <a:lstStyle/>
+          <a:p>
+            <a:r>
+              <a:rPr lang="en-ZA" dirty="0">
+                <a:hlinkClick r:id="rId2"/>
+              </a:rPr>
+              <a:t>https://</a:t>
+            </a:r>
+            <a:r>
+              <a:rPr lang="en-ZA" dirty="0" smtClean="0">
+                <a:hlinkClick r:id="rId2"/>
+              </a:rPr>
+              <a:t>www.drupal.org/files/repositorydiagram.png</a:t>
+            </a:r>
+            <a:r>
+              <a:rPr lang="en-ZA" dirty="0" smtClean="0"/>
+              <a:t>,</a:t>
+            </a:r>
+          </a:p>
+          <a:p>
+            <a:r>
+              <a:rPr lang="en-ZA" dirty="0">
+                <a:hlinkClick r:id="rId3"/>
+              </a:rPr>
+              <a:t>https://</a:t>
+            </a:r>
+            <a:r>
+              <a:rPr lang="en-ZA" dirty="0" smtClean="0">
+                <a:hlinkClick r:id="rId3"/>
+              </a:rPr>
+              <a:t>www.drupal.org/node/991716</a:t>
+            </a:r>
+            <a:endParaRPr lang="en-ZA" dirty="0" smtClean="0"/>
+          </a:p>
+          <a:p>
+            <a:endParaRPr lang="en-ZA" dirty="0"/>
+          </a:p>
+        </p:txBody>
+      </p:sp>
+      <p:sp>
+        <p:nvSpPr>
+          <p:cNvPr id="5" name="AutoShape 2" descr="https://www.drupal.org/files/repositorydiagram.png"/>
+          <p:cNvSpPr>
+            <a:spLocks noChangeAspect="1" noChangeArrowheads="1"/>
+          </p:cNvSpPr>
+          <p:nvPr/>
+        </p:nvSpPr>
+        <p:spPr bwMode="auto">
+          <a:xfrm>
+            <a:off x="155575" y="-3001963"/>
+            <a:ext cx="4819650" cy="6257926"/>
+          </a:xfrm>
+          <a:prstGeom prst="rect">
+            <a:avLst/>
+          </a:prstGeom>
+          <a:noFill/>
+          <a:extLst>
+            <a:ext uri="{909E8E84-426E-40DD-AFC4-6F175D3DCCD1}">
+              <a14:hiddenFill xmlns:a14="http://schemas.microsoft.com/office/drawing/2010/main">
+                <a:solidFill>
+                  <a:srgbClr val="FFFFFF"/>
+                </a:solidFill>
+              </a14:hiddenFill>
+            </a:ext>
+          </a:extLst>
+        </p:spPr>
+        <p:txBody>
+          <a:bodyPr vert="horz" wrap="square" lIns="91440" tIns="45720" rIns="91440" bIns="45720" numCol="1" anchor="t" anchorCtr="0" compatLnSpc="1">
+            <a:prstTxWarp prst="textNoShape">
+              <a:avLst/>
+            </a:prstTxWarp>
+          </a:bodyPr>
+          <a:lstStyle/>
+          <a:p>
+            <a:endParaRPr lang="en-ZA"/>
+          </a:p>
+        </p:txBody>
+      </p:sp>
+      <p:pic>
+        <p:nvPicPr>
+          <p:cNvPr id="1027" name="Picture 3" descr="C:\Users\Admin\Downloads\repositorydiagram.png"/>
+          <p:cNvPicPr>
+            <a:picLocks noChangeAspect="1" noChangeArrowheads="1"/>
+          </p:cNvPicPr>
+          <p:nvPr/>
+        </p:nvPicPr>
+        <p:blipFill>
+          <a:blip r:embed="rId4">
+            <a:extLst>
+              <a:ext uri="{28A0092B-C50C-407E-A947-70E740481C1C}">
+                <a14:useLocalDpi xmlns:a14="http://schemas.microsoft.com/office/drawing/2010/main" val="0"/>
+              </a:ext>
+            </a:extLst>
+          </a:blip>
+          <a:srcRect/>
+          <a:stretch>
+            <a:fillRect/>
+          </a:stretch>
+        </p:blipFill>
+        <p:spPr bwMode="auto">
+          <a:xfrm>
+            <a:off x="7924801" y="1489649"/>
+            <a:ext cx="3519054" cy="4568945"/>
+          </a:xfrm>
+          <a:prstGeom prst="rect">
+            <a:avLst/>
+          </a:prstGeom>
+          <a:noFill/>
+          <a:extLst>
+            <a:ext uri="{909E8E84-426E-40DD-AFC4-6F175D3DCCD1}">
+              <a14:hiddenFill xmlns:a14="http://schemas.microsoft.com/office/drawing/2010/main">
+                <a:solidFill>
+                  <a:srgbClr val="FFFFFF"/>
+                </a:solidFill>
+              </a14:hiddenFill>
+            </a:ext>
+          </a:extLst>
+        </p:spPr>
+      </p:pic>
     </p:spTree>
     <p:extLst>
       <p:ext uri="{BB962C8B-B14F-4D97-AF65-F5344CB8AC3E}">
-        <p14:creationId xmlns:p14="http://schemas.microsoft.com/office/powerpoint/2010/main" val="1130894382"/>
+        <p14:creationId xmlns:p14="http://schemas.microsoft.com/office/powerpoint/2010/main" val="981610377"/>
       </p:ext>
     </p:extLst>
   </p:cSld>
   <p:clrMapOvr>
     <a:masterClrMapping/>
   </p:clrMapOvr>
+  <p:timing>
+    <p:tnLst>
+      <p:par>
+        <p:cTn id="1" dur="indefinite" restart="never" nodeType="tmRoot"/>
+      </p:par>
+    </p:tnLst>
+  </p:timing>
 </p:sld>
 </file>
 
@@ -7100,8 +7256,16 @@
           <a:lstStyle/>
           <a:p>
             <a:r>
-              <a:rPr lang="en-ZA" dirty="0" smtClean="0"/>
-              <a:t>We will be focusing only on git</a:t>
+              <a:rPr lang="en-US" dirty="0" smtClean="0"/>
+              <a:t>Common </a:t>
+            </a:r>
+            <a:r>
+              <a:rPr lang="en-US" dirty="0" err="1" smtClean="0"/>
+              <a:t>Git</a:t>
+            </a:r>
+            <a:r>
+              <a:rPr lang="en-US" dirty="0" smtClean="0"/>
+              <a:t> Workflow</a:t>
             </a:r>
             <a:endParaRPr lang="en-ZA" dirty="0"/>
           </a:p>
@@ -7119,145 +7283,25 @@
         </p:nvSpPr>
         <p:spPr/>
         <p:txBody>
-          <a:bodyPr>
-            <a:normAutofit fontScale="92500" lnSpcReduction="20000"/>
-          </a:bodyPr>
-          <a:lstStyle/>
-          <a:p>
-            <a:r>
-              <a:rPr lang="en-ZA" dirty="0" smtClean="0"/>
-              <a:t>A good resource is </a:t>
-            </a:r>
-            <a:r>
-              <a:rPr lang="en-ZA" dirty="0" err="1" smtClean="0"/>
-              <a:t>GitHub</a:t>
-            </a:r>
-            <a:r>
-              <a:rPr lang="en-ZA" dirty="0"/>
-              <a:t> </a:t>
-            </a:r>
-            <a:r>
-              <a:rPr lang="en-ZA" dirty="0" smtClean="0"/>
-              <a:t>(</a:t>
-            </a:r>
-            <a:r>
-              <a:rPr lang="en-ZA" dirty="0">
-                <a:hlinkClick r:id="rId2"/>
-              </a:rPr>
-              <a:t>http://</a:t>
-            </a:r>
-            <a:r>
-              <a:rPr lang="en-ZA" dirty="0" smtClean="0">
-                <a:hlinkClick r:id="rId2"/>
-              </a:rPr>
-              <a:t>www.github.com</a:t>
-            </a:r>
-            <a:r>
-              <a:rPr lang="en-ZA" dirty="0" smtClean="0"/>
-              <a:t>)</a:t>
-            </a:r>
-          </a:p>
-          <a:p>
-            <a:pPr lvl="1"/>
-            <a:r>
-              <a:rPr lang="en-ZA" dirty="0">
-                <a:hlinkClick r:id="rId3"/>
-              </a:rPr>
-              <a:t>https://</a:t>
-            </a:r>
-            <a:r>
-              <a:rPr lang="en-ZA" dirty="0" smtClean="0">
-                <a:hlinkClick r:id="rId3"/>
-              </a:rPr>
-              <a:t>try.github.io</a:t>
-            </a:r>
-            <a:endParaRPr lang="en-ZA" dirty="0" smtClean="0"/>
-          </a:p>
-          <a:p>
-            <a:pPr lvl="2"/>
-            <a:r>
-              <a:rPr lang="en-ZA" dirty="0"/>
-              <a:t>Provides free student paid version for two years</a:t>
-            </a:r>
-          </a:p>
-          <a:p>
-            <a:pPr lvl="2"/>
-            <a:r>
-              <a:rPr lang="en-ZA" dirty="0">
-                <a:hlinkClick r:id="rId4"/>
-              </a:rPr>
-              <a:t>https://education.github.com/discount_requests/new</a:t>
-            </a:r>
-            <a:endParaRPr lang="en-ZA" dirty="0"/>
-          </a:p>
-          <a:p>
-            <a:pPr lvl="2"/>
-            <a:r>
-              <a:rPr lang="en-ZA" dirty="0"/>
-              <a:t>You need to have your student email connected to your account</a:t>
-            </a:r>
-          </a:p>
-          <a:p>
-            <a:pPr lvl="2"/>
-            <a:r>
-              <a:rPr lang="en-ZA" dirty="0"/>
-              <a:t>Also provides free web </a:t>
-            </a:r>
-            <a:r>
-              <a:rPr lang="en-ZA" dirty="0" smtClean="0"/>
-              <a:t>hosting</a:t>
-            </a:r>
-            <a:endParaRPr lang="en-ZA" dirty="0"/>
-          </a:p>
-          <a:p>
-            <a:r>
-              <a:rPr lang="en-ZA" dirty="0" smtClean="0"/>
-              <a:t>Node school (mentioned earlier) is also a good resource</a:t>
-            </a:r>
-          </a:p>
-          <a:p>
-            <a:r>
-              <a:rPr lang="en-ZA" dirty="0"/>
-              <a:t>There are a lot of tools which can be used with it</a:t>
-            </a:r>
-          </a:p>
-          <a:p>
-            <a:pPr lvl="1"/>
-            <a:r>
-              <a:rPr lang="en-ZA" dirty="0" err="1" smtClean="0"/>
-              <a:t>GitHub</a:t>
-            </a:r>
-            <a:r>
-              <a:rPr lang="en-ZA" dirty="0" smtClean="0"/>
-              <a:t> </a:t>
-            </a:r>
-            <a:r>
-              <a:rPr lang="en-ZA" dirty="0"/>
-              <a:t>for Windows</a:t>
-            </a:r>
-          </a:p>
-          <a:p>
-            <a:pPr lvl="1"/>
-            <a:r>
-              <a:rPr lang="en-ZA" dirty="0"/>
-              <a:t>Git Extensions – my favourite graphical one</a:t>
-            </a:r>
-          </a:p>
-          <a:p>
-            <a:pPr lvl="1"/>
-            <a:r>
-              <a:rPr lang="en-ZA" dirty="0"/>
-              <a:t>Git bash for Windows</a:t>
-            </a:r>
-          </a:p>
-          <a:p>
-            <a:pPr lvl="1"/>
-            <a:r>
-              <a:rPr lang="en-ZA" dirty="0"/>
-              <a:t>Many others</a:t>
-            </a:r>
-          </a:p>
-          <a:p>
+          <a:bodyPr/>
+          <a:lstStyle/>
+          <a:p>
+            <a:r>
+              <a:rPr lang="en-US" dirty="0" smtClean="0"/>
+              <a:t>Master Branch -&gt; CI -&gt; automated deployment</a:t>
+            </a:r>
+          </a:p>
+          <a:p>
+            <a:r>
+              <a:rPr lang="en-US" dirty="0" smtClean="0"/>
+              <a:t>Develop Branch -&gt; CI -&gt; QA deployment</a:t>
+            </a:r>
+          </a:p>
+          <a:p>
+            <a:r>
+              <a:rPr lang="en-US" dirty="0" smtClean="0"/>
+              <a:t>Sub branches &lt;- hotfixes and feature requests</a:t>
+            </a:r>
             <a:endParaRPr lang="en-ZA" dirty="0"/>
           </a:p>
         </p:txBody>
@@ -7265,13 +7309,20 @@
     </p:spTree>
     <p:extLst>
       <p:ext uri="{BB962C8B-B14F-4D97-AF65-F5344CB8AC3E}">
-        <p14:creationId xmlns:p14="http://schemas.microsoft.com/office/powerpoint/2010/main" val="2924355964"/>
+        <p14:creationId xmlns:p14="http://schemas.microsoft.com/office/powerpoint/2010/main" val="2263616210"/>
       </p:ext>
     </p:extLst>
   </p:cSld>
   <p:clrMapOvr>
     <a:masterClrMapping/>
   </p:clrMapOvr>
+  <p:timing>
+    <p:tnLst>
+      <p:par>
+        <p:cTn id="1" dur="indefinite" restart="never" nodeType="tmRoot"/>
+      </p:par>
+    </p:tnLst>
+  </p:timing>
 </p:sld>
 </file>
 
@@ -7302,14 +7353,19 @@
             <p:ph type="title"/>
           </p:nvPr>
         </p:nvSpPr>
-        <p:spPr/>
+        <p:spPr>
+          <a:xfrm>
+            <a:off x="646111" y="452718"/>
+            <a:ext cx="9404723" cy="1105626"/>
+          </a:xfrm>
+        </p:spPr>
         <p:txBody>
           <a:bodyPr/>
           <a:lstStyle/>
           <a:p>
             <a:r>
               <a:rPr lang="en-ZA" dirty="0" smtClean="0"/>
-              <a:t>Git Terminology</a:t>
+              <a:t>Continuous Integration (CI)</a:t>
             </a:r>
             <a:endParaRPr lang="en-ZA" dirty="0"/>
           </a:p>
@@ -7325,68 +7381,65 @@
             <p:ph idx="1"/>
           </p:nvPr>
         </p:nvSpPr>
-        <p:spPr/>
-        <p:txBody>
-          <a:bodyPr/>
-          <a:lstStyle/>
-          <a:p>
-            <a:r>
-              <a:rPr lang="en-ZA" b="1" dirty="0"/>
-              <a:t>Repository</a:t>
-            </a:r>
+        <p:spPr>
+          <a:xfrm>
+            <a:off x="1103312" y="1712890"/>
+            <a:ext cx="8946541" cy="4535509"/>
+          </a:xfrm>
+        </p:spPr>
+        <p:txBody>
+          <a:bodyPr/>
+          <a:lstStyle/>
+          <a:p>
             <a:r>
               <a:rPr lang="en-ZA" dirty="0"/>
-              <a:t>: a stored history of work</a:t>
-            </a:r>
-          </a:p>
-          <a:p>
-            <a:r>
-              <a:rPr lang="en-ZA" b="1" dirty="0"/>
-              <a:t>Origin</a:t>
-            </a:r>
+              <a:t>Similar concept to source control</a:t>
+            </a:r>
+          </a:p>
+          <a:p>
             <a:r>
               <a:rPr lang="en-ZA" dirty="0"/>
-              <a:t>: the main repository</a:t>
-            </a:r>
-          </a:p>
-          <a:p>
-            <a:r>
-              <a:rPr lang="en-ZA" b="1" dirty="0"/>
-              <a:t>Commit</a:t>
+              <a:t>Operates </a:t>
+            </a:r>
+            <a:r>
+              <a:rPr lang="en-ZA" dirty="0" smtClean="0"/>
+              <a:t>along-side </a:t>
             </a:r>
             <a:r>
               <a:rPr lang="en-ZA" dirty="0"/>
-              <a:t>: state of repository at a given time</a:t>
-            </a:r>
-          </a:p>
-          <a:p>
-            <a:r>
-              <a:rPr lang="en-ZA" b="1" dirty="0"/>
-              <a:t>Branch</a:t>
-            </a:r>
+              <a:t>source control</a:t>
+            </a:r>
+          </a:p>
+          <a:p>
             <a:r>
               <a:rPr lang="en-ZA" dirty="0"/>
-              <a:t>: a series of commits</a:t>
-            </a:r>
-          </a:p>
-          <a:p>
-            <a:r>
-              <a:rPr lang="en-ZA" b="1" dirty="0"/>
-              <a:t>Master</a:t>
-            </a:r>
+              <a:t>It is a shared repository where the code is pushed periodically by the developer and an automated bot attempts to build the code. </a:t>
+            </a:r>
+          </a:p>
+          <a:p>
+            <a:pPr lvl="2"/>
             <a:r>
               <a:rPr lang="en-ZA" dirty="0"/>
-              <a:t>: the “main” branch</a:t>
-            </a:r>
-          </a:p>
-          <a:p>
-            <a:r>
-              <a:rPr lang="en-ZA" b="1" dirty="0"/>
-              <a:t>Working copy</a:t>
-            </a:r>
+              <a:t>The bot may also just use the source control system and check for any new commits</a:t>
+            </a:r>
+          </a:p>
+          <a:p>
             <a:r>
               <a:rPr lang="en-ZA" dirty="0"/>
-              <a:t>: the assets you are working with</a:t>
+              <a:t>Usually there will be some kind of interface where the result of the build is displayed</a:t>
+            </a:r>
+          </a:p>
+          <a:p>
+            <a:pPr lvl="2"/>
+            <a:r>
+              <a:rPr lang="en-ZA" dirty="0"/>
+              <a:t>Either pass or fail</a:t>
+            </a:r>
+          </a:p>
+          <a:p>
+            <a:r>
+              <a:rPr lang="en-ZA" dirty="0"/>
+              <a:t>Some CI systems can also automatically deploy the code to its “live” version</a:t>
             </a:r>
           </a:p>
           <a:p>
@@ -7397,13 +7450,20 @@
     </p:spTree>
     <p:extLst>
       <p:ext uri="{BB962C8B-B14F-4D97-AF65-F5344CB8AC3E}">
-        <p14:creationId xmlns:p14="http://schemas.microsoft.com/office/powerpoint/2010/main" val="981610377"/>
+        <p14:creationId xmlns:p14="http://schemas.microsoft.com/office/powerpoint/2010/main" val="331715293"/>
       </p:ext>
     </p:extLst>
   </p:cSld>
   <p:clrMapOvr>
     <a:masterClrMapping/>
   </p:clrMapOvr>
+  <p:timing>
+    <p:tnLst>
+      <p:par>
+        <p:cTn id="1" dur="indefinite" restart="never" nodeType="tmRoot"/>
+      </p:par>
+    </p:tnLst>
+  </p:timing>
 </p:sld>
 </file>
 
@@ -7440,16 +7500,8 @@
           <a:lstStyle/>
           <a:p>
             <a:r>
-              <a:rPr lang="en-US" dirty="0" smtClean="0"/>
-              <a:t>Common </a:t>
-            </a:r>
-            <a:r>
-              <a:rPr lang="en-US" dirty="0" err="1" smtClean="0"/>
-              <a:t>Git</a:t>
-            </a:r>
-            <a:r>
-              <a:rPr lang="en-US" dirty="0" smtClean="0"/>
-              <a:t> Workflow</a:t>
+              <a:rPr lang="en-ZA" dirty="0" smtClean="0"/>
+              <a:t>Why Use A CI</a:t>
             </a:r>
             <a:endParaRPr lang="en-ZA" dirty="0"/>
           </a:p>
@@ -7471,21 +7523,35 @@
           <a:lstStyle/>
           <a:p>
             <a:r>
-              <a:rPr lang="en-US" dirty="0" smtClean="0"/>
-              <a:t>Master Branch -&gt; CI -&gt; automated deployment</a:t>
-            </a:r>
-          </a:p>
-          <a:p>
-            <a:r>
-              <a:rPr lang="en-US" dirty="0" smtClean="0"/>
-              <a:t>Develop Branch -&gt; CI -&gt; QA deployment</a:t>
-            </a:r>
-          </a:p>
-          <a:p>
-            <a:r>
-              <a:rPr lang="en-US" dirty="0" smtClean="0"/>
-              <a:t>Sub branches &lt;- hotfixes and feature requests</a:t>
-            </a:r>
+              <a:rPr lang="en-ZA" dirty="0"/>
+              <a:t>Makes sure that the recent code changes are working so that if there is already a released version of the software this update does not break the software</a:t>
+            </a:r>
+          </a:p>
+          <a:p>
+            <a:r>
+              <a:rPr lang="en-ZA" dirty="0"/>
+              <a:t>Allows teams to see where some lower level errors may exist</a:t>
+            </a:r>
+          </a:p>
+          <a:p>
+            <a:r>
+              <a:rPr lang="en-ZA" dirty="0"/>
+              <a:t>In team based projects it is important to see where the latest revision of the project is and if it is indeed working</a:t>
+            </a:r>
+          </a:p>
+          <a:p>
+            <a:r>
+              <a:rPr lang="en-ZA" dirty="0"/>
+              <a:t>Test-first development strategies</a:t>
+            </a:r>
+          </a:p>
+          <a:p>
+            <a:r>
+              <a:rPr lang="en-ZA" dirty="0"/>
+              <a:t>Centralised deployment mechanism</a:t>
+            </a:r>
+          </a:p>
+          <a:p>
             <a:endParaRPr lang="en-ZA" dirty="0"/>
           </a:p>
         </p:txBody>
@@ -7493,13 +7559,20 @@
     </p:spTree>
     <p:extLst>
       <p:ext uri="{BB962C8B-B14F-4D97-AF65-F5344CB8AC3E}">
-        <p14:creationId xmlns:p14="http://schemas.microsoft.com/office/powerpoint/2010/main" val="2263616210"/>
+        <p14:creationId xmlns:p14="http://schemas.microsoft.com/office/powerpoint/2010/main" val="1357863678"/>
       </p:ext>
     </p:extLst>
   </p:cSld>
   <p:clrMapOvr>
     <a:masterClrMapping/>
   </p:clrMapOvr>
+  <p:timing>
+    <p:tnLst>
+      <p:par>
+        <p:cTn id="1" dur="indefinite" restart="never" nodeType="tmRoot"/>
+      </p:par>
+    </p:tnLst>
+  </p:timing>
 </p:sld>
 </file>
 
@@ -7530,19 +7603,14 @@
             <p:ph type="title"/>
           </p:nvPr>
         </p:nvSpPr>
-        <p:spPr>
-          <a:xfrm>
-            <a:off x="646111" y="452718"/>
-            <a:ext cx="9404723" cy="1105626"/>
-          </a:xfrm>
-        </p:spPr>
+        <p:spPr/>
         <p:txBody>
           <a:bodyPr/>
           <a:lstStyle/>
           <a:p>
             <a:r>
               <a:rPr lang="en-ZA" dirty="0" smtClean="0"/>
-              <a:t>Continuous Integration (CI)</a:t>
+              <a:t>Examples of Online CI Services</a:t>
             </a:r>
             <a:endParaRPr lang="en-ZA" dirty="0"/>
           </a:p>
@@ -7558,60 +7626,48 @@
             <p:ph idx="1"/>
           </p:nvPr>
         </p:nvSpPr>
-        <p:spPr>
-          <a:xfrm>
-            <a:off x="1103312" y="1712890"/>
-            <a:ext cx="8946541" cy="4535509"/>
-          </a:xfrm>
-        </p:spPr>
-        <p:txBody>
-          <a:bodyPr/>
-          <a:lstStyle/>
-          <a:p>
-            <a:r>
-              <a:rPr lang="en-ZA" dirty="0"/>
-              <a:t>Similar concept to source control</a:t>
-            </a:r>
-          </a:p>
-          <a:p>
-            <a:r>
-              <a:rPr lang="en-ZA" dirty="0"/>
-              <a:t>Operates along side source control</a:t>
-            </a:r>
-          </a:p>
-          <a:p>
-            <a:r>
-              <a:rPr lang="en-ZA" dirty="0"/>
-              <a:t>It is a shared repository where the code is pushed periodically by the developer and an automated bot attempts to build the code. </a:t>
-            </a:r>
-          </a:p>
-          <a:p>
-            <a:pPr lvl="2"/>
-            <a:r>
-              <a:rPr lang="en-ZA" dirty="0"/>
-              <a:t>The bot may also just use the source control system and check for any new commits</a:t>
-            </a:r>
-          </a:p>
-          <a:p>
-            <a:r>
-              <a:rPr lang="en-ZA" dirty="0"/>
-              <a:t>Usually there will be some kind of interface where the result of the build is displayed</a:t>
-            </a:r>
-          </a:p>
-          <a:p>
-            <a:pPr lvl="2"/>
-            <a:r>
-              <a:rPr lang="en-ZA" dirty="0"/>
-              <a:t>Either pass or fail</a:t>
-            </a:r>
-          </a:p>
-          <a:p>
-            <a:r>
-              <a:rPr lang="en-ZA" dirty="0"/>
-              <a:t>Some CI systems can also automatically deploy the code to its “live” version</a:t>
-            </a:r>
-          </a:p>
-          <a:p>
+        <p:spPr/>
+        <p:txBody>
+          <a:bodyPr/>
+          <a:lstStyle/>
+          <a:p>
+            <a:r>
+              <a:rPr lang="en-ZA" dirty="0">
+                <a:hlinkClick r:id="rId2"/>
+              </a:rPr>
+              <a:t>https://travis-ci.org</a:t>
+            </a:r>
+            <a:r>
+              <a:rPr lang="en-ZA" dirty="0" smtClean="0">
+                <a:hlinkClick r:id="rId2"/>
+              </a:rPr>
+              <a:t>/</a:t>
+            </a:r>
+            <a:endParaRPr lang="en-ZA" dirty="0" smtClean="0"/>
+          </a:p>
+          <a:p>
+            <a:r>
+              <a:rPr lang="en-ZA" dirty="0">
+                <a:hlinkClick r:id="rId3"/>
+              </a:rPr>
+              <a:t>https://www.appveyor.com</a:t>
+            </a:r>
+            <a:r>
+              <a:rPr lang="en-ZA" dirty="0" smtClean="0">
+                <a:hlinkClick r:id="rId3"/>
+              </a:rPr>
+              <a:t>/</a:t>
+            </a:r>
+            <a:endParaRPr lang="en-ZA" dirty="0" smtClean="0"/>
+          </a:p>
+          <a:p>
+            <a:endParaRPr lang="en-ZA" dirty="0"/>
+          </a:p>
+          <a:p>
+            <a:r>
+              <a:rPr lang="en-ZA" dirty="0" smtClean="0"/>
+              <a:t>We will cover testing later</a:t>
+            </a:r>
             <a:endParaRPr lang="en-ZA" dirty="0"/>
           </a:p>
         </p:txBody>
@@ -7619,13 +7675,20 @@
     </p:spTree>
     <p:extLst>
       <p:ext uri="{BB962C8B-B14F-4D97-AF65-F5344CB8AC3E}">
-        <p14:creationId xmlns:p14="http://schemas.microsoft.com/office/powerpoint/2010/main" val="331715293"/>
+        <p14:creationId xmlns:p14="http://schemas.microsoft.com/office/powerpoint/2010/main" val="913708809"/>
       </p:ext>
     </p:extLst>
   </p:cSld>
   <p:clrMapOvr>
     <a:masterClrMapping/>
   </p:clrMapOvr>
+  <p:timing>
+    <p:tnLst>
+      <p:par>
+        <p:cTn id="1" dur="indefinite" restart="never" nodeType="tmRoot"/>
+      </p:par>
+    </p:tnLst>
+  </p:timing>
 </p:sld>
 </file>
 
@@ -7775,6 +7838,13 @@
   <p:clrMapOvr>
     <a:masterClrMapping/>
   </p:clrMapOvr>
+  <p:timing>
+    <p:tnLst>
+      <p:par>
+        <p:cTn id="1" dur="indefinite" restart="never" nodeType="tmRoot"/>
+      </p:par>
+    </p:tnLst>
+  </p:timing>
 </p:sld>
 </file>
 
@@ -7812,7 +7882,7 @@
           <a:p>
             <a:r>
               <a:rPr lang="en-ZA" dirty="0" smtClean="0"/>
-              <a:t>Why Use A CI</a:t>
+              <a:t>Use Cases</a:t>
             </a:r>
             <a:endParaRPr lang="en-ZA" dirty="0"/>
           </a:p>
@@ -7835,32 +7905,66 @@
           <a:p>
             <a:r>
               <a:rPr lang="en-ZA" dirty="0"/>
-              <a:t>Makes sure that the recent code changes are working so that if there is already a released version of the software this update does not break the software</a:t>
+              <a:t>A structured way to show a mapping between one or few actions and 1 or few objects</a:t>
             </a:r>
           </a:p>
           <a:p>
             <a:r>
               <a:rPr lang="en-ZA" dirty="0"/>
-              <a:t>Allows teams to see where some lower level errors may exist</a:t>
-            </a:r>
-          </a:p>
-          <a:p>
-            <a:r>
-              <a:rPr lang="en-ZA" dirty="0"/>
-              <a:t>In team based projects it is important to see where the latest revision of the project is and if it is indeed working</a:t>
-            </a:r>
-          </a:p>
-          <a:p>
-            <a:r>
-              <a:rPr lang="en-ZA" dirty="0"/>
-              <a:t>Test-first development strategies</a:t>
-            </a:r>
-          </a:p>
-          <a:p>
-            <a:r>
-              <a:rPr lang="en-ZA" dirty="0"/>
-              <a:t>Centralised deployment mechanism</a:t>
-            </a:r>
+              <a:t>Usually dictated as noun </a:t>
+            </a:r>
+            <a:r>
+              <a:rPr lang="en-ZA" dirty="0">
+                <a:sym typeface="Wingdings" panose="05000000000000000000" pitchFamily="2" charset="2"/>
+              </a:rPr>
+              <a:t> verb  noun</a:t>
+            </a:r>
+          </a:p>
+          <a:p>
+            <a:r>
+              <a:rPr lang="en-ZA" dirty="0">
+                <a:sym typeface="Wingdings" panose="05000000000000000000" pitchFamily="2" charset="2"/>
+              </a:rPr>
+              <a:t>E.g. </a:t>
+            </a:r>
+          </a:p>
+          <a:p>
+            <a:pPr lvl="2"/>
+            <a:r>
+              <a:rPr lang="en-ZA" dirty="0">
+                <a:sym typeface="Wingdings" panose="05000000000000000000" pitchFamily="2" charset="2"/>
+              </a:rPr>
+              <a:t>The manager hires new employees</a:t>
+            </a:r>
+          </a:p>
+          <a:p>
+            <a:pPr lvl="2"/>
+            <a:r>
+              <a:rPr lang="en-ZA" dirty="0">
+                <a:sym typeface="Wingdings" panose="05000000000000000000" pitchFamily="2" charset="2"/>
+              </a:rPr>
+              <a:t>The doctor treats patients</a:t>
+            </a:r>
+          </a:p>
+          <a:p>
+            <a:r>
+              <a:rPr lang="en-ZA" dirty="0">
+                <a:sym typeface="Wingdings" panose="05000000000000000000" pitchFamily="2" charset="2"/>
+              </a:rPr>
+              <a:t>Mappings related to how the data is stored and what screens are shown to the user</a:t>
+            </a:r>
+          </a:p>
+          <a:p>
+            <a:r>
+              <a:rPr lang="en-ZA" dirty="0">
+                <a:sym typeface="Wingdings" panose="05000000000000000000" pitchFamily="2" charset="2"/>
+              </a:rPr>
+              <a:t>Important way to constrain the problem in order to make it easier to deal with</a:t>
+            </a:r>
+          </a:p>
+          <a:p>
+            <a:pPr lvl="3"/>
+            <a:endParaRPr lang="en-ZA" dirty="0"/>
           </a:p>
           <a:p>
             <a:endParaRPr lang="en-ZA" dirty="0"/>
@@ -7870,13 +7974,20 @@
     </p:spTree>
     <p:extLst>
       <p:ext uri="{BB962C8B-B14F-4D97-AF65-F5344CB8AC3E}">
-        <p14:creationId xmlns:p14="http://schemas.microsoft.com/office/powerpoint/2010/main" val="1357863678"/>
+        <p14:creationId xmlns:p14="http://schemas.microsoft.com/office/powerpoint/2010/main" val="3742386237"/>
       </p:ext>
     </p:extLst>
   </p:cSld>
   <p:clrMapOvr>
     <a:masterClrMapping/>
   </p:clrMapOvr>
+  <p:timing>
+    <p:tnLst>
+      <p:par>
+        <p:cTn id="1" dur="indefinite" restart="never" nodeType="tmRoot"/>
+      </p:par>
+    </p:tnLst>
+  </p:timing>
 </p:sld>
 </file>
 
@@ -7914,7 +8025,7 @@
           <a:p>
             <a:r>
               <a:rPr lang="en-ZA" dirty="0" smtClean="0"/>
-              <a:t>Examples of Online CI Services</a:t>
+              <a:t>User Stories</a:t>
             </a:r>
             <a:endParaRPr lang="en-ZA" dirty="0"/>
           </a:p>
@@ -7936,42 +8047,23 @@
           <a:lstStyle/>
           <a:p>
             <a:r>
-              <a:rPr lang="en-ZA" dirty="0">
-                <a:hlinkClick r:id="rId2"/>
-              </a:rPr>
-              <a:t>https://travis-ci.org</a:t>
-            </a:r>
-            <a:r>
-              <a:rPr lang="en-ZA" dirty="0" smtClean="0">
-                <a:hlinkClick r:id="rId2"/>
-              </a:rPr>
-              <a:t>/</a:t>
-            </a:r>
-            <a:endParaRPr lang="en-ZA" dirty="0" smtClean="0"/>
-          </a:p>
-          <a:p>
-            <a:r>
-              <a:rPr lang="en-ZA" dirty="0">
-                <a:hlinkClick r:id="rId3"/>
-              </a:rPr>
-              <a:t>https://www.appveyor.com</a:t>
-            </a:r>
-            <a:r>
-              <a:rPr lang="en-ZA" dirty="0" smtClean="0">
-                <a:hlinkClick r:id="rId3"/>
-              </a:rPr>
-              <a:t>/</a:t>
-            </a:r>
-            <a:endParaRPr lang="en-ZA" dirty="0" smtClean="0"/>
-          </a:p>
-          <a:p>
-            <a:endParaRPr lang="en-ZA" dirty="0"/>
-          </a:p>
-          <a:p>
-            <a:r>
               <a:rPr lang="en-ZA" dirty="0" smtClean="0"/>
-              <a:t>We will cover testing later</a:t>
-            </a:r>
+              <a:t>Similar to use cases but is in story form</a:t>
+            </a:r>
+          </a:p>
+          <a:p>
+            <a:r>
+              <a:rPr lang="en-ZA" dirty="0" smtClean="0"/>
+              <a:t>The “user” is usually a made up persona which represents the type of person most likely to use the piece of software.</a:t>
+            </a:r>
+          </a:p>
+          <a:p>
+            <a:r>
+              <a:rPr lang="en-ZA" dirty="0" smtClean="0"/>
+              <a:t>An example is shown later</a:t>
+            </a:r>
+          </a:p>
+          <a:p>
             <a:endParaRPr lang="en-ZA" dirty="0"/>
           </a:p>
         </p:txBody>
@@ -7979,13 +8071,20 @@
     </p:spTree>
     <p:extLst>
       <p:ext uri="{BB962C8B-B14F-4D97-AF65-F5344CB8AC3E}">
-        <p14:creationId xmlns:p14="http://schemas.microsoft.com/office/powerpoint/2010/main" val="913708809"/>
+        <p14:creationId xmlns:p14="http://schemas.microsoft.com/office/powerpoint/2010/main" val="559374735"/>
       </p:ext>
     </p:extLst>
   </p:cSld>
   <p:clrMapOvr>
     <a:masterClrMapping/>
   </p:clrMapOvr>
+  <p:timing>
+    <p:tnLst>
+      <p:par>
+        <p:cTn id="1" dur="indefinite" restart="never" nodeType="tmRoot"/>
+      </p:par>
+    </p:tnLst>
+  </p:timing>
 </p:sld>
 </file>
 
@@ -8023,7 +8122,7 @@
           <a:p>
             <a:r>
               <a:rPr lang="en-ZA" dirty="0" smtClean="0"/>
-              <a:t>Use Cases</a:t>
+              <a:t>Issue / Ticket Tracking</a:t>
             </a:r>
             <a:endParaRPr lang="en-ZA" dirty="0"/>
           </a:p>
@@ -8045,69 +8144,46 @@
           <a:lstStyle/>
           <a:p>
             <a:r>
-              <a:rPr lang="en-ZA" dirty="0"/>
-              <a:t>A structured way to show a mapping between one or few actions and 1 or few objects</a:t>
-            </a:r>
-          </a:p>
-          <a:p>
-            <a:r>
-              <a:rPr lang="en-ZA" dirty="0"/>
-              <a:t>Usually dictated as noun </a:t>
-            </a:r>
+              <a:rPr lang="en-ZA" dirty="0" err="1" smtClean="0"/>
+              <a:t>GitHub</a:t>
+            </a:r>
+            <a:r>
+              <a:rPr lang="en-ZA" dirty="0" smtClean="0"/>
+              <a:t> has it built in</a:t>
+            </a:r>
+          </a:p>
+          <a:p>
             <a:r>
               <a:rPr lang="en-ZA" dirty="0">
-                <a:sym typeface="Wingdings" panose="05000000000000000000" pitchFamily="2" charset="2"/>
+                <a:hlinkClick r:id="rId2"/>
               </a:rPr>
-              <a:t> verb  noun</a:t>
-            </a:r>
-          </a:p>
-          <a:p>
-            <a:r>
-              <a:rPr lang="en-ZA" dirty="0">
-                <a:sym typeface="Wingdings" panose="05000000000000000000" pitchFamily="2" charset="2"/>
+              <a:t>http://waffle.io</a:t>
+            </a:r>
+            <a:r>
+              <a:rPr lang="en-ZA" dirty="0" smtClean="0">
+                <a:hlinkClick r:id="rId2"/>
               </a:rPr>
-              <a:t>E.g. </a:t>
-            </a:r>
-          </a:p>
-          <a:p>
-            <a:pPr lvl="2"/>
-            <a:r>
-              <a:rPr lang="en-ZA" dirty="0">
-                <a:sym typeface="Wingdings" panose="05000000000000000000" pitchFamily="2" charset="2"/>
-              </a:rPr>
-              <a:t>The manager hires new employees</a:t>
-            </a:r>
-          </a:p>
-          <a:p>
-            <a:pPr lvl="2"/>
-            <a:r>
-              <a:rPr lang="en-ZA" dirty="0">
-                <a:sym typeface="Wingdings" panose="05000000000000000000" pitchFamily="2" charset="2"/>
-              </a:rPr>
-              <a:t>The doctor treats patients</a:t>
-            </a:r>
-          </a:p>
-          <a:p>
-            <a:r>
-              <a:rPr lang="en-ZA" dirty="0">
-                <a:sym typeface="Wingdings" panose="05000000000000000000" pitchFamily="2" charset="2"/>
-              </a:rPr>
-              <a:t>Mappings related to how the data is stored and what screens are shown to the user</a:t>
-            </a:r>
-          </a:p>
-          <a:p>
-            <a:r>
-              <a:rPr lang="en-ZA" dirty="0">
-                <a:sym typeface="Wingdings" panose="05000000000000000000" pitchFamily="2" charset="2"/>
-              </a:rPr>
-              <a:t>Important way to constrain the problem in order to make it easier to deal with</a:t>
-            </a:r>
-          </a:p>
-          <a:p>
-            <a:pPr lvl="3"/>
-            <a:endParaRPr lang="en-ZA" dirty="0"/>
-          </a:p>
-          <a:p>
+              <a:t>/</a:t>
+            </a:r>
+            <a:endParaRPr lang="en-ZA" dirty="0" smtClean="0"/>
+          </a:p>
+          <a:p>
+            <a:r>
+              <a:rPr lang="en-ZA" dirty="0" smtClean="0"/>
+              <a:t>Similar concept to the tickets a kitchen at a restaurant gets for an order</a:t>
+            </a:r>
+          </a:p>
+          <a:p>
+            <a:r>
+              <a:rPr lang="en-ZA" dirty="0" smtClean="0"/>
+              <a:t>Based on the use cases / user stories</a:t>
+            </a:r>
+          </a:p>
+          <a:p>
+            <a:r>
+              <a:rPr lang="en-ZA" dirty="0" smtClean="0"/>
+              <a:t>Usually subtasks of a much larger objective based on a specific use case</a:t>
+            </a:r>
             <a:endParaRPr lang="en-ZA" dirty="0"/>
           </a:p>
         </p:txBody>
@@ -8115,13 +8191,20 @@
     </p:spTree>
     <p:extLst>
       <p:ext uri="{BB962C8B-B14F-4D97-AF65-F5344CB8AC3E}">
-        <p14:creationId xmlns:p14="http://schemas.microsoft.com/office/powerpoint/2010/main" val="3742386237"/>
+        <p14:creationId xmlns:p14="http://schemas.microsoft.com/office/powerpoint/2010/main" val="3820039313"/>
       </p:ext>
     </p:extLst>
   </p:cSld>
   <p:clrMapOvr>
     <a:masterClrMapping/>
   </p:clrMapOvr>
+  <p:timing>
+    <p:tnLst>
+      <p:par>
+        <p:cTn id="1" dur="indefinite" restart="never" nodeType="tmRoot"/>
+      </p:par>
+    </p:tnLst>
+  </p:timing>
 </p:sld>
 </file>
 
@@ -8159,209 +8242,6 @@
           <a:p>
             <a:r>
               <a:rPr lang="en-ZA" dirty="0" smtClean="0"/>
-              <a:t>User Stories</a:t>
-            </a:r>
-            <a:endParaRPr lang="en-ZA" dirty="0"/>
-          </a:p>
-        </p:txBody>
-      </p:sp>
-      <p:sp>
-        <p:nvSpPr>
-          <p:cNvPr id="3" name="Content Placeholder 2"/>
-          <p:cNvSpPr>
-            <a:spLocks noGrp="1"/>
-          </p:cNvSpPr>
-          <p:nvPr>
-            <p:ph idx="1"/>
-          </p:nvPr>
-        </p:nvSpPr>
-        <p:spPr/>
-        <p:txBody>
-          <a:bodyPr/>
-          <a:lstStyle/>
-          <a:p>
-            <a:r>
-              <a:rPr lang="en-ZA" dirty="0" smtClean="0"/>
-              <a:t>Similar to use cases but is in story form</a:t>
-            </a:r>
-          </a:p>
-          <a:p>
-            <a:r>
-              <a:rPr lang="en-ZA" dirty="0" smtClean="0"/>
-              <a:t>The “user” is usually a made up persona which represents the type of person most likely to use the piece of software.</a:t>
-            </a:r>
-          </a:p>
-          <a:p>
-            <a:r>
-              <a:rPr lang="en-ZA" dirty="0" smtClean="0"/>
-              <a:t>An example is shown later</a:t>
-            </a:r>
-          </a:p>
-          <a:p>
-            <a:endParaRPr lang="en-ZA" dirty="0"/>
-          </a:p>
-        </p:txBody>
-      </p:sp>
-    </p:spTree>
-    <p:extLst>
-      <p:ext uri="{BB962C8B-B14F-4D97-AF65-F5344CB8AC3E}">
-        <p14:creationId xmlns:p14="http://schemas.microsoft.com/office/powerpoint/2010/main" val="559374735"/>
-      </p:ext>
-    </p:extLst>
-  </p:cSld>
-  <p:clrMapOvr>
-    <a:masterClrMapping/>
-  </p:clrMapOvr>
-</p:sld>
-</file>
-
-<file path=ppt/slides/slide24.xml><?xml version="1.0" encoding="utf-8"?>
-<p:sld xmlns:a="http://schemas.openxmlformats.org/drawingml/2006/main" xmlns:r="http://schemas.openxmlformats.org/officeDocument/2006/relationships" xmlns:p="http://schemas.openxmlformats.org/presentationml/2006/main">
-  <p:cSld>
-    <p:spTree>
-      <p:nvGrpSpPr>
-        <p:cNvPr id="1" name=""/>
-        <p:cNvGrpSpPr/>
-        <p:nvPr/>
-      </p:nvGrpSpPr>
-      <p:grpSpPr>
-        <a:xfrm>
-          <a:off x="0" y="0"/>
-          <a:ext cx="0" cy="0"/>
-          <a:chOff x="0" y="0"/>
-          <a:chExt cx="0" cy="0"/>
-        </a:xfrm>
-      </p:grpSpPr>
-      <p:sp>
-        <p:nvSpPr>
-          <p:cNvPr id="2" name="Title 1"/>
-          <p:cNvSpPr>
-            <a:spLocks noGrp="1"/>
-          </p:cNvSpPr>
-          <p:nvPr>
-            <p:ph type="title"/>
-          </p:nvPr>
-        </p:nvSpPr>
-        <p:spPr/>
-        <p:txBody>
-          <a:bodyPr/>
-          <a:lstStyle/>
-          <a:p>
-            <a:r>
-              <a:rPr lang="en-ZA" dirty="0" smtClean="0"/>
-              <a:t>Issue / Ticket Tracking</a:t>
-            </a:r>
-            <a:endParaRPr lang="en-ZA" dirty="0"/>
-          </a:p>
-        </p:txBody>
-      </p:sp>
-      <p:sp>
-        <p:nvSpPr>
-          <p:cNvPr id="3" name="Content Placeholder 2"/>
-          <p:cNvSpPr>
-            <a:spLocks noGrp="1"/>
-          </p:cNvSpPr>
-          <p:nvPr>
-            <p:ph idx="1"/>
-          </p:nvPr>
-        </p:nvSpPr>
-        <p:spPr/>
-        <p:txBody>
-          <a:bodyPr/>
-          <a:lstStyle/>
-          <a:p>
-            <a:r>
-              <a:rPr lang="en-ZA" dirty="0" err="1" smtClean="0"/>
-              <a:t>GitHub</a:t>
-            </a:r>
-            <a:r>
-              <a:rPr lang="en-ZA" dirty="0" smtClean="0"/>
-              <a:t> has it built in</a:t>
-            </a:r>
-          </a:p>
-          <a:p>
-            <a:r>
-              <a:rPr lang="en-ZA" dirty="0">
-                <a:hlinkClick r:id="rId2"/>
-              </a:rPr>
-              <a:t>http://waffle.io</a:t>
-            </a:r>
-            <a:r>
-              <a:rPr lang="en-ZA" dirty="0" smtClean="0">
-                <a:hlinkClick r:id="rId2"/>
-              </a:rPr>
-              <a:t>/</a:t>
-            </a:r>
-            <a:endParaRPr lang="en-ZA" dirty="0" smtClean="0"/>
-          </a:p>
-          <a:p>
-            <a:r>
-              <a:rPr lang="en-ZA" dirty="0" smtClean="0"/>
-              <a:t>Similar concept to the tickets a kitchen at a restaurant gets for an order</a:t>
-            </a:r>
-          </a:p>
-          <a:p>
-            <a:r>
-              <a:rPr lang="en-ZA" dirty="0" smtClean="0"/>
-              <a:t>Based on the use cases / user stories</a:t>
-            </a:r>
-          </a:p>
-          <a:p>
-            <a:r>
-              <a:rPr lang="en-ZA" dirty="0" smtClean="0"/>
-              <a:t>Usually subtasks of a much larger objective based on a specific use case</a:t>
-            </a:r>
-            <a:endParaRPr lang="en-ZA" dirty="0"/>
-          </a:p>
-        </p:txBody>
-      </p:sp>
-    </p:spTree>
-    <p:extLst>
-      <p:ext uri="{BB962C8B-B14F-4D97-AF65-F5344CB8AC3E}">
-        <p14:creationId xmlns:p14="http://schemas.microsoft.com/office/powerpoint/2010/main" val="3820039313"/>
-      </p:ext>
-    </p:extLst>
-  </p:cSld>
-  <p:clrMapOvr>
-    <a:masterClrMapping/>
-  </p:clrMapOvr>
-</p:sld>
-</file>
-
-<file path=ppt/slides/slide25.xml><?xml version="1.0" encoding="utf-8"?>
-<p:sld xmlns:a="http://schemas.openxmlformats.org/drawingml/2006/main" xmlns:r="http://schemas.openxmlformats.org/officeDocument/2006/relationships" xmlns:p="http://schemas.openxmlformats.org/presentationml/2006/main">
-  <p:cSld>
-    <p:spTree>
-      <p:nvGrpSpPr>
-        <p:cNvPr id="1" name=""/>
-        <p:cNvGrpSpPr/>
-        <p:nvPr/>
-      </p:nvGrpSpPr>
-      <p:grpSpPr>
-        <a:xfrm>
-          <a:off x="0" y="0"/>
-          <a:ext cx="0" cy="0"/>
-          <a:chOff x="0" y="0"/>
-          <a:chExt cx="0" cy="0"/>
-        </a:xfrm>
-      </p:grpSpPr>
-      <p:sp>
-        <p:nvSpPr>
-          <p:cNvPr id="2" name="Title 1"/>
-          <p:cNvSpPr>
-            <a:spLocks noGrp="1"/>
-          </p:cNvSpPr>
-          <p:nvPr>
-            <p:ph type="title"/>
-          </p:nvPr>
-        </p:nvSpPr>
-        <p:spPr/>
-        <p:txBody>
-          <a:bodyPr/>
-          <a:lstStyle/>
-          <a:p>
-            <a:r>
-              <a:rPr lang="en-ZA" dirty="0" smtClean="0"/>
               <a:t>An Example Using </a:t>
             </a:r>
             <a:r>
@@ -8411,7 +8291,15 @@
             </a:r>
             <a:r>
               <a:rPr lang="en-ZA" dirty="0" smtClean="0"/>
-              <a:t>. Unfortunately Dave has no one to play the game with. He would like to be able to play the game on his computer. He wants to be able to see a game board and input the move he wants to make when it is his turn.”</a:t>
+              <a:t>. Unfortunately Dave has no one to play the game with. He would like to be able to play the game on his computer. He wants to be able to see a game board and input the move he wants </a:t>
+            </a:r>
+            <a:r>
+              <a:rPr lang="en-ZA" smtClean="0"/>
+              <a:t>to make, </a:t>
+            </a:r>
+            <a:r>
+              <a:rPr lang="en-ZA" dirty="0" smtClean="0"/>
+              <a:t>when it is his turn.”</a:t>
             </a:r>
           </a:p>
           <a:p>
@@ -8452,11 +8340,7 @@
             <a:pPr lvl="1"/>
             <a:r>
               <a:rPr lang="en-ZA" dirty="0" smtClean="0"/>
-              <a:t>The Winner </a:t>
-            </a:r>
-            <a:r>
-              <a:rPr lang="en-ZA" smtClean="0"/>
-              <a:t>is Declared</a:t>
+              <a:t>The Winner is Declared</a:t>
             </a:r>
           </a:p>
         </p:txBody>
@@ -8471,10 +8355,17 @@
   <p:clrMapOvr>
     <a:masterClrMapping/>
   </p:clrMapOvr>
+  <p:timing>
+    <p:tnLst>
+      <p:par>
+        <p:cTn id="1" dur="indefinite" restart="never" nodeType="tmRoot"/>
+      </p:par>
+    </p:tnLst>
+  </p:timing>
 </p:sld>
 </file>
 
-<file path=ppt/slides/slide26.xml><?xml version="1.0" encoding="utf-8"?>
+<file path=ppt/slides/slide24.xml><?xml version="1.0" encoding="utf-8"?>
 <p:sld xmlns:a="http://schemas.openxmlformats.org/drawingml/2006/main" xmlns:r="http://schemas.openxmlformats.org/officeDocument/2006/relationships" xmlns:p="http://schemas.openxmlformats.org/presentationml/2006/main">
   <p:cSld>
     <p:spTree>
@@ -8580,10 +8471,17 @@
   <p:clrMapOvr>
     <a:masterClrMapping/>
   </p:clrMapOvr>
+  <p:timing>
+    <p:tnLst>
+      <p:par>
+        <p:cTn id="1" dur="indefinite" restart="never" nodeType="tmRoot"/>
+      </p:par>
+    </p:tnLst>
+  </p:timing>
 </p:sld>
 </file>
 
-<file path=ppt/slides/slide27.xml><?xml version="1.0" encoding="utf-8"?>
+<file path=ppt/slides/slide25.xml><?xml version="1.0" encoding="utf-8"?>
 <p:sld xmlns:a="http://schemas.openxmlformats.org/drawingml/2006/main" xmlns:r="http://schemas.openxmlformats.org/officeDocument/2006/relationships" xmlns:p="http://schemas.openxmlformats.org/presentationml/2006/main">
   <p:cSld>
     <p:spTree>
@@ -8743,6 +8641,201 @@
   <p:clrMapOvr>
     <a:masterClrMapping/>
   </p:clrMapOvr>
+  <p:timing>
+    <p:tnLst>
+      <p:par>
+        <p:cTn id="1" dur="indefinite" restart="never" nodeType="tmRoot"/>
+      </p:par>
+    </p:tnLst>
+  </p:timing>
+</p:sld>
+</file>
+
+<file path=ppt/slides/slide26.xml><?xml version="1.0" encoding="utf-8"?>
+<p:sld xmlns:a="http://schemas.openxmlformats.org/drawingml/2006/main" xmlns:r="http://schemas.openxmlformats.org/officeDocument/2006/relationships" xmlns:p="http://schemas.openxmlformats.org/presentationml/2006/main">
+  <p:cSld>
+    <p:spTree>
+      <p:nvGrpSpPr>
+        <p:cNvPr id="1" name=""/>
+        <p:cNvGrpSpPr/>
+        <p:nvPr/>
+      </p:nvGrpSpPr>
+      <p:grpSpPr>
+        <a:xfrm>
+          <a:off x="0" y="0"/>
+          <a:ext cx="0" cy="0"/>
+          <a:chOff x="0" y="0"/>
+          <a:chExt cx="0" cy="0"/>
+        </a:xfrm>
+      </p:grpSpPr>
+      <p:sp>
+        <p:nvSpPr>
+          <p:cNvPr id="2" name="Title 1"/>
+          <p:cNvSpPr>
+            <a:spLocks noGrp="1"/>
+          </p:cNvSpPr>
+          <p:nvPr>
+            <p:ph type="title"/>
+          </p:nvPr>
+        </p:nvSpPr>
+        <p:spPr/>
+        <p:txBody>
+          <a:bodyPr/>
+          <a:lstStyle/>
+          <a:p>
+            <a:r>
+              <a:rPr lang="en-US" dirty="0" smtClean="0"/>
+              <a:t>So Long and Thanks For All The Fish!</a:t>
+            </a:r>
+            <a:endParaRPr lang="en-ZA" dirty="0"/>
+          </a:p>
+        </p:txBody>
+      </p:sp>
+      <p:sp>
+        <p:nvSpPr>
+          <p:cNvPr id="3" name="Content Placeholder 2"/>
+          <p:cNvSpPr>
+            <a:spLocks noGrp="1"/>
+          </p:cNvSpPr>
+          <p:nvPr>
+            <p:ph idx="1"/>
+          </p:nvPr>
+        </p:nvSpPr>
+        <p:spPr/>
+        <p:txBody>
+          <a:bodyPr/>
+          <a:lstStyle/>
+          <a:p>
+            <a:r>
+              <a:rPr lang="en-ZA" dirty="0"/>
+              <a:t>And Free stuff for </a:t>
+            </a:r>
+            <a:r>
+              <a:rPr lang="en-ZA" b="1" dirty="0"/>
+              <a:t>students</a:t>
+            </a:r>
+            <a:r>
+              <a:rPr lang="en-ZA" dirty="0"/>
+              <a:t> (Just remember to add your student emails to your accounts on each site)</a:t>
+            </a:r>
+          </a:p>
+          <a:p>
+            <a:pPr>
+              <a:buFont typeface="Arial" panose="020B0604020202020204" pitchFamily="34" charset="0"/>
+              <a:buChar char="•"/>
+            </a:pPr>
+            <a:r>
+              <a:rPr lang="en-ZA" dirty="0" err="1"/>
+              <a:t>Jetbrains</a:t>
+            </a:r>
+            <a:r>
+              <a:rPr lang="en-ZA" dirty="0"/>
+              <a:t> </a:t>
+            </a:r>
+            <a:r>
+              <a:rPr lang="en-ZA" dirty="0">
+                <a:hlinkClick r:id="rId2"/>
+              </a:rPr>
+              <a:t>https://www.jetbrains.com/student/</a:t>
+            </a:r>
+            <a:r>
+              <a:rPr lang="en-ZA" dirty="0"/>
+              <a:t> </a:t>
+            </a:r>
+          </a:p>
+          <a:p>
+            <a:pPr>
+              <a:buFont typeface="Arial" panose="020B0604020202020204" pitchFamily="34" charset="0"/>
+              <a:buChar char="•"/>
+            </a:pPr>
+            <a:r>
+              <a:rPr lang="en-ZA" dirty="0"/>
+              <a:t>GitHub </a:t>
+            </a:r>
+            <a:r>
+              <a:rPr lang="en-ZA" dirty="0">
+                <a:hlinkClick r:id="rId3"/>
+              </a:rPr>
+              <a:t>https://education.github.com/discount_requests/new</a:t>
+            </a:r>
+            <a:r>
+              <a:rPr lang="en-ZA" dirty="0"/>
+              <a:t> </a:t>
+            </a:r>
+          </a:p>
+          <a:p>
+            <a:pPr marL="0" indent="0"/>
+            <a:r>
+              <a:rPr lang="en-ZA" dirty="0"/>
+              <a:t>You can find me at: </a:t>
+            </a:r>
+            <a:r>
+              <a:rPr lang="en-ZA" dirty="0" smtClean="0">
+                <a:hlinkClick r:id="rId4"/>
+              </a:rPr>
+              <a:t>https://</a:t>
+            </a:r>
+            <a:r>
+              <a:rPr lang="en-ZA" dirty="0">
+                <a:hlinkClick r:id="rId4"/>
+              </a:rPr>
+              <a:t>jasonchalom.com</a:t>
+            </a:r>
+            <a:endParaRPr lang="en-ZA" dirty="0"/>
+          </a:p>
+          <a:p>
+            <a:pPr marL="0" indent="0"/>
+            <a:r>
+              <a:rPr lang="en-ZA" dirty="0"/>
+              <a:t>Or </a:t>
+            </a:r>
+            <a:r>
+              <a:rPr lang="en-ZA" dirty="0">
+                <a:hlinkClick r:id="rId5"/>
+              </a:rPr>
+              <a:t>contact@jasonchalom.com</a:t>
+            </a:r>
+            <a:endParaRPr lang="en-ZA" dirty="0"/>
+          </a:p>
+          <a:p>
+            <a:pPr marL="0" indent="0"/>
+            <a:r>
+              <a:rPr lang="en-ZA" dirty="0"/>
+              <a:t>Preferably: </a:t>
+            </a:r>
+            <a:r>
+              <a:rPr lang="en-ZA" dirty="0" smtClean="0">
+                <a:hlinkClick r:id="rId6"/>
+              </a:rPr>
+              <a:t>softdev16@jasonchalom.com</a:t>
+            </a:r>
+            <a:endParaRPr lang="en-ZA" dirty="0"/>
+          </a:p>
+          <a:p>
+            <a:pPr marL="0" indent="0">
+              <a:buNone/>
+            </a:pPr>
+            <a:endParaRPr lang="en-ZA" dirty="0"/>
+          </a:p>
+        </p:txBody>
+      </p:sp>
+    </p:spTree>
+    <p:extLst>
+      <p:ext uri="{BB962C8B-B14F-4D97-AF65-F5344CB8AC3E}">
+        <p14:creationId xmlns:p14="http://schemas.microsoft.com/office/powerpoint/2010/main" val="2246281164"/>
+      </p:ext>
+    </p:extLst>
+  </p:cSld>
+  <p:clrMapOvr>
+    <a:masterClrMapping/>
+  </p:clrMapOvr>
+  <p:timing>
+    <p:tnLst>
+      <p:par>
+        <p:cTn id="1" dur="indefinite" restart="never" nodeType="tmRoot"/>
+      </p:par>
+    </p:tnLst>
+  </p:timing>
 </p:sld>
 </file>
 
@@ -8826,11 +8919,7 @@
             <a:pPr lvl="1"/>
             <a:r>
               <a:rPr lang="en-ZA" dirty="0" smtClean="0"/>
-              <a:t>A suggestion is to do the ones </a:t>
-            </a:r>
-            <a:r>
-              <a:rPr lang="en-ZA" smtClean="0"/>
-              <a:t>on JavaScript, </a:t>
+              <a:t>A suggestion is to do the ones on JavaScript, </a:t>
             </a:r>
             <a:r>
               <a:rPr lang="en-ZA" dirty="0" err="1" smtClean="0"/>
@@ -8887,6 +8976,13 @@
   <p:clrMapOvr>
     <a:masterClrMapping/>
   </p:clrMapOvr>
+  <p:timing>
+    <p:tnLst>
+      <p:par>
+        <p:cTn id="1" dur="indefinite" restart="never" nodeType="tmRoot"/>
+      </p:par>
+    </p:tnLst>
+  </p:timing>
 </p:sld>
 </file>
 
@@ -9087,6 +9183,13 @@
   <p:clrMapOvr>
     <a:masterClrMapping/>
   </p:clrMapOvr>
+  <p:timing>
+    <p:tnLst>
+      <p:par>
+        <p:cTn id="1" dur="indefinite" restart="never" nodeType="tmRoot"/>
+      </p:par>
+    </p:tnLst>
+  </p:timing>
 </p:sld>
 </file>
 
@@ -9317,6 +9420,13 @@
   <p:clrMapOvr>
     <a:masterClrMapping/>
   </p:clrMapOvr>
+  <p:timing>
+    <p:tnLst>
+      <p:par>
+        <p:cTn id="1" dur="indefinite" restart="never" nodeType="tmRoot"/>
+      </p:par>
+    </p:tnLst>
+  </p:timing>
 </p:sld>
 </file>
 
@@ -9508,6 +9618,13 @@
   <p:clrMapOvr>
     <a:masterClrMapping/>
   </p:clrMapOvr>
+  <p:timing>
+    <p:tnLst>
+      <p:par>
+        <p:cTn id="1" dur="indefinite" restart="never" nodeType="tmRoot"/>
+      </p:par>
+    </p:tnLst>
+  </p:timing>
 </p:sld>
 </file>
 
@@ -9580,35 +9697,6 @@
           <a:p>
             <a:endParaRPr lang="en-US" dirty="0"/>
           </a:p>
-          <a:p>
-            <a:r>
-              <a:rPr lang="en-US" dirty="0" smtClean="0"/>
-              <a:t>Trying to solve a problem before you truly understand and know the problem can lead to disastrous problems</a:t>
-            </a:r>
-          </a:p>
-          <a:p>
-            <a:pPr lvl="1"/>
-            <a:r>
-              <a:rPr lang="en-US" dirty="0" smtClean="0"/>
-              <a:t>Feature Creep</a:t>
-            </a:r>
-          </a:p>
-          <a:p>
-            <a:pPr lvl="1"/>
-            <a:r>
-              <a:rPr lang="en-US" smtClean="0"/>
-              <a:t>Bugs</a:t>
-            </a:r>
-            <a:endParaRPr lang="en-US" dirty="0" smtClean="0"/>
-          </a:p>
-          <a:p>
-            <a:pPr lvl="1"/>
-            <a:r>
-              <a:rPr lang="en-US" dirty="0" smtClean="0"/>
-              <a:t>Or even the wrong program being made.</a:t>
-            </a:r>
-            <a:endParaRPr lang="en-ZA" dirty="0"/>
-          </a:p>
         </p:txBody>
       </p:sp>
     </p:spTree>
@@ -9621,6 +9709,13 @@
   <p:clrMapOvr>
     <a:masterClrMapping/>
   </p:clrMapOvr>
+  <p:timing>
+    <p:tnLst>
+      <p:par>
+        <p:cTn id="1" dur="indefinite" restart="never" nodeType="tmRoot"/>
+      </p:par>
+    </p:tnLst>
+  </p:timing>
 </p:sld>
 </file>
 
@@ -9741,6 +9836,13 @@
   <p:clrMapOvr>
     <a:masterClrMapping/>
   </p:clrMapOvr>
+  <p:timing>
+    <p:tnLst>
+      <p:par>
+        <p:cTn id="1" dur="indefinite" restart="never" nodeType="tmRoot"/>
+      </p:par>
+    </p:tnLst>
+  </p:timing>
 </p:sld>
 </file>
 
@@ -9777,8 +9879,8 @@
           <a:lstStyle/>
           <a:p>
             <a:r>
-              <a:rPr lang="en-ZA" dirty="0" smtClean="0"/>
-              <a:t>Development Strategies</a:t>
+              <a:rPr lang="en-US" dirty="0" smtClean="0"/>
+              <a:t>What Problem Are You Solving?</a:t>
             </a:r>
             <a:endParaRPr lang="en-ZA" dirty="0"/>
           </a:p>
@@ -9796,96 +9898,37 @@
         </p:nvSpPr>
         <p:spPr/>
         <p:txBody>
-          <a:bodyPr>
-            <a:normAutofit lnSpcReduction="10000"/>
-          </a:bodyPr>
-          <a:lstStyle/>
-          <a:p>
-            <a:pPr>
-              <a:buFont typeface="Arial" panose="020B0604020202020204" pitchFamily="34" charset="0"/>
-              <a:buChar char="•"/>
-            </a:pPr>
-            <a:r>
-              <a:rPr lang="en-ZA" dirty="0" smtClean="0"/>
-              <a:t>There are general strategies which have defined academic definitions</a:t>
-            </a:r>
-          </a:p>
-          <a:p>
-            <a:pPr>
-              <a:buFont typeface="Arial" panose="020B0604020202020204" pitchFamily="34" charset="0"/>
-              <a:buChar char="•"/>
-            </a:pPr>
-            <a:r>
-              <a:rPr lang="en-ZA" dirty="0" smtClean="0"/>
-              <a:t>These are used as a guideline for how a project should be structured</a:t>
-            </a:r>
-          </a:p>
-          <a:p>
-            <a:pPr lvl="1">
-              <a:buFont typeface="Arial" panose="020B0604020202020204" pitchFamily="34" charset="0"/>
-              <a:buChar char="•"/>
-            </a:pPr>
-            <a:r>
-              <a:rPr lang="en-ZA" dirty="0" smtClean="0"/>
-              <a:t>Command structure</a:t>
-            </a:r>
-          </a:p>
-          <a:p>
-            <a:pPr lvl="1">
-              <a:buFont typeface="Arial" panose="020B0604020202020204" pitchFamily="34" charset="0"/>
-              <a:buChar char="•"/>
-            </a:pPr>
-            <a:r>
-              <a:rPr lang="en-ZA" dirty="0" smtClean="0"/>
-              <a:t>Work structure</a:t>
-            </a:r>
-          </a:p>
-          <a:p>
-            <a:pPr lvl="1">
-              <a:buFont typeface="Arial" panose="020B0604020202020204" pitchFamily="34" charset="0"/>
-              <a:buChar char="•"/>
-            </a:pPr>
-            <a:r>
-              <a:rPr lang="en-ZA" dirty="0" smtClean="0"/>
-              <a:t>Documentation</a:t>
-            </a:r>
-          </a:p>
-          <a:p>
-            <a:pPr lvl="1">
-              <a:buFont typeface="Arial" panose="020B0604020202020204" pitchFamily="34" charset="0"/>
-              <a:buChar char="•"/>
-            </a:pPr>
-            <a:r>
-              <a:rPr lang="en-ZA" dirty="0" smtClean="0"/>
-              <a:t>Testing</a:t>
-            </a:r>
-          </a:p>
-          <a:p>
-            <a:pPr lvl="1">
-              <a:buFont typeface="Arial" panose="020B0604020202020204" pitchFamily="34" charset="0"/>
-              <a:buChar char="•"/>
-            </a:pPr>
-            <a:r>
-              <a:rPr lang="en-ZA" dirty="0" smtClean="0"/>
-              <a:t>Implementation</a:t>
-            </a:r>
-          </a:p>
-          <a:p>
-            <a:pPr lvl="1">
-              <a:buFont typeface="Arial" panose="020B0604020202020204" pitchFamily="34" charset="0"/>
-              <a:buChar char="•"/>
-            </a:pPr>
+          <a:bodyPr/>
+          <a:lstStyle/>
+          <a:p>
+            <a:r>
+              <a:rPr lang="en-US" dirty="0"/>
+              <a:t>Trying to solve a problem before you truly understand and know the problem can lead to disastrous problems</a:t>
+            </a:r>
+          </a:p>
+          <a:p>
+            <a:pPr lvl="1"/>
+            <a:r>
+              <a:rPr lang="en-US" dirty="0"/>
+              <a:t>Feature Creep</a:t>
+            </a:r>
+          </a:p>
+          <a:p>
+            <a:pPr lvl="1"/>
+            <a:r>
+              <a:rPr lang="en-US" dirty="0"/>
+              <a:t>Bugs</a:t>
+            </a:r>
+          </a:p>
+          <a:p>
+            <a:pPr lvl="1"/>
+            <a:r>
+              <a:rPr lang="en-US" dirty="0"/>
+              <a:t>Or even the wrong program being made.</a:t>
+            </a:r>
             <a:endParaRPr lang="en-ZA" dirty="0"/>
           </a:p>
           <a:p>
-            <a:pPr>
-              <a:buFont typeface="Arial" panose="020B0604020202020204" pitchFamily="34" charset="0"/>
-              <a:buChar char="•"/>
-            </a:pPr>
-            <a:r>
-              <a:rPr lang="en-ZA" dirty="0" smtClean="0"/>
-              <a:t>There is also the high level development strategy set out to achieve the objectives of the project</a:t>
-            </a:r>
             <a:endParaRPr lang="en-ZA" dirty="0"/>
           </a:p>
         </p:txBody>
@@ -9893,13 +9936,20 @@
     </p:spTree>
     <p:extLst>
       <p:ext uri="{BB962C8B-B14F-4D97-AF65-F5344CB8AC3E}">
-        <p14:creationId xmlns:p14="http://schemas.microsoft.com/office/powerpoint/2010/main" val="3953962375"/>
+        <p14:creationId xmlns:p14="http://schemas.microsoft.com/office/powerpoint/2010/main" val="460175462"/>
       </p:ext>
     </p:extLst>
   </p:cSld>
   <p:clrMapOvr>
     <a:masterClrMapping/>
   </p:clrMapOvr>
+  <p:timing>
+    <p:tnLst>
+      <p:par>
+        <p:cTn id="1" dur="indefinite" restart="never" nodeType="tmRoot"/>
+      </p:par>
+    </p:tnLst>
+  </p:timing>
 </p:sld>
 </file>
 

--- a/Session 1/Softdev Session 1 2016.pptx
+++ b/Session 1/Softdev Session 1 2016.pptx
@@ -20,10 +20,10 @@
     <p:sldId id="263" r:id="rId14"/>
     <p:sldId id="264" r:id="rId15"/>
     <p:sldId id="265" r:id="rId16"/>
-    <p:sldId id="278" r:id="rId17"/>
-    <p:sldId id="266" r:id="rId18"/>
-    <p:sldId id="267" r:id="rId19"/>
-    <p:sldId id="268" r:id="rId20"/>
+    <p:sldId id="287" r:id="rId17"/>
+    <p:sldId id="288" r:id="rId18"/>
+    <p:sldId id="289" r:id="rId19"/>
+    <p:sldId id="278" r:id="rId20"/>
     <p:sldId id="270" r:id="rId21"/>
     <p:sldId id="271" r:id="rId22"/>
     <p:sldId id="269" r:id="rId23"/>
@@ -6434,7 +6434,15 @@
             </a:r>
             <a:r>
               <a:rPr lang="en-ZA" dirty="0" smtClean="0"/>
-              <a:t>all the files within the repository except those specific not to be tracked.</a:t>
+              <a:t>all the files within the repository except </a:t>
+            </a:r>
+            <a:r>
+              <a:rPr lang="en-ZA" dirty="0" smtClean="0"/>
+              <a:t>specific files which have been marked </a:t>
+            </a:r>
+            <a:r>
+              <a:rPr lang="en-ZA" dirty="0" smtClean="0"/>
+              <a:t>not to be tracked.</a:t>
             </a:r>
             <a:endParaRPr lang="en-ZA" dirty="0"/>
           </a:p>
@@ -7250,22 +7258,19 @@
             <p:ph type="title"/>
           </p:nvPr>
         </p:nvSpPr>
-        <p:spPr/>
-        <p:txBody>
-          <a:bodyPr/>
-          <a:lstStyle/>
-          <a:p>
-            <a:r>
-              <a:rPr lang="en-US" dirty="0" smtClean="0"/>
-              <a:t>Common </a:t>
-            </a:r>
-            <a:r>
-              <a:rPr lang="en-US" dirty="0" err="1" smtClean="0"/>
-              <a:t>Git</a:t>
-            </a:r>
-            <a:r>
-              <a:rPr lang="en-US" dirty="0" smtClean="0"/>
-              <a:t> Workflow</a:t>
+        <p:spPr>
+          <a:xfrm>
+            <a:off x="646111" y="452718"/>
+            <a:ext cx="9404723" cy="1105626"/>
+          </a:xfrm>
+        </p:spPr>
+        <p:txBody>
+          <a:bodyPr/>
+          <a:lstStyle/>
+          <a:p>
+            <a:r>
+              <a:rPr lang="en-ZA" dirty="0" smtClean="0"/>
+              <a:t>Continuous Integration (CI)</a:t>
             </a:r>
             <a:endParaRPr lang="en-ZA" dirty="0"/>
           </a:p>
@@ -7281,27 +7286,68 @@
             <p:ph idx="1"/>
           </p:nvPr>
         </p:nvSpPr>
-        <p:spPr/>
-        <p:txBody>
-          <a:bodyPr/>
-          <a:lstStyle/>
-          <a:p>
-            <a:r>
-              <a:rPr lang="en-US" dirty="0" smtClean="0"/>
-              <a:t>Master Branch -&gt; CI -&gt; automated deployment</a:t>
-            </a:r>
-          </a:p>
-          <a:p>
-            <a:r>
-              <a:rPr lang="en-US" dirty="0" smtClean="0"/>
-              <a:t>Develop Branch -&gt; CI -&gt; QA deployment</a:t>
-            </a:r>
-          </a:p>
-          <a:p>
-            <a:r>
-              <a:rPr lang="en-US" dirty="0" smtClean="0"/>
-              <a:t>Sub branches &lt;- hotfixes and feature requests</a:t>
-            </a:r>
+        <p:spPr>
+          <a:xfrm>
+            <a:off x="1103312" y="1712890"/>
+            <a:ext cx="8946541" cy="4535509"/>
+          </a:xfrm>
+        </p:spPr>
+        <p:txBody>
+          <a:bodyPr/>
+          <a:lstStyle/>
+          <a:p>
+            <a:r>
+              <a:rPr lang="en-ZA" dirty="0"/>
+              <a:t>Similar concept to source control</a:t>
+            </a:r>
+          </a:p>
+          <a:p>
+            <a:r>
+              <a:rPr lang="en-ZA" dirty="0"/>
+              <a:t>Operates </a:t>
+            </a:r>
+            <a:r>
+              <a:rPr lang="en-ZA" dirty="0" smtClean="0"/>
+              <a:t>along-side </a:t>
+            </a:r>
+            <a:r>
+              <a:rPr lang="en-ZA" dirty="0"/>
+              <a:t>source control</a:t>
+            </a:r>
+          </a:p>
+          <a:p>
+            <a:r>
+              <a:rPr lang="en-ZA" dirty="0"/>
+              <a:t>It is a shared repository where the code is pushed periodically by the developer and an automated bot attempts to build the code. </a:t>
+            </a:r>
+          </a:p>
+          <a:p>
+            <a:pPr lvl="2"/>
+            <a:r>
+              <a:rPr lang="en-ZA" dirty="0"/>
+              <a:t>The bot may also just use the source control system and check for any new commits</a:t>
+            </a:r>
+          </a:p>
+          <a:p>
+            <a:r>
+              <a:rPr lang="en-ZA" dirty="0"/>
+              <a:t>Usually there will be some kind of interface where the result of the build is displayed</a:t>
+            </a:r>
+          </a:p>
+          <a:p>
+            <a:pPr lvl="2"/>
+            <a:r>
+              <a:rPr lang="en-ZA" dirty="0"/>
+              <a:t>Either pass or fail</a:t>
+            </a:r>
+          </a:p>
+          <a:p>
+            <a:r>
+              <a:rPr lang="en-ZA" dirty="0"/>
+              <a:t>Some CI systems can also automatically deploy the code to its “live” version</a:t>
+            </a:r>
+          </a:p>
+          <a:p>
             <a:endParaRPr lang="en-ZA" dirty="0"/>
           </a:p>
         </p:txBody>
@@ -7309,7 +7355,7 @@
     </p:spTree>
     <p:extLst>
       <p:ext uri="{BB962C8B-B14F-4D97-AF65-F5344CB8AC3E}">
-        <p14:creationId xmlns:p14="http://schemas.microsoft.com/office/powerpoint/2010/main" val="2263616210"/>
+        <p14:creationId xmlns:p14="http://schemas.microsoft.com/office/powerpoint/2010/main" val="3791697309"/>
       </p:ext>
     </p:extLst>
   </p:cSld>
@@ -7353,19 +7399,14 @@
             <p:ph type="title"/>
           </p:nvPr>
         </p:nvSpPr>
-        <p:spPr>
-          <a:xfrm>
-            <a:off x="646111" y="452718"/>
-            <a:ext cx="9404723" cy="1105626"/>
-          </a:xfrm>
-        </p:spPr>
+        <p:spPr/>
         <p:txBody>
           <a:bodyPr/>
           <a:lstStyle/>
           <a:p>
             <a:r>
               <a:rPr lang="en-ZA" dirty="0" smtClean="0"/>
-              <a:t>Continuous Integration (CI)</a:t>
+              <a:t>Why Use A CI</a:t>
             </a:r>
             <a:endParaRPr lang="en-ZA" dirty="0"/>
           </a:p>
@@ -7381,65 +7422,38 @@
             <p:ph idx="1"/>
           </p:nvPr>
         </p:nvSpPr>
-        <p:spPr>
-          <a:xfrm>
-            <a:off x="1103312" y="1712890"/>
-            <a:ext cx="8946541" cy="4535509"/>
-          </a:xfrm>
-        </p:spPr>
+        <p:spPr/>
         <p:txBody>
           <a:bodyPr/>
           <a:lstStyle/>
           <a:p>
             <a:r>
               <a:rPr lang="en-ZA" dirty="0"/>
-              <a:t>Similar concept to source control</a:t>
+              <a:t>Makes sure that the recent code changes are working so that if there is already a released version of the software this update does not break the software</a:t>
             </a:r>
           </a:p>
           <a:p>
             <a:r>
               <a:rPr lang="en-ZA" dirty="0"/>
-              <a:t>Operates </a:t>
-            </a:r>
-            <a:r>
-              <a:rPr lang="en-ZA" dirty="0" smtClean="0"/>
-              <a:t>along-side </a:t>
-            </a:r>
+              <a:t>Allows teams to see where some lower level errors may exist</a:t>
+            </a:r>
+          </a:p>
+          <a:p>
             <a:r>
               <a:rPr lang="en-ZA" dirty="0"/>
-              <a:t>source control</a:t>
+              <a:t>In team based projects it is important to see where the latest revision of the project is and if it is indeed working</a:t>
             </a:r>
           </a:p>
           <a:p>
             <a:r>
               <a:rPr lang="en-ZA" dirty="0"/>
-              <a:t>It is a shared repository where the code is pushed periodically by the developer and an automated bot attempts to build the code. </a:t>
-            </a:r>
-          </a:p>
-          <a:p>
-            <a:pPr lvl="2"/>
+              <a:t>Test-first development strategies</a:t>
+            </a:r>
+          </a:p>
+          <a:p>
             <a:r>
               <a:rPr lang="en-ZA" dirty="0"/>
-              <a:t>The bot may also just use the source control system and check for any new commits</a:t>
-            </a:r>
-          </a:p>
-          <a:p>
-            <a:r>
-              <a:rPr lang="en-ZA" dirty="0"/>
-              <a:t>Usually there will be some kind of interface where the result of the build is displayed</a:t>
-            </a:r>
-          </a:p>
-          <a:p>
-            <a:pPr lvl="2"/>
-            <a:r>
-              <a:rPr lang="en-ZA" dirty="0"/>
-              <a:t>Either pass or fail</a:t>
-            </a:r>
-          </a:p>
-          <a:p>
-            <a:r>
-              <a:rPr lang="en-ZA" dirty="0"/>
-              <a:t>Some CI systems can also automatically deploy the code to its “live” version</a:t>
+              <a:t>Centralised deployment mechanism</a:t>
             </a:r>
           </a:p>
           <a:p>
@@ -7450,7 +7464,7 @@
     </p:spTree>
     <p:extLst>
       <p:ext uri="{BB962C8B-B14F-4D97-AF65-F5344CB8AC3E}">
-        <p14:creationId xmlns:p14="http://schemas.microsoft.com/office/powerpoint/2010/main" val="331715293"/>
+        <p14:creationId xmlns:p14="http://schemas.microsoft.com/office/powerpoint/2010/main" val="3423617187"/>
       </p:ext>
     </p:extLst>
   </p:cSld>
@@ -7501,7 +7515,7 @@
           <a:p>
             <a:r>
               <a:rPr lang="en-ZA" dirty="0" smtClean="0"/>
-              <a:t>Why Use A CI</a:t>
+              <a:t>Examples of Online CI Services</a:t>
             </a:r>
             <a:endParaRPr lang="en-ZA" dirty="0"/>
           </a:p>
@@ -7523,35 +7537,42 @@
           <a:lstStyle/>
           <a:p>
             <a:r>
-              <a:rPr lang="en-ZA" dirty="0"/>
-              <a:t>Makes sure that the recent code changes are working so that if there is already a released version of the software this update does not break the software</a:t>
-            </a:r>
-          </a:p>
-          <a:p>
-            <a:r>
-              <a:rPr lang="en-ZA" dirty="0"/>
-              <a:t>Allows teams to see where some lower level errors may exist</a:t>
-            </a:r>
-          </a:p>
-          <a:p>
-            <a:r>
-              <a:rPr lang="en-ZA" dirty="0"/>
-              <a:t>In team based projects it is important to see where the latest revision of the project is and if it is indeed working</a:t>
-            </a:r>
-          </a:p>
-          <a:p>
-            <a:r>
-              <a:rPr lang="en-ZA" dirty="0"/>
-              <a:t>Test-first development strategies</a:t>
-            </a:r>
-          </a:p>
-          <a:p>
-            <a:r>
-              <a:rPr lang="en-ZA" dirty="0"/>
-              <a:t>Centralised deployment mechanism</a:t>
-            </a:r>
-          </a:p>
-          <a:p>
+              <a:rPr lang="en-ZA" dirty="0">
+                <a:hlinkClick r:id="rId2"/>
+              </a:rPr>
+              <a:t>https://travis-ci.org</a:t>
+            </a:r>
+            <a:r>
+              <a:rPr lang="en-ZA" dirty="0" smtClean="0">
+                <a:hlinkClick r:id="rId2"/>
+              </a:rPr>
+              <a:t>/</a:t>
+            </a:r>
+            <a:endParaRPr lang="en-ZA" dirty="0" smtClean="0"/>
+          </a:p>
+          <a:p>
+            <a:r>
+              <a:rPr lang="en-ZA" dirty="0">
+                <a:hlinkClick r:id="rId3"/>
+              </a:rPr>
+              <a:t>https://www.appveyor.com</a:t>
+            </a:r>
+            <a:r>
+              <a:rPr lang="en-ZA" dirty="0" smtClean="0">
+                <a:hlinkClick r:id="rId3"/>
+              </a:rPr>
+              <a:t>/</a:t>
+            </a:r>
+            <a:endParaRPr lang="en-ZA" dirty="0" smtClean="0"/>
+          </a:p>
+          <a:p>
+            <a:endParaRPr lang="en-ZA" dirty="0"/>
+          </a:p>
+          <a:p>
+            <a:r>
+              <a:rPr lang="en-ZA" dirty="0" smtClean="0"/>
+              <a:t>We will cover testing later</a:t>
+            </a:r>
             <a:endParaRPr lang="en-ZA" dirty="0"/>
           </a:p>
         </p:txBody>
@@ -7559,7 +7580,7 @@
     </p:spTree>
     <p:extLst>
       <p:ext uri="{BB962C8B-B14F-4D97-AF65-F5344CB8AC3E}">
-        <p14:creationId xmlns:p14="http://schemas.microsoft.com/office/powerpoint/2010/main" val="1357863678"/>
+        <p14:creationId xmlns:p14="http://schemas.microsoft.com/office/powerpoint/2010/main" val="857486570"/>
       </p:ext>
     </p:extLst>
   </p:cSld>
@@ -7609,8 +7630,16 @@
           <a:lstStyle/>
           <a:p>
             <a:r>
-              <a:rPr lang="en-ZA" dirty="0" smtClean="0"/>
-              <a:t>Examples of Online CI Services</a:t>
+              <a:rPr lang="en-US" dirty="0" smtClean="0"/>
+              <a:t>Common </a:t>
+            </a:r>
+            <a:r>
+              <a:rPr lang="en-US" dirty="0" err="1" smtClean="0"/>
+              <a:t>Git</a:t>
+            </a:r>
+            <a:r>
+              <a:rPr lang="en-US" dirty="0" smtClean="0"/>
+              <a:t> Workflow</a:t>
             </a:r>
             <a:endParaRPr lang="en-ZA" dirty="0"/>
           </a:p>
@@ -7632,41 +7661,20 @@
           <a:lstStyle/>
           <a:p>
             <a:r>
-              <a:rPr lang="en-ZA" dirty="0">
-                <a:hlinkClick r:id="rId2"/>
-              </a:rPr>
-              <a:t>https://travis-ci.org</a:t>
-            </a:r>
-            <a:r>
-              <a:rPr lang="en-ZA" dirty="0" smtClean="0">
-                <a:hlinkClick r:id="rId2"/>
-              </a:rPr>
-              <a:t>/</a:t>
-            </a:r>
-            <a:endParaRPr lang="en-ZA" dirty="0" smtClean="0"/>
-          </a:p>
-          <a:p>
-            <a:r>
-              <a:rPr lang="en-ZA" dirty="0">
-                <a:hlinkClick r:id="rId3"/>
-              </a:rPr>
-              <a:t>https://www.appveyor.com</a:t>
-            </a:r>
-            <a:r>
-              <a:rPr lang="en-ZA" dirty="0" smtClean="0">
-                <a:hlinkClick r:id="rId3"/>
-              </a:rPr>
-              <a:t>/</a:t>
-            </a:r>
-            <a:endParaRPr lang="en-ZA" dirty="0" smtClean="0"/>
-          </a:p>
-          <a:p>
-            <a:endParaRPr lang="en-ZA" dirty="0"/>
-          </a:p>
-          <a:p>
-            <a:r>
-              <a:rPr lang="en-ZA" dirty="0" smtClean="0"/>
-              <a:t>We will cover testing later</a:t>
+              <a:rPr lang="en-US" dirty="0" smtClean="0"/>
+              <a:t>Master Branch -&gt; CI -&gt; automated deployment</a:t>
+            </a:r>
+          </a:p>
+          <a:p>
+            <a:r>
+              <a:rPr lang="en-US" dirty="0" smtClean="0"/>
+              <a:t>Develop Branch -&gt; CI -&gt; QA deployment</a:t>
+            </a:r>
+          </a:p>
+          <a:p>
+            <a:r>
+              <a:rPr lang="en-US" dirty="0" smtClean="0"/>
+              <a:t>Sub branches &lt;- hotfixes and feature requests</a:t>
             </a:r>
             <a:endParaRPr lang="en-ZA" dirty="0"/>
           </a:p>
@@ -7675,7 +7683,7 @@
     </p:spTree>
     <p:extLst>
       <p:ext uri="{BB962C8B-B14F-4D97-AF65-F5344CB8AC3E}">
-        <p14:creationId xmlns:p14="http://schemas.microsoft.com/office/powerpoint/2010/main" val="913708809"/>
+        <p14:creationId xmlns:p14="http://schemas.microsoft.com/office/powerpoint/2010/main" val="2263616210"/>
       </p:ext>
     </p:extLst>
   </p:cSld>
@@ -8786,35 +8794,31 @@
           <a:p>
             <a:pPr marL="0" indent="0"/>
             <a:r>
-              <a:rPr lang="en-ZA" dirty="0"/>
-              <a:t>Or </a:t>
-            </a:r>
-            <a:r>
-              <a:rPr lang="en-ZA" dirty="0">
+              <a:rPr lang="en-ZA" dirty="0" smtClean="0"/>
+              <a:t>Email me at:</a:t>
+            </a:r>
+            <a:r>
+              <a:rPr lang="en-ZA" dirty="0" smtClean="0"/>
+              <a:t> </a:t>
+            </a:r>
+            <a:r>
+              <a:rPr lang="en-ZA" dirty="0" smtClean="0">
                 <a:hlinkClick r:id="rId5"/>
               </a:rPr>
               <a:t>contact@jasonchalom.com</a:t>
             </a:r>
-            <a:endParaRPr lang="en-ZA" dirty="0"/>
-          </a:p>
-          <a:p>
-            <a:pPr marL="0" indent="0"/>
-            <a:r>
-              <a:rPr lang="en-ZA" dirty="0"/>
-              <a:t>Preferably: </a:t>
-            </a:r>
-            <a:r>
-              <a:rPr lang="en-ZA" dirty="0" smtClean="0">
-                <a:hlinkClick r:id="rId6"/>
-              </a:rPr>
-              <a:t>softdev16@jasonchalom.com</a:t>
-            </a:r>
-            <a:endParaRPr lang="en-ZA" dirty="0"/>
-          </a:p>
-          <a:p>
-            <a:pPr marL="0" indent="0">
-              <a:buNone/>
-            </a:pPr>
+            <a:endParaRPr lang="en-ZA" dirty="0" smtClean="0"/>
+          </a:p>
+          <a:p>
+            <a:pPr marL="400050" lvl="1" indent="0"/>
+            <a:r>
+              <a:rPr lang="en-US" dirty="0" smtClean="0"/>
+              <a:t>Have the subject line: SoftDev2016 “what </a:t>
+            </a:r>
+            <a:r>
+              <a:rPr lang="en-US" smtClean="0"/>
+              <a:t>your subject is”</a:t>
+            </a:r>
             <a:endParaRPr lang="en-ZA" dirty="0"/>
           </a:p>
         </p:txBody>
